--- a/Documentação/LLD/LLD.pptx
+++ b/Documentação/LLD/LLD.pptx
@@ -259,7 +259,7 @@
           <a:p>
             <a:fld id="{9124C99E-1E2C-46C7-9544-CFE55FE760E5}" type="datetimeFigureOut">
               <a:rPr lang="pt-BR" smtClean="0"/>
-              <a:t>30/09/2020</a:t>
+              <a:t>01/10/2020</a:t>
             </a:fld>
             <a:endParaRPr lang="pt-BR"/>
           </a:p>
@@ -457,7 +457,7 @@
           <a:p>
             <a:fld id="{9124C99E-1E2C-46C7-9544-CFE55FE760E5}" type="datetimeFigureOut">
               <a:rPr lang="pt-BR" smtClean="0"/>
-              <a:t>30/09/2020</a:t>
+              <a:t>01/10/2020</a:t>
             </a:fld>
             <a:endParaRPr lang="pt-BR"/>
           </a:p>
@@ -665,7 +665,7 @@
           <a:p>
             <a:fld id="{9124C99E-1E2C-46C7-9544-CFE55FE760E5}" type="datetimeFigureOut">
               <a:rPr lang="pt-BR" smtClean="0"/>
-              <a:t>30/09/2020</a:t>
+              <a:t>01/10/2020</a:t>
             </a:fld>
             <a:endParaRPr lang="pt-BR"/>
           </a:p>
@@ -863,7 +863,7 @@
           <a:p>
             <a:fld id="{9124C99E-1E2C-46C7-9544-CFE55FE760E5}" type="datetimeFigureOut">
               <a:rPr lang="pt-BR" smtClean="0"/>
-              <a:t>30/09/2020</a:t>
+              <a:t>01/10/2020</a:t>
             </a:fld>
             <a:endParaRPr lang="pt-BR"/>
           </a:p>
@@ -1138,7 +1138,7 @@
           <a:p>
             <a:fld id="{9124C99E-1E2C-46C7-9544-CFE55FE760E5}" type="datetimeFigureOut">
               <a:rPr lang="pt-BR" smtClean="0"/>
-              <a:t>30/09/2020</a:t>
+              <a:t>01/10/2020</a:t>
             </a:fld>
             <a:endParaRPr lang="pt-BR"/>
           </a:p>
@@ -1403,7 +1403,7 @@
           <a:p>
             <a:fld id="{9124C99E-1E2C-46C7-9544-CFE55FE760E5}" type="datetimeFigureOut">
               <a:rPr lang="pt-BR" smtClean="0"/>
-              <a:t>30/09/2020</a:t>
+              <a:t>01/10/2020</a:t>
             </a:fld>
             <a:endParaRPr lang="pt-BR"/>
           </a:p>
@@ -1815,7 +1815,7 @@
           <a:p>
             <a:fld id="{9124C99E-1E2C-46C7-9544-CFE55FE760E5}" type="datetimeFigureOut">
               <a:rPr lang="pt-BR" smtClean="0"/>
-              <a:t>30/09/2020</a:t>
+              <a:t>01/10/2020</a:t>
             </a:fld>
             <a:endParaRPr lang="pt-BR"/>
           </a:p>
@@ -1956,7 +1956,7 @@
           <a:p>
             <a:fld id="{9124C99E-1E2C-46C7-9544-CFE55FE760E5}" type="datetimeFigureOut">
               <a:rPr lang="pt-BR" smtClean="0"/>
-              <a:t>30/09/2020</a:t>
+              <a:t>01/10/2020</a:t>
             </a:fld>
             <a:endParaRPr lang="pt-BR"/>
           </a:p>
@@ -2069,7 +2069,7 @@
           <a:p>
             <a:fld id="{9124C99E-1E2C-46C7-9544-CFE55FE760E5}" type="datetimeFigureOut">
               <a:rPr lang="pt-BR" smtClean="0"/>
-              <a:t>30/09/2020</a:t>
+              <a:t>01/10/2020</a:t>
             </a:fld>
             <a:endParaRPr lang="pt-BR"/>
           </a:p>
@@ -2380,7 +2380,7 @@
           <a:p>
             <a:fld id="{9124C99E-1E2C-46C7-9544-CFE55FE760E5}" type="datetimeFigureOut">
               <a:rPr lang="pt-BR" smtClean="0"/>
-              <a:t>30/09/2020</a:t>
+              <a:t>01/10/2020</a:t>
             </a:fld>
             <a:endParaRPr lang="pt-BR"/>
           </a:p>
@@ -2668,7 +2668,7 @@
           <a:p>
             <a:fld id="{9124C99E-1E2C-46C7-9544-CFE55FE760E5}" type="datetimeFigureOut">
               <a:rPr lang="pt-BR" smtClean="0"/>
-              <a:t>30/09/2020</a:t>
+              <a:t>01/10/2020</a:t>
             </a:fld>
             <a:endParaRPr lang="pt-BR"/>
           </a:p>
@@ -2909,7 +2909,7 @@
           <a:p>
             <a:fld id="{9124C99E-1E2C-46C7-9544-CFE55FE760E5}" type="datetimeFigureOut">
               <a:rPr lang="pt-BR" smtClean="0"/>
-              <a:t>30/09/2020</a:t>
+              <a:t>01/10/2020</a:t>
             </a:fld>
             <a:endParaRPr lang="pt-BR"/>
           </a:p>
@@ -3326,36 +3326,94 @@
           <a:chExt cx="0" cy="0"/>
         </a:xfrm>
       </p:grpSpPr>
-      <p:pic>
-        <p:nvPicPr>
-          <p:cNvPr id="123" name="Imagem 122">
-            <a:extLst>
-              <a:ext uri="{FF2B5EF4-FFF2-40B4-BE49-F238E27FC236}">
-                <a16:creationId xmlns:a16="http://schemas.microsoft.com/office/drawing/2014/main" id="{FAD64CCB-7074-464E-8069-CE0CB7C7CC7F}"/>
-              </a:ext>
-            </a:extLst>
-          </p:cNvPr>
-          <p:cNvPicPr>
-            <a:picLocks noChangeAspect="1"/>
-          </p:cNvPicPr>
+      <p:sp>
+        <p:nvSpPr>
+          <p:cNvPr id="4" name="Nuvem 3">
+            <a:extLst>
+              <a:ext uri="{FF2B5EF4-FFF2-40B4-BE49-F238E27FC236}">
+                <a16:creationId xmlns:a16="http://schemas.microsoft.com/office/drawing/2014/main" id="{3460843D-0FC3-47E8-9FBD-A89E561BD9F5}"/>
+              </a:ext>
+            </a:extLst>
+          </p:cNvPr>
+          <p:cNvSpPr/>
           <p:nvPr/>
-        </p:nvPicPr>
-        <p:blipFill>
-          <a:blip r:embed="rId2"/>
-          <a:stretch>
-            <a:fillRect/>
-          </a:stretch>
-        </p:blipFill>
-        <p:spPr>
-          <a:xfrm>
-            <a:off x="519082" y="3670875"/>
-            <a:ext cx="5400058" cy="2887140"/>
-          </a:xfrm>
-          <a:prstGeom prst="rect">
+        </p:nvSpPr>
+        <p:spPr>
+          <a:xfrm>
+            <a:off x="6125532" y="5645254"/>
+            <a:ext cx="1593593" cy="1363551"/>
+          </a:xfrm>
+          <a:prstGeom prst="cloud">
             <a:avLst/>
           </a:prstGeom>
         </p:spPr>
-      </p:pic>
+        <p:style>
+          <a:lnRef idx="1">
+            <a:schemeClr val="accent5"/>
+          </a:lnRef>
+          <a:fillRef idx="2">
+            <a:schemeClr val="accent5"/>
+          </a:fillRef>
+          <a:effectRef idx="1">
+            <a:schemeClr val="accent5"/>
+          </a:effectRef>
+          <a:fontRef idx="minor">
+            <a:schemeClr val="dk1"/>
+          </a:fontRef>
+        </p:style>
+        <p:txBody>
+          <a:bodyPr rtlCol="0" anchor="ctr"/>
+          <a:lstStyle/>
+          <a:p>
+            <a:pPr algn="ctr"/>
+            <a:endParaRPr lang="pt-BR"/>
+          </a:p>
+        </p:txBody>
+      </p:sp>
+      <p:sp>
+        <p:nvSpPr>
+          <p:cNvPr id="3" name="Nuvem 2">
+            <a:extLst>
+              <a:ext uri="{FF2B5EF4-FFF2-40B4-BE49-F238E27FC236}">
+                <a16:creationId xmlns:a16="http://schemas.microsoft.com/office/drawing/2014/main" id="{0804DE3E-76BD-4D15-9B9E-95CDB96704AD}"/>
+              </a:ext>
+            </a:extLst>
+          </p:cNvPr>
+          <p:cNvSpPr/>
+          <p:nvPr/>
+        </p:nvSpPr>
+        <p:spPr>
+          <a:xfrm>
+            <a:off x="-417681" y="3258722"/>
+            <a:ext cx="7043551" cy="4122978"/>
+          </a:xfrm>
+          <a:prstGeom prst="cloud">
+            <a:avLst/>
+          </a:prstGeom>
+        </p:spPr>
+        <p:style>
+          <a:lnRef idx="1">
+            <a:schemeClr val="accent5"/>
+          </a:lnRef>
+          <a:fillRef idx="2">
+            <a:schemeClr val="accent5"/>
+          </a:fillRef>
+          <a:effectRef idx="1">
+            <a:schemeClr val="accent5"/>
+          </a:effectRef>
+          <a:fontRef idx="minor">
+            <a:schemeClr val="dk1"/>
+          </a:fontRef>
+        </p:style>
+        <p:txBody>
+          <a:bodyPr rtlCol="0" anchor="ctr"/>
+          <a:lstStyle/>
+          <a:p>
+            <a:pPr algn="ctr"/>
+            <a:endParaRPr lang="pt-BR"/>
+          </a:p>
+        </p:txBody>
+      </p:sp>
       <p:sp>
         <p:nvSpPr>
           <p:cNvPr id="127" name="Retângulo 126">
@@ -3557,7 +3615,7 @@
           <a:lstStyle/>
           <a:p>
             <a:pPr algn="ctr"/>
-            <a:endParaRPr lang="pt-BR"/>
+            <a:endParaRPr lang="pt-BR" dirty="0"/>
           </a:p>
         </p:txBody>
       </p:sp>
@@ -3679,7 +3737,7 @@
           <p:nvPr/>
         </p:nvPicPr>
         <p:blipFill>
-          <a:blip r:embed="rId3">
+          <a:blip r:embed="rId2">
             <a:extLst>
               <a:ext uri="{28A0092B-C50C-407E-A947-70E740481C1C}">
                 <a14:useLocalDpi xmlns:a14="http://schemas.microsoft.com/office/drawing/2010/main" val="0"/>
@@ -3715,14 +3773,14 @@
           <p:nvPr/>
         </p:nvPicPr>
         <p:blipFill>
-          <a:blip r:embed="rId4"/>
+          <a:blip r:embed="rId3"/>
           <a:stretch>
             <a:fillRect/>
           </a:stretch>
         </p:blipFill>
         <p:spPr>
           <a:xfrm>
-            <a:off x="2289389" y="940195"/>
+            <a:off x="2059689" y="781696"/>
             <a:ext cx="2296139" cy="2093767"/>
           </a:xfrm>
           <a:prstGeom prst="rect">
@@ -3745,7 +3803,7 @@
           <p:nvPr/>
         </p:nvPicPr>
         <p:blipFill>
-          <a:blip r:embed="rId4"/>
+          <a:blip r:embed="rId3"/>
           <a:stretch>
             <a:fillRect/>
           </a:stretch>
@@ -3775,11 +3833,11 @@
           <p:nvPr/>
         </p:nvPicPr>
         <p:blipFill>
-          <a:blip r:embed="rId5">
+          <a:blip r:embed="rId4">
             <a:extLst>
               <a:ext uri="{BEBA8EAE-BF5A-486C-A8C5-ECC9F3942E4B}">
                 <a14:imgProps xmlns:a14="http://schemas.microsoft.com/office/drawing/2010/main">
-                  <a14:imgLayer r:embed="rId6">
+                  <a14:imgLayer r:embed="rId5">
                     <a14:imgEffect>
                       <a14:backgroundRemoval t="8661" b="89961" l="9843" r="89961">
                         <a14:foregroundMark x1="50394" y1="9449" x2="50394" y2="9449"/>
@@ -3800,7 +3858,7 @@
         </p:blipFill>
         <p:spPr>
           <a:xfrm>
-            <a:off x="1292468" y="5022382"/>
+            <a:off x="1344318" y="4313594"/>
             <a:ext cx="1263195" cy="1263195"/>
           </a:xfrm>
           <a:prstGeom prst="rect">
@@ -3810,10 +3868,40 @@
       </p:pic>
       <p:pic>
         <p:nvPicPr>
-          <p:cNvPr id="21" name="Imagem 20">
-            <a:extLst>
-              <a:ext uri="{FF2B5EF4-FFF2-40B4-BE49-F238E27FC236}">
-                <a16:creationId xmlns:a16="http://schemas.microsoft.com/office/drawing/2014/main" id="{EA8EC3BC-3983-4195-B1C2-225F0D012BAA}"/>
+          <p:cNvPr id="23" name="Imagem 22">
+            <a:extLst>
+              <a:ext uri="{FF2B5EF4-FFF2-40B4-BE49-F238E27FC236}">
+                <a16:creationId xmlns:a16="http://schemas.microsoft.com/office/drawing/2014/main" id="{98FBD5FC-D35D-4B2D-A5B8-2896D6E1D941}"/>
+              </a:ext>
+            </a:extLst>
+          </p:cNvPr>
+          <p:cNvPicPr>
+            <a:picLocks noChangeAspect="1"/>
+          </p:cNvPicPr>
+          <p:nvPr/>
+        </p:nvPicPr>
+        <p:blipFill>
+          <a:blip r:embed="rId6"/>
+          <a:stretch>
+            <a:fillRect/>
+          </a:stretch>
+        </p:blipFill>
+        <p:spPr>
+          <a:xfrm>
+            <a:off x="6146808" y="2516338"/>
+            <a:ext cx="1297869" cy="1271912"/>
+          </a:xfrm>
+          <a:prstGeom prst="rect">
+            <a:avLst/>
+          </a:prstGeom>
+        </p:spPr>
+      </p:pic>
+      <p:pic>
+        <p:nvPicPr>
+          <p:cNvPr id="27" name="Imagem 26">
+            <a:extLst>
+              <a:ext uri="{FF2B5EF4-FFF2-40B4-BE49-F238E27FC236}">
+                <a16:creationId xmlns:a16="http://schemas.microsoft.com/office/drawing/2014/main" id="{08369EED-AE53-47D9-8652-3720FC1A7A9E}"/>
               </a:ext>
             </a:extLst>
           </p:cNvPr>
@@ -3830,15 +3918,9 @@
                   <a14:imgLayer r:embed="rId8">
                     <a14:imgEffect>
                       <a14:backgroundRemoval t="10000" b="90000" l="10000" r="90000">
-                        <a14:foregroundMark x1="73548" y1="60736" x2="73548" y2="60736"/>
-                        <a14:foregroundMark x1="63871" y1="28221" x2="63871" y2="28221"/>
-                        <a14:foregroundMark x1="63226" y1="31902" x2="63226" y2="31902"/>
-                        <a14:foregroundMark x1="67742" y1="37423" x2="67742" y2="37423"/>
-                        <a14:foregroundMark x1="70323" y1="39877" x2="70323" y2="39877"/>
-                        <a14:foregroundMark x1="65484" y1="23926" x2="65484" y2="23926"/>
-                        <a14:foregroundMark x1="68710" y1="24540" x2="68710" y2="24540"/>
-                        <a14:foregroundMark x1="52258" y1="32515" x2="52258" y2="32515"/>
-                        <a14:foregroundMark x1="37097" y1="34969" x2="37097" y2="34969"/>
+                        <a14:foregroundMark x1="40741" y1="38750" x2="40741" y2="38750"/>
+                        <a14:foregroundMark x1="16049" y1="18750" x2="16049" y2="18750"/>
+                        <a14:foregroundMark x1="59259" y1="35000" x2="59259" y2="35000"/>
                       </a14:backgroundRemoval>
                     </a14:imgEffect>
                   </a14:imgLayer>
@@ -3852,8 +3934,8 @@
         </p:blipFill>
         <p:spPr>
           <a:xfrm>
-            <a:off x="1382238" y="4506863"/>
-            <a:ext cx="1083657" cy="569794"/>
+            <a:off x="3518653" y="5615911"/>
+            <a:ext cx="603252" cy="595804"/>
           </a:xfrm>
           <a:prstGeom prst="rect">
             <a:avLst/>
@@ -3862,10 +3944,10 @@
       </p:pic>
       <p:pic>
         <p:nvPicPr>
-          <p:cNvPr id="23" name="Imagem 22">
-            <a:extLst>
-              <a:ext uri="{FF2B5EF4-FFF2-40B4-BE49-F238E27FC236}">
-                <a16:creationId xmlns:a16="http://schemas.microsoft.com/office/drawing/2014/main" id="{98FBD5FC-D35D-4B2D-A5B8-2896D6E1D941}"/>
+          <p:cNvPr id="34" name="Imagem 33">
+            <a:extLst>
+              <a:ext uri="{FF2B5EF4-FFF2-40B4-BE49-F238E27FC236}">
+                <a16:creationId xmlns:a16="http://schemas.microsoft.com/office/drawing/2014/main" id="{3A9057D3-2356-47F4-A775-2F329DFBF5E6}"/>
               </a:ext>
             </a:extLst>
           </p:cNvPr>
@@ -3882,8 +3964,8 @@
         </p:blipFill>
         <p:spPr>
           <a:xfrm>
-            <a:off x="6108086" y="2759853"/>
-            <a:ext cx="1297869" cy="1271912"/>
+            <a:off x="10141745" y="3847186"/>
+            <a:ext cx="585138" cy="585138"/>
           </a:xfrm>
           <a:prstGeom prst="rect">
             <a:avLst/>
@@ -3892,10 +3974,10 @@
       </p:pic>
       <p:pic>
         <p:nvPicPr>
-          <p:cNvPr id="25" name="Imagem 24">
-            <a:extLst>
-              <a:ext uri="{FF2B5EF4-FFF2-40B4-BE49-F238E27FC236}">
-                <a16:creationId xmlns:a16="http://schemas.microsoft.com/office/drawing/2014/main" id="{790861E6-AE09-447E-8D2F-CA428BB1D1F2}"/>
+          <p:cNvPr id="36" name="Imagem 35" descr="Logotipo, Ícone&#10;&#10;Descrição gerada automaticamente">
+            <a:extLst>
+              <a:ext uri="{FF2B5EF4-FFF2-40B4-BE49-F238E27FC236}">
+                <a16:creationId xmlns:a16="http://schemas.microsoft.com/office/drawing/2014/main" id="{9A2302DA-F207-4996-BE62-458906A4B07C}"/>
               </a:ext>
             </a:extLst>
           </p:cNvPr>
@@ -3905,15 +3987,21 @@
           <p:nvPr/>
         </p:nvPicPr>
         <p:blipFill>
-          <a:blip r:embed="rId10"/>
+          <a:blip r:embed="rId2">
+            <a:extLst>
+              <a:ext uri="{28A0092B-C50C-407E-A947-70E740481C1C}">
+                <a14:useLocalDpi xmlns:a14="http://schemas.microsoft.com/office/drawing/2010/main" val="0"/>
+              </a:ext>
+            </a:extLst>
+          </a:blip>
           <a:stretch>
             <a:fillRect/>
           </a:stretch>
         </p:blipFill>
         <p:spPr>
           <a:xfrm>
-            <a:off x="1151178" y="3926991"/>
-            <a:ext cx="1556984" cy="1532786"/>
+            <a:off x="4217516" y="4730350"/>
+            <a:ext cx="538801" cy="482822"/>
           </a:xfrm>
           <a:prstGeom prst="rect">
             <a:avLst/>
@@ -3922,10 +4010,10 @@
       </p:pic>
       <p:pic>
         <p:nvPicPr>
-          <p:cNvPr id="27" name="Imagem 26">
-            <a:extLst>
-              <a:ext uri="{FF2B5EF4-FFF2-40B4-BE49-F238E27FC236}">
-                <a16:creationId xmlns:a16="http://schemas.microsoft.com/office/drawing/2014/main" id="{08369EED-AE53-47D9-8652-3720FC1A7A9E}"/>
+          <p:cNvPr id="37" name="Imagem 36">
+            <a:extLst>
+              <a:ext uri="{FF2B5EF4-FFF2-40B4-BE49-F238E27FC236}">
+                <a16:creationId xmlns:a16="http://schemas.microsoft.com/office/drawing/2014/main" id="{F6C3B7D9-E1DF-46C9-95CF-2918CE97F99A}"/>
               </a:ext>
             </a:extLst>
           </p:cNvPr>
@@ -3935,123 +4023,11 @@
           <p:nvPr/>
         </p:nvPicPr>
         <p:blipFill>
-          <a:blip r:embed="rId11">
+          <a:blip r:embed="rId10">
             <a:extLst>
               <a:ext uri="{BEBA8EAE-BF5A-486C-A8C5-ECC9F3942E4B}">
                 <a14:imgProps xmlns:a14="http://schemas.microsoft.com/office/drawing/2010/main">
-                  <a14:imgLayer r:embed="rId12">
-                    <a14:imgEffect>
-                      <a14:backgroundRemoval t="10000" b="90000" l="10000" r="90000">
-                        <a14:foregroundMark x1="40741" y1="38750" x2="40741" y2="38750"/>
-                        <a14:foregroundMark x1="16049" y1="18750" x2="16049" y2="18750"/>
-                        <a14:foregroundMark x1="59259" y1="35000" x2="59259" y2="35000"/>
-                      </a14:backgroundRemoval>
-                    </a14:imgEffect>
-                  </a14:imgLayer>
-                </a14:imgProps>
-              </a:ext>
-            </a:extLst>
-          </a:blip>
-          <a:stretch>
-            <a:fillRect/>
-          </a:stretch>
-        </p:blipFill>
-        <p:spPr>
-          <a:xfrm>
-            <a:off x="3518653" y="5615911"/>
-            <a:ext cx="603252" cy="595804"/>
-          </a:xfrm>
-          <a:prstGeom prst="rect">
-            <a:avLst/>
-          </a:prstGeom>
-        </p:spPr>
-      </p:pic>
-      <p:pic>
-        <p:nvPicPr>
-          <p:cNvPr id="34" name="Imagem 33">
-            <a:extLst>
-              <a:ext uri="{FF2B5EF4-FFF2-40B4-BE49-F238E27FC236}">
-                <a16:creationId xmlns:a16="http://schemas.microsoft.com/office/drawing/2014/main" id="{3A9057D3-2356-47F4-A775-2F329DFBF5E6}"/>
-              </a:ext>
-            </a:extLst>
-          </p:cNvPr>
-          <p:cNvPicPr>
-            <a:picLocks noChangeAspect="1"/>
-          </p:cNvPicPr>
-          <p:nvPr/>
-        </p:nvPicPr>
-        <p:blipFill>
-          <a:blip r:embed="rId13"/>
-          <a:stretch>
-            <a:fillRect/>
-          </a:stretch>
-        </p:blipFill>
-        <p:spPr>
-          <a:xfrm>
-            <a:off x="10141745" y="3847186"/>
-            <a:ext cx="585138" cy="585138"/>
-          </a:xfrm>
-          <a:prstGeom prst="rect">
-            <a:avLst/>
-          </a:prstGeom>
-        </p:spPr>
-      </p:pic>
-      <p:pic>
-        <p:nvPicPr>
-          <p:cNvPr id="36" name="Imagem 35" descr="Logotipo, Ícone&#10;&#10;Descrição gerada automaticamente">
-            <a:extLst>
-              <a:ext uri="{FF2B5EF4-FFF2-40B4-BE49-F238E27FC236}">
-                <a16:creationId xmlns:a16="http://schemas.microsoft.com/office/drawing/2014/main" id="{9A2302DA-F207-4996-BE62-458906A4B07C}"/>
-              </a:ext>
-            </a:extLst>
-          </p:cNvPr>
-          <p:cNvPicPr>
-            <a:picLocks noChangeAspect="1"/>
-          </p:cNvPicPr>
-          <p:nvPr/>
-        </p:nvPicPr>
-        <p:blipFill>
-          <a:blip r:embed="rId3">
-            <a:extLst>
-              <a:ext uri="{28A0092B-C50C-407E-A947-70E740481C1C}">
-                <a14:useLocalDpi xmlns:a14="http://schemas.microsoft.com/office/drawing/2010/main" val="0"/>
-              </a:ext>
-            </a:extLst>
-          </a:blip>
-          <a:stretch>
-            <a:fillRect/>
-          </a:stretch>
-        </p:blipFill>
-        <p:spPr>
-          <a:xfrm>
-            <a:off x="8446349" y="2668637"/>
-            <a:ext cx="538801" cy="482822"/>
-          </a:xfrm>
-          <a:prstGeom prst="rect">
-            <a:avLst/>
-          </a:prstGeom>
-        </p:spPr>
-      </p:pic>
-      <p:pic>
-        <p:nvPicPr>
-          <p:cNvPr id="37" name="Imagem 36">
-            <a:extLst>
-              <a:ext uri="{FF2B5EF4-FFF2-40B4-BE49-F238E27FC236}">
-                <a16:creationId xmlns:a16="http://schemas.microsoft.com/office/drawing/2014/main" id="{F6C3B7D9-E1DF-46C9-95CF-2918CE97F99A}"/>
-              </a:ext>
-            </a:extLst>
-          </p:cNvPr>
-          <p:cNvPicPr>
-            <a:picLocks noChangeAspect="1"/>
-          </p:cNvPicPr>
-          <p:nvPr/>
-        </p:nvPicPr>
-        <p:blipFill>
-          <a:blip r:embed="rId14">
-            <a:extLst>
-              <a:ext uri="{BEBA8EAE-BF5A-486C-A8C5-ECC9F3942E4B}">
-                <a14:imgProps xmlns:a14="http://schemas.microsoft.com/office/drawing/2010/main">
-                  <a14:imgLayer r:embed="rId15">
+                  <a14:imgLayer r:embed="rId11">
                     <a14:imgEffect>
                       <a14:backgroundRemoval t="9778" b="89778" l="9778" r="95111">
                         <a14:foregroundMark x1="47946" y1="21313" x2="24444" y2="34222"/>
@@ -4072,7 +4048,7 @@
         </p:blipFill>
         <p:spPr>
           <a:xfrm>
-            <a:off x="2731959" y="1282085"/>
+            <a:off x="2754556" y="973645"/>
             <a:ext cx="591250" cy="567784"/>
           </a:xfrm>
           <a:prstGeom prst="rect">
@@ -4095,11 +4071,11 @@
           <p:nvPr/>
         </p:nvPicPr>
         <p:blipFill>
-          <a:blip r:embed="rId16">
+          <a:blip r:embed="rId12">
             <a:extLst>
               <a:ext uri="{BEBA8EAE-BF5A-486C-A8C5-ECC9F3942E4B}">
                 <a14:imgProps xmlns:a14="http://schemas.microsoft.com/office/drawing/2010/main">
-                  <a14:imgLayer r:embed="rId17">
+                  <a14:imgLayer r:embed="rId13">
                     <a14:imgEffect>
                       <a14:backgroundRemoval t="6180" b="89888" l="1685" r="98876">
                         <a14:foregroundMark x1="86517" y1="40449" x2="86517" y2="40449"/>
@@ -4135,7 +4111,7 @@
         </p:blipFill>
         <p:spPr>
           <a:xfrm>
-            <a:off x="3526133" y="1226540"/>
+            <a:off x="3420695" y="932821"/>
             <a:ext cx="567784" cy="567784"/>
           </a:xfrm>
           <a:prstGeom prst="rect">
@@ -4158,11 +4134,11 @@
           <p:nvPr/>
         </p:nvPicPr>
         <p:blipFill>
-          <a:blip r:embed="rId18">
+          <a:blip r:embed="rId14">
             <a:extLst>
               <a:ext uri="{BEBA8EAE-BF5A-486C-A8C5-ECC9F3942E4B}">
                 <a14:imgProps xmlns:a14="http://schemas.microsoft.com/office/drawing/2010/main">
-                  <a14:imgLayer r:embed="rId19">
+                  <a14:imgLayer r:embed="rId15">
                     <a14:imgEffect>
                       <a14:backgroundRemoval t="9778" b="90222" l="9778" r="89778">
                         <a14:foregroundMark x1="56000" y1="11111" x2="56000" y2="11111"/>
@@ -4212,11 +4188,11 @@
           <p:nvPr/>
         </p:nvPicPr>
         <p:blipFill>
-          <a:blip r:embed="rId20">
+          <a:blip r:embed="rId16">
             <a:extLst>
               <a:ext uri="{BEBA8EAE-BF5A-486C-A8C5-ECC9F3942E4B}">
                 <a14:imgProps xmlns:a14="http://schemas.microsoft.com/office/drawing/2010/main">
-                  <a14:imgLayer r:embed="rId21">
+                  <a14:imgLayer r:embed="rId17">
                     <a14:imgEffect>
                       <a14:backgroundRemoval t="9778" b="94222" l="9778" r="89778">
                         <a14:foregroundMark x1="30667" y1="18667" x2="30667" y2="18667"/>
@@ -4265,11 +4241,11 @@
           <p:nvPr/>
         </p:nvPicPr>
         <p:blipFill>
-          <a:blip r:embed="rId22">
+          <a:blip r:embed="rId18">
             <a:extLst>
               <a:ext uri="{BEBA8EAE-BF5A-486C-A8C5-ECC9F3942E4B}">
                 <a14:imgProps xmlns:a14="http://schemas.microsoft.com/office/drawing/2010/main">
-                  <a14:imgLayer r:embed="rId23">
+                  <a14:imgLayer r:embed="rId19">
                     <a14:imgEffect>
                       <a14:backgroundRemoval t="10000" b="90000" l="6852" r="95556">
                         <a14:foregroundMark x1="94444" y1="60741" x2="94444" y2="60741"/>
@@ -4288,7 +4264,7 @@
         </p:blipFill>
         <p:spPr>
           <a:xfrm>
-            <a:off x="4524366" y="5569517"/>
+            <a:off x="6665171" y="5766013"/>
             <a:ext cx="554599" cy="554599"/>
           </a:xfrm>
           <a:prstGeom prst="rect">
@@ -4311,11 +4287,11 @@
           <p:nvPr/>
         </p:nvPicPr>
         <p:blipFill>
-          <a:blip r:embed="rId24">
+          <a:blip r:embed="rId20">
             <a:extLst>
               <a:ext uri="{BEBA8EAE-BF5A-486C-A8C5-ECC9F3942E4B}">
                 <a14:imgProps xmlns:a14="http://schemas.microsoft.com/office/drawing/2010/main">
-                  <a14:imgLayer r:embed="rId25">
+                  <a14:imgLayer r:embed="rId21">
                     <a14:imgEffect>
                       <a14:backgroundRemoval t="3681" b="92025" l="10000" r="90000">
                         <a14:foregroundMark x1="39032" y1="6748" x2="39032" y2="6748"/>
@@ -4361,11 +4337,11 @@
           <p:nvPr/>
         </p:nvPicPr>
         <p:blipFill>
-          <a:blip r:embed="rId26">
+          <a:blip r:embed="rId22">
             <a:extLst>
               <a:ext uri="{BEBA8EAE-BF5A-486C-A8C5-ECC9F3942E4B}">
                 <a14:imgProps xmlns:a14="http://schemas.microsoft.com/office/drawing/2010/main">
-                  <a14:imgLayer r:embed="rId27">
+                  <a14:imgLayer r:embed="rId23">
                     <a14:imgEffect>
                       <a14:backgroundRemoval t="3556" b="99556" l="9778" r="89778">
                         <a14:foregroundMark x1="49333" y1="14667" x2="49333" y2="14667"/>
@@ -4389,7 +4365,7 @@
         </p:blipFill>
         <p:spPr>
           <a:xfrm>
-            <a:off x="10845940" y="1296998"/>
+            <a:off x="10698930" y="1269418"/>
             <a:ext cx="420083" cy="420083"/>
           </a:xfrm>
           <a:prstGeom prst="rect">
@@ -4412,11 +4388,11 @@
           <p:nvPr/>
         </p:nvPicPr>
         <p:blipFill>
-          <a:blip r:embed="rId28">
+          <a:blip r:embed="rId24">
             <a:extLst>
               <a:ext uri="{BEBA8EAE-BF5A-486C-A8C5-ECC9F3942E4B}">
                 <a14:imgProps xmlns:a14="http://schemas.microsoft.com/office/drawing/2010/main">
-                  <a14:imgLayer r:embed="rId29">
+                  <a14:imgLayer r:embed="rId25">
                     <a14:imgEffect>
                       <a14:backgroundRemoval t="408" b="98777" l="2239" r="95896">
                         <a14:foregroundMark x1="57338" y1="12538" x2="57338" y2="12538"/>
@@ -4491,7 +4467,7 @@
         </p:blipFill>
         <p:spPr>
           <a:xfrm>
-            <a:off x="10913232" y="1814048"/>
+            <a:off x="11122344" y="1269418"/>
             <a:ext cx="285498" cy="348351"/>
           </a:xfrm>
           <a:prstGeom prst="rect">
@@ -4632,49 +4608,8 @@
         </p:nvCxnSpPr>
         <p:spPr>
           <a:xfrm flipH="1">
-            <a:off x="9103895" y="2910048"/>
-            <a:ext cx="643700" cy="0"/>
-          </a:xfrm>
-          <a:prstGeom prst="straightConnector1">
-            <a:avLst/>
-          </a:prstGeom>
-          <a:ln>
-            <a:tailEnd type="triangle"/>
-          </a:ln>
-        </p:spPr>
-        <p:style>
-          <a:lnRef idx="3">
-            <a:schemeClr val="dk1"/>
-          </a:lnRef>
-          <a:fillRef idx="0">
-            <a:schemeClr val="dk1"/>
-          </a:fillRef>
-          <a:effectRef idx="2">
-            <a:schemeClr val="dk1"/>
-          </a:effectRef>
-          <a:fontRef idx="minor">
-            <a:schemeClr val="tx1"/>
-          </a:fontRef>
-        </p:style>
-      </p:cxnSp>
-      <p:cxnSp>
-        <p:nvCxnSpPr>
-          <p:cNvPr id="83" name="Conector de Seta Reta 82">
-            <a:extLst>
-              <a:ext uri="{FF2B5EF4-FFF2-40B4-BE49-F238E27FC236}">
-                <a16:creationId xmlns:a16="http://schemas.microsoft.com/office/drawing/2014/main" id="{36A88E42-6C9B-4EBA-AA4E-5F50E76AC2D1}"/>
-              </a:ext>
-            </a:extLst>
-          </p:cNvPr>
-          <p:cNvCxnSpPr>
-            <a:cxnSpLocks/>
-          </p:cNvCxnSpPr>
-          <p:nvPr/>
-        </p:nvCxnSpPr>
-        <p:spPr>
-          <a:xfrm flipH="1">
-            <a:off x="7459791" y="2862100"/>
-            <a:ext cx="867813" cy="366447"/>
+            <a:off x="7525510" y="2910048"/>
+            <a:ext cx="2222085" cy="167236"/>
           </a:xfrm>
           <a:prstGeom prst="straightConnector1">
             <a:avLst/>
@@ -4714,7 +4649,7 @@
         </p:nvCxnSpPr>
         <p:spPr>
           <a:xfrm flipV="1">
-            <a:off x="4917546" y="3912374"/>
+            <a:off x="4789445" y="3775610"/>
             <a:ext cx="1387222" cy="781011"/>
           </a:xfrm>
           <a:prstGeom prst="straightConnector1">
@@ -4796,7 +4731,7 @@
           <p:nvPr/>
         </p:nvPicPr>
         <p:blipFill>
-          <a:blip r:embed="rId30"/>
+          <a:blip r:embed="rId26"/>
           <a:stretch>
             <a:fillRect/>
           </a:stretch>
@@ -4826,7 +4761,7 @@
           <p:nvPr/>
         </p:nvPicPr>
         <p:blipFill>
-          <a:blip r:embed="rId30"/>
+          <a:blip r:embed="rId26"/>
           <a:stretch>
             <a:fillRect/>
           </a:stretch>
@@ -4856,14 +4791,14 @@
           <p:nvPr/>
         </p:nvPicPr>
         <p:blipFill>
-          <a:blip r:embed="rId30"/>
+          <a:blip r:embed="rId26"/>
           <a:stretch>
             <a:fillRect/>
           </a:stretch>
         </p:blipFill>
         <p:spPr>
           <a:xfrm>
-            <a:off x="5015794" y="4577033"/>
+            <a:off x="5097889" y="4356218"/>
             <a:ext cx="609194" cy="605632"/>
           </a:xfrm>
           <a:prstGeom prst="rect">
@@ -4885,12 +4820,12 @@
           </p:cNvPicPr>
           <p:nvPr/>
         </p:nvPicPr>
-        <p:blipFill>
-          <a:blip r:embed="rId31">
+        <p:blipFill rotWithShape="1">
+          <a:blip r:embed="rId27">
             <a:extLst>
               <a:ext uri="{BEBA8EAE-BF5A-486C-A8C5-ECC9F3942E4B}">
                 <a14:imgProps xmlns:a14="http://schemas.microsoft.com/office/drawing/2010/main">
-                  <a14:imgLayer r:embed="rId32">
+                  <a14:imgLayer r:embed="rId28">
                     <a14:imgEffect>
                       <a14:backgroundRemoval t="9799" b="89950" l="2500" r="94063">
                         <a14:foregroundMark x1="10938" y1="20352" x2="10938" y2="20352"/>
@@ -4936,14 +4871,13 @@
               </a:ext>
             </a:extLst>
           </a:blip>
-          <a:stretch>
-            <a:fillRect/>
-          </a:stretch>
+          <a:srcRect l="58695" t="-1359" r="22613" b="18821"/>
+          <a:stretch/>
         </p:blipFill>
         <p:spPr>
           <a:xfrm>
-            <a:off x="9747595" y="4362237"/>
-            <a:ext cx="1251735" cy="518949"/>
+            <a:off x="10459505" y="4325643"/>
+            <a:ext cx="233973" cy="428320"/>
           </a:xfrm>
           <a:prstGeom prst="rect">
             <a:avLst/>
@@ -4965,14 +4899,14 @@
           <p:nvPr/>
         </p:nvPicPr>
         <p:blipFill rotWithShape="1">
-          <a:blip r:embed="rId33"/>
+          <a:blip r:embed="rId29"/>
           <a:srcRect l="21615" t="9688" r="21931"/>
           <a:stretch/>
         </p:blipFill>
         <p:spPr>
           <a:xfrm>
-            <a:off x="1500762" y="1151774"/>
-            <a:ext cx="677544" cy="722608"/>
+            <a:off x="4222503" y="5290672"/>
+            <a:ext cx="565897" cy="603535"/>
           </a:xfrm>
           <a:prstGeom prst="rect">
             <a:avLst/>
@@ -5065,7 +4999,7 @@
         </p:nvSpPr>
         <p:spPr>
           <a:xfrm>
-            <a:off x="786620" y="3884418"/>
+            <a:off x="861631" y="6501932"/>
             <a:ext cx="2306323" cy="376007"/>
           </a:xfrm>
           <a:prstGeom prst="rect">
@@ -5082,7 +5016,7 @@
             <a:pPr algn="ctr"/>
             <a:r>
               <a:rPr lang="pt-BR" dirty="0"/>
-              <a:t>Nuvem</a:t>
+              <a:t>Nuvem Azure</a:t>
             </a:r>
           </a:p>
         </p:txBody>
@@ -5140,8 +5074,8 @@
         </p:nvCxnSpPr>
         <p:spPr>
           <a:xfrm flipV="1">
-            <a:off x="1912907" y="3472269"/>
-            <a:ext cx="4082205" cy="374916"/>
+            <a:off x="1912907" y="3519619"/>
+            <a:ext cx="4110505" cy="327566"/>
           </a:xfrm>
           <a:prstGeom prst="straightConnector1">
             <a:avLst/>
@@ -5180,8 +5114,8 @@
         </p:nvSpPr>
         <p:spPr>
           <a:xfrm>
-            <a:off x="4121905" y="6123210"/>
-            <a:ext cx="1368492" cy="261610"/>
+            <a:off x="6326005" y="6327029"/>
+            <a:ext cx="1368492" cy="430887"/>
           </a:xfrm>
           <a:prstGeom prst="rect">
             <a:avLst/>
@@ -5196,8 +5130,12 @@
           <a:p>
             <a:pPr algn="ctr"/>
             <a:r>
+              <a:rPr lang="pt-BR" sz="1100" dirty="0" err="1"/>
+              <a:t>Discord</a:t>
+            </a:r>
+            <a:r>
               <a:rPr lang="pt-BR" sz="1100" dirty="0"/>
-              <a:t>Abertura de ticket</a:t>
+              <a:t> - Abertura de ticket</a:t>
             </a:r>
           </a:p>
         </p:txBody>
@@ -5217,7 +5155,7 @@
         <p:spPr>
           <a:xfrm>
             <a:off x="9715287" y="5675429"/>
-            <a:ext cx="1368492" cy="261610"/>
+            <a:ext cx="1368492" cy="430887"/>
           </a:xfrm>
           <a:prstGeom prst="rect">
             <a:avLst/>
@@ -5233,7 +5171,7 @@
             <a:pPr algn="ctr"/>
             <a:r>
               <a:rPr lang="pt-BR" sz="1100" dirty="0"/>
-              <a:t>Notebook/ Desktop</a:t>
+              <a:t>Notebook/ Desktop do usuário</a:t>
             </a:r>
           </a:p>
         </p:txBody>
@@ -5253,7 +5191,7 @@
         <p:spPr>
           <a:xfrm>
             <a:off x="10399533" y="2568276"/>
-            <a:ext cx="1368492" cy="261610"/>
+            <a:ext cx="1368492" cy="430887"/>
           </a:xfrm>
           <a:prstGeom prst="rect">
             <a:avLst/>
@@ -5269,7 +5207,7 @@
             <a:pPr algn="ctr"/>
             <a:r>
               <a:rPr lang="pt-BR" sz="1100" dirty="0"/>
-              <a:t>Smartphone</a:t>
+              <a:t>Smartphone do usuário</a:t>
             </a:r>
           </a:p>
         </p:txBody>
@@ -5329,7 +5267,7 @@
         </p:nvSpPr>
         <p:spPr>
           <a:xfrm>
-            <a:off x="4539599" y="5182665"/>
+            <a:off x="4749831" y="4940767"/>
             <a:ext cx="1368492" cy="261610"/>
           </a:xfrm>
           <a:prstGeom prst="rect">
@@ -5346,13 +5284,8 @@
             <a:pPr algn="ctr"/>
             <a:r>
               <a:rPr lang="pt-BR" sz="1100" dirty="0"/>
-              <a:t>Roteador </a:t>
-            </a:r>
-            <a:r>
-              <a:rPr lang="pt-BR" sz="1100" dirty="0" err="1"/>
-              <a:t>wifi</a:t>
-            </a:r>
-            <a:endParaRPr lang="pt-BR" sz="1100" dirty="0"/>
+              <a:t>Roteador</a:t>
+            </a:r>
           </a:p>
         </p:txBody>
       </p:sp>
@@ -5411,7 +5344,7 @@
         </p:nvSpPr>
         <p:spPr>
           <a:xfrm>
-            <a:off x="6046509" y="4137177"/>
+            <a:off x="6061724" y="3852573"/>
             <a:ext cx="1368492" cy="261610"/>
           </a:xfrm>
           <a:prstGeom prst="rect">
@@ -5447,7 +5380,7 @@
         </p:nvSpPr>
         <p:spPr>
           <a:xfrm>
-            <a:off x="1233529" y="6162433"/>
+            <a:off x="1291669" y="5567059"/>
             <a:ext cx="1368492" cy="261610"/>
           </a:xfrm>
           <a:prstGeom prst="rect">
@@ -5505,6 +5438,435 @@
           </a:p>
         </p:txBody>
       </p:sp>
+      <p:pic>
+        <p:nvPicPr>
+          <p:cNvPr id="12" name="Imagem 11">
+            <a:extLst>
+              <a:ext uri="{FF2B5EF4-FFF2-40B4-BE49-F238E27FC236}">
+                <a16:creationId xmlns:a16="http://schemas.microsoft.com/office/drawing/2014/main" id="{D0EC44AE-FB81-47D7-9181-9F32B75ED917}"/>
+              </a:ext>
+            </a:extLst>
+          </p:cNvPr>
+          <p:cNvPicPr>
+            <a:picLocks noChangeAspect="1"/>
+          </p:cNvPicPr>
+          <p:nvPr/>
+        </p:nvPicPr>
+        <p:blipFill rotWithShape="1">
+          <a:blip r:embed="rId27">
+            <a:extLst>
+              <a:ext uri="{BEBA8EAE-BF5A-486C-A8C5-ECC9F3942E4B}">
+                <a14:imgProps xmlns:a14="http://schemas.microsoft.com/office/drawing/2010/main">
+                  <a14:imgLayer r:embed="rId28">
+                    <a14:imgEffect>
+                      <a14:backgroundRemoval t="9799" b="89950" l="2500" r="94063">
+                        <a14:foregroundMark x1="10938" y1="20352" x2="10938" y2="20352"/>
+                        <a14:foregroundMark x1="16042" y1="34422" x2="16042" y2="34422"/>
+                        <a14:foregroundMark x1="12292" y1="36181" x2="12292" y2="36181"/>
+                        <a14:foregroundMark x1="14271" y1="32915" x2="14271" y2="32915"/>
+                        <a14:foregroundMark x1="11979" y1="28392" x2="16875" y2="41457"/>
+                        <a14:foregroundMark x1="16875" y1="41457" x2="10104" y2="45729"/>
+                        <a14:foregroundMark x1="10104" y1="45729" x2="7500" y2="27638"/>
+                        <a14:foregroundMark x1="7500" y1="27638" x2="7708" y2="25879"/>
+                        <a14:foregroundMark x1="11146" y1="28643" x2="6250" y2="41960"/>
+                        <a14:foregroundMark x1="6250" y1="41960" x2="8438" y2="49246"/>
+                        <a14:foregroundMark x1="13021" y1="50754" x2="8542" y2="42965"/>
+                        <a14:foregroundMark x1="3958" y1="39196" x2="2500" y2="35930"/>
+                        <a14:foregroundMark x1="23021" y1="36432" x2="29271" y2="27638"/>
+                        <a14:foregroundMark x1="29271" y1="27638" x2="29479" y2="30905"/>
+                        <a14:foregroundMark x1="30208" y1="50000" x2="32604" y2="34673"/>
+                        <a14:foregroundMark x1="32604" y1="34673" x2="34896" y2="39950"/>
+                        <a14:foregroundMark x1="36250" y1="27889" x2="38229" y2="41960"/>
+                        <a14:foregroundMark x1="26882" y1="21885" x2="25625" y2="22111"/>
+                        <a14:foregroundMark x1="32604" y1="20854" x2="27379" y2="21795"/>
+                        <a14:foregroundMark x1="24972" y1="22970" x2="24479" y2="23618"/>
+                        <a14:foregroundMark x1="33021" y1="21357" x2="29167" y2="18844"/>
+                        <a14:foregroundMark x1="25655" y1="19089" x2="25521" y2="19095"/>
+                        <a14:foregroundMark x1="31458" y1="18844" x2="26654" y2="19047"/>
+                        <a14:foregroundMark x1="31667" y1="19095" x2="34167" y2="20854"/>
+                        <a14:foregroundMark x1="45104" y1="38945" x2="45208" y2="27387"/>
+                        <a14:foregroundMark x1="53229" y1="51759" x2="52500" y2="56281"/>
+                        <a14:foregroundMark x1="64375" y1="40704" x2="64583" y2="24372"/>
+                        <a14:foregroundMark x1="64583" y1="24372" x2="64583" y2="24372"/>
+                        <a14:foregroundMark x1="61354" y1="59799" x2="62604" y2="59045"/>
+                        <a14:foregroundMark x1="76563" y1="25126" x2="76563" y2="23367"/>
+                        <a14:foregroundMark x1="83229" y1="43216" x2="86667" y2="27136"/>
+                        <a14:foregroundMark x1="86667" y1="27136" x2="94063" y2="36432"/>
+                        <a14:foregroundMark x1="94063" y1="36432" x2="89479" y2="36181"/>
+                        <a14:foregroundMark x1="25625" y1="21357" x2="26667" y2="20854"/>
+                        <a14:foregroundMark x1="33646" y1="55528" x2="35417" y2="52764"/>
+                        <a14:backgroundMark x1="25521" y1="19849" x2="26250" y2="18090"/>
+                      </a14:backgroundRemoval>
+                    </a14:imgEffect>
+                  </a14:imgLayer>
+                </a14:imgProps>
+              </a:ext>
+            </a:extLst>
+          </a:blip>
+          <a:srcRect l="-2" t="1" r="79272" b="32709"/>
+          <a:stretch/>
+        </p:blipFill>
+        <p:spPr>
+          <a:xfrm>
+            <a:off x="10140057" y="4351604"/>
+            <a:ext cx="259476" cy="349203"/>
+          </a:xfrm>
+          <a:prstGeom prst="rect">
+            <a:avLst/>
+          </a:prstGeom>
+        </p:spPr>
+      </p:pic>
+      <p:pic>
+        <p:nvPicPr>
+          <p:cNvPr id="15" name="Imagem 14">
+            <a:extLst>
+              <a:ext uri="{FF2B5EF4-FFF2-40B4-BE49-F238E27FC236}">
+                <a16:creationId xmlns:a16="http://schemas.microsoft.com/office/drawing/2014/main" id="{247D0083-A3A1-4F20-8BC3-EF27F6036479}"/>
+              </a:ext>
+            </a:extLst>
+          </p:cNvPr>
+          <p:cNvPicPr>
+            <a:picLocks noChangeAspect="1"/>
+          </p:cNvPicPr>
+          <p:nvPr/>
+        </p:nvPicPr>
+        <p:blipFill rotWithShape="1">
+          <a:blip r:embed="rId27">
+            <a:extLst>
+              <a:ext uri="{BEBA8EAE-BF5A-486C-A8C5-ECC9F3942E4B}">
+                <a14:imgProps xmlns:a14="http://schemas.microsoft.com/office/drawing/2010/main">
+                  <a14:imgLayer r:embed="rId28">
+                    <a14:imgEffect>
+                      <a14:backgroundRemoval t="9799" b="89950" l="2500" r="94063">
+                        <a14:foregroundMark x1="10938" y1="20352" x2="10938" y2="20352"/>
+                        <a14:foregroundMark x1="16042" y1="34422" x2="16042" y2="34422"/>
+                        <a14:foregroundMark x1="12292" y1="36181" x2="12292" y2="36181"/>
+                        <a14:foregroundMark x1="14271" y1="32915" x2="14271" y2="32915"/>
+                        <a14:foregroundMark x1="11979" y1="28392" x2="16875" y2="41457"/>
+                        <a14:foregroundMark x1="16875" y1="41457" x2="10104" y2="45729"/>
+                        <a14:foregroundMark x1="10104" y1="45729" x2="7500" y2="27638"/>
+                        <a14:foregroundMark x1="7500" y1="27638" x2="7708" y2="25879"/>
+                        <a14:foregroundMark x1="11146" y1="28643" x2="6250" y2="41960"/>
+                        <a14:foregroundMark x1="6250" y1="41960" x2="8438" y2="49246"/>
+                        <a14:foregroundMark x1="13021" y1="50754" x2="8542" y2="42965"/>
+                        <a14:foregroundMark x1="3958" y1="39196" x2="2500" y2="35930"/>
+                        <a14:foregroundMark x1="23021" y1="36432" x2="29271" y2="27638"/>
+                        <a14:foregroundMark x1="29271" y1="27638" x2="29479" y2="30905"/>
+                        <a14:foregroundMark x1="30208" y1="50000" x2="32604" y2="34673"/>
+                        <a14:foregroundMark x1="32604" y1="34673" x2="34896" y2="39950"/>
+                        <a14:foregroundMark x1="36250" y1="27889" x2="38229" y2="41960"/>
+                        <a14:foregroundMark x1="26882" y1="21885" x2="25625" y2="22111"/>
+                        <a14:foregroundMark x1="32604" y1="20854" x2="27379" y2="21795"/>
+                        <a14:foregroundMark x1="24972" y1="22970" x2="24479" y2="23618"/>
+                        <a14:foregroundMark x1="33021" y1="21357" x2="29167" y2="18844"/>
+                        <a14:foregroundMark x1="25655" y1="19089" x2="25521" y2="19095"/>
+                        <a14:foregroundMark x1="31458" y1="18844" x2="26654" y2="19047"/>
+                        <a14:foregroundMark x1="31667" y1="19095" x2="34167" y2="20854"/>
+                        <a14:foregroundMark x1="45104" y1="38945" x2="45208" y2="27387"/>
+                        <a14:foregroundMark x1="53229" y1="51759" x2="52500" y2="56281"/>
+                        <a14:foregroundMark x1="64375" y1="40704" x2="64583" y2="24372"/>
+                        <a14:foregroundMark x1="64583" y1="24372" x2="64583" y2="24372"/>
+                        <a14:foregroundMark x1="61354" y1="59799" x2="62604" y2="59045"/>
+                        <a14:foregroundMark x1="76563" y1="25126" x2="76563" y2="23367"/>
+                        <a14:foregroundMark x1="83229" y1="43216" x2="86667" y2="27136"/>
+                        <a14:foregroundMark x1="86667" y1="27136" x2="94063" y2="36432"/>
+                        <a14:foregroundMark x1="94063" y1="36432" x2="89479" y2="36181"/>
+                        <a14:foregroundMark x1="25625" y1="21357" x2="26667" y2="20854"/>
+                        <a14:foregroundMark x1="33646" y1="55528" x2="35417" y2="52764"/>
+                        <a14:backgroundMark x1="25521" y1="19849" x2="26250" y2="18090"/>
+                      </a14:backgroundRemoval>
+                    </a14:imgEffect>
+                  </a14:imgLayer>
+                </a14:imgProps>
+              </a:ext>
+            </a:extLst>
+          </a:blip>
+          <a:srcRect l="58695" t="-1359" r="22613" b="18821"/>
+          <a:stretch/>
+        </p:blipFill>
+        <p:spPr>
+          <a:xfrm>
+            <a:off x="3124676" y="1456577"/>
+            <a:ext cx="233973" cy="428320"/>
+          </a:xfrm>
+          <a:prstGeom prst="rect">
+            <a:avLst/>
+          </a:prstGeom>
+        </p:spPr>
+      </p:pic>
+      <p:pic>
+        <p:nvPicPr>
+          <p:cNvPr id="16" name="Imagem 15">
+            <a:extLst>
+              <a:ext uri="{FF2B5EF4-FFF2-40B4-BE49-F238E27FC236}">
+                <a16:creationId xmlns:a16="http://schemas.microsoft.com/office/drawing/2014/main" id="{7713076C-D604-4FB7-B15C-2290EC6F9163}"/>
+              </a:ext>
+            </a:extLst>
+          </p:cNvPr>
+          <p:cNvPicPr>
+            <a:picLocks noChangeAspect="1"/>
+          </p:cNvPicPr>
+          <p:nvPr/>
+        </p:nvPicPr>
+        <p:blipFill rotWithShape="1">
+          <a:blip r:embed="rId27">
+            <a:extLst>
+              <a:ext uri="{BEBA8EAE-BF5A-486C-A8C5-ECC9F3942E4B}">
+                <a14:imgProps xmlns:a14="http://schemas.microsoft.com/office/drawing/2010/main">
+                  <a14:imgLayer r:embed="rId28">
+                    <a14:imgEffect>
+                      <a14:backgroundRemoval t="9799" b="89950" l="2500" r="94063">
+                        <a14:foregroundMark x1="10938" y1="20352" x2="10938" y2="20352"/>
+                        <a14:foregroundMark x1="16042" y1="34422" x2="16042" y2="34422"/>
+                        <a14:foregroundMark x1="12292" y1="36181" x2="12292" y2="36181"/>
+                        <a14:foregroundMark x1="14271" y1="32915" x2="14271" y2="32915"/>
+                        <a14:foregroundMark x1="11979" y1="28392" x2="16875" y2="41457"/>
+                        <a14:foregroundMark x1="16875" y1="41457" x2="10104" y2="45729"/>
+                        <a14:foregroundMark x1="10104" y1="45729" x2="7500" y2="27638"/>
+                        <a14:foregroundMark x1="7500" y1="27638" x2="7708" y2="25879"/>
+                        <a14:foregroundMark x1="11146" y1="28643" x2="6250" y2="41960"/>
+                        <a14:foregroundMark x1="6250" y1="41960" x2="8438" y2="49246"/>
+                        <a14:foregroundMark x1="13021" y1="50754" x2="8542" y2="42965"/>
+                        <a14:foregroundMark x1="3958" y1="39196" x2="2500" y2="35930"/>
+                        <a14:foregroundMark x1="23021" y1="36432" x2="29271" y2="27638"/>
+                        <a14:foregroundMark x1="29271" y1="27638" x2="29479" y2="30905"/>
+                        <a14:foregroundMark x1="30208" y1="50000" x2="32604" y2="34673"/>
+                        <a14:foregroundMark x1="32604" y1="34673" x2="34896" y2="39950"/>
+                        <a14:foregroundMark x1="36250" y1="27889" x2="38229" y2="41960"/>
+                        <a14:foregroundMark x1="26882" y1="21885" x2="25625" y2="22111"/>
+                        <a14:foregroundMark x1="32604" y1="20854" x2="27379" y2="21795"/>
+                        <a14:foregroundMark x1="24972" y1="22970" x2="24479" y2="23618"/>
+                        <a14:foregroundMark x1="33021" y1="21357" x2="29167" y2="18844"/>
+                        <a14:foregroundMark x1="25655" y1="19089" x2="25521" y2="19095"/>
+                        <a14:foregroundMark x1="31458" y1="18844" x2="26654" y2="19047"/>
+                        <a14:foregroundMark x1="31667" y1="19095" x2="34167" y2="20854"/>
+                        <a14:foregroundMark x1="45104" y1="38945" x2="45208" y2="27387"/>
+                        <a14:foregroundMark x1="53229" y1="51759" x2="52500" y2="56281"/>
+                        <a14:foregroundMark x1="64375" y1="40704" x2="64583" y2="24372"/>
+                        <a14:foregroundMark x1="64583" y1="24372" x2="64583" y2="24372"/>
+                        <a14:foregroundMark x1="61354" y1="59799" x2="62604" y2="59045"/>
+                        <a14:foregroundMark x1="76563" y1="25126" x2="76563" y2="23367"/>
+                        <a14:foregroundMark x1="83229" y1="43216" x2="86667" y2="27136"/>
+                        <a14:foregroundMark x1="86667" y1="27136" x2="94063" y2="36432"/>
+                        <a14:foregroundMark x1="94063" y1="36432" x2="89479" y2="36181"/>
+                        <a14:foregroundMark x1="25625" y1="21357" x2="26667" y2="20854"/>
+                        <a14:foregroundMark x1="33646" y1="55528" x2="35417" y2="52764"/>
+                        <a14:backgroundMark x1="25521" y1="19849" x2="26250" y2="18090"/>
+                      </a14:backgroundRemoval>
+                    </a14:imgEffect>
+                  </a14:imgLayer>
+                </a14:imgProps>
+              </a:ext>
+            </a:extLst>
+          </a:blip>
+          <a:srcRect l="-2" t="1" r="79272" b="32709"/>
+          <a:stretch/>
+        </p:blipFill>
+        <p:spPr>
+          <a:xfrm>
+            <a:off x="2805228" y="1482538"/>
+            <a:ext cx="259476" cy="349203"/>
+          </a:xfrm>
+          <a:prstGeom prst="rect">
+            <a:avLst/>
+          </a:prstGeom>
+        </p:spPr>
+      </p:pic>
+      <p:cxnSp>
+        <p:nvCxnSpPr>
+          <p:cNvPr id="17" name="Conector de Seta Reta 16">
+            <a:extLst>
+              <a:ext uri="{FF2B5EF4-FFF2-40B4-BE49-F238E27FC236}">
+                <a16:creationId xmlns:a16="http://schemas.microsoft.com/office/drawing/2014/main" id="{ABD4AE37-BADB-4F57-9012-238F446E0C7B}"/>
+              </a:ext>
+            </a:extLst>
+          </p:cNvPr>
+          <p:cNvCxnSpPr>
+            <a:cxnSpLocks/>
+          </p:cNvCxnSpPr>
+          <p:nvPr/>
+        </p:nvCxnSpPr>
+        <p:spPr>
+          <a:xfrm>
+            <a:off x="4969793" y="5769011"/>
+            <a:ext cx="1399314" cy="646907"/>
+          </a:xfrm>
+          <a:prstGeom prst="straightConnector1">
+            <a:avLst/>
+          </a:prstGeom>
+          <a:ln>
+            <a:tailEnd type="triangle"/>
+          </a:ln>
+        </p:spPr>
+        <p:style>
+          <a:lnRef idx="3">
+            <a:schemeClr val="dk1"/>
+          </a:lnRef>
+          <a:fillRef idx="0">
+            <a:schemeClr val="dk1"/>
+          </a:fillRef>
+          <a:effectRef idx="2">
+            <a:schemeClr val="dk1"/>
+          </a:effectRef>
+          <a:fontRef idx="minor">
+            <a:schemeClr val="tx1"/>
+          </a:fontRef>
+        </p:style>
+      </p:cxnSp>
+      <p:cxnSp>
+        <p:nvCxnSpPr>
+          <p:cNvPr id="19" name="Conector de Seta Reta 18">
+            <a:extLst>
+              <a:ext uri="{FF2B5EF4-FFF2-40B4-BE49-F238E27FC236}">
+                <a16:creationId xmlns:a16="http://schemas.microsoft.com/office/drawing/2014/main" id="{B7523E1D-FC53-4283-AD1C-AA5BE30F838B}"/>
+              </a:ext>
+            </a:extLst>
+          </p:cNvPr>
+          <p:cNvCxnSpPr>
+            <a:cxnSpLocks/>
+          </p:cNvCxnSpPr>
+          <p:nvPr/>
+        </p:nvCxnSpPr>
+        <p:spPr>
+          <a:xfrm flipH="1" flipV="1">
+            <a:off x="6807263" y="4425427"/>
+            <a:ext cx="32283" cy="1167013"/>
+          </a:xfrm>
+          <a:prstGeom prst="straightConnector1">
+            <a:avLst/>
+          </a:prstGeom>
+          <a:ln>
+            <a:headEnd type="triangle"/>
+            <a:tailEnd type="triangle"/>
+          </a:ln>
+        </p:spPr>
+        <p:style>
+          <a:lnRef idx="3">
+            <a:schemeClr val="dk1"/>
+          </a:lnRef>
+          <a:fillRef idx="0">
+            <a:schemeClr val="dk1"/>
+          </a:fillRef>
+          <a:effectRef idx="2">
+            <a:schemeClr val="dk1"/>
+          </a:effectRef>
+          <a:fontRef idx="minor">
+            <a:schemeClr val="tx1"/>
+          </a:fontRef>
+        </p:style>
+      </p:cxnSp>
+      <p:pic>
+        <p:nvPicPr>
+          <p:cNvPr id="28" name="Imagem 27">
+            <a:extLst>
+              <a:ext uri="{FF2B5EF4-FFF2-40B4-BE49-F238E27FC236}">
+                <a16:creationId xmlns:a16="http://schemas.microsoft.com/office/drawing/2014/main" id="{BDCDFDAB-708A-42A4-A70E-F0FF4BB81475}"/>
+              </a:ext>
+            </a:extLst>
+          </p:cNvPr>
+          <p:cNvPicPr>
+            <a:picLocks noChangeAspect="1"/>
+          </p:cNvPicPr>
+          <p:nvPr/>
+        </p:nvPicPr>
+        <p:blipFill>
+          <a:blip r:embed="rId9"/>
+          <a:stretch>
+            <a:fillRect/>
+          </a:stretch>
+        </p:blipFill>
+        <p:spPr>
+          <a:xfrm>
+            <a:off x="2272991" y="1275977"/>
+            <a:ext cx="585138" cy="585138"/>
+          </a:xfrm>
+          <a:prstGeom prst="rect">
+            <a:avLst/>
+          </a:prstGeom>
+        </p:spPr>
+      </p:pic>
+      <p:sp>
+        <p:nvSpPr>
+          <p:cNvPr id="29" name="CaixaDeTexto 28">
+            <a:extLst>
+              <a:ext uri="{FF2B5EF4-FFF2-40B4-BE49-F238E27FC236}">
+                <a16:creationId xmlns:a16="http://schemas.microsoft.com/office/drawing/2014/main" id="{65CB8AFC-9DE1-4D23-B6CC-823AD51D9239}"/>
+              </a:ext>
+            </a:extLst>
+          </p:cNvPr>
+          <p:cNvSpPr txBox="1"/>
+          <p:nvPr/>
+        </p:nvSpPr>
+        <p:spPr>
+          <a:xfrm>
+            <a:off x="2313982" y="2788348"/>
+            <a:ext cx="1755372" cy="430887"/>
+          </a:xfrm>
+          <a:prstGeom prst="rect">
+            <a:avLst/>
+          </a:prstGeom>
+          <a:noFill/>
+        </p:spPr>
+        <p:txBody>
+          <a:bodyPr wrap="square" rtlCol="0">
+            <a:spAutoFit/>
+          </a:bodyPr>
+          <a:lstStyle/>
+          <a:p>
+            <a:pPr algn="ctr"/>
+            <a:r>
+              <a:rPr lang="pt-BR" sz="1100" dirty="0"/>
+              <a:t>Notebook/ Desktop do técnico</a:t>
+            </a:r>
+          </a:p>
+        </p:txBody>
+      </p:sp>
+      <p:pic>
+        <p:nvPicPr>
+          <p:cNvPr id="30" name="Imagem 29">
+            <a:extLst>
+              <a:ext uri="{FF2B5EF4-FFF2-40B4-BE49-F238E27FC236}">
+                <a16:creationId xmlns:a16="http://schemas.microsoft.com/office/drawing/2014/main" id="{436090BE-6D0B-452B-A496-C33C3164BE54}"/>
+              </a:ext>
+            </a:extLst>
+          </p:cNvPr>
+          <p:cNvPicPr>
+            <a:picLocks noChangeAspect="1"/>
+          </p:cNvPicPr>
+          <p:nvPr/>
+        </p:nvPicPr>
+        <p:blipFill>
+          <a:blip r:embed="rId18">
+            <a:extLst>
+              <a:ext uri="{BEBA8EAE-BF5A-486C-A8C5-ECC9F3942E4B}">
+                <a14:imgProps xmlns:a14="http://schemas.microsoft.com/office/drawing/2010/main">
+                  <a14:imgLayer r:embed="rId19">
+                    <a14:imgEffect>
+                      <a14:backgroundRemoval t="10000" b="90000" l="6852" r="95556">
+                        <a14:foregroundMark x1="94444" y1="60741" x2="94444" y2="60741"/>
+                        <a14:foregroundMark x1="95556" y1="66852" x2="95556" y2="66852"/>
+                        <a14:foregroundMark x1="6852" y1="58704" x2="6852" y2="58704"/>
+                      </a14:backgroundRemoval>
+                    </a14:imgEffect>
+                  </a14:imgLayer>
+                </a14:imgProps>
+              </a:ext>
+            </a:extLst>
+          </a:blip>
+          <a:stretch>
+            <a:fillRect/>
+          </a:stretch>
+        </p:blipFill>
+        <p:spPr>
+          <a:xfrm>
+            <a:off x="10878283" y="1974993"/>
+            <a:ext cx="355398" cy="355398"/>
+          </a:xfrm>
+          <a:prstGeom prst="rect">
+            <a:avLst/>
+          </a:prstGeom>
+        </p:spPr>
+      </p:pic>
     </p:spTree>
     <p:extLst>
       <p:ext uri="{BB962C8B-B14F-4D97-AF65-F5344CB8AC3E}">

--- a/Documentação/LLD/LLD.pptx
+++ b/Documentação/LLD/LLD.pptx
@@ -5,7 +5,8 @@
     <p:sldMasterId id="2147483648" r:id="rId1"/>
   </p:sldMasterIdLst>
   <p:sldIdLst>
-    <p:sldId id="260" r:id="rId2"/>
+    <p:sldId id="261" r:id="rId2"/>
+    <p:sldId id="262" r:id="rId3"/>
   </p:sldIdLst>
   <p:sldSz cx="12192000" cy="6858000"/>
   <p:notesSz cx="6858000" cy="9144000"/>
@@ -110,6 +111,1086 @@
     </p:ext>
   </p:extLst>
 </p:presentation>
+</file>
+
+<file path=ppt/revisionInfo.xml><?xml version="1.0" encoding="utf-8"?>
+<p1510:revInfo xmlns:a="http://schemas.openxmlformats.org/drawingml/2006/main" xmlns:r="http://schemas.openxmlformats.org/officeDocument/2006/relationships" xmlns:p1510="http://schemas.microsoft.com/office/powerpoint/2015/10/main">
+  <p1510:revLst>
+    <p1510:client id="{FA992E54-4B61-423B-B5AD-F8ADE5AC92E5}" v="307" dt="2020-10-02T03:12:09.043"/>
+  </p1510:revLst>
+</p1510:revInfo>
+</file>
+
+<file path=ppt/changesInfos/changesInfo1.xml><?xml version="1.0" encoding="utf-8"?>
+<pc:chgInfo xmlns:a="http://schemas.openxmlformats.org/drawingml/2006/main" xmlns:r="http://schemas.openxmlformats.org/officeDocument/2006/relationships" xmlns:ac="http://schemas.microsoft.com/office/drawing/2013/main/command" xmlns:pc="http://schemas.microsoft.com/office/powerpoint/2013/main/command">
+  <pc:docChgLst>
+    <pc:chgData name="Isabella Lima" userId="fe0713f97eca5c34" providerId="LiveId" clId="{FA992E54-4B61-423B-B5AD-F8ADE5AC92E5}"/>
+    <pc:docChg chg="undo custSel addSld delSld modSld">
+      <pc:chgData name="Isabella Lima" userId="fe0713f97eca5c34" providerId="LiveId" clId="{FA992E54-4B61-423B-B5AD-F8ADE5AC92E5}" dt="2020-10-02T03:14:07.321" v="1311" actId="47"/>
+      <pc:docMkLst>
+        <pc:docMk/>
+      </pc:docMkLst>
+      <pc:sldChg chg="addSp delSp modSp add del mod">
+        <pc:chgData name="Isabella Lima" userId="fe0713f97eca5c34" providerId="LiveId" clId="{FA992E54-4B61-423B-B5AD-F8ADE5AC92E5}" dt="2020-10-02T03:14:07.321" v="1311" actId="47"/>
+        <pc:sldMkLst>
+          <pc:docMk/>
+          <pc:sldMk cId="978986435" sldId="260"/>
+        </pc:sldMkLst>
+        <pc:spChg chg="add del">
+          <ac:chgData name="Isabella Lima" userId="fe0713f97eca5c34" providerId="LiveId" clId="{FA992E54-4B61-423B-B5AD-F8ADE5AC92E5}" dt="2020-10-02T02:43:00.527" v="640" actId="478"/>
+          <ac:spMkLst>
+            <pc:docMk/>
+            <pc:sldMk cId="978986435" sldId="260"/>
+            <ac:spMk id="2" creationId="{CB64538B-D7AA-40D7-9CC5-DE6CF9D3EA2F}"/>
+          </ac:spMkLst>
+        </pc:spChg>
+        <pc:spChg chg="mod">
+          <ac:chgData name="Isabella Lima" userId="fe0713f97eca5c34" providerId="LiveId" clId="{FA992E54-4B61-423B-B5AD-F8ADE5AC92E5}" dt="2020-10-02T02:48:37.995" v="744" actId="14100"/>
+          <ac:spMkLst>
+            <pc:docMk/>
+            <pc:sldMk cId="978986435" sldId="260"/>
+            <ac:spMk id="2" creationId="{DA46DED8-DA18-4A7A-A771-D7871161ADFF}"/>
+          </ac:spMkLst>
+        </pc:spChg>
+        <pc:spChg chg="mod">
+          <ac:chgData name="Isabella Lima" userId="fe0713f97eca5c34" providerId="LiveId" clId="{FA992E54-4B61-423B-B5AD-F8ADE5AC92E5}" dt="2020-10-02T02:48:38.051" v="745" actId="1076"/>
+          <ac:spMkLst>
+            <pc:docMk/>
+            <pc:sldMk cId="978986435" sldId="260"/>
+            <ac:spMk id="121" creationId="{00B09EBA-D79B-453A-8D37-4F98C7A1C630}"/>
+          </ac:spMkLst>
+        </pc:spChg>
+        <pc:picChg chg="mod">
+          <ac:chgData name="Isabella Lima" userId="fe0713f97eca5c34" providerId="LiveId" clId="{FA992E54-4B61-423B-B5AD-F8ADE5AC92E5}" dt="2020-10-02T03:12:22.504" v="1310" actId="1076"/>
+          <ac:picMkLst>
+            <pc:docMk/>
+            <pc:sldMk cId="978986435" sldId="260"/>
+            <ac:picMk id="23" creationId="{98FBD5FC-D35D-4B2D-A5B8-2896D6E1D941}"/>
+          </ac:picMkLst>
+        </pc:picChg>
+      </pc:sldChg>
+      <pc:sldChg chg="addSp">
+        <pc:chgData name="Isabella Lima" userId="fe0713f97eca5c34" providerId="LiveId" clId="{FA992E54-4B61-423B-B5AD-F8ADE5AC92E5}" dt="2020-10-02T02:48:22.661" v="738"/>
+        <pc:sldMkLst>
+          <pc:docMk/>
+          <pc:sldMk cId="4030520857" sldId="260"/>
+        </pc:sldMkLst>
+        <pc:spChg chg="add">
+          <ac:chgData name="Isabella Lima" userId="fe0713f97eca5c34" providerId="LiveId" clId="{FA992E54-4B61-423B-B5AD-F8ADE5AC92E5}" dt="2020-10-02T02:48:22.661" v="738"/>
+          <ac:spMkLst>
+            <pc:docMk/>
+            <pc:sldMk cId="4030520857" sldId="260"/>
+            <ac:spMk id="2" creationId="{DA46DED8-DA18-4A7A-A771-D7871161ADFF}"/>
+          </ac:spMkLst>
+        </pc:spChg>
+      </pc:sldChg>
+      <pc:sldChg chg="addSp">
+        <pc:chgData name="Isabella Lima" userId="fe0713f97eca5c34" providerId="LiveId" clId="{FA992E54-4B61-423B-B5AD-F8ADE5AC92E5}" dt="2020-10-02T02:19:26.210" v="329"/>
+        <pc:sldMkLst>
+          <pc:docMk/>
+          <pc:sldMk cId="369871382" sldId="261"/>
+        </pc:sldMkLst>
+        <pc:picChg chg="add">
+          <ac:chgData name="Isabella Lima" userId="fe0713f97eca5c34" providerId="LiveId" clId="{FA992E54-4B61-423B-B5AD-F8ADE5AC92E5}" dt="2020-10-02T02:19:26.210" v="329"/>
+          <ac:picMkLst>
+            <pc:docMk/>
+            <pc:sldMk cId="369871382" sldId="261"/>
+            <ac:picMk id="3074" creationId="{1FD41245-8EA8-4F5C-8E43-9F86A3F9496B}"/>
+          </ac:picMkLst>
+        </pc:picChg>
+      </pc:sldChg>
+      <pc:sldChg chg="addSp">
+        <pc:chgData name="Isabella Lima" userId="fe0713f97eca5c34" providerId="LiveId" clId="{FA992E54-4B61-423B-B5AD-F8ADE5AC92E5}" dt="2020-10-02T02:49:42.768" v="754"/>
+        <pc:sldMkLst>
+          <pc:docMk/>
+          <pc:sldMk cId="381222681" sldId="261"/>
+        </pc:sldMkLst>
+        <pc:picChg chg="add">
+          <ac:chgData name="Isabella Lima" userId="fe0713f97eca5c34" providerId="LiveId" clId="{FA992E54-4B61-423B-B5AD-F8ADE5AC92E5}" dt="2020-10-02T02:49:42.768" v="754"/>
+          <ac:picMkLst>
+            <pc:docMk/>
+            <pc:sldMk cId="381222681" sldId="261"/>
+            <ac:picMk id="18434" creationId="{CD07421A-561F-4F3D-8E14-00D47B43B62C}"/>
+          </ac:picMkLst>
+        </pc:picChg>
+      </pc:sldChg>
+      <pc:sldChg chg="addSp delSp modSp new add del mod">
+        <pc:chgData name="Isabella Lima" userId="fe0713f97eca5c34" providerId="LiveId" clId="{FA992E54-4B61-423B-B5AD-F8ADE5AC92E5}" dt="2020-10-02T03:12:11.760" v="1309" actId="1076"/>
+        <pc:sldMkLst>
+          <pc:docMk/>
+          <pc:sldMk cId="470251281" sldId="261"/>
+        </pc:sldMkLst>
+        <pc:spChg chg="del">
+          <ac:chgData name="Isabella Lima" userId="fe0713f97eca5c34" providerId="LiveId" clId="{FA992E54-4B61-423B-B5AD-F8ADE5AC92E5}" dt="2020-10-02T02:05:44.505" v="2" actId="478"/>
+          <ac:spMkLst>
+            <pc:docMk/>
+            <pc:sldMk cId="470251281" sldId="261"/>
+            <ac:spMk id="2" creationId="{AAFC3C77-E4E5-43D9-A8A7-CC40A7827FB8}"/>
+          </ac:spMkLst>
+        </pc:spChg>
+        <pc:spChg chg="add mod">
+          <ac:chgData name="Isabella Lima" userId="fe0713f97eca5c34" providerId="LiveId" clId="{FA992E54-4B61-423B-B5AD-F8ADE5AC92E5}" dt="2020-10-02T03:01:14.219" v="1118" actId="1076"/>
+          <ac:spMkLst>
+            <pc:docMk/>
+            <pc:sldMk cId="470251281" sldId="261"/>
+            <ac:spMk id="3" creationId="{5A51FD71-FB82-4F2D-BEDB-CCA54CA4C8BD}"/>
+          </ac:spMkLst>
+        </pc:spChg>
+        <pc:spChg chg="del">
+          <ac:chgData name="Isabella Lima" userId="fe0713f97eca5c34" providerId="LiveId" clId="{FA992E54-4B61-423B-B5AD-F8ADE5AC92E5}" dt="2020-10-02T02:05:40.880" v="1" actId="478"/>
+          <ac:spMkLst>
+            <pc:docMk/>
+            <pc:sldMk cId="470251281" sldId="261"/>
+            <ac:spMk id="3" creationId="{87C67D86-EB83-4E02-AA76-11D36B28181E}"/>
+          </ac:spMkLst>
+        </pc:spChg>
+        <pc:spChg chg="add mod">
+          <ac:chgData name="Isabella Lima" userId="fe0713f97eca5c34" providerId="LiveId" clId="{FA992E54-4B61-423B-B5AD-F8ADE5AC92E5}" dt="2020-10-02T02:54:21.525" v="865" actId="1037"/>
+          <ac:spMkLst>
+            <pc:docMk/>
+            <pc:sldMk cId="470251281" sldId="261"/>
+            <ac:spMk id="4" creationId="{AF9E7BA7-7FAF-4BDB-B50B-FEFACEBBCC40}"/>
+          </ac:spMkLst>
+        </pc:spChg>
+        <pc:spChg chg="add del mod">
+          <ac:chgData name="Isabella Lima" userId="fe0713f97eca5c34" providerId="LiveId" clId="{FA992E54-4B61-423B-B5AD-F8ADE5AC92E5}" dt="2020-10-02T02:23:03.714" v="391" actId="478"/>
+          <ac:spMkLst>
+            <pc:docMk/>
+            <pc:sldMk cId="470251281" sldId="261"/>
+            <ac:spMk id="4" creationId="{E700DBEF-D823-42BB-9B2E-9D1A0C19C684}"/>
+          </ac:spMkLst>
+        </pc:spChg>
+        <pc:spChg chg="add mod ord">
+          <ac:chgData name="Isabella Lima" userId="fe0713f97eca5c34" providerId="LiveId" clId="{FA992E54-4B61-423B-B5AD-F8ADE5AC92E5}" dt="2020-10-02T03:08:12.681" v="1268" actId="1076"/>
+          <ac:spMkLst>
+            <pc:docMk/>
+            <pc:sldMk cId="470251281" sldId="261"/>
+            <ac:spMk id="5" creationId="{C13C096A-7414-4419-807A-C2068EAEE71D}"/>
+          </ac:spMkLst>
+        </pc:spChg>
+        <pc:spChg chg="add mod">
+          <ac:chgData name="Isabella Lima" userId="fe0713f97eca5c34" providerId="LiveId" clId="{FA992E54-4B61-423B-B5AD-F8ADE5AC92E5}" dt="2020-10-02T03:01:14.219" v="1118" actId="1076"/>
+          <ac:spMkLst>
+            <pc:docMk/>
+            <pc:sldMk cId="470251281" sldId="261"/>
+            <ac:spMk id="6" creationId="{493E6E1F-0E69-43E5-B36D-2B8F5592B318}"/>
+          </ac:spMkLst>
+        </pc:spChg>
+        <pc:spChg chg="add del mod">
+          <ac:chgData name="Isabella Lima" userId="fe0713f97eca5c34" providerId="LiveId" clId="{FA992E54-4B61-423B-B5AD-F8ADE5AC92E5}" dt="2020-10-02T02:07:33.621" v="28" actId="478"/>
+          <ac:spMkLst>
+            <pc:docMk/>
+            <pc:sldMk cId="470251281" sldId="261"/>
+            <ac:spMk id="7" creationId="{65083C66-3E17-4162-815B-CF64F1F42BCA}"/>
+          </ac:spMkLst>
+        </pc:spChg>
+        <pc:spChg chg="add del">
+          <ac:chgData name="Isabella Lima" userId="fe0713f97eca5c34" providerId="LiveId" clId="{FA992E54-4B61-423B-B5AD-F8ADE5AC92E5}" dt="2020-10-02T02:06:53.870" v="6" actId="478"/>
+          <ac:spMkLst>
+            <pc:docMk/>
+            <pc:sldMk cId="470251281" sldId="261"/>
+            <ac:spMk id="9" creationId="{2EEF1D8E-F6B1-47BD-8094-79206024D0AF}"/>
+          </ac:spMkLst>
+        </pc:spChg>
+        <pc:spChg chg="add del">
+          <ac:chgData name="Isabella Lima" userId="fe0713f97eca5c34" providerId="LiveId" clId="{FA992E54-4B61-423B-B5AD-F8ADE5AC92E5}" dt="2020-10-02T02:06:53.870" v="6" actId="478"/>
+          <ac:spMkLst>
+            <pc:docMk/>
+            <pc:sldMk cId="470251281" sldId="261"/>
+            <ac:spMk id="11" creationId="{D75DCF98-9B46-47DC-A9D2-5D85B74D3016}"/>
+          </ac:spMkLst>
+        </pc:spChg>
+        <pc:spChg chg="add mod ord">
+          <ac:chgData name="Isabella Lima" userId="fe0713f97eca5c34" providerId="LiveId" clId="{FA992E54-4B61-423B-B5AD-F8ADE5AC92E5}" dt="2020-10-02T03:01:14.219" v="1118" actId="1076"/>
+          <ac:spMkLst>
+            <pc:docMk/>
+            <pc:sldMk cId="470251281" sldId="261"/>
+            <ac:spMk id="13" creationId="{11CE70A0-4E09-489F-A8B5-2FF904DDF62B}"/>
+          </ac:spMkLst>
+        </pc:spChg>
+        <pc:spChg chg="add mod">
+          <ac:chgData name="Isabella Lima" userId="fe0713f97eca5c34" providerId="LiveId" clId="{FA992E54-4B61-423B-B5AD-F8ADE5AC92E5}" dt="2020-10-02T02:47:20.152" v="722" actId="1076"/>
+          <ac:spMkLst>
+            <pc:docMk/>
+            <pc:sldMk cId="470251281" sldId="261"/>
+            <ac:spMk id="15" creationId="{E4AFB33D-FD87-433F-B41A-A60714A7325C}"/>
+          </ac:spMkLst>
+        </pc:spChg>
+        <pc:spChg chg="add mod">
+          <ac:chgData name="Isabella Lima" userId="fe0713f97eca5c34" providerId="LiveId" clId="{FA992E54-4B61-423B-B5AD-F8ADE5AC92E5}" dt="2020-10-02T02:08:01.351" v="39" actId="115"/>
+          <ac:spMkLst>
+            <pc:docMk/>
+            <pc:sldMk cId="470251281" sldId="261"/>
+            <ac:spMk id="17" creationId="{C35FA0DC-A37C-4232-B402-93A72C7BBDE0}"/>
+          </ac:spMkLst>
+        </pc:spChg>
+        <pc:spChg chg="mod">
+          <ac:chgData name="Isabella Lima" userId="fe0713f97eca5c34" providerId="LiveId" clId="{FA992E54-4B61-423B-B5AD-F8ADE5AC92E5}" dt="2020-10-02T02:47:03.040" v="707" actId="1076"/>
+          <ac:spMkLst>
+            <pc:docMk/>
+            <pc:sldMk cId="470251281" sldId="261"/>
+            <ac:spMk id="20" creationId="{351AD4BD-C7AE-467F-B2EC-984DA4763E7E}"/>
+          </ac:spMkLst>
+        </pc:spChg>
+        <pc:spChg chg="mod">
+          <ac:chgData name="Isabella Lima" userId="fe0713f97eca5c34" providerId="LiveId" clId="{FA992E54-4B61-423B-B5AD-F8ADE5AC92E5}" dt="2020-10-02T02:47:29.493" v="725" actId="14100"/>
+          <ac:spMkLst>
+            <pc:docMk/>
+            <pc:sldMk cId="470251281" sldId="261"/>
+            <ac:spMk id="20" creationId="{4326B5BE-1914-47CA-A261-BB7809B0A62A}"/>
+          </ac:spMkLst>
+        </pc:spChg>
+        <pc:spChg chg="add del mod">
+          <ac:chgData name="Isabella Lima" userId="fe0713f97eca5c34" providerId="LiveId" clId="{FA992E54-4B61-423B-B5AD-F8ADE5AC92E5}" dt="2020-10-02T02:40:58.962" v="591" actId="478"/>
+          <ac:spMkLst>
+            <pc:docMk/>
+            <pc:sldMk cId="470251281" sldId="261"/>
+            <ac:spMk id="20" creationId="{ADC1CB01-C7A6-4034-86A4-CF3346C87222}"/>
+          </ac:spMkLst>
+        </pc:spChg>
+        <pc:spChg chg="add del mod">
+          <ac:chgData name="Isabella Lima" userId="fe0713f97eca5c34" providerId="LiveId" clId="{FA992E54-4B61-423B-B5AD-F8ADE5AC92E5}" dt="2020-10-02T02:44:37.515" v="665" actId="478"/>
+          <ac:spMkLst>
+            <pc:docMk/>
+            <pc:sldMk cId="470251281" sldId="261"/>
+            <ac:spMk id="29" creationId="{CE5253A5-379E-4813-8942-ED6111E2240A}"/>
+          </ac:spMkLst>
+        </pc:spChg>
+        <pc:spChg chg="add mod ord">
+          <ac:chgData name="Isabella Lima" userId="fe0713f97eca5c34" providerId="LiveId" clId="{FA992E54-4B61-423B-B5AD-F8ADE5AC92E5}" dt="2020-10-02T03:01:14.219" v="1118" actId="1076"/>
+          <ac:spMkLst>
+            <pc:docMk/>
+            <pc:sldMk cId="470251281" sldId="261"/>
+            <ac:spMk id="30" creationId="{05D32B25-385C-4D1C-A7C9-56E0DD46888A}"/>
+          </ac:spMkLst>
+        </pc:spChg>
+        <pc:spChg chg="add mod ord">
+          <ac:chgData name="Isabella Lima" userId="fe0713f97eca5c34" providerId="LiveId" clId="{FA992E54-4B61-423B-B5AD-F8ADE5AC92E5}" dt="2020-10-02T03:01:14.219" v="1118" actId="1076"/>
+          <ac:spMkLst>
+            <pc:docMk/>
+            <pc:sldMk cId="470251281" sldId="261"/>
+            <ac:spMk id="31" creationId="{1DFD4028-EF29-4EC8-9538-927953410589}"/>
+          </ac:spMkLst>
+        </pc:spChg>
+        <pc:spChg chg="add mod">
+          <ac:chgData name="Isabella Lima" userId="fe0713f97eca5c34" providerId="LiveId" clId="{FA992E54-4B61-423B-B5AD-F8ADE5AC92E5}" dt="2020-10-02T02:09:54.951" v="72" actId="1076"/>
+          <ac:spMkLst>
+            <pc:docMk/>
+            <pc:sldMk cId="470251281" sldId="261"/>
+            <ac:spMk id="32" creationId="{D4C46B90-BC4F-4233-9E10-FB926E8C4403}"/>
+          </ac:spMkLst>
+        </pc:spChg>
+        <pc:spChg chg="add mod ord">
+          <ac:chgData name="Isabella Lima" userId="fe0713f97eca5c34" providerId="LiveId" clId="{FA992E54-4B61-423B-B5AD-F8ADE5AC92E5}" dt="2020-10-02T02:54:15.196" v="852" actId="1076"/>
+          <ac:spMkLst>
+            <pc:docMk/>
+            <pc:sldMk cId="470251281" sldId="261"/>
+            <ac:spMk id="33" creationId="{60CACDFA-9B28-4334-A246-8BD0F6F09A61}"/>
+          </ac:spMkLst>
+        </pc:spChg>
+        <pc:spChg chg="add mod">
+          <ac:chgData name="Isabella Lima" userId="fe0713f97eca5c34" providerId="LiveId" clId="{FA992E54-4B61-423B-B5AD-F8ADE5AC92E5}" dt="2020-10-02T02:10:05.475" v="74" actId="1076"/>
+          <ac:spMkLst>
+            <pc:docMk/>
+            <pc:sldMk cId="470251281" sldId="261"/>
+            <ac:spMk id="34" creationId="{B7B92D03-8C90-4E4F-981A-03A7CCFFE895}"/>
+          </ac:spMkLst>
+        </pc:spChg>
+        <pc:spChg chg="add mod">
+          <ac:chgData name="Isabella Lima" userId="fe0713f97eca5c34" providerId="LiveId" clId="{FA992E54-4B61-423B-B5AD-F8ADE5AC92E5}" dt="2020-10-02T03:01:14.219" v="1118" actId="1076"/>
+          <ac:spMkLst>
+            <pc:docMk/>
+            <pc:sldMk cId="470251281" sldId="261"/>
+            <ac:spMk id="36" creationId="{D255E0C9-0ABC-43A4-AD49-BA2B33ACB6D9}"/>
+          </ac:spMkLst>
+        </pc:spChg>
+        <pc:spChg chg="add mod ord">
+          <ac:chgData name="Isabella Lima" userId="fe0713f97eca5c34" providerId="LiveId" clId="{FA992E54-4B61-423B-B5AD-F8ADE5AC92E5}" dt="2020-10-02T02:54:10.169" v="851" actId="1076"/>
+          <ac:spMkLst>
+            <pc:docMk/>
+            <pc:sldMk cId="470251281" sldId="261"/>
+            <ac:spMk id="66" creationId="{C75E96A7-432B-4D75-A941-A10D267ED158}"/>
+          </ac:spMkLst>
+        </pc:spChg>
+        <pc:spChg chg="add mod">
+          <ac:chgData name="Isabella Lima" userId="fe0713f97eca5c34" providerId="LiveId" clId="{FA992E54-4B61-423B-B5AD-F8ADE5AC92E5}" dt="2020-10-02T02:54:10.169" v="851" actId="1076"/>
+          <ac:spMkLst>
+            <pc:docMk/>
+            <pc:sldMk cId="470251281" sldId="261"/>
+            <ac:spMk id="68" creationId="{F611572D-B54F-4E36-B062-379FBAC6FE2E}"/>
+          </ac:spMkLst>
+        </pc:spChg>
+        <pc:spChg chg="add mod">
+          <ac:chgData name="Isabella Lima" userId="fe0713f97eca5c34" providerId="LiveId" clId="{FA992E54-4B61-423B-B5AD-F8ADE5AC92E5}" dt="2020-10-02T03:10:14.751" v="1290" actId="207"/>
+          <ac:spMkLst>
+            <pc:docMk/>
+            <pc:sldMk cId="470251281" sldId="261"/>
+            <ac:spMk id="89" creationId="{D9A2AD79-591B-476B-9824-F5A3B3EA696C}"/>
+          </ac:spMkLst>
+        </pc:spChg>
+        <pc:spChg chg="add mod ord">
+          <ac:chgData name="Isabella Lima" userId="fe0713f97eca5c34" providerId="LiveId" clId="{FA992E54-4B61-423B-B5AD-F8ADE5AC92E5}" dt="2020-10-02T03:10:33.801" v="1291" actId="207"/>
+          <ac:spMkLst>
+            <pc:docMk/>
+            <pc:sldMk cId="470251281" sldId="261"/>
+            <ac:spMk id="91" creationId="{397F0654-A91A-4F2E-B6A6-2236EE14A546}"/>
+          </ac:spMkLst>
+        </pc:spChg>
+        <pc:spChg chg="add mod">
+          <ac:chgData name="Isabella Lima" userId="fe0713f97eca5c34" providerId="LiveId" clId="{FA992E54-4B61-423B-B5AD-F8ADE5AC92E5}" dt="2020-10-02T03:11:04.946" v="1293" actId="1076"/>
+          <ac:spMkLst>
+            <pc:docMk/>
+            <pc:sldMk cId="470251281" sldId="261"/>
+            <ac:spMk id="113" creationId="{A5160C37-7716-4652-AACD-171006D22C40}"/>
+          </ac:spMkLst>
+        </pc:spChg>
+        <pc:spChg chg="add mod">
+          <ac:chgData name="Isabella Lima" userId="fe0713f97eca5c34" providerId="LiveId" clId="{FA992E54-4B61-423B-B5AD-F8ADE5AC92E5}" dt="2020-10-02T03:11:26.697" v="1300" actId="1076"/>
+          <ac:spMkLst>
+            <pc:docMk/>
+            <pc:sldMk cId="470251281" sldId="261"/>
+            <ac:spMk id="114" creationId="{CE531F70-EEF0-4D35-98EA-66420033469C}"/>
+          </ac:spMkLst>
+        </pc:spChg>
+        <pc:spChg chg="add mod">
+          <ac:chgData name="Isabella Lima" userId="fe0713f97eca5c34" providerId="LiveId" clId="{FA992E54-4B61-423B-B5AD-F8ADE5AC92E5}" dt="2020-10-02T03:11:34.948" v="1302" actId="1076"/>
+          <ac:spMkLst>
+            <pc:docMk/>
+            <pc:sldMk cId="470251281" sldId="261"/>
+            <ac:spMk id="115" creationId="{48369ADC-024D-437E-BA9F-CBE55A3D27EF}"/>
+          </ac:spMkLst>
+        </pc:spChg>
+        <pc:spChg chg="add mod">
+          <ac:chgData name="Isabella Lima" userId="fe0713f97eca5c34" providerId="LiveId" clId="{FA992E54-4B61-423B-B5AD-F8ADE5AC92E5}" dt="2020-10-02T03:12:11.760" v="1309" actId="1076"/>
+          <ac:spMkLst>
+            <pc:docMk/>
+            <pc:sldMk cId="470251281" sldId="261"/>
+            <ac:spMk id="116" creationId="{29B54554-E565-4680-AA99-2FF397EBD566}"/>
+          </ac:spMkLst>
+        </pc:spChg>
+        <pc:picChg chg="add mod">
+          <ac:chgData name="Isabella Lima" userId="fe0713f97eca5c34" providerId="LiveId" clId="{FA992E54-4B61-423B-B5AD-F8ADE5AC92E5}" dt="2020-10-02T03:01:14.219" v="1118" actId="1076"/>
+          <ac:picMkLst>
+            <pc:docMk/>
+            <pc:sldMk cId="470251281" sldId="261"/>
+            <ac:picMk id="2" creationId="{4359EF88-CC54-4811-BD08-A2292D8CE65D}"/>
+          </ac:picMkLst>
+        </pc:picChg>
+        <pc:picChg chg="add mod">
+          <ac:chgData name="Isabella Lima" userId="fe0713f97eca5c34" providerId="LiveId" clId="{FA992E54-4B61-423B-B5AD-F8ADE5AC92E5}" dt="2020-10-02T03:01:14.219" v="1118" actId="1076"/>
+          <ac:picMkLst>
+            <pc:docMk/>
+            <pc:sldMk cId="470251281" sldId="261"/>
+            <ac:picMk id="7" creationId="{BA2B6DA2-01E1-4110-A97F-F9DF431230AB}"/>
+          </ac:picMkLst>
+        </pc:picChg>
+        <pc:picChg chg="add mod">
+          <ac:chgData name="Isabella Lima" userId="fe0713f97eca5c34" providerId="LiveId" clId="{FA992E54-4B61-423B-B5AD-F8ADE5AC92E5}" dt="2020-10-02T03:05:45.649" v="1194" actId="1076"/>
+          <ac:picMkLst>
+            <pc:docMk/>
+            <pc:sldMk cId="470251281" sldId="261"/>
+            <ac:picMk id="8" creationId="{F4892A92-ABD7-4F2A-AD6B-EFC108078BFE}"/>
+          </ac:picMkLst>
+        </pc:picChg>
+        <pc:picChg chg="add mod">
+          <ac:chgData name="Isabella Lima" userId="fe0713f97eca5c34" providerId="LiveId" clId="{FA992E54-4B61-423B-B5AD-F8ADE5AC92E5}" dt="2020-10-02T03:05:45.649" v="1194" actId="1076"/>
+          <ac:picMkLst>
+            <pc:docMk/>
+            <pc:sldMk cId="470251281" sldId="261"/>
+            <ac:picMk id="9" creationId="{5B8E73A8-691E-43EC-B096-5A63DB3160FB}"/>
+          </ac:picMkLst>
+        </pc:picChg>
+        <pc:picChg chg="add mod">
+          <ac:chgData name="Isabella Lima" userId="fe0713f97eca5c34" providerId="LiveId" clId="{FA992E54-4B61-423B-B5AD-F8ADE5AC92E5}" dt="2020-10-02T03:05:45.649" v="1194" actId="1076"/>
+          <ac:picMkLst>
+            <pc:docMk/>
+            <pc:sldMk cId="470251281" sldId="261"/>
+            <ac:picMk id="10" creationId="{AE8FDB0B-4F93-44C8-B4CD-64F86FB6EB51}"/>
+          </ac:picMkLst>
+        </pc:picChg>
+        <pc:picChg chg="add mod">
+          <ac:chgData name="Isabella Lima" userId="fe0713f97eca5c34" providerId="LiveId" clId="{FA992E54-4B61-423B-B5AD-F8ADE5AC92E5}" dt="2020-10-02T03:01:14.219" v="1118" actId="1076"/>
+          <ac:picMkLst>
+            <pc:docMk/>
+            <pc:sldMk cId="470251281" sldId="261"/>
+            <ac:picMk id="11" creationId="{E5F2742D-DA39-4951-A0ED-10ADB747C873}"/>
+          </ac:picMkLst>
+        </pc:picChg>
+        <pc:picChg chg="add mod">
+          <ac:chgData name="Isabella Lima" userId="fe0713f97eca5c34" providerId="LiveId" clId="{FA992E54-4B61-423B-B5AD-F8ADE5AC92E5}" dt="2020-10-02T03:01:14.219" v="1118" actId="1076"/>
+          <ac:picMkLst>
+            <pc:docMk/>
+            <pc:sldMk cId="470251281" sldId="261"/>
+            <ac:picMk id="12" creationId="{0B705967-F97F-4126-BFBC-C7BE04667FF3}"/>
+          </ac:picMkLst>
+        </pc:picChg>
+        <pc:picChg chg="add mod">
+          <ac:chgData name="Isabella Lima" userId="fe0713f97eca5c34" providerId="LiveId" clId="{FA992E54-4B61-423B-B5AD-F8ADE5AC92E5}" dt="2020-10-02T03:01:14.219" v="1118" actId="1076"/>
+          <ac:picMkLst>
+            <pc:docMk/>
+            <pc:sldMk cId="470251281" sldId="261"/>
+            <ac:picMk id="14" creationId="{ABBE5691-7723-42C4-B379-D27873D71065}"/>
+          </ac:picMkLst>
+        </pc:picChg>
+        <pc:picChg chg="add mod">
+          <ac:chgData name="Isabella Lima" userId="fe0713f97eca5c34" providerId="LiveId" clId="{FA992E54-4B61-423B-B5AD-F8ADE5AC92E5}" dt="2020-10-02T03:02:21.330" v="1136" actId="1076"/>
+          <ac:picMkLst>
+            <pc:docMk/>
+            <pc:sldMk cId="470251281" sldId="261"/>
+            <ac:picMk id="16" creationId="{C2D169D9-25E1-48D4-B4E6-DA3E0E90357D}"/>
+          </ac:picMkLst>
+        </pc:picChg>
+        <pc:picChg chg="add mod">
+          <ac:chgData name="Isabella Lima" userId="fe0713f97eca5c34" providerId="LiveId" clId="{FA992E54-4B61-423B-B5AD-F8ADE5AC92E5}" dt="2020-10-02T02:38:17.536" v="562" actId="1076"/>
+          <ac:picMkLst>
+            <pc:docMk/>
+            <pc:sldMk cId="470251281" sldId="261"/>
+            <ac:picMk id="19" creationId="{62FF37EF-67AA-4FCB-A9B2-006711EA4165}"/>
+          </ac:picMkLst>
+        </pc:picChg>
+        <pc:picChg chg="add mod">
+          <ac:chgData name="Isabella Lima" userId="fe0713f97eca5c34" providerId="LiveId" clId="{FA992E54-4B61-423B-B5AD-F8ADE5AC92E5}" dt="2020-10-02T02:58:44.672" v="1095" actId="1076"/>
+          <ac:picMkLst>
+            <pc:docMk/>
+            <pc:sldMk cId="470251281" sldId="261"/>
+            <ac:picMk id="25" creationId="{FA13268A-FD92-4356-8B29-60248622F8E1}"/>
+          </ac:picMkLst>
+        </pc:picChg>
+        <pc:picChg chg="add mod">
+          <ac:chgData name="Isabella Lima" userId="fe0713f97eca5c34" providerId="LiveId" clId="{FA992E54-4B61-423B-B5AD-F8ADE5AC92E5}" dt="2020-10-02T02:59:34.251" v="1111" actId="1037"/>
+          <ac:picMkLst>
+            <pc:docMk/>
+            <pc:sldMk cId="470251281" sldId="261"/>
+            <ac:picMk id="26" creationId="{2A2F382C-FEAF-4865-87D6-F55129C96A4F}"/>
+          </ac:picMkLst>
+        </pc:picChg>
+        <pc:picChg chg="add mod">
+          <ac:chgData name="Isabella Lima" userId="fe0713f97eca5c34" providerId="LiveId" clId="{FA992E54-4B61-423B-B5AD-F8ADE5AC92E5}" dt="2020-10-02T02:59:40.338" v="1113" actId="1038"/>
+          <ac:picMkLst>
+            <pc:docMk/>
+            <pc:sldMk cId="470251281" sldId="261"/>
+            <ac:picMk id="28" creationId="{E59DC741-FD25-444C-B28B-3F73B3489573}"/>
+          </ac:picMkLst>
+        </pc:picChg>
+        <pc:picChg chg="add del mod">
+          <ac:chgData name="Isabella Lima" userId="fe0713f97eca5c34" providerId="LiveId" clId="{FA992E54-4B61-423B-B5AD-F8ADE5AC92E5}" dt="2020-10-02T02:48:20.531" v="737" actId="478"/>
+          <ac:picMkLst>
+            <pc:docMk/>
+            <pc:sldMk cId="470251281" sldId="261"/>
+            <ac:picMk id="35" creationId="{F242FA5A-1F05-448F-AAC0-E553F84F411F}"/>
+          </ac:picMkLst>
+        </pc:picChg>
+        <pc:picChg chg="add del mod">
+          <ac:chgData name="Isabella Lima" userId="fe0713f97eca5c34" providerId="LiveId" clId="{FA992E54-4B61-423B-B5AD-F8ADE5AC92E5}" dt="2020-10-02T02:11:23.919" v="117" actId="1076"/>
+          <ac:picMkLst>
+            <pc:docMk/>
+            <pc:sldMk cId="470251281" sldId="261"/>
+            <ac:picMk id="39" creationId="{83E7915B-A7AD-4A1F-9F12-45B511EAAF79}"/>
+          </ac:picMkLst>
+        </pc:picChg>
+        <pc:picChg chg="add del mod">
+          <ac:chgData name="Isabella Lima" userId="fe0713f97eca5c34" providerId="LiveId" clId="{FA992E54-4B61-423B-B5AD-F8ADE5AC92E5}" dt="2020-10-02T03:07:09.391" v="1211" actId="478"/>
+          <ac:picMkLst>
+            <pc:docMk/>
+            <pc:sldMk cId="470251281" sldId="261"/>
+            <ac:picMk id="41" creationId="{FB6EA228-4EDF-49D7-B518-9A5ED4F48620}"/>
+          </ac:picMkLst>
+        </pc:picChg>
+        <pc:picChg chg="add mod ord">
+          <ac:chgData name="Isabella Lima" userId="fe0713f97eca5c34" providerId="LiveId" clId="{FA992E54-4B61-423B-B5AD-F8ADE5AC92E5}" dt="2020-10-02T03:09:52.096" v="1287" actId="1076"/>
+          <ac:picMkLst>
+            <pc:docMk/>
+            <pc:sldMk cId="470251281" sldId="261"/>
+            <ac:picMk id="43" creationId="{115C59E7-4D15-4556-BB99-CFBA62CD2500}"/>
+          </ac:picMkLst>
+        </pc:picChg>
+        <pc:picChg chg="add mod">
+          <ac:chgData name="Isabella Lima" userId="fe0713f97eca5c34" providerId="LiveId" clId="{FA992E54-4B61-423B-B5AD-F8ADE5AC92E5}" dt="2020-10-02T03:07:23.363" v="1258" actId="1076"/>
+          <ac:picMkLst>
+            <pc:docMk/>
+            <pc:sldMk cId="470251281" sldId="261"/>
+            <ac:picMk id="45" creationId="{319297AF-6F6C-491D-9009-CB6C57EE160B}"/>
+          </ac:picMkLst>
+        </pc:picChg>
+        <pc:picChg chg="add mod">
+          <ac:chgData name="Isabella Lima" userId="fe0713f97eca5c34" providerId="LiveId" clId="{FA992E54-4B61-423B-B5AD-F8ADE5AC92E5}" dt="2020-10-02T03:07:29.005" v="1261" actId="1076"/>
+          <ac:picMkLst>
+            <pc:docMk/>
+            <pc:sldMk cId="470251281" sldId="261"/>
+            <ac:picMk id="47" creationId="{7E394353-7529-426E-BB20-6C84C5873DCE}"/>
+          </ac:picMkLst>
+        </pc:picChg>
+        <pc:picChg chg="add mod">
+          <ac:chgData name="Isabella Lima" userId="fe0713f97eca5c34" providerId="LiveId" clId="{FA992E54-4B61-423B-B5AD-F8ADE5AC92E5}" dt="2020-10-02T03:07:31.682" v="1262" actId="1076"/>
+          <ac:picMkLst>
+            <pc:docMk/>
+            <pc:sldMk cId="470251281" sldId="261"/>
+            <ac:picMk id="49" creationId="{DC9AF3D8-0D54-416D-B83F-80480E5C3C36}"/>
+          </ac:picMkLst>
+        </pc:picChg>
+        <pc:picChg chg="add mod">
+          <ac:chgData name="Isabella Lima" userId="fe0713f97eca5c34" providerId="LiveId" clId="{FA992E54-4B61-423B-B5AD-F8ADE5AC92E5}" dt="2020-10-02T03:11:21.131" v="1299" actId="14100"/>
+          <ac:picMkLst>
+            <pc:docMk/>
+            <pc:sldMk cId="470251281" sldId="261"/>
+            <ac:picMk id="51" creationId="{F5763FE3-0FC9-4422-92B1-5542BE16E2D4}"/>
+          </ac:picMkLst>
+        </pc:picChg>
+        <pc:picChg chg="add mod">
+          <ac:chgData name="Isabella Lima" userId="fe0713f97eca5c34" providerId="LiveId" clId="{FA992E54-4B61-423B-B5AD-F8ADE5AC92E5}" dt="2020-10-02T02:13:53.501" v="245" actId="1076"/>
+          <ac:picMkLst>
+            <pc:docMk/>
+            <pc:sldMk cId="470251281" sldId="261"/>
+            <ac:picMk id="53" creationId="{0B4D6C52-77C5-4A57-A299-05AA26BEB359}"/>
+          </ac:picMkLst>
+        </pc:picChg>
+        <pc:picChg chg="add mod">
+          <ac:chgData name="Isabella Lima" userId="fe0713f97eca5c34" providerId="LiveId" clId="{FA992E54-4B61-423B-B5AD-F8ADE5AC92E5}" dt="2020-10-02T02:56:14.906" v="981" actId="1038"/>
+          <ac:picMkLst>
+            <pc:docMk/>
+            <pc:sldMk cId="470251281" sldId="261"/>
+            <ac:picMk id="55" creationId="{27980C2D-8228-4655-A73E-87903645A8C8}"/>
+          </ac:picMkLst>
+        </pc:picChg>
+        <pc:picChg chg="add del mod">
+          <ac:chgData name="Isabella Lima" userId="fe0713f97eca5c34" providerId="LiveId" clId="{FA992E54-4B61-423B-B5AD-F8ADE5AC92E5}" dt="2020-10-02T03:12:05.955" v="1307" actId="478"/>
+          <ac:picMkLst>
+            <pc:docMk/>
+            <pc:sldMk cId="470251281" sldId="261"/>
+            <ac:picMk id="58" creationId="{FD8BF39C-2861-4AFE-BE09-B2BA32827417}"/>
+          </ac:picMkLst>
+        </pc:picChg>
+        <pc:picChg chg="add mod">
+          <ac:chgData name="Isabella Lima" userId="fe0713f97eca5c34" providerId="LiveId" clId="{FA992E54-4B61-423B-B5AD-F8ADE5AC92E5}" dt="2020-10-02T03:09:52.096" v="1287" actId="1076"/>
+          <ac:picMkLst>
+            <pc:docMk/>
+            <pc:sldMk cId="470251281" sldId="261"/>
+            <ac:picMk id="92" creationId="{C0C95EA8-5A76-454B-8BA7-3E5DD91A8EB1}"/>
+          </ac:picMkLst>
+        </pc:picChg>
+        <pc:picChg chg="mod">
+          <ac:chgData name="Isabella Lima" userId="fe0713f97eca5c34" providerId="LiveId" clId="{FA992E54-4B61-423B-B5AD-F8ADE5AC92E5}" dt="2020-10-02T02:54:10.169" v="851" actId="1076"/>
+          <ac:picMkLst>
+            <pc:docMk/>
+            <pc:sldMk cId="470251281" sldId="261"/>
+            <ac:picMk id="1026" creationId="{4845BB18-939C-44C2-84E0-E85EC35D13D2}"/>
+          </ac:picMkLst>
+        </pc:picChg>
+        <pc:picChg chg="del">
+          <ac:chgData name="Isabella Lima" userId="fe0713f97eca5c34" providerId="LiveId" clId="{FA992E54-4B61-423B-B5AD-F8ADE5AC92E5}" dt="2020-10-02T02:19:14.666" v="328" actId="478"/>
+          <ac:picMkLst>
+            <pc:docMk/>
+            <pc:sldMk cId="470251281" sldId="261"/>
+            <ac:picMk id="2050" creationId="{A1347C31-D1C9-4D9A-8163-8380ED3BA52B}"/>
+          </ac:picMkLst>
+        </pc:picChg>
+        <pc:picChg chg="del mod">
+          <ac:chgData name="Isabella Lima" userId="fe0713f97eca5c34" providerId="LiveId" clId="{FA992E54-4B61-423B-B5AD-F8ADE5AC92E5}" dt="2020-10-02T02:19:38.024" v="341" actId="478"/>
+          <ac:picMkLst>
+            <pc:docMk/>
+            <pc:sldMk cId="470251281" sldId="261"/>
+            <ac:picMk id="3074" creationId="{1FD41245-8EA8-4F5C-8E43-9F86A3F9496B}"/>
+          </ac:picMkLst>
+        </pc:picChg>
+        <pc:picChg chg="mod">
+          <ac:chgData name="Isabella Lima" userId="fe0713f97eca5c34" providerId="LiveId" clId="{FA992E54-4B61-423B-B5AD-F8ADE5AC92E5}" dt="2020-10-02T03:01:19.472" v="1119" actId="1076"/>
+          <ac:picMkLst>
+            <pc:docMk/>
+            <pc:sldMk cId="470251281" sldId="261"/>
+            <ac:picMk id="4098" creationId="{58AD377F-A798-482C-B73C-89A474A7068E}"/>
+          </ac:picMkLst>
+        </pc:picChg>
+        <pc:picChg chg="del mod">
+          <ac:chgData name="Isabella Lima" userId="fe0713f97eca5c34" providerId="LiveId" clId="{FA992E54-4B61-423B-B5AD-F8ADE5AC92E5}" dt="2020-10-02T02:25:20.611" v="430" actId="478"/>
+          <ac:picMkLst>
+            <pc:docMk/>
+            <pc:sldMk cId="470251281" sldId="261"/>
+            <ac:picMk id="5122" creationId="{50E6744C-5E0F-480D-BE69-2BDC67C2AA5C}"/>
+          </ac:picMkLst>
+        </pc:picChg>
+        <pc:picChg chg="mod">
+          <ac:chgData name="Isabella Lima" userId="fe0713f97eca5c34" providerId="LiveId" clId="{FA992E54-4B61-423B-B5AD-F8ADE5AC92E5}" dt="2020-10-02T02:54:10.169" v="851" actId="1076"/>
+          <ac:picMkLst>
+            <pc:docMk/>
+            <pc:sldMk cId="470251281" sldId="261"/>
+            <ac:picMk id="6146" creationId="{C6688D34-1A55-49B9-AAEB-48C82FA565BD}"/>
+          </ac:picMkLst>
+        </pc:picChg>
+        <pc:picChg chg="del mod">
+          <ac:chgData name="Isabella Lima" userId="fe0713f97eca5c34" providerId="LiveId" clId="{FA992E54-4B61-423B-B5AD-F8ADE5AC92E5}" dt="2020-10-02T02:39:45.155" v="574" actId="478"/>
+          <ac:picMkLst>
+            <pc:docMk/>
+            <pc:sldMk cId="470251281" sldId="261"/>
+            <ac:picMk id="7170" creationId="{6E0AA5B3-0DE4-4784-9E16-2E78C639A2BE}"/>
+          </ac:picMkLst>
+        </pc:picChg>
+        <pc:picChg chg="mod">
+          <ac:chgData name="Isabella Lima" userId="fe0713f97eca5c34" providerId="LiveId" clId="{FA992E54-4B61-423B-B5AD-F8ADE5AC92E5}" dt="2020-10-02T03:12:09.042" v="1308" actId="1076"/>
+          <ac:picMkLst>
+            <pc:docMk/>
+            <pc:sldMk cId="470251281" sldId="261"/>
+            <ac:picMk id="8194" creationId="{872BC580-120E-4EA0-847F-2E8EDE88D0EC}"/>
+          </ac:picMkLst>
+        </pc:picChg>
+        <pc:picChg chg="mod">
+          <ac:chgData name="Isabella Lima" userId="fe0713f97eca5c34" providerId="LiveId" clId="{FA992E54-4B61-423B-B5AD-F8ADE5AC92E5}" dt="2020-10-02T03:01:14.219" v="1118" actId="1076"/>
+          <ac:picMkLst>
+            <pc:docMk/>
+            <pc:sldMk cId="470251281" sldId="261"/>
+            <ac:picMk id="18434" creationId="{CD07421A-561F-4F3D-8E14-00D47B43B62C}"/>
+          </ac:picMkLst>
+        </pc:picChg>
+        <pc:picChg chg="mod">
+          <ac:chgData name="Isabella Lima" userId="fe0713f97eca5c34" providerId="LiveId" clId="{FA992E54-4B61-423B-B5AD-F8ADE5AC92E5}" dt="2020-10-02T03:00:36.486" v="1117" actId="1076"/>
+          <ac:picMkLst>
+            <pc:docMk/>
+            <pc:sldMk cId="470251281" sldId="261"/>
+            <ac:picMk id="19458" creationId="{3B0C7090-A9E9-4699-9BB3-C75EAEA2A0DE}"/>
+          </ac:picMkLst>
+        </pc:picChg>
+        <pc:cxnChg chg="add del mod">
+          <ac:chgData name="Isabella Lima" userId="fe0713f97eca5c34" providerId="LiveId" clId="{FA992E54-4B61-423B-B5AD-F8ADE5AC92E5}" dt="2020-10-02T03:02:39.827" v="1139" actId="478"/>
+          <ac:cxnSpMkLst>
+            <pc:docMk/>
+            <pc:sldMk cId="470251281" sldId="261"/>
+            <ac:cxnSpMk id="18" creationId="{B899E809-2113-4FF1-B07C-663227AA00F4}"/>
+          </ac:cxnSpMkLst>
+        </pc:cxnChg>
+        <pc:cxnChg chg="add del">
+          <ac:chgData name="Isabella Lima" userId="fe0713f97eca5c34" providerId="LiveId" clId="{FA992E54-4B61-423B-B5AD-F8ADE5AC92E5}" dt="2020-10-02T02:34:26.320" v="508" actId="478"/>
+          <ac:cxnSpMkLst>
+            <pc:docMk/>
+            <pc:sldMk cId="470251281" sldId="261"/>
+            <ac:cxnSpMk id="18" creationId="{D711B5DF-F10A-4B34-8E2A-BE8E19A95745}"/>
+          </ac:cxnSpMkLst>
+        </pc:cxnChg>
+        <pc:cxnChg chg="add del mod">
+          <ac:chgData name="Isabella Lima" userId="fe0713f97eca5c34" providerId="LiveId" clId="{FA992E54-4B61-423B-B5AD-F8ADE5AC92E5}" dt="2020-10-02T03:02:57.304" v="1146" actId="478"/>
+          <ac:cxnSpMkLst>
+            <pc:docMk/>
+            <pc:sldMk cId="470251281" sldId="261"/>
+            <ac:cxnSpMk id="21" creationId="{E2373907-B844-4679-A004-69EE7E1F68C7}"/>
+          </ac:cxnSpMkLst>
+        </pc:cxnChg>
+        <pc:cxnChg chg="add mod">
+          <ac:chgData name="Isabella Lima" userId="fe0713f97eca5c34" providerId="LiveId" clId="{FA992E54-4B61-423B-B5AD-F8ADE5AC92E5}" dt="2020-10-02T02:38:13.473" v="561" actId="14100"/>
+          <ac:cxnSpMkLst>
+            <pc:docMk/>
+            <pc:sldMk cId="470251281" sldId="261"/>
+            <ac:cxnSpMk id="24" creationId="{7F9F3BB3-83E5-446A-A03F-ACCE67F2E825}"/>
+          </ac:cxnSpMkLst>
+        </pc:cxnChg>
+        <pc:cxnChg chg="add mod">
+          <ac:chgData name="Isabella Lima" userId="fe0713f97eca5c34" providerId="LiveId" clId="{FA992E54-4B61-423B-B5AD-F8ADE5AC92E5}" dt="2020-10-02T02:38:11.264" v="560" actId="14100"/>
+          <ac:cxnSpMkLst>
+            <pc:docMk/>
+            <pc:sldMk cId="470251281" sldId="261"/>
+            <ac:cxnSpMk id="27" creationId="{76F1719F-715A-45AF-B3F4-5804ACDE86B1}"/>
+          </ac:cxnSpMkLst>
+        </pc:cxnChg>
+        <pc:cxnChg chg="add mod">
+          <ac:chgData name="Isabella Lima" userId="fe0713f97eca5c34" providerId="LiveId" clId="{FA992E54-4B61-423B-B5AD-F8ADE5AC92E5}" dt="2020-10-02T03:02:51.868" v="1143" actId="1076"/>
+          <ac:cxnSpMkLst>
+            <pc:docMk/>
+            <pc:sldMk cId="470251281" sldId="261"/>
+            <ac:cxnSpMk id="40" creationId="{77476105-D5D1-4C62-BCF5-5FF18AAE0DCA}"/>
+          </ac:cxnSpMkLst>
+        </pc:cxnChg>
+        <pc:cxnChg chg="add mod">
+          <ac:chgData name="Isabella Lima" userId="fe0713f97eca5c34" providerId="LiveId" clId="{FA992E54-4B61-423B-B5AD-F8ADE5AC92E5}" dt="2020-10-02T03:03:00.673" v="1147" actId="1076"/>
+          <ac:cxnSpMkLst>
+            <pc:docMk/>
+            <pc:sldMk cId="470251281" sldId="261"/>
+            <ac:cxnSpMk id="46" creationId="{D0BC3348-C08B-4B14-8BC0-26BA155E4D74}"/>
+          </ac:cxnSpMkLst>
+        </pc:cxnChg>
+        <pc:cxnChg chg="add del mod">
+          <ac:chgData name="Isabella Lima" userId="fe0713f97eca5c34" providerId="LiveId" clId="{FA992E54-4B61-423B-B5AD-F8ADE5AC92E5}" dt="2020-10-02T03:03:33.136" v="1152" actId="478"/>
+          <ac:cxnSpMkLst>
+            <pc:docMk/>
+            <pc:sldMk cId="470251281" sldId="261"/>
+            <ac:cxnSpMk id="48" creationId="{B9712A47-1130-401D-80CB-563CDA5D839D}"/>
+          </ac:cxnSpMkLst>
+        </pc:cxnChg>
+        <pc:cxnChg chg="add del mod">
+          <ac:chgData name="Isabella Lima" userId="fe0713f97eca5c34" providerId="LiveId" clId="{FA992E54-4B61-423B-B5AD-F8ADE5AC92E5}" dt="2020-10-02T03:03:33.136" v="1152" actId="478"/>
+          <ac:cxnSpMkLst>
+            <pc:docMk/>
+            <pc:sldMk cId="470251281" sldId="261"/>
+            <ac:cxnSpMk id="50" creationId="{A7EC5685-7A35-4B5F-9FF7-5697FBC65269}"/>
+          </ac:cxnSpMkLst>
+        </pc:cxnChg>
+        <pc:cxnChg chg="add del mod">
+          <ac:chgData name="Isabella Lima" userId="fe0713f97eca5c34" providerId="LiveId" clId="{FA992E54-4B61-423B-B5AD-F8ADE5AC92E5}" dt="2020-10-02T03:03:33.136" v="1152" actId="478"/>
+          <ac:cxnSpMkLst>
+            <pc:docMk/>
+            <pc:sldMk cId="470251281" sldId="261"/>
+            <ac:cxnSpMk id="52" creationId="{57E6D65A-85D8-44E8-AC68-70E60B6FD6E7}"/>
+          </ac:cxnSpMkLst>
+        </pc:cxnChg>
+        <pc:cxnChg chg="add mod">
+          <ac:chgData name="Isabella Lima" userId="fe0713f97eca5c34" providerId="LiveId" clId="{FA992E54-4B61-423B-B5AD-F8ADE5AC92E5}" dt="2020-10-02T03:01:48.167" v="1129" actId="1076"/>
+          <ac:cxnSpMkLst>
+            <pc:docMk/>
+            <pc:sldMk cId="470251281" sldId="261"/>
+            <ac:cxnSpMk id="61" creationId="{666A7D21-505E-4FDD-BD7C-7AFEC123373A}"/>
+          </ac:cxnSpMkLst>
+        </pc:cxnChg>
+        <pc:cxnChg chg="add mod">
+          <ac:chgData name="Isabella Lima" userId="fe0713f97eca5c34" providerId="LiveId" clId="{FA992E54-4B61-423B-B5AD-F8ADE5AC92E5}" dt="2020-10-02T03:04:25.908" v="1165" actId="13822"/>
+          <ac:cxnSpMkLst>
+            <pc:docMk/>
+            <pc:sldMk cId="470251281" sldId="261"/>
+            <ac:cxnSpMk id="71" creationId="{ABBF1A07-B907-4365-A002-606827201A2D}"/>
+          </ac:cxnSpMkLst>
+        </pc:cxnChg>
+        <pc:cxnChg chg="add mod">
+          <ac:chgData name="Isabella Lima" userId="fe0713f97eca5c34" providerId="LiveId" clId="{FA992E54-4B61-423B-B5AD-F8ADE5AC92E5}" dt="2020-10-02T03:05:07.614" v="1174" actId="14100"/>
+          <ac:cxnSpMkLst>
+            <pc:docMk/>
+            <pc:sldMk cId="470251281" sldId="261"/>
+            <ac:cxnSpMk id="79" creationId="{C308D66D-4E57-47B3-9D79-B96CE048AFD2}"/>
+          </ac:cxnSpMkLst>
+        </pc:cxnChg>
+        <pc:cxnChg chg="add del">
+          <ac:chgData name="Isabella Lima" userId="fe0713f97eca5c34" providerId="LiveId" clId="{FA992E54-4B61-423B-B5AD-F8ADE5AC92E5}" dt="2020-10-02T03:04:48.928" v="1170" actId="11529"/>
+          <ac:cxnSpMkLst>
+            <pc:docMk/>
+            <pc:sldMk cId="470251281" sldId="261"/>
+            <ac:cxnSpMk id="81" creationId="{F28B7CD5-80F5-4225-B2FA-71676B3CA4AE}"/>
+          </ac:cxnSpMkLst>
+        </pc:cxnChg>
+        <pc:cxnChg chg="add del mod">
+          <ac:chgData name="Isabella Lima" userId="fe0713f97eca5c34" providerId="LiveId" clId="{FA992E54-4B61-423B-B5AD-F8ADE5AC92E5}" dt="2020-10-02T03:05:21.931" v="1179" actId="478"/>
+          <ac:cxnSpMkLst>
+            <pc:docMk/>
+            <pc:sldMk cId="470251281" sldId="261"/>
+            <ac:cxnSpMk id="84" creationId="{F31345E2-AC91-4B88-811B-ABF8B3A330EF}"/>
+          </ac:cxnSpMkLst>
+        </pc:cxnChg>
+        <pc:cxnChg chg="add mod">
+          <ac:chgData name="Isabella Lima" userId="fe0713f97eca5c34" providerId="LiveId" clId="{FA992E54-4B61-423B-B5AD-F8ADE5AC92E5}" dt="2020-10-02T03:05:36.588" v="1193" actId="1037"/>
+          <ac:cxnSpMkLst>
+            <pc:docMk/>
+            <pc:sldMk cId="470251281" sldId="261"/>
+            <ac:cxnSpMk id="88" creationId="{59E3203E-B9B6-40D3-837D-C0B300D144B0}"/>
+          </ac:cxnSpMkLst>
+        </pc:cxnChg>
+        <pc:cxnChg chg="add mod">
+          <ac:chgData name="Isabella Lima" userId="fe0713f97eca5c34" providerId="LiveId" clId="{FA992E54-4B61-423B-B5AD-F8ADE5AC92E5}" dt="2020-10-02T03:09:56.815" v="1288" actId="14100"/>
+          <ac:cxnSpMkLst>
+            <pc:docMk/>
+            <pc:sldMk cId="470251281" sldId="261"/>
+            <ac:cxnSpMk id="94" creationId="{CF35D557-D2C5-45DD-B0CD-EE916C065BF6}"/>
+          </ac:cxnSpMkLst>
+        </pc:cxnChg>
+        <pc:cxnChg chg="add mod">
+          <ac:chgData name="Isabella Lima" userId="fe0713f97eca5c34" providerId="LiveId" clId="{FA992E54-4B61-423B-B5AD-F8ADE5AC92E5}" dt="2020-10-02T03:10:00.237" v="1289" actId="14100"/>
+          <ac:cxnSpMkLst>
+            <pc:docMk/>
+            <pc:sldMk cId="470251281" sldId="261"/>
+            <ac:cxnSpMk id="95" creationId="{33C5EAF3-5A22-4B97-B07A-C6C8F19F601A}"/>
+          </ac:cxnSpMkLst>
+        </pc:cxnChg>
+        <pc:cxnChg chg="add del mod">
+          <ac:chgData name="Isabella Lima" userId="fe0713f97eca5c34" providerId="LiveId" clId="{FA992E54-4B61-423B-B5AD-F8ADE5AC92E5}" dt="2020-10-02T03:09:35.977" v="1285" actId="478"/>
+          <ac:cxnSpMkLst>
+            <pc:docMk/>
+            <pc:sldMk cId="470251281" sldId="261"/>
+            <ac:cxnSpMk id="100" creationId="{CD730493-C49A-41B6-B106-F39277657E08}"/>
+          </ac:cxnSpMkLst>
+        </pc:cxnChg>
+        <pc:cxnChg chg="add del mod">
+          <ac:chgData name="Isabella Lima" userId="fe0713f97eca5c34" providerId="LiveId" clId="{FA992E54-4B61-423B-B5AD-F8ADE5AC92E5}" dt="2020-10-02T03:09:38.472" v="1286" actId="478"/>
+          <ac:cxnSpMkLst>
+            <pc:docMk/>
+            <pc:sldMk cId="470251281" sldId="261"/>
+            <ac:cxnSpMk id="104" creationId="{B3329099-8274-4695-BD17-DD842E7E5F9B}"/>
+          </ac:cxnSpMkLst>
+        </pc:cxnChg>
+      </pc:sldChg>
+      <pc:sldChg chg="addSp">
+        <pc:chgData name="Isabella Lima" userId="fe0713f97eca5c34" providerId="LiveId" clId="{FA992E54-4B61-423B-B5AD-F8ADE5AC92E5}" dt="2020-10-02T02:48:05.894" v="733"/>
+        <pc:sldMkLst>
+          <pc:docMk/>
+          <pc:sldMk cId="546511753" sldId="261"/>
+        </pc:sldMkLst>
+        <pc:spChg chg="add">
+          <ac:chgData name="Isabella Lima" userId="fe0713f97eca5c34" providerId="LiveId" clId="{FA992E54-4B61-423B-B5AD-F8ADE5AC92E5}" dt="2020-10-02T02:48:05.894" v="733"/>
+          <ac:spMkLst>
+            <pc:docMk/>
+            <pc:sldMk cId="546511753" sldId="261"/>
+            <ac:spMk id="20" creationId="{B4695291-9D26-4FB0-9DB8-4FBA91DDA769}"/>
+          </ac:spMkLst>
+        </pc:spChg>
+      </pc:sldChg>
+      <pc:sldChg chg="addSp">
+        <pc:chgData name="Isabella Lima" userId="fe0713f97eca5c34" providerId="LiveId" clId="{FA992E54-4B61-423B-B5AD-F8ADE5AC92E5}" dt="2020-10-02T02:46:49.206" v="702"/>
+        <pc:sldMkLst>
+          <pc:docMk/>
+          <pc:sldMk cId="803988085" sldId="261"/>
+        </pc:sldMkLst>
+        <pc:spChg chg="add">
+          <ac:chgData name="Isabella Lima" userId="fe0713f97eca5c34" providerId="LiveId" clId="{FA992E54-4B61-423B-B5AD-F8ADE5AC92E5}" dt="2020-10-02T02:46:49.206" v="702"/>
+          <ac:spMkLst>
+            <pc:docMk/>
+            <pc:sldMk cId="803988085" sldId="261"/>
+            <ac:spMk id="20" creationId="{351AD4BD-C7AE-467F-B2EC-984DA4763E7E}"/>
+          </ac:spMkLst>
+        </pc:spChg>
+      </pc:sldChg>
+      <pc:sldChg chg="addSp">
+        <pc:chgData name="Isabella Lima" userId="fe0713f97eca5c34" providerId="LiveId" clId="{FA992E54-4B61-423B-B5AD-F8ADE5AC92E5}" dt="2020-10-02T02:18:48.351" v="326"/>
+        <pc:sldMkLst>
+          <pc:docMk/>
+          <pc:sldMk cId="1607626508" sldId="261"/>
+        </pc:sldMkLst>
+        <pc:picChg chg="add">
+          <ac:chgData name="Isabella Lima" userId="fe0713f97eca5c34" providerId="LiveId" clId="{FA992E54-4B61-423B-B5AD-F8ADE5AC92E5}" dt="2020-10-02T02:18:48.351" v="326"/>
+          <ac:picMkLst>
+            <pc:docMk/>
+            <pc:sldMk cId="1607626508" sldId="261"/>
+            <ac:picMk id="2050" creationId="{A1347C31-D1C9-4D9A-8163-8380ED3BA52B}"/>
+          </ac:picMkLst>
+        </pc:picChg>
+      </pc:sldChg>
+      <pc:sldChg chg="addSp modSp">
+        <pc:chgData name="Isabella Lima" userId="fe0713f97eca5c34" providerId="LiveId" clId="{FA992E54-4B61-423B-B5AD-F8ADE5AC92E5}" dt="2020-10-02T02:47:47.208" v="726"/>
+        <pc:sldMkLst>
+          <pc:docMk/>
+          <pc:sldMk cId="1609567444" sldId="261"/>
+        </pc:sldMkLst>
+        <pc:spChg chg="add mod">
+          <ac:chgData name="Isabella Lima" userId="fe0713f97eca5c34" providerId="LiveId" clId="{FA992E54-4B61-423B-B5AD-F8ADE5AC92E5}" dt="2020-10-02T02:47:47.208" v="726"/>
+          <ac:spMkLst>
+            <pc:docMk/>
+            <pc:sldMk cId="1609567444" sldId="261"/>
+            <ac:spMk id="22" creationId="{BC616E34-DCFE-46B2-B5C5-824D4A6B0F89}"/>
+          </ac:spMkLst>
+        </pc:spChg>
+      </pc:sldChg>
+      <pc:sldChg chg="addSp">
+        <pc:chgData name="Isabella Lima" userId="fe0713f97eca5c34" providerId="LiveId" clId="{FA992E54-4B61-423B-B5AD-F8ADE5AC92E5}" dt="2020-10-02T03:00:25.152" v="1114"/>
+        <pc:sldMkLst>
+          <pc:docMk/>
+          <pc:sldMk cId="1662501215" sldId="261"/>
+        </pc:sldMkLst>
+        <pc:picChg chg="add">
+          <ac:chgData name="Isabella Lima" userId="fe0713f97eca5c34" providerId="LiveId" clId="{FA992E54-4B61-423B-B5AD-F8ADE5AC92E5}" dt="2020-10-02T03:00:25.152" v="1114"/>
+          <ac:picMkLst>
+            <pc:docMk/>
+            <pc:sldMk cId="1662501215" sldId="261"/>
+            <ac:picMk id="19458" creationId="{3B0C7090-A9E9-4699-9BB3-C75EAEA2A0DE}"/>
+          </ac:picMkLst>
+        </pc:picChg>
+      </pc:sldChg>
+      <pc:sldChg chg="addSp">
+        <pc:chgData name="Isabella Lima" userId="fe0713f97eca5c34" providerId="LiveId" clId="{FA992E54-4B61-423B-B5AD-F8ADE5AC92E5}" dt="2020-10-02T02:47:11.809" v="710"/>
+        <pc:sldMkLst>
+          <pc:docMk/>
+          <pc:sldMk cId="1828364795" sldId="261"/>
+        </pc:sldMkLst>
+        <pc:spChg chg="add">
+          <ac:chgData name="Isabella Lima" userId="fe0713f97eca5c34" providerId="LiveId" clId="{FA992E54-4B61-423B-B5AD-F8ADE5AC92E5}" dt="2020-10-02T02:47:11.809" v="710"/>
+          <ac:spMkLst>
+            <pc:docMk/>
+            <pc:sldMk cId="1828364795" sldId="261"/>
+            <ac:spMk id="20" creationId="{4326B5BE-1914-47CA-A261-BB7809B0A62A}"/>
+          </ac:spMkLst>
+        </pc:spChg>
+      </pc:sldChg>
+      <pc:sldChg chg="addSp">
+        <pc:chgData name="Isabella Lima" userId="fe0713f97eca5c34" providerId="LiveId" clId="{FA992E54-4B61-423B-B5AD-F8ADE5AC92E5}" dt="2020-10-02T02:17:47.898" v="271"/>
+        <pc:sldMkLst>
+          <pc:docMk/>
+          <pc:sldMk cId="2231789602" sldId="261"/>
+        </pc:sldMkLst>
+        <pc:picChg chg="add">
+          <ac:chgData name="Isabella Lima" userId="fe0713f97eca5c34" providerId="LiveId" clId="{FA992E54-4B61-423B-B5AD-F8ADE5AC92E5}" dt="2020-10-02T02:17:47.898" v="271"/>
+          <ac:picMkLst>
+            <pc:docMk/>
+            <pc:sldMk cId="2231789602" sldId="261"/>
+            <ac:picMk id="1026" creationId="{4845BB18-939C-44C2-84E0-E85EC35D13D2}"/>
+          </ac:picMkLst>
+        </pc:picChg>
+      </pc:sldChg>
+      <pc:sldChg chg="addSp">
+        <pc:chgData name="Isabella Lima" userId="fe0713f97eca5c34" providerId="LiveId" clId="{FA992E54-4B61-423B-B5AD-F8ADE5AC92E5}" dt="2020-10-02T02:20:56.252" v="348"/>
+        <pc:sldMkLst>
+          <pc:docMk/>
+          <pc:sldMk cId="2259095192" sldId="261"/>
+        </pc:sldMkLst>
+        <pc:picChg chg="add">
+          <ac:chgData name="Isabella Lima" userId="fe0713f97eca5c34" providerId="LiveId" clId="{FA992E54-4B61-423B-B5AD-F8ADE5AC92E5}" dt="2020-10-02T02:20:56.252" v="348"/>
+          <ac:picMkLst>
+            <pc:docMk/>
+            <pc:sldMk cId="2259095192" sldId="261"/>
+            <ac:picMk id="5122" creationId="{50E6744C-5E0F-480D-BE69-2BDC67C2AA5C}"/>
+          </ac:picMkLst>
+        </pc:picChg>
+      </pc:sldChg>
+      <pc:sldChg chg="addSp">
+        <pc:chgData name="Isabella Lima" userId="fe0713f97eca5c34" providerId="LiveId" clId="{FA992E54-4B61-423B-B5AD-F8ADE5AC92E5}" dt="2020-10-02T02:19:54.761" v="342"/>
+        <pc:sldMkLst>
+          <pc:docMk/>
+          <pc:sldMk cId="2453159821" sldId="261"/>
+        </pc:sldMkLst>
+        <pc:picChg chg="add">
+          <ac:chgData name="Isabella Lima" userId="fe0713f97eca5c34" providerId="LiveId" clId="{FA992E54-4B61-423B-B5AD-F8ADE5AC92E5}" dt="2020-10-02T02:19:54.761" v="342"/>
+          <ac:picMkLst>
+            <pc:docMk/>
+            <pc:sldMk cId="2453159821" sldId="261"/>
+            <ac:picMk id="4098" creationId="{58AD377F-A798-482C-B73C-89A474A7068E}"/>
+          </ac:picMkLst>
+        </pc:picChg>
+      </pc:sldChg>
+      <pc:sldChg chg="addSp modSp">
+        <pc:chgData name="Isabella Lima" userId="fe0713f97eca5c34" providerId="LiveId" clId="{FA992E54-4B61-423B-B5AD-F8ADE5AC92E5}" dt="2020-10-02T02:46:55.065" v="704"/>
+        <pc:sldMkLst>
+          <pc:docMk/>
+          <pc:sldMk cId="2718643144" sldId="261"/>
+        </pc:sldMkLst>
+        <pc:spChg chg="add mod">
+          <ac:chgData name="Isabella Lima" userId="fe0713f97eca5c34" providerId="LiveId" clId="{FA992E54-4B61-423B-B5AD-F8ADE5AC92E5}" dt="2020-10-02T02:46:55.065" v="704"/>
+          <ac:spMkLst>
+            <pc:docMk/>
+            <pc:sldMk cId="2718643144" sldId="261"/>
+            <ac:spMk id="22" creationId="{9FEE9B87-2667-4893-9FD3-31E4CB5AC1F8}"/>
+          </ac:spMkLst>
+        </pc:spChg>
+      </pc:sldChg>
+      <pc:sldChg chg="addSp">
+        <pc:chgData name="Isabella Lima" userId="fe0713f97eca5c34" providerId="LiveId" clId="{FA992E54-4B61-423B-B5AD-F8ADE5AC92E5}" dt="2020-10-02T02:37:05.795" v="541"/>
+        <pc:sldMkLst>
+          <pc:docMk/>
+          <pc:sldMk cId="2725401541" sldId="261"/>
+        </pc:sldMkLst>
+        <pc:picChg chg="add">
+          <ac:chgData name="Isabella Lima" userId="fe0713f97eca5c34" providerId="LiveId" clId="{FA992E54-4B61-423B-B5AD-F8ADE5AC92E5}" dt="2020-10-02T02:37:05.795" v="541"/>
+          <ac:picMkLst>
+            <pc:docMk/>
+            <pc:sldMk cId="2725401541" sldId="261"/>
+            <ac:picMk id="7170" creationId="{6E0AA5B3-0DE4-4784-9E16-2E78C639A2BE}"/>
+          </ac:picMkLst>
+        </pc:picChg>
+      </pc:sldChg>
+      <pc:sldChg chg="addSp">
+        <pc:chgData name="Isabella Lima" userId="fe0713f97eca5c34" providerId="LiveId" clId="{FA992E54-4B61-423B-B5AD-F8ADE5AC92E5}" dt="2020-10-02T02:47:54.277" v="730"/>
+        <pc:sldMkLst>
+          <pc:docMk/>
+          <pc:sldMk cId="3521033580" sldId="261"/>
+        </pc:sldMkLst>
+        <pc:spChg chg="add">
+          <ac:chgData name="Isabella Lima" userId="fe0713f97eca5c34" providerId="LiveId" clId="{FA992E54-4B61-423B-B5AD-F8ADE5AC92E5}" dt="2020-10-02T02:47:54.277" v="730"/>
+          <ac:spMkLst>
+            <pc:docMk/>
+            <pc:sldMk cId="3521033580" sldId="261"/>
+            <ac:spMk id="20" creationId="{AD0D965A-F409-4CD4-9655-276C2698EC1D}"/>
+          </ac:spMkLst>
+        </pc:spChg>
+      </pc:sldChg>
+      <pc:sldChg chg="addSp">
+        <pc:chgData name="Isabella Lima" userId="fe0713f97eca5c34" providerId="LiveId" clId="{FA992E54-4B61-423B-B5AD-F8ADE5AC92E5}" dt="2020-10-02T02:25:03.816" v="422"/>
+        <pc:sldMkLst>
+          <pc:docMk/>
+          <pc:sldMk cId="3835500926" sldId="261"/>
+        </pc:sldMkLst>
+        <pc:picChg chg="add">
+          <ac:chgData name="Isabella Lima" userId="fe0713f97eca5c34" providerId="LiveId" clId="{FA992E54-4B61-423B-B5AD-F8ADE5AC92E5}" dt="2020-10-02T02:25:03.816" v="422"/>
+          <ac:picMkLst>
+            <pc:docMk/>
+            <pc:sldMk cId="3835500926" sldId="261"/>
+            <ac:picMk id="6146" creationId="{C6688D34-1A55-49B9-AAEB-48C82FA565BD}"/>
+          </ac:picMkLst>
+        </pc:picChg>
+      </pc:sldChg>
+      <pc:sldChg chg="addSp">
+        <pc:chgData name="Isabella Lima" userId="fe0713f97eca5c34" providerId="LiveId" clId="{FA992E54-4B61-423B-B5AD-F8ADE5AC92E5}" dt="2020-10-02T02:39:40.110" v="564"/>
+        <pc:sldMkLst>
+          <pc:docMk/>
+          <pc:sldMk cId="4023768287" sldId="261"/>
+        </pc:sldMkLst>
+        <pc:picChg chg="add">
+          <ac:chgData name="Isabella Lima" userId="fe0713f97eca5c34" providerId="LiveId" clId="{FA992E54-4B61-423B-B5AD-F8ADE5AC92E5}" dt="2020-10-02T02:39:40.110" v="564"/>
+          <ac:picMkLst>
+            <pc:docMk/>
+            <pc:sldMk cId="4023768287" sldId="261"/>
+            <ac:picMk id="8194" creationId="{872BC580-120E-4EA0-847F-2E8EDE88D0EC}"/>
+          </ac:picMkLst>
+        </pc:picChg>
+      </pc:sldChg>
+      <pc:sldChg chg="addSp delSp modSp">
+        <pc:chgData name="Isabella Lima" userId="fe0713f97eca5c34" providerId="LiveId" clId="{FA992E54-4B61-423B-B5AD-F8ADE5AC92E5}" dt="2020-10-02T02:48:56.579" v="747"/>
+        <pc:sldMkLst>
+          <pc:docMk/>
+          <pc:sldMk cId="1415191808" sldId="262"/>
+        </pc:sldMkLst>
+        <pc:spChg chg="del">
+          <ac:chgData name="Isabella Lima" userId="fe0713f97eca5c34" providerId="LiveId" clId="{FA992E54-4B61-423B-B5AD-F8ADE5AC92E5}" dt="2020-10-02T02:48:56.579" v="747"/>
+          <ac:spMkLst>
+            <pc:docMk/>
+            <pc:sldMk cId="1415191808" sldId="262"/>
+            <ac:spMk id="3" creationId="{DF58E217-89E1-48B2-B524-F06F9124C47A}"/>
+          </ac:spMkLst>
+        </pc:spChg>
+        <pc:spChg chg="add mod">
+          <ac:chgData name="Isabella Lima" userId="fe0713f97eca5c34" providerId="LiveId" clId="{FA992E54-4B61-423B-B5AD-F8ADE5AC92E5}" dt="2020-10-02T02:48:56.579" v="747"/>
+          <ac:spMkLst>
+            <pc:docMk/>
+            <pc:sldMk cId="1415191808" sldId="262"/>
+            <ac:spMk id="4" creationId="{4B193F23-CD79-4E50-BBAB-F4D764674843}"/>
+          </ac:spMkLst>
+        </pc:spChg>
+      </pc:sldChg>
+      <pc:sldChg chg="addSp">
+        <pc:chgData name="Isabella Lima" userId="fe0713f97eca5c34" providerId="LiveId" clId="{FA992E54-4B61-423B-B5AD-F8ADE5AC92E5}" dt="2020-10-02T02:49:00.847" v="751"/>
+        <pc:sldMkLst>
+          <pc:docMk/>
+          <pc:sldMk cId="1701472863" sldId="262"/>
+        </pc:sldMkLst>
+        <pc:spChg chg="add">
+          <ac:chgData name="Isabella Lima" userId="fe0713f97eca5c34" providerId="LiveId" clId="{FA992E54-4B61-423B-B5AD-F8ADE5AC92E5}" dt="2020-10-02T02:49:00.847" v="751"/>
+          <ac:spMkLst>
+            <pc:docMk/>
+            <pc:sldMk cId="1701472863" sldId="262"/>
+            <ac:spMk id="2" creationId="{1ACCAA73-AB4D-4A14-A8AE-8F3D251F7AD1}"/>
+          </ac:spMkLst>
+        </pc:spChg>
+      </pc:sldChg>
+      <pc:sldChg chg="delSp modSp new add del mod">
+        <pc:chgData name="Isabella Lima" userId="fe0713f97eca5c34" providerId="LiveId" clId="{FA992E54-4B61-423B-B5AD-F8ADE5AC92E5}" dt="2020-10-02T02:49:03.283" v="753" actId="14100"/>
+        <pc:sldMkLst>
+          <pc:docMk/>
+          <pc:sldMk cId="4284777791" sldId="262"/>
+        </pc:sldMkLst>
+        <pc:spChg chg="mod">
+          <ac:chgData name="Isabella Lima" userId="fe0713f97eca5c34" providerId="LiveId" clId="{FA992E54-4B61-423B-B5AD-F8ADE5AC92E5}" dt="2020-10-02T02:49:03.283" v="753" actId="14100"/>
+          <ac:spMkLst>
+            <pc:docMk/>
+            <pc:sldMk cId="4284777791" sldId="262"/>
+            <ac:spMk id="2" creationId="{1ACCAA73-AB4D-4A14-A8AE-8F3D251F7AD1}"/>
+          </ac:spMkLst>
+        </pc:spChg>
+        <pc:spChg chg="del">
+          <ac:chgData name="Isabella Lima" userId="fe0713f97eca5c34" providerId="LiveId" clId="{FA992E54-4B61-423B-B5AD-F8ADE5AC92E5}" dt="2020-10-02T02:49:00.033" v="750" actId="478"/>
+          <ac:spMkLst>
+            <pc:docMk/>
+            <pc:sldMk cId="4284777791" sldId="262"/>
+            <ac:spMk id="2" creationId="{7A22D522-C067-4F4C-9B76-BC9F8E6E85BE}"/>
+          </ac:spMkLst>
+        </pc:spChg>
+        <pc:spChg chg="del">
+          <ac:chgData name="Isabella Lima" userId="fe0713f97eca5c34" providerId="LiveId" clId="{FA992E54-4B61-423B-B5AD-F8ADE5AC92E5}" dt="2020-10-02T02:48:58.935" v="749" actId="478"/>
+          <ac:spMkLst>
+            <pc:docMk/>
+            <pc:sldMk cId="4284777791" sldId="262"/>
+            <ac:spMk id="4" creationId="{4B193F23-CD79-4E50-BBAB-F4D764674843}"/>
+          </ac:spMkLst>
+        </pc:spChg>
+      </pc:sldChg>
+    </pc:docChg>
+  </pc:docChgLst>
+</pc:chgInfo>
 </file>
 
 <file path=ppt/slideLayouts/slideLayout1.xml><?xml version="1.0" encoding="utf-8"?>
@@ -3328,10 +4409,10 @@
       </p:grpSpPr>
       <p:sp>
         <p:nvSpPr>
-          <p:cNvPr id="4" name="Nuvem 3">
-            <a:extLst>
-              <a:ext uri="{FF2B5EF4-FFF2-40B4-BE49-F238E27FC236}">
-                <a16:creationId xmlns:a16="http://schemas.microsoft.com/office/drawing/2014/main" id="{3460843D-0FC3-47E8-9FBD-A89E561BD9F5}"/>
+          <p:cNvPr id="5" name="Retângulo 4">
+            <a:extLst>
+              <a:ext uri="{FF2B5EF4-FFF2-40B4-BE49-F238E27FC236}">
+                <a16:creationId xmlns:a16="http://schemas.microsoft.com/office/drawing/2014/main" id="{C13C096A-7414-4419-807A-C2068EAEE71D}"/>
               </a:ext>
             </a:extLst>
           </p:cNvPr>
@@ -3340,96 +4421,8 @@
         </p:nvSpPr>
         <p:spPr>
           <a:xfrm>
-            <a:off x="6125532" y="5645254"/>
-            <a:ext cx="1593593" cy="1363551"/>
-          </a:xfrm>
-          <a:prstGeom prst="cloud">
-            <a:avLst/>
-          </a:prstGeom>
-        </p:spPr>
-        <p:style>
-          <a:lnRef idx="1">
-            <a:schemeClr val="accent5"/>
-          </a:lnRef>
-          <a:fillRef idx="2">
-            <a:schemeClr val="accent5"/>
-          </a:fillRef>
-          <a:effectRef idx="1">
-            <a:schemeClr val="accent5"/>
-          </a:effectRef>
-          <a:fontRef idx="minor">
-            <a:schemeClr val="dk1"/>
-          </a:fontRef>
-        </p:style>
-        <p:txBody>
-          <a:bodyPr rtlCol="0" anchor="ctr"/>
-          <a:lstStyle/>
-          <a:p>
-            <a:pPr algn="ctr"/>
-            <a:endParaRPr lang="pt-BR"/>
-          </a:p>
-        </p:txBody>
-      </p:sp>
-      <p:sp>
-        <p:nvSpPr>
-          <p:cNvPr id="3" name="Nuvem 2">
-            <a:extLst>
-              <a:ext uri="{FF2B5EF4-FFF2-40B4-BE49-F238E27FC236}">
-                <a16:creationId xmlns:a16="http://schemas.microsoft.com/office/drawing/2014/main" id="{0804DE3E-76BD-4D15-9B9E-95CDB96704AD}"/>
-              </a:ext>
-            </a:extLst>
-          </p:cNvPr>
-          <p:cNvSpPr/>
-          <p:nvPr/>
-        </p:nvSpPr>
-        <p:spPr>
-          <a:xfrm>
-            <a:off x="-417681" y="3258722"/>
-            <a:ext cx="7043551" cy="4122978"/>
-          </a:xfrm>
-          <a:prstGeom prst="cloud">
-            <a:avLst/>
-          </a:prstGeom>
-        </p:spPr>
-        <p:style>
-          <a:lnRef idx="1">
-            <a:schemeClr val="accent5"/>
-          </a:lnRef>
-          <a:fillRef idx="2">
-            <a:schemeClr val="accent5"/>
-          </a:fillRef>
-          <a:effectRef idx="1">
-            <a:schemeClr val="accent5"/>
-          </a:effectRef>
-          <a:fontRef idx="minor">
-            <a:schemeClr val="dk1"/>
-          </a:fontRef>
-        </p:style>
-        <p:txBody>
-          <a:bodyPr rtlCol="0" anchor="ctr"/>
-          <a:lstStyle/>
-          <a:p>
-            <a:pPr algn="ctr"/>
-            <a:endParaRPr lang="pt-BR"/>
-          </a:p>
-        </p:txBody>
-      </p:sp>
-      <p:sp>
-        <p:nvSpPr>
-          <p:cNvPr id="127" name="Retângulo 126">
-            <a:extLst>
-              <a:ext uri="{FF2B5EF4-FFF2-40B4-BE49-F238E27FC236}">
-                <a16:creationId xmlns:a16="http://schemas.microsoft.com/office/drawing/2014/main" id="{64E83B94-0413-47E8-BDCC-EB6D3452A338}"/>
-              </a:ext>
-            </a:extLst>
-          </p:cNvPr>
-          <p:cNvSpPr/>
-          <p:nvPr/>
-        </p:nvSpPr>
-        <p:spPr>
-          <a:xfrm>
-            <a:off x="668073" y="3847185"/>
-            <a:ext cx="2489668" cy="2576506"/>
+            <a:off x="436721" y="3806327"/>
+            <a:ext cx="4642056" cy="2617364"/>
           </a:xfrm>
           <a:prstGeom prst="rect">
             <a:avLst/>
@@ -3467,10 +4460,10 @@
       </p:sp>
       <p:sp>
         <p:nvSpPr>
-          <p:cNvPr id="125" name="Retângulo 124">
-            <a:extLst>
-              <a:ext uri="{FF2B5EF4-FFF2-40B4-BE49-F238E27FC236}">
-                <a16:creationId xmlns:a16="http://schemas.microsoft.com/office/drawing/2014/main" id="{9833E3F8-A3F6-417D-A32E-333FA8F5FE04}"/>
+          <p:cNvPr id="91" name="Retângulo: Único Canto Recortado 90">
+            <a:extLst>
+              <a:ext uri="{FF2B5EF4-FFF2-40B4-BE49-F238E27FC236}">
+                <a16:creationId xmlns:a16="http://schemas.microsoft.com/office/drawing/2014/main" id="{397F0654-A91A-4F2E-B6A6-2236EE14A546}"/>
               </a:ext>
             </a:extLst>
           </p:cNvPr>
@@ -3479,15 +4472,16 @@
         </p:nvSpPr>
         <p:spPr>
           <a:xfrm>
-            <a:off x="3367049" y="3847537"/>
-            <a:ext cx="2399465" cy="2576506"/>
-          </a:xfrm>
-          <a:prstGeom prst="rect">
+            <a:off x="2337104" y="4391254"/>
+            <a:ext cx="1625416" cy="1069261"/>
+          </a:xfrm>
+          <a:prstGeom prst="snip1Rect">
             <a:avLst/>
           </a:prstGeom>
           <a:solidFill>
-            <a:schemeClr val="bg1">
-              <a:lumMod val="95000"/>
+            <a:schemeClr val="accent1">
+              <a:lumMod val="60000"/>
+              <a:lumOff val="40000"/>
             </a:schemeClr>
           </a:solidFill>
         </p:spPr>
@@ -3518,10 +4512,10 @@
       </p:sp>
       <p:sp>
         <p:nvSpPr>
-          <p:cNvPr id="119" name="Retângulo 118">
-            <a:extLst>
-              <a:ext uri="{FF2B5EF4-FFF2-40B4-BE49-F238E27FC236}">
-                <a16:creationId xmlns:a16="http://schemas.microsoft.com/office/drawing/2014/main" id="{379325EE-8B93-4248-A99D-00F697073283}"/>
+          <p:cNvPr id="66" name="Nuvem 65">
+            <a:extLst>
+              <a:ext uri="{FF2B5EF4-FFF2-40B4-BE49-F238E27FC236}">
+                <a16:creationId xmlns:a16="http://schemas.microsoft.com/office/drawing/2014/main" id="{C75E96A7-432B-4D75-A941-A10D267ED158}"/>
               </a:ext>
             </a:extLst>
           </p:cNvPr>
@@ -3529,19 +4523,72 @@
           <p:nvPr/>
         </p:nvSpPr>
         <p:spPr>
+          <a:xfrm rot="11256504">
+            <a:off x="6723686" y="687171"/>
+            <a:ext cx="3107092" cy="2249662"/>
+          </a:xfrm>
+          <a:prstGeom prst="cloud">
+            <a:avLst/>
+          </a:prstGeom>
+          <a:solidFill>
+            <a:schemeClr val="accent5">
+              <a:lumMod val="20000"/>
+              <a:lumOff val="80000"/>
+            </a:schemeClr>
+          </a:solidFill>
+        </p:spPr>
+        <p:style>
+          <a:lnRef idx="1">
+            <a:schemeClr val="accent5"/>
+          </a:lnRef>
+          <a:fillRef idx="2">
+            <a:schemeClr val="accent5"/>
+          </a:fillRef>
+          <a:effectRef idx="1">
+            <a:schemeClr val="accent5"/>
+          </a:effectRef>
+          <a:fontRef idx="minor">
+            <a:schemeClr val="dk1"/>
+          </a:fontRef>
+        </p:style>
+        <p:txBody>
+          <a:bodyPr rtlCol="0" anchor="ctr"/>
+          <a:lstStyle/>
+          <a:p>
+            <a:pPr algn="ctr"/>
+            <a:endParaRPr lang="pt-BR"/>
+          </a:p>
+        </p:txBody>
+      </p:sp>
+      <p:sp>
+        <p:nvSpPr>
+          <p:cNvPr id="33" name="Retângulo 32">
+            <a:extLst>
+              <a:ext uri="{FF2B5EF4-FFF2-40B4-BE49-F238E27FC236}">
+                <a16:creationId xmlns:a16="http://schemas.microsoft.com/office/drawing/2014/main" id="{60CACDFA-9B28-4334-A246-8BD0F6F09A61}"/>
+              </a:ext>
+            </a:extLst>
+          </p:cNvPr>
+          <p:cNvSpPr/>
+          <p:nvPr/>
+        </p:nvSpPr>
+        <p:spPr>
           <a:xfrm>
-            <a:off x="7640662" y="176663"/>
-            <a:ext cx="4357864" cy="6381352"/>
+            <a:off x="7752258" y="1624965"/>
+            <a:ext cx="947416" cy="884828"/>
           </a:xfrm>
           <a:prstGeom prst="rect">
             <a:avLst/>
           </a:prstGeom>
           <a:solidFill>
-            <a:schemeClr val="accent1">
+            <a:schemeClr val="accent5">
               <a:lumMod val="40000"/>
               <a:lumOff val="60000"/>
             </a:schemeClr>
           </a:solidFill>
+          <a:effectLst>
+            <a:softEdge rad="31750"/>
+          </a:effectLst>
         </p:spPr>
         <p:style>
           <a:lnRef idx="2">
@@ -3570,10 +4617,10 @@
       </p:sp>
       <p:sp>
         <p:nvSpPr>
-          <p:cNvPr id="121" name="Retângulo 120">
-            <a:extLst>
-              <a:ext uri="{FF2B5EF4-FFF2-40B4-BE49-F238E27FC236}">
-                <a16:creationId xmlns:a16="http://schemas.microsoft.com/office/drawing/2014/main" id="{00B09EBA-D79B-453A-8D37-4F98C7A1C630}"/>
+          <p:cNvPr id="13" name="Nuvem 12">
+            <a:extLst>
+              <a:ext uri="{FF2B5EF4-FFF2-40B4-BE49-F238E27FC236}">
+                <a16:creationId xmlns:a16="http://schemas.microsoft.com/office/drawing/2014/main" id="{11CE70A0-4E09-489F-A8B5-2FF904DDF62B}"/>
               </a:ext>
             </a:extLst>
           </p:cNvPr>
@@ -3581,18 +4628,72 @@
           <p:nvPr/>
         </p:nvSpPr>
         <p:spPr>
+          <a:xfrm rot="11256504">
+            <a:off x="610249" y="174476"/>
+            <a:ext cx="4684710" cy="3012397"/>
+          </a:xfrm>
+          <a:prstGeom prst="cloud">
+            <a:avLst/>
+          </a:prstGeom>
+          <a:solidFill>
+            <a:schemeClr val="accent5">
+              <a:lumMod val="20000"/>
+              <a:lumOff val="80000"/>
+            </a:schemeClr>
+          </a:solidFill>
+        </p:spPr>
+        <p:style>
+          <a:lnRef idx="1">
+            <a:schemeClr val="accent5"/>
+          </a:lnRef>
+          <a:fillRef idx="2">
+            <a:schemeClr val="accent5"/>
+          </a:fillRef>
+          <a:effectRef idx="1">
+            <a:schemeClr val="accent5"/>
+          </a:effectRef>
+          <a:fontRef idx="minor">
+            <a:schemeClr val="dk1"/>
+          </a:fontRef>
+        </p:style>
+        <p:txBody>
+          <a:bodyPr rtlCol="0" anchor="ctr"/>
+          <a:lstStyle/>
+          <a:p>
+            <a:pPr algn="ctr"/>
+            <a:endParaRPr lang="pt-BR"/>
+          </a:p>
+        </p:txBody>
+      </p:sp>
+      <p:sp>
+        <p:nvSpPr>
+          <p:cNvPr id="31" name="Retângulo 30">
+            <a:extLst>
+              <a:ext uri="{FF2B5EF4-FFF2-40B4-BE49-F238E27FC236}">
+                <a16:creationId xmlns:a16="http://schemas.microsoft.com/office/drawing/2014/main" id="{1DFD4028-EF29-4EC8-9538-927953410589}"/>
+              </a:ext>
+            </a:extLst>
+          </p:cNvPr>
+          <p:cNvSpPr/>
+          <p:nvPr/>
+        </p:nvSpPr>
+        <p:spPr>
           <a:xfrm>
-            <a:off x="7780122" y="299985"/>
-            <a:ext cx="4091035" cy="6123706"/>
+            <a:off x="1261991" y="1144024"/>
+            <a:ext cx="1493618" cy="1356802"/>
           </a:xfrm>
           <a:prstGeom prst="rect">
             <a:avLst/>
           </a:prstGeom>
           <a:solidFill>
-            <a:schemeClr val="bg1">
-              <a:lumMod val="95000"/>
+            <a:schemeClr val="accent5">
+              <a:lumMod val="40000"/>
+              <a:lumOff val="60000"/>
             </a:schemeClr>
           </a:solidFill>
+          <a:effectLst>
+            <a:softEdge rad="31750"/>
+          </a:effectLst>
         </p:spPr>
         <p:style>
           <a:lnRef idx="2">
@@ -3615,16 +4716,16 @@
           <a:lstStyle/>
           <a:p>
             <a:pPr algn="ctr"/>
-            <a:endParaRPr lang="pt-BR" dirty="0"/>
-          </a:p>
-        </p:txBody>
-      </p:sp>
-      <p:sp>
-        <p:nvSpPr>
-          <p:cNvPr id="117" name="Retângulo 116">
-            <a:extLst>
-              <a:ext uri="{FF2B5EF4-FFF2-40B4-BE49-F238E27FC236}">
-                <a16:creationId xmlns:a16="http://schemas.microsoft.com/office/drawing/2014/main" id="{346B1569-B436-4CBF-821C-CD4037BD0F20}"/>
+            <a:endParaRPr lang="pt-BR"/>
+          </a:p>
+        </p:txBody>
+      </p:sp>
+      <p:sp>
+        <p:nvSpPr>
+          <p:cNvPr id="30" name="Retângulo 29">
+            <a:extLst>
+              <a:ext uri="{FF2B5EF4-FFF2-40B4-BE49-F238E27FC236}">
+                <a16:creationId xmlns:a16="http://schemas.microsoft.com/office/drawing/2014/main" id="{05D32B25-385C-4D1C-A7C9-56E0DD46888A}"/>
               </a:ext>
             </a:extLst>
           </p:cNvPr>
@@ -3633,18 +4734,21 @@
         </p:nvSpPr>
         <p:spPr>
           <a:xfrm>
-            <a:off x="519082" y="176662"/>
-            <a:ext cx="5405993" cy="3251023"/>
+            <a:off x="3178593" y="1144024"/>
+            <a:ext cx="1493618" cy="1356802"/>
           </a:xfrm>
           <a:prstGeom prst="rect">
             <a:avLst/>
           </a:prstGeom>
           <a:solidFill>
-            <a:schemeClr val="accent1">
+            <a:schemeClr val="accent5">
               <a:lumMod val="40000"/>
               <a:lumOff val="60000"/>
             </a:schemeClr>
           </a:solidFill>
+          <a:effectLst>
+            <a:softEdge rad="31750"/>
+          </a:effectLst>
         </p:spPr>
         <p:style>
           <a:lnRef idx="2">
@@ -3667,16 +4771,16 @@
           <a:lstStyle/>
           <a:p>
             <a:pPr algn="ctr"/>
-            <a:endParaRPr lang="pt-BR" dirty="0"/>
-          </a:p>
-        </p:txBody>
-      </p:sp>
-      <p:sp>
-        <p:nvSpPr>
-          <p:cNvPr id="116" name="Retângulo 115">
-            <a:extLst>
-              <a:ext uri="{FF2B5EF4-FFF2-40B4-BE49-F238E27FC236}">
-                <a16:creationId xmlns:a16="http://schemas.microsoft.com/office/drawing/2014/main" id="{01EE917C-1FF6-4A7A-A97A-BB41A5A187FA}"/>
+            <a:endParaRPr lang="pt-BR"/>
+          </a:p>
+        </p:txBody>
+      </p:sp>
+      <p:sp>
+        <p:nvSpPr>
+          <p:cNvPr id="15" name="Retângulo 14">
+            <a:extLst>
+              <a:ext uri="{FF2B5EF4-FFF2-40B4-BE49-F238E27FC236}">
+                <a16:creationId xmlns:a16="http://schemas.microsoft.com/office/drawing/2014/main" id="{E4AFB33D-FD87-433F-B41A-A60714A7325C}"/>
               </a:ext>
             </a:extLst>
           </p:cNvPr>
@@ -3685,8 +4789,8 @@
         </p:nvSpPr>
         <p:spPr>
           <a:xfrm>
-            <a:off x="668073" y="299985"/>
-            <a:ext cx="5098441" cy="2987770"/>
+            <a:off x="7113223" y="3806327"/>
+            <a:ext cx="4642056" cy="2617364"/>
           </a:xfrm>
           <a:prstGeom prst="rect">
             <a:avLst/>
@@ -3722,12 +4826,48 @@
           </a:p>
         </p:txBody>
       </p:sp>
+      <p:sp>
+        <p:nvSpPr>
+          <p:cNvPr id="17" name="CaixaDeTexto 16">
+            <a:extLst>
+              <a:ext uri="{FF2B5EF4-FFF2-40B4-BE49-F238E27FC236}">
+                <a16:creationId xmlns:a16="http://schemas.microsoft.com/office/drawing/2014/main" id="{C35FA0DC-A37C-4232-B402-93A72C7BBDE0}"/>
+              </a:ext>
+            </a:extLst>
+          </p:cNvPr>
+          <p:cNvSpPr txBox="1"/>
+          <p:nvPr/>
+        </p:nvSpPr>
+        <p:spPr>
+          <a:xfrm>
+            <a:off x="137039" y="118862"/>
+            <a:ext cx="1281827" cy="646331"/>
+          </a:xfrm>
+          <a:prstGeom prst="rect">
+            <a:avLst/>
+          </a:prstGeom>
+          <a:noFill/>
+        </p:spPr>
+        <p:txBody>
+          <a:bodyPr wrap="square" rtlCol="0">
+            <a:spAutoFit/>
+          </a:bodyPr>
+          <a:lstStyle/>
+          <a:p>
+            <a:pPr algn="ctr"/>
+            <a:r>
+              <a:rPr lang="pt-BR" sz="3600" i="1" dirty="0"/>
+              <a:t>LLD</a:t>
+            </a:r>
+          </a:p>
+        </p:txBody>
+      </p:sp>
       <p:pic>
         <p:nvPicPr>
-          <p:cNvPr id="78" name="Imagem 77" descr="Logotipo, Ícone&#10;&#10;Descrição gerada automaticamente">
-            <a:extLst>
-              <a:ext uri="{FF2B5EF4-FFF2-40B4-BE49-F238E27FC236}">
-                <a16:creationId xmlns:a16="http://schemas.microsoft.com/office/drawing/2014/main" id="{E9638EE8-BA91-45C3-9EB4-0F59F339DF04}"/>
+          <p:cNvPr id="19" name="Imagem 18">
+            <a:extLst>
+              <a:ext uri="{FF2B5EF4-FFF2-40B4-BE49-F238E27FC236}">
+                <a16:creationId xmlns:a16="http://schemas.microsoft.com/office/drawing/2014/main" id="{62FF37EF-67AA-4FCB-A9B2-006711EA4165}"/>
               </a:ext>
             </a:extLst>
           </p:cNvPr>
@@ -3737,33 +4877,217 @@
           <p:nvPr/>
         </p:nvPicPr>
         <p:blipFill>
-          <a:blip r:embed="rId2">
-            <a:extLst>
-              <a:ext uri="{28A0092B-C50C-407E-A947-70E740481C1C}">
-                <a14:useLocalDpi xmlns:a14="http://schemas.microsoft.com/office/drawing/2010/main" val="0"/>
-              </a:ext>
-            </a:extLst>
-          </a:blip>
+          <a:blip r:embed="rId2"/>
           <a:stretch>
             <a:fillRect/>
           </a:stretch>
         </p:blipFill>
         <p:spPr>
           <a:xfrm>
-            <a:off x="17222985" y="6029716"/>
-            <a:ext cx="51020" cy="45719"/>
+            <a:off x="5777422" y="3594055"/>
+            <a:ext cx="619202" cy="606818"/>
           </a:xfrm>
           <a:prstGeom prst="rect">
             <a:avLst/>
           </a:prstGeom>
         </p:spPr>
       </p:pic>
+      <p:cxnSp>
+        <p:nvCxnSpPr>
+          <p:cNvPr id="24" name="Conector de Seta Reta 23">
+            <a:extLst>
+              <a:ext uri="{FF2B5EF4-FFF2-40B4-BE49-F238E27FC236}">
+                <a16:creationId xmlns:a16="http://schemas.microsoft.com/office/drawing/2014/main" id="{7F9F3BB3-83E5-446A-A03F-ACCE67F2E825}"/>
+              </a:ext>
+            </a:extLst>
+          </p:cNvPr>
+          <p:cNvCxnSpPr>
+            <a:cxnSpLocks/>
+          </p:cNvCxnSpPr>
+          <p:nvPr/>
+        </p:nvCxnSpPr>
+        <p:spPr>
+          <a:xfrm>
+            <a:off x="6457098" y="4133432"/>
+            <a:ext cx="558021" cy="375769"/>
+          </a:xfrm>
+          <a:prstGeom prst="straightConnector1">
+            <a:avLst/>
+          </a:prstGeom>
+          <a:ln>
+            <a:tailEnd type="triangle"/>
+          </a:ln>
+        </p:spPr>
+        <p:style>
+          <a:lnRef idx="3">
+            <a:schemeClr val="dk1"/>
+          </a:lnRef>
+          <a:fillRef idx="0">
+            <a:schemeClr val="dk1"/>
+          </a:fillRef>
+          <a:effectRef idx="2">
+            <a:schemeClr val="dk1"/>
+          </a:effectRef>
+          <a:fontRef idx="minor">
+            <a:schemeClr val="tx1"/>
+          </a:fontRef>
+        </p:style>
+      </p:cxnSp>
+      <p:cxnSp>
+        <p:nvCxnSpPr>
+          <p:cNvPr id="27" name="Conector de Seta Reta 26">
+            <a:extLst>
+              <a:ext uri="{FF2B5EF4-FFF2-40B4-BE49-F238E27FC236}">
+                <a16:creationId xmlns:a16="http://schemas.microsoft.com/office/drawing/2014/main" id="{76F1719F-715A-45AF-B3F4-5804ACDE86B1}"/>
+              </a:ext>
+            </a:extLst>
+          </p:cNvPr>
+          <p:cNvCxnSpPr>
+            <a:cxnSpLocks/>
+          </p:cNvCxnSpPr>
+          <p:nvPr/>
+        </p:nvCxnSpPr>
+        <p:spPr>
+          <a:xfrm flipH="1">
+            <a:off x="5177798" y="4133432"/>
+            <a:ext cx="569205" cy="375769"/>
+          </a:xfrm>
+          <a:prstGeom prst="straightConnector1">
+            <a:avLst/>
+          </a:prstGeom>
+          <a:ln>
+            <a:tailEnd type="triangle"/>
+          </a:ln>
+        </p:spPr>
+        <p:style>
+          <a:lnRef idx="3">
+            <a:schemeClr val="dk1"/>
+          </a:lnRef>
+          <a:fillRef idx="0">
+            <a:schemeClr val="dk1"/>
+          </a:fillRef>
+          <a:effectRef idx="2">
+            <a:schemeClr val="dk1"/>
+          </a:effectRef>
+          <a:fontRef idx="minor">
+            <a:schemeClr val="tx1"/>
+          </a:fontRef>
+        </p:style>
+      </p:cxnSp>
+      <p:sp>
+        <p:nvSpPr>
+          <p:cNvPr id="32" name="CaixaDeTexto 31">
+            <a:extLst>
+              <a:ext uri="{FF2B5EF4-FFF2-40B4-BE49-F238E27FC236}">
+                <a16:creationId xmlns:a16="http://schemas.microsoft.com/office/drawing/2014/main" id="{D4C46B90-BC4F-4233-9E10-FB926E8C4403}"/>
+              </a:ext>
+            </a:extLst>
+          </p:cNvPr>
+          <p:cNvSpPr txBox="1"/>
+          <p:nvPr/>
+        </p:nvSpPr>
+        <p:spPr>
+          <a:xfrm>
+            <a:off x="1549464" y="3806327"/>
+            <a:ext cx="2416570" cy="369332"/>
+          </a:xfrm>
+          <a:prstGeom prst="rect">
+            <a:avLst/>
+          </a:prstGeom>
+          <a:noFill/>
+        </p:spPr>
+        <p:txBody>
+          <a:bodyPr wrap="square" rtlCol="0">
+            <a:spAutoFit/>
+          </a:bodyPr>
+          <a:lstStyle/>
+          <a:p>
+            <a:pPr algn="ctr"/>
+            <a:r>
+              <a:rPr lang="pt-BR" dirty="0"/>
+              <a:t>Camada do Suporte</a:t>
+            </a:r>
+          </a:p>
+        </p:txBody>
+      </p:sp>
+      <p:sp>
+        <p:nvSpPr>
+          <p:cNvPr id="34" name="CaixaDeTexto 33">
+            <a:extLst>
+              <a:ext uri="{FF2B5EF4-FFF2-40B4-BE49-F238E27FC236}">
+                <a16:creationId xmlns:a16="http://schemas.microsoft.com/office/drawing/2014/main" id="{B7B92D03-8C90-4E4F-981A-03A7CCFFE895}"/>
+              </a:ext>
+            </a:extLst>
+          </p:cNvPr>
+          <p:cNvSpPr txBox="1"/>
+          <p:nvPr/>
+        </p:nvSpPr>
+        <p:spPr>
+          <a:xfrm>
+            <a:off x="8225966" y="3806327"/>
+            <a:ext cx="2416570" cy="369332"/>
+          </a:xfrm>
+          <a:prstGeom prst="rect">
+            <a:avLst/>
+          </a:prstGeom>
+          <a:noFill/>
+        </p:spPr>
+        <p:txBody>
+          <a:bodyPr wrap="square" rtlCol="0">
+            <a:spAutoFit/>
+          </a:bodyPr>
+          <a:lstStyle/>
+          <a:p>
+            <a:pPr algn="ctr"/>
+            <a:r>
+              <a:rPr lang="pt-BR" dirty="0"/>
+              <a:t>Camada do Usuário</a:t>
+            </a:r>
+          </a:p>
+        </p:txBody>
+      </p:sp>
+      <p:sp>
+        <p:nvSpPr>
+          <p:cNvPr id="36" name="CaixaDeTexto 35">
+            <a:extLst>
+              <a:ext uri="{FF2B5EF4-FFF2-40B4-BE49-F238E27FC236}">
+                <a16:creationId xmlns:a16="http://schemas.microsoft.com/office/drawing/2014/main" id="{D255E0C9-0ABC-43A4-AD49-BA2B33ACB6D9}"/>
+              </a:ext>
+            </a:extLst>
+          </p:cNvPr>
+          <p:cNvSpPr txBox="1"/>
+          <p:nvPr/>
+        </p:nvSpPr>
+        <p:spPr>
+          <a:xfrm>
+            <a:off x="1522393" y="670376"/>
+            <a:ext cx="2416570" cy="461665"/>
+          </a:xfrm>
+          <a:prstGeom prst="rect">
+            <a:avLst/>
+          </a:prstGeom>
+          <a:noFill/>
+        </p:spPr>
+        <p:txBody>
+          <a:bodyPr wrap="square" rtlCol="0">
+            <a:spAutoFit/>
+          </a:bodyPr>
+          <a:lstStyle/>
+          <a:p>
+            <a:pPr algn="ctr"/>
+            <a:r>
+              <a:rPr lang="pt-BR" sz="2400" dirty="0"/>
+              <a:t>Azure</a:t>
+            </a:r>
+          </a:p>
+        </p:txBody>
+      </p:sp>
       <p:pic>
         <p:nvPicPr>
-          <p:cNvPr id="8" name="Imagem 7">
-            <a:extLst>
-              <a:ext uri="{FF2B5EF4-FFF2-40B4-BE49-F238E27FC236}">
-                <a16:creationId xmlns:a16="http://schemas.microsoft.com/office/drawing/2014/main" id="{4BEACD9E-A551-4661-BB7B-5F7C2521926C}"/>
+          <p:cNvPr id="39" name="Imagem 38">
+            <a:extLst>
+              <a:ext uri="{FF2B5EF4-FFF2-40B4-BE49-F238E27FC236}">
+                <a16:creationId xmlns:a16="http://schemas.microsoft.com/office/drawing/2014/main" id="{83E7915B-A7AD-4A1F-9F12-45B511EAAF79}"/>
               </a:ext>
             </a:extLst>
           </p:cNvPr>
@@ -3780,8 +5104,8 @@
         </p:blipFill>
         <p:spPr>
           <a:xfrm>
-            <a:off x="2059689" y="781696"/>
-            <a:ext cx="2296139" cy="2093767"/>
+            <a:off x="744532" y="4523269"/>
+            <a:ext cx="1496417" cy="1364529"/>
           </a:xfrm>
           <a:prstGeom prst="rect">
             <a:avLst/>
@@ -3790,10 +5114,196 @@
       </p:pic>
       <p:pic>
         <p:nvPicPr>
-          <p:cNvPr id="10" name="Imagem 9">
-            <a:extLst>
-              <a:ext uri="{FF2B5EF4-FFF2-40B4-BE49-F238E27FC236}">
-                <a16:creationId xmlns:a16="http://schemas.microsoft.com/office/drawing/2014/main" id="{CB50E730-8C32-4B0F-87FE-72EA73915529}"/>
+          <p:cNvPr id="45" name="Imagem 44">
+            <a:extLst>
+              <a:ext uri="{FF2B5EF4-FFF2-40B4-BE49-F238E27FC236}">
+                <a16:creationId xmlns:a16="http://schemas.microsoft.com/office/drawing/2014/main" id="{319297AF-6F6C-491D-9009-CB6C57EE160B}"/>
+              </a:ext>
+            </a:extLst>
+          </p:cNvPr>
+          <p:cNvPicPr>
+            <a:picLocks noChangeAspect="1"/>
+          </p:cNvPicPr>
+          <p:nvPr/>
+        </p:nvPicPr>
+        <p:blipFill rotWithShape="1">
+          <a:blip r:embed="rId4">
+            <a:extLst>
+              <a:ext uri="{BEBA8EAE-BF5A-486C-A8C5-ECC9F3942E4B}">
+                <a14:imgProps xmlns:a14="http://schemas.microsoft.com/office/drawing/2010/main">
+                  <a14:imgLayer r:embed="rId5">
+                    <a14:imgEffect>
+                      <a14:backgroundRemoval t="9799" b="89950" l="2500" r="94063">
+                        <a14:foregroundMark x1="10938" y1="20352" x2="10938" y2="20352"/>
+                        <a14:foregroundMark x1="16042" y1="34422" x2="16042" y2="34422"/>
+                        <a14:foregroundMark x1="12292" y1="36181" x2="12292" y2="36181"/>
+                        <a14:foregroundMark x1="14271" y1="32915" x2="14271" y2="32915"/>
+                        <a14:foregroundMark x1="11979" y1="28392" x2="16875" y2="41457"/>
+                        <a14:foregroundMark x1="16875" y1="41457" x2="10104" y2="45729"/>
+                        <a14:foregroundMark x1="10104" y1="45729" x2="7500" y2="27638"/>
+                        <a14:foregroundMark x1="7500" y1="27638" x2="7708" y2="25879"/>
+                        <a14:foregroundMark x1="11146" y1="28643" x2="6250" y2="41960"/>
+                        <a14:foregroundMark x1="6250" y1="41960" x2="8438" y2="49246"/>
+                        <a14:foregroundMark x1="13021" y1="50754" x2="8542" y2="42965"/>
+                        <a14:foregroundMark x1="3958" y1="39196" x2="2500" y2="35930"/>
+                        <a14:foregroundMark x1="23021" y1="36432" x2="29271" y2="27638"/>
+                        <a14:foregroundMark x1="29271" y1="27638" x2="29479" y2="30905"/>
+                        <a14:foregroundMark x1="30208" y1="50000" x2="32604" y2="34673"/>
+                        <a14:foregroundMark x1="32604" y1="34673" x2="34896" y2="39950"/>
+                        <a14:foregroundMark x1="36250" y1="27889" x2="38229" y2="41960"/>
+                        <a14:foregroundMark x1="26882" y1="21885" x2="25625" y2="22111"/>
+                        <a14:foregroundMark x1="32604" y1="20854" x2="27379" y2="21795"/>
+                        <a14:foregroundMark x1="24972" y1="22970" x2="24479" y2="23618"/>
+                        <a14:foregroundMark x1="33021" y1="21357" x2="29167" y2="18844"/>
+                        <a14:foregroundMark x1="25655" y1="19089" x2="25521" y2="19095"/>
+                        <a14:foregroundMark x1="31458" y1="18844" x2="26654" y2="19047"/>
+                        <a14:foregroundMark x1="31667" y1="19095" x2="34167" y2="20854"/>
+                        <a14:foregroundMark x1="45104" y1="38945" x2="45208" y2="27387"/>
+                        <a14:foregroundMark x1="53229" y1="51759" x2="52500" y2="56281"/>
+                        <a14:foregroundMark x1="64375" y1="40704" x2="64583" y2="24372"/>
+                        <a14:foregroundMark x1="64583" y1="24372" x2="64583" y2="24372"/>
+                        <a14:foregroundMark x1="61354" y1="59799" x2="62604" y2="59045"/>
+                        <a14:foregroundMark x1="76563" y1="25126" x2="76563" y2="23367"/>
+                        <a14:foregroundMark x1="83229" y1="43216" x2="86667" y2="27136"/>
+                        <a14:foregroundMark x1="86667" y1="27136" x2="94063" y2="36432"/>
+                        <a14:foregroundMark x1="94063" y1="36432" x2="89479" y2="36181"/>
+                        <a14:foregroundMark x1="25625" y1="21357" x2="26667" y2="20854"/>
+                        <a14:foregroundMark x1="33646" y1="55528" x2="35417" y2="52764"/>
+                        <a14:backgroundMark x1="25521" y1="19849" x2="26250" y2="18090"/>
+                      </a14:backgroundRemoval>
+                    </a14:imgEffect>
+                  </a14:imgLayer>
+                </a14:imgProps>
+              </a:ext>
+            </a:extLst>
+          </a:blip>
+          <a:srcRect l="58695" t="-1359" r="22613" b="18821"/>
+          <a:stretch/>
+        </p:blipFill>
+        <p:spPr>
+          <a:xfrm>
+            <a:off x="1076966" y="4769883"/>
+            <a:ext cx="305922" cy="560034"/>
+          </a:xfrm>
+          <a:prstGeom prst="rect">
+            <a:avLst/>
+          </a:prstGeom>
+        </p:spPr>
+      </p:pic>
+      <p:pic>
+        <p:nvPicPr>
+          <p:cNvPr id="47" name="Imagem 46">
+            <a:extLst>
+              <a:ext uri="{FF2B5EF4-FFF2-40B4-BE49-F238E27FC236}">
+                <a16:creationId xmlns:a16="http://schemas.microsoft.com/office/drawing/2014/main" id="{7E394353-7529-426E-BB20-6C84C5873DCE}"/>
+              </a:ext>
+            </a:extLst>
+          </p:cNvPr>
+          <p:cNvPicPr>
+            <a:picLocks noChangeAspect="1"/>
+          </p:cNvPicPr>
+          <p:nvPr/>
+        </p:nvPicPr>
+        <p:blipFill rotWithShape="1">
+          <a:blip r:embed="rId4">
+            <a:extLst>
+              <a:ext uri="{BEBA8EAE-BF5A-486C-A8C5-ECC9F3942E4B}">
+                <a14:imgProps xmlns:a14="http://schemas.microsoft.com/office/drawing/2010/main">
+                  <a14:imgLayer r:embed="rId5">
+                    <a14:imgEffect>
+                      <a14:backgroundRemoval t="9799" b="89950" l="2500" r="94063">
+                        <a14:foregroundMark x1="10938" y1="20352" x2="10938" y2="20352"/>
+                        <a14:foregroundMark x1="16042" y1="34422" x2="16042" y2="34422"/>
+                        <a14:foregroundMark x1="12292" y1="36181" x2="12292" y2="36181"/>
+                        <a14:foregroundMark x1="14271" y1="32915" x2="14271" y2="32915"/>
+                        <a14:foregroundMark x1="11979" y1="28392" x2="16875" y2="41457"/>
+                        <a14:foregroundMark x1="16875" y1="41457" x2="10104" y2="45729"/>
+                        <a14:foregroundMark x1="10104" y1="45729" x2="7500" y2="27638"/>
+                        <a14:foregroundMark x1="7500" y1="27638" x2="7708" y2="25879"/>
+                        <a14:foregroundMark x1="11146" y1="28643" x2="6250" y2="41960"/>
+                        <a14:foregroundMark x1="6250" y1="41960" x2="8438" y2="49246"/>
+                        <a14:foregroundMark x1="13021" y1="50754" x2="8542" y2="42965"/>
+                        <a14:foregroundMark x1="3958" y1="39196" x2="2500" y2="35930"/>
+                        <a14:foregroundMark x1="23021" y1="36432" x2="29271" y2="27638"/>
+                        <a14:foregroundMark x1="29271" y1="27638" x2="29479" y2="30905"/>
+                        <a14:foregroundMark x1="30208" y1="50000" x2="32604" y2="34673"/>
+                        <a14:foregroundMark x1="32604" y1="34673" x2="34896" y2="39950"/>
+                        <a14:foregroundMark x1="36250" y1="27889" x2="38229" y2="41960"/>
+                        <a14:foregroundMark x1="26882" y1="21885" x2="25625" y2="22111"/>
+                        <a14:foregroundMark x1="32604" y1="20854" x2="27379" y2="21795"/>
+                        <a14:foregroundMark x1="24972" y1="22970" x2="24479" y2="23618"/>
+                        <a14:foregroundMark x1="33021" y1="21357" x2="29167" y2="18844"/>
+                        <a14:foregroundMark x1="25655" y1="19089" x2="25521" y2="19095"/>
+                        <a14:foregroundMark x1="31458" y1="18844" x2="26654" y2="19047"/>
+                        <a14:foregroundMark x1="31667" y1="19095" x2="34167" y2="20854"/>
+                        <a14:foregroundMark x1="45104" y1="38945" x2="45208" y2="27387"/>
+                        <a14:foregroundMark x1="53229" y1="51759" x2="52500" y2="56281"/>
+                        <a14:foregroundMark x1="64375" y1="40704" x2="64583" y2="24372"/>
+                        <a14:foregroundMark x1="64583" y1="24372" x2="64583" y2="24372"/>
+                        <a14:foregroundMark x1="61354" y1="59799" x2="62604" y2="59045"/>
+                        <a14:foregroundMark x1="76563" y1="25126" x2="76563" y2="23367"/>
+                        <a14:foregroundMark x1="83229" y1="43216" x2="86667" y2="27136"/>
+                        <a14:foregroundMark x1="86667" y1="27136" x2="94063" y2="36432"/>
+                        <a14:foregroundMark x1="94063" y1="36432" x2="89479" y2="36181"/>
+                        <a14:foregroundMark x1="25625" y1="21357" x2="26667" y2="20854"/>
+                        <a14:foregroundMark x1="33646" y1="55528" x2="35417" y2="52764"/>
+                        <a14:backgroundMark x1="25521" y1="19849" x2="26250" y2="18090"/>
+                      </a14:backgroundRemoval>
+                    </a14:imgEffect>
+                  </a14:imgLayer>
+                </a14:imgProps>
+              </a:ext>
+            </a:extLst>
+          </a:blip>
+          <a:srcRect l="-2" t="1" r="79272" b="32709"/>
+          <a:stretch/>
+        </p:blipFill>
+        <p:spPr>
+          <a:xfrm>
+            <a:off x="1481937" y="4794918"/>
+            <a:ext cx="341008" cy="458929"/>
+          </a:xfrm>
+          <a:prstGeom prst="rect">
+            <a:avLst/>
+          </a:prstGeom>
+        </p:spPr>
+      </p:pic>
+      <p:pic>
+        <p:nvPicPr>
+          <p:cNvPr id="49" name="Imagem 48">
+            <a:extLst>
+              <a:ext uri="{FF2B5EF4-FFF2-40B4-BE49-F238E27FC236}">
+                <a16:creationId xmlns:a16="http://schemas.microsoft.com/office/drawing/2014/main" id="{DC9AF3D8-0D54-416D-B83F-80480E5C3C36}"/>
+              </a:ext>
+            </a:extLst>
+          </p:cNvPr>
+          <p:cNvPicPr>
+            <a:picLocks noChangeAspect="1"/>
+          </p:cNvPicPr>
+          <p:nvPr/>
+        </p:nvPicPr>
+        <p:blipFill>
+          <a:blip r:embed="rId6"/>
+          <a:stretch>
+            <a:fillRect/>
+          </a:stretch>
+        </p:blipFill>
+        <p:spPr>
+          <a:xfrm>
+            <a:off x="1294307" y="4595460"/>
+            <a:ext cx="381340" cy="381340"/>
+          </a:xfrm>
+          <a:prstGeom prst="rect">
+            <a:avLst/>
+          </a:prstGeom>
+        </p:spPr>
+      </p:pic>
+      <p:pic>
+        <p:nvPicPr>
+          <p:cNvPr id="51" name="Imagem 50">
+            <a:extLst>
+              <a:ext uri="{FF2B5EF4-FFF2-40B4-BE49-F238E27FC236}">
+                <a16:creationId xmlns:a16="http://schemas.microsoft.com/office/drawing/2014/main" id="{F5763FE3-0FC9-4422-92B1-5542BE16E2D4}"/>
               </a:ext>
             </a:extLst>
           </p:cNvPr>
@@ -3810,8 +5320,8 @@
         </p:blipFill>
         <p:spPr>
           <a:xfrm>
-            <a:off x="9386473" y="3770350"/>
-            <a:ext cx="2095683" cy="1910978"/>
+            <a:off x="10138227" y="4515763"/>
+            <a:ext cx="1496417" cy="1364529"/>
           </a:xfrm>
           <a:prstGeom prst="rect">
             <a:avLst/>
@@ -3820,10 +5330,10 @@
       </p:pic>
       <p:pic>
         <p:nvPicPr>
-          <p:cNvPr id="14" name="Imagem 13">
-            <a:extLst>
-              <a:ext uri="{FF2B5EF4-FFF2-40B4-BE49-F238E27FC236}">
-                <a16:creationId xmlns:a16="http://schemas.microsoft.com/office/drawing/2014/main" id="{C0790CEA-D9D5-4B20-8CCE-3B5949FC2E8D}"/>
+          <p:cNvPr id="53" name="Imagem 52">
+            <a:extLst>
+              <a:ext uri="{FF2B5EF4-FFF2-40B4-BE49-F238E27FC236}">
+                <a16:creationId xmlns:a16="http://schemas.microsoft.com/office/drawing/2014/main" id="{0B4D6C52-77C5-4A57-A299-05AA26BEB359}"/>
               </a:ext>
             </a:extLst>
           </p:cNvPr>
@@ -3833,11 +5343,245 @@
           <p:nvPr/>
         </p:nvPicPr>
         <p:blipFill>
-          <a:blip r:embed="rId4">
+          <a:blip r:embed="rId7"/>
+          <a:stretch>
+            <a:fillRect/>
+          </a:stretch>
+        </p:blipFill>
+        <p:spPr>
+          <a:xfrm>
+            <a:off x="4638861" y="4578525"/>
+            <a:ext cx="419875" cy="417420"/>
+          </a:xfrm>
+          <a:prstGeom prst="rect">
+            <a:avLst/>
+          </a:prstGeom>
+        </p:spPr>
+      </p:pic>
+      <p:pic>
+        <p:nvPicPr>
+          <p:cNvPr id="55" name="Imagem 54">
+            <a:extLst>
+              <a:ext uri="{FF2B5EF4-FFF2-40B4-BE49-F238E27FC236}">
+                <a16:creationId xmlns:a16="http://schemas.microsoft.com/office/drawing/2014/main" id="{27980C2D-8228-4655-A73E-87903645A8C8}"/>
+              </a:ext>
+            </a:extLst>
+          </p:cNvPr>
+          <p:cNvPicPr>
+            <a:picLocks noChangeAspect="1"/>
+          </p:cNvPicPr>
+          <p:nvPr/>
+        </p:nvPicPr>
+        <p:blipFill>
+          <a:blip r:embed="rId7"/>
+          <a:stretch>
+            <a:fillRect/>
+          </a:stretch>
+        </p:blipFill>
+        <p:spPr>
+          <a:xfrm>
+            <a:off x="7143959" y="4577420"/>
+            <a:ext cx="419875" cy="417420"/>
+          </a:xfrm>
+          <a:prstGeom prst="rect">
+            <a:avLst/>
+          </a:prstGeom>
+        </p:spPr>
+      </p:pic>
+      <p:cxnSp>
+        <p:nvCxnSpPr>
+          <p:cNvPr id="61" name="Conector de Seta Reta 60">
+            <a:extLst>
+              <a:ext uri="{FF2B5EF4-FFF2-40B4-BE49-F238E27FC236}">
+                <a16:creationId xmlns:a16="http://schemas.microsoft.com/office/drawing/2014/main" id="{666A7D21-505E-4FDD-BD7C-7AFEC123373A}"/>
+              </a:ext>
+            </a:extLst>
+          </p:cNvPr>
+          <p:cNvCxnSpPr>
+            <a:cxnSpLocks/>
+          </p:cNvCxnSpPr>
+          <p:nvPr/>
+        </p:nvCxnSpPr>
+        <p:spPr>
+          <a:xfrm flipV="1">
+            <a:off x="6229591" y="2847853"/>
+            <a:ext cx="545178" cy="789997"/>
+          </a:xfrm>
+          <a:prstGeom prst="straightConnector1">
+            <a:avLst/>
+          </a:prstGeom>
+          <a:ln>
+            <a:tailEnd type="triangle"/>
+          </a:ln>
+        </p:spPr>
+        <p:style>
+          <a:lnRef idx="3">
+            <a:schemeClr val="dk1"/>
+          </a:lnRef>
+          <a:fillRef idx="0">
+            <a:schemeClr val="dk1"/>
+          </a:fillRef>
+          <a:effectRef idx="2">
+            <a:schemeClr val="dk1"/>
+          </a:effectRef>
+          <a:fontRef idx="minor">
+            <a:schemeClr val="tx1"/>
+          </a:fontRef>
+        </p:style>
+      </p:cxnSp>
+      <p:sp>
+        <p:nvSpPr>
+          <p:cNvPr id="68" name="CaixaDeTexto 67">
+            <a:extLst>
+              <a:ext uri="{FF2B5EF4-FFF2-40B4-BE49-F238E27FC236}">
+                <a16:creationId xmlns:a16="http://schemas.microsoft.com/office/drawing/2014/main" id="{F611572D-B54F-4E36-B062-379FBAC6FE2E}"/>
+              </a:ext>
+            </a:extLst>
+          </p:cNvPr>
+          <p:cNvSpPr txBox="1"/>
+          <p:nvPr/>
+        </p:nvSpPr>
+        <p:spPr>
+          <a:xfrm>
+            <a:off x="6814756" y="1234600"/>
+            <a:ext cx="2416570" cy="400110"/>
+          </a:xfrm>
+          <a:prstGeom prst="rect">
+            <a:avLst/>
+          </a:prstGeom>
+          <a:noFill/>
+        </p:spPr>
+        <p:txBody>
+          <a:bodyPr wrap="square" rtlCol="0">
+            <a:spAutoFit/>
+          </a:bodyPr>
+          <a:lstStyle/>
+          <a:p>
+            <a:pPr algn="ctr"/>
+            <a:r>
+              <a:rPr lang="pt-BR" sz="2000" b="0" i="0" dirty="0">
+                <a:effectLst/>
+              </a:rPr>
+              <a:t>Cloudflare</a:t>
+            </a:r>
+            <a:endParaRPr lang="pt-BR" sz="2000" dirty="0"/>
+          </a:p>
+        </p:txBody>
+      </p:sp>
+      <p:pic>
+        <p:nvPicPr>
+          <p:cNvPr id="1026" name="Picture 2" descr="cloudflare - BOM DIA Luxemburgo">
+            <a:extLst>
+              <a:ext uri="{FF2B5EF4-FFF2-40B4-BE49-F238E27FC236}">
+                <a16:creationId xmlns:a16="http://schemas.microsoft.com/office/drawing/2014/main" id="{4845BB18-939C-44C2-84E0-E85EC35D13D2}"/>
+              </a:ext>
+            </a:extLst>
+          </p:cNvPr>
+          <p:cNvPicPr>
+            <a:picLocks noChangeAspect="1" noChangeArrowheads="1"/>
+          </p:cNvPicPr>
+          <p:nvPr/>
+        </p:nvPicPr>
+        <p:blipFill>
+          <a:blip r:embed="rId8">
+            <a:extLst>
+              <a:ext uri="{28A0092B-C50C-407E-A947-70E740481C1C}">
+                <a14:useLocalDpi xmlns:a14="http://schemas.microsoft.com/office/drawing/2010/main" val="0"/>
+              </a:ext>
+            </a:extLst>
+          </a:blip>
+          <a:srcRect/>
+          <a:stretch>
+            <a:fillRect/>
+          </a:stretch>
+        </p:blipFill>
+        <p:spPr bwMode="auto">
+          <a:xfrm>
+            <a:off x="8608479" y="1289650"/>
+            <a:ext cx="467108" cy="280265"/>
+          </a:xfrm>
+          <a:prstGeom prst="rect">
+            <a:avLst/>
+          </a:prstGeom>
+          <a:noFill/>
+          <a:extLst>
+            <a:ext uri="{909E8E84-426E-40DD-AFC4-6F175D3DCCD1}">
+              <a14:hiddenFill xmlns:a14="http://schemas.microsoft.com/office/drawing/2010/main">
+                <a:solidFill>
+                  <a:srgbClr val="FFFFFF"/>
+                </a:solidFill>
+              </a14:hiddenFill>
+            </a:ext>
+          </a:extLst>
+        </p:spPr>
+      </p:pic>
+      <p:pic>
+        <p:nvPicPr>
+          <p:cNvPr id="4098" name="Picture 2" descr="Proteção de Informações do Azure | Microsoft Azure">
+            <a:extLst>
+              <a:ext uri="{FF2B5EF4-FFF2-40B4-BE49-F238E27FC236}">
+                <a16:creationId xmlns:a16="http://schemas.microsoft.com/office/drawing/2014/main" id="{58AD377F-A798-482C-B73C-89A474A7068E}"/>
+              </a:ext>
+            </a:extLst>
+          </p:cNvPr>
+          <p:cNvPicPr>
+            <a:picLocks noChangeAspect="1" noChangeArrowheads="1"/>
+          </p:cNvPicPr>
+          <p:nvPr/>
+        </p:nvPicPr>
+        <p:blipFill>
+          <a:blip r:embed="rId9">
+            <a:extLst>
+              <a:ext uri="{28A0092B-C50C-407E-A947-70E740481C1C}">
+                <a14:useLocalDpi xmlns:a14="http://schemas.microsoft.com/office/drawing/2010/main" val="0"/>
+              </a:ext>
+            </a:extLst>
+          </a:blip>
+          <a:srcRect/>
+          <a:stretch>
+            <a:fillRect/>
+          </a:stretch>
+        </p:blipFill>
+        <p:spPr bwMode="auto">
+          <a:xfrm>
+            <a:off x="3019837" y="657957"/>
+            <a:ext cx="777018" cy="407934"/>
+          </a:xfrm>
+          <a:prstGeom prst="rect">
+            <a:avLst/>
+          </a:prstGeom>
+          <a:noFill/>
+          <a:extLst>
+            <a:ext uri="{909E8E84-426E-40DD-AFC4-6F175D3DCCD1}">
+              <a14:hiddenFill xmlns:a14="http://schemas.microsoft.com/office/drawing/2010/main">
+                <a:solidFill>
+                  <a:srgbClr val="FFFFFF"/>
+                </a:solidFill>
+              </a14:hiddenFill>
+            </a:ext>
+          </a:extLst>
+        </p:spPr>
+      </p:pic>
+      <p:pic>
+        <p:nvPicPr>
+          <p:cNvPr id="2" name="Imagem 1">
+            <a:extLst>
+              <a:ext uri="{FF2B5EF4-FFF2-40B4-BE49-F238E27FC236}">
+                <a16:creationId xmlns:a16="http://schemas.microsoft.com/office/drawing/2014/main" id="{4359EF88-CC54-4811-BD08-A2292D8CE65D}"/>
+              </a:ext>
+            </a:extLst>
+          </p:cNvPr>
+          <p:cNvPicPr>
+            <a:picLocks noChangeAspect="1"/>
+          </p:cNvPicPr>
+          <p:nvPr/>
+        </p:nvPicPr>
+        <p:blipFill>
+          <a:blip r:embed="rId10">
             <a:extLst>
               <a:ext uri="{BEBA8EAE-BF5A-486C-A8C5-ECC9F3942E4B}">
                 <a14:imgProps xmlns:a14="http://schemas.microsoft.com/office/drawing/2010/main">
-                  <a14:imgLayer r:embed="rId5">
+                  <a14:imgLayer r:embed="rId11">
                     <a14:imgEffect>
                       <a14:backgroundRemoval t="8661" b="89961" l="9843" r="89961">
                         <a14:foregroundMark x1="50394" y1="9449" x2="50394" y2="9449"/>
@@ -3858,20 +5602,128 @@
         </p:blipFill>
         <p:spPr>
           <a:xfrm>
-            <a:off x="1344318" y="4313594"/>
-            <a:ext cx="1263195" cy="1263195"/>
+            <a:off x="1688418" y="1396793"/>
+            <a:ext cx="643236" cy="643236"/>
           </a:xfrm>
           <a:prstGeom prst="rect">
             <a:avLst/>
           </a:prstGeom>
         </p:spPr>
       </p:pic>
+      <p:sp>
+        <p:nvSpPr>
+          <p:cNvPr id="3" name="CaixaDeTexto 2">
+            <a:extLst>
+              <a:ext uri="{FF2B5EF4-FFF2-40B4-BE49-F238E27FC236}">
+                <a16:creationId xmlns:a16="http://schemas.microsoft.com/office/drawing/2014/main" id="{5A51FD71-FB82-4F2D-BEDB-CCA54CA4C8BD}"/>
+              </a:ext>
+            </a:extLst>
+          </p:cNvPr>
+          <p:cNvSpPr txBox="1"/>
+          <p:nvPr/>
+        </p:nvSpPr>
+        <p:spPr>
+          <a:xfrm>
+            <a:off x="1531204" y="2066414"/>
+            <a:ext cx="941500" cy="430887"/>
+          </a:xfrm>
+          <a:prstGeom prst="rect">
+            <a:avLst/>
+          </a:prstGeom>
+          <a:noFill/>
+        </p:spPr>
+        <p:txBody>
+          <a:bodyPr wrap="square" rtlCol="0">
+            <a:spAutoFit/>
+          </a:bodyPr>
+          <a:lstStyle/>
+          <a:p>
+            <a:pPr algn="ctr"/>
+            <a:r>
+              <a:rPr lang="pt-BR" sz="1100" dirty="0"/>
+              <a:t>Banco de dados</a:t>
+            </a:r>
+          </a:p>
+        </p:txBody>
+      </p:sp>
+      <p:sp>
+        <p:nvSpPr>
+          <p:cNvPr id="6" name="CaixaDeTexto 5">
+            <a:extLst>
+              <a:ext uri="{FF2B5EF4-FFF2-40B4-BE49-F238E27FC236}">
+                <a16:creationId xmlns:a16="http://schemas.microsoft.com/office/drawing/2014/main" id="{493E6E1F-0E69-43E5-B36D-2B8F5592B318}"/>
+              </a:ext>
+            </a:extLst>
+          </p:cNvPr>
+          <p:cNvSpPr txBox="1"/>
+          <p:nvPr/>
+        </p:nvSpPr>
+        <p:spPr>
+          <a:xfrm>
+            <a:off x="3576447" y="2205689"/>
+            <a:ext cx="725030" cy="261610"/>
+          </a:xfrm>
+          <a:prstGeom prst="rect">
+            <a:avLst/>
+          </a:prstGeom>
+          <a:noFill/>
+        </p:spPr>
+        <p:txBody>
+          <a:bodyPr wrap="square" rtlCol="0">
+            <a:spAutoFit/>
+          </a:bodyPr>
+          <a:lstStyle/>
+          <a:p>
+            <a:pPr algn="ctr"/>
+            <a:r>
+              <a:rPr lang="pt-BR" sz="1100" dirty="0"/>
+              <a:t>Site</a:t>
+            </a:r>
+          </a:p>
+        </p:txBody>
+      </p:sp>
       <p:pic>
         <p:nvPicPr>
-          <p:cNvPr id="23" name="Imagem 22">
-            <a:extLst>
-              <a:ext uri="{FF2B5EF4-FFF2-40B4-BE49-F238E27FC236}">
-                <a16:creationId xmlns:a16="http://schemas.microsoft.com/office/drawing/2014/main" id="{98FBD5FC-D35D-4B2D-A5B8-2896D6E1D941}"/>
+          <p:cNvPr id="7" name="Imagem 6" descr="Logotipo, Ícone&#10;&#10;Descrição gerada automaticamente">
+            <a:extLst>
+              <a:ext uri="{FF2B5EF4-FFF2-40B4-BE49-F238E27FC236}">
+                <a16:creationId xmlns:a16="http://schemas.microsoft.com/office/drawing/2014/main" id="{BA2B6DA2-01E1-4110-A97F-F9DF431230AB}"/>
+              </a:ext>
+            </a:extLst>
+          </p:cNvPr>
+          <p:cNvPicPr>
+            <a:picLocks noChangeAspect="1"/>
+          </p:cNvPicPr>
+          <p:nvPr/>
+        </p:nvPicPr>
+        <p:blipFill>
+          <a:blip r:embed="rId12">
+            <a:extLst>
+              <a:ext uri="{28A0092B-C50C-407E-A947-70E740481C1C}">
+                <a14:useLocalDpi xmlns:a14="http://schemas.microsoft.com/office/drawing/2010/main" val="0"/>
+              </a:ext>
+            </a:extLst>
+          </a:blip>
+          <a:stretch>
+            <a:fillRect/>
+          </a:stretch>
+        </p:blipFill>
+        <p:spPr>
+          <a:xfrm>
+            <a:off x="3676173" y="1735964"/>
+            <a:ext cx="538801" cy="482822"/>
+          </a:xfrm>
+          <a:prstGeom prst="rect">
+            <a:avLst/>
+          </a:prstGeom>
+        </p:spPr>
+      </p:pic>
+      <p:pic>
+        <p:nvPicPr>
+          <p:cNvPr id="8" name="Imagem 7">
+            <a:extLst>
+              <a:ext uri="{FF2B5EF4-FFF2-40B4-BE49-F238E27FC236}">
+                <a16:creationId xmlns:a16="http://schemas.microsoft.com/office/drawing/2014/main" id="{F4892A92-ABD7-4F2A-AD6B-EFC108078BFE}"/>
               </a:ext>
             </a:extLst>
           </p:cNvPr>
@@ -3888,8 +5740,8 @@
         </p:blipFill>
         <p:spPr>
           <a:xfrm>
-            <a:off x="6146808" y="2516338"/>
-            <a:ext cx="1297869" cy="1271912"/>
+            <a:off x="10615665" y="4560587"/>
+            <a:ext cx="472488" cy="472488"/>
           </a:xfrm>
           <a:prstGeom prst="rect">
             <a:avLst/>
@@ -3898,10 +5750,297 @@
       </p:pic>
       <p:pic>
         <p:nvPicPr>
-          <p:cNvPr id="27" name="Imagem 26">
-            <a:extLst>
-              <a:ext uri="{FF2B5EF4-FFF2-40B4-BE49-F238E27FC236}">
-                <a16:creationId xmlns:a16="http://schemas.microsoft.com/office/drawing/2014/main" id="{08369EED-AE53-47D9-8652-3720FC1A7A9E}"/>
+          <p:cNvPr id="9" name="Imagem 8">
+            <a:extLst>
+              <a:ext uri="{FF2B5EF4-FFF2-40B4-BE49-F238E27FC236}">
+                <a16:creationId xmlns:a16="http://schemas.microsoft.com/office/drawing/2014/main" id="{5B8E73A8-691E-43EC-B096-5A63DB3160FB}"/>
+              </a:ext>
+            </a:extLst>
+          </p:cNvPr>
+          <p:cNvPicPr>
+            <a:picLocks noChangeAspect="1"/>
+          </p:cNvPicPr>
+          <p:nvPr/>
+        </p:nvPicPr>
+        <p:blipFill rotWithShape="1">
+          <a:blip r:embed="rId4">
+            <a:extLst>
+              <a:ext uri="{BEBA8EAE-BF5A-486C-A8C5-ECC9F3942E4B}">
+                <a14:imgProps xmlns:a14="http://schemas.microsoft.com/office/drawing/2010/main">
+                  <a14:imgLayer r:embed="rId5">
+                    <a14:imgEffect>
+                      <a14:backgroundRemoval t="9799" b="89950" l="2500" r="94063">
+                        <a14:foregroundMark x1="10938" y1="20352" x2="10938" y2="20352"/>
+                        <a14:foregroundMark x1="16042" y1="34422" x2="16042" y2="34422"/>
+                        <a14:foregroundMark x1="12292" y1="36181" x2="12292" y2="36181"/>
+                        <a14:foregroundMark x1="14271" y1="32915" x2="14271" y2="32915"/>
+                        <a14:foregroundMark x1="11979" y1="28392" x2="16875" y2="41457"/>
+                        <a14:foregroundMark x1="16875" y1="41457" x2="10104" y2="45729"/>
+                        <a14:foregroundMark x1="10104" y1="45729" x2="7500" y2="27638"/>
+                        <a14:foregroundMark x1="7500" y1="27638" x2="7708" y2="25879"/>
+                        <a14:foregroundMark x1="11146" y1="28643" x2="6250" y2="41960"/>
+                        <a14:foregroundMark x1="6250" y1="41960" x2="8438" y2="49246"/>
+                        <a14:foregroundMark x1="13021" y1="50754" x2="8542" y2="42965"/>
+                        <a14:foregroundMark x1="3958" y1="39196" x2="2500" y2="35930"/>
+                        <a14:foregroundMark x1="23021" y1="36432" x2="29271" y2="27638"/>
+                        <a14:foregroundMark x1="29271" y1="27638" x2="29479" y2="30905"/>
+                        <a14:foregroundMark x1="30208" y1="50000" x2="32604" y2="34673"/>
+                        <a14:foregroundMark x1="32604" y1="34673" x2="34896" y2="39950"/>
+                        <a14:foregroundMark x1="36250" y1="27889" x2="38229" y2="41960"/>
+                        <a14:foregroundMark x1="26882" y1="21885" x2="25625" y2="22111"/>
+                        <a14:foregroundMark x1="32604" y1="20854" x2="27379" y2="21795"/>
+                        <a14:foregroundMark x1="24972" y1="22970" x2="24479" y2="23618"/>
+                        <a14:foregroundMark x1="33021" y1="21357" x2="29167" y2="18844"/>
+                        <a14:foregroundMark x1="25655" y1="19089" x2="25521" y2="19095"/>
+                        <a14:foregroundMark x1="31458" y1="18844" x2="26654" y2="19047"/>
+                        <a14:foregroundMark x1="31667" y1="19095" x2="34167" y2="20854"/>
+                        <a14:foregroundMark x1="45104" y1="38945" x2="45208" y2="27387"/>
+                        <a14:foregroundMark x1="53229" y1="51759" x2="52500" y2="56281"/>
+                        <a14:foregroundMark x1="64375" y1="40704" x2="64583" y2="24372"/>
+                        <a14:foregroundMark x1="64583" y1="24372" x2="64583" y2="24372"/>
+                        <a14:foregroundMark x1="61354" y1="59799" x2="62604" y2="59045"/>
+                        <a14:foregroundMark x1="76563" y1="25126" x2="76563" y2="23367"/>
+                        <a14:foregroundMark x1="83229" y1="43216" x2="86667" y2="27136"/>
+                        <a14:foregroundMark x1="86667" y1="27136" x2="94063" y2="36432"/>
+                        <a14:foregroundMark x1="94063" y1="36432" x2="89479" y2="36181"/>
+                        <a14:foregroundMark x1="25625" y1="21357" x2="26667" y2="20854"/>
+                        <a14:foregroundMark x1="33646" y1="55528" x2="35417" y2="52764"/>
+                        <a14:backgroundMark x1="25521" y1="19849" x2="26250" y2="18090"/>
+                      </a14:backgroundRemoval>
+                    </a14:imgEffect>
+                  </a14:imgLayer>
+                </a14:imgProps>
+              </a:ext>
+            </a:extLst>
+          </a:blip>
+          <a:srcRect l="58695" t="-1359" r="22613" b="18821"/>
+          <a:stretch/>
+        </p:blipFill>
+        <p:spPr>
+          <a:xfrm>
+            <a:off x="10920582" y="4874815"/>
+            <a:ext cx="233973" cy="428320"/>
+          </a:xfrm>
+          <a:prstGeom prst="rect">
+            <a:avLst/>
+          </a:prstGeom>
+        </p:spPr>
+      </p:pic>
+      <p:pic>
+        <p:nvPicPr>
+          <p:cNvPr id="10" name="Imagem 9">
+            <a:extLst>
+              <a:ext uri="{FF2B5EF4-FFF2-40B4-BE49-F238E27FC236}">
+                <a16:creationId xmlns:a16="http://schemas.microsoft.com/office/drawing/2014/main" id="{AE8FDB0B-4F93-44C8-B4CD-64F86FB6EB51}"/>
+              </a:ext>
+            </a:extLst>
+          </p:cNvPr>
+          <p:cNvPicPr>
+            <a:picLocks noChangeAspect="1"/>
+          </p:cNvPicPr>
+          <p:nvPr/>
+        </p:nvPicPr>
+        <p:blipFill rotWithShape="1">
+          <a:blip r:embed="rId4">
+            <a:extLst>
+              <a:ext uri="{BEBA8EAE-BF5A-486C-A8C5-ECC9F3942E4B}">
+                <a14:imgProps xmlns:a14="http://schemas.microsoft.com/office/drawing/2010/main">
+                  <a14:imgLayer r:embed="rId5">
+                    <a14:imgEffect>
+                      <a14:backgroundRemoval t="9799" b="89950" l="2500" r="94063">
+                        <a14:foregroundMark x1="10938" y1="20352" x2="10938" y2="20352"/>
+                        <a14:foregroundMark x1="16042" y1="34422" x2="16042" y2="34422"/>
+                        <a14:foregroundMark x1="12292" y1="36181" x2="12292" y2="36181"/>
+                        <a14:foregroundMark x1="14271" y1="32915" x2="14271" y2="32915"/>
+                        <a14:foregroundMark x1="11979" y1="28392" x2="16875" y2="41457"/>
+                        <a14:foregroundMark x1="16875" y1="41457" x2="10104" y2="45729"/>
+                        <a14:foregroundMark x1="10104" y1="45729" x2="7500" y2="27638"/>
+                        <a14:foregroundMark x1="7500" y1="27638" x2="7708" y2="25879"/>
+                        <a14:foregroundMark x1="11146" y1="28643" x2="6250" y2="41960"/>
+                        <a14:foregroundMark x1="6250" y1="41960" x2="8438" y2="49246"/>
+                        <a14:foregroundMark x1="13021" y1="50754" x2="8542" y2="42965"/>
+                        <a14:foregroundMark x1="3958" y1="39196" x2="2500" y2="35930"/>
+                        <a14:foregroundMark x1="23021" y1="36432" x2="29271" y2="27638"/>
+                        <a14:foregroundMark x1="29271" y1="27638" x2="29479" y2="30905"/>
+                        <a14:foregroundMark x1="30208" y1="50000" x2="32604" y2="34673"/>
+                        <a14:foregroundMark x1="32604" y1="34673" x2="34896" y2="39950"/>
+                        <a14:foregroundMark x1="36250" y1="27889" x2="38229" y2="41960"/>
+                        <a14:foregroundMark x1="26882" y1="21885" x2="25625" y2="22111"/>
+                        <a14:foregroundMark x1="32604" y1="20854" x2="27379" y2="21795"/>
+                        <a14:foregroundMark x1="24972" y1="22970" x2="24479" y2="23618"/>
+                        <a14:foregroundMark x1="33021" y1="21357" x2="29167" y2="18844"/>
+                        <a14:foregroundMark x1="25655" y1="19089" x2="25521" y2="19095"/>
+                        <a14:foregroundMark x1="31458" y1="18844" x2="26654" y2="19047"/>
+                        <a14:foregroundMark x1="31667" y1="19095" x2="34167" y2="20854"/>
+                        <a14:foregroundMark x1="45104" y1="38945" x2="45208" y2="27387"/>
+                        <a14:foregroundMark x1="53229" y1="51759" x2="52500" y2="56281"/>
+                        <a14:foregroundMark x1="64375" y1="40704" x2="64583" y2="24372"/>
+                        <a14:foregroundMark x1="64583" y1="24372" x2="64583" y2="24372"/>
+                        <a14:foregroundMark x1="61354" y1="59799" x2="62604" y2="59045"/>
+                        <a14:foregroundMark x1="76563" y1="25126" x2="76563" y2="23367"/>
+                        <a14:foregroundMark x1="83229" y1="43216" x2="86667" y2="27136"/>
+                        <a14:foregroundMark x1="86667" y1="27136" x2="94063" y2="36432"/>
+                        <a14:foregroundMark x1="94063" y1="36432" x2="89479" y2="36181"/>
+                        <a14:foregroundMark x1="25625" y1="21357" x2="26667" y2="20854"/>
+                        <a14:foregroundMark x1="33646" y1="55528" x2="35417" y2="52764"/>
+                        <a14:backgroundMark x1="25521" y1="19849" x2="26250" y2="18090"/>
+                      </a14:backgroundRemoval>
+                    </a14:imgEffect>
+                  </a14:imgLayer>
+                </a14:imgProps>
+              </a:ext>
+            </a:extLst>
+          </a:blip>
+          <a:srcRect l="-2" t="1" r="79272" b="32709"/>
+          <a:stretch/>
+        </p:blipFill>
+        <p:spPr>
+          <a:xfrm>
+            <a:off x="10493716" y="4890401"/>
+            <a:ext cx="259476" cy="349203"/>
+          </a:xfrm>
+          <a:prstGeom prst="rect">
+            <a:avLst/>
+          </a:prstGeom>
+        </p:spPr>
+      </p:pic>
+      <p:pic>
+        <p:nvPicPr>
+          <p:cNvPr id="6146" name="Picture 2" descr="Discord Logo - PNG e Vetor - Download de Logo">
+            <a:extLst>
+              <a:ext uri="{FF2B5EF4-FFF2-40B4-BE49-F238E27FC236}">
+                <a16:creationId xmlns:a16="http://schemas.microsoft.com/office/drawing/2014/main" id="{C6688D34-1A55-49B9-AAEB-48C82FA565BD}"/>
+              </a:ext>
+            </a:extLst>
+          </p:cNvPr>
+          <p:cNvPicPr>
+            <a:picLocks noChangeAspect="1" noChangeArrowheads="1"/>
+          </p:cNvPicPr>
+          <p:nvPr/>
+        </p:nvPicPr>
+        <p:blipFill>
+          <a:blip r:embed="rId13">
+            <a:extLst>
+              <a:ext uri="{BEBA8EAE-BF5A-486C-A8C5-ECC9F3942E4B}">
+                <a14:imgProps xmlns:a14="http://schemas.microsoft.com/office/drawing/2010/main">
+                  <a14:imgLayer r:embed="rId14">
+                    <a14:imgEffect>
+                      <a14:backgroundRemoval t="4002" b="97110" l="2111" r="97953">
+                        <a14:foregroundMark x1="45393" y1="34638" x2="45393" y2="34638"/>
+                        <a14:foregroundMark x1="78791" y1="31747" x2="78791" y2="31747"/>
+                        <a14:foregroundMark x1="57901" y1="17252" x2="57901" y2="17252"/>
+                        <a14:foregroundMark x1="47473" y1="46243" x2="47473" y2="46243"/>
+                        <a14:foregroundMark x1="47473" y1="46243" x2="47473" y2="46243"/>
+                        <a14:foregroundMark x1="47473" y1="46243" x2="47473" y2="46243"/>
+                        <a14:foregroundMark x1="47473" y1="46243" x2="47473" y2="46243"/>
+                        <a14:foregroundMark x1="47473" y1="46243" x2="47473" y2="46243"/>
+                        <a14:foregroundMark x1="47473" y1="46243" x2="47473" y2="46243"/>
+                        <a14:foregroundMark x1="47473" y1="46243" x2="47473" y2="46243"/>
+                        <a14:foregroundMark x1="26615" y1="20142" x2="55822" y2="28857"/>
+                        <a14:foregroundMark x1="30998" y1="22988" x2="30998" y2="22988"/>
+                        <a14:foregroundMark x1="20122" y1="29035" x2="18490" y2="37350"/>
+                        <a14:foregroundMark x1="26104" y1="25256" x2="12508" y2="38106"/>
+                        <a14:foregroundMark x1="44594" y1="19164" x2="82182" y2="32059"/>
+                        <a14:foregroundMark x1="48433" y1="75189" x2="48433" y2="59271"/>
+                        <a14:foregroundMark x1="13596" y1="51712" x2="22841" y2="92574"/>
+                        <a14:foregroundMark x1="77255" y1="95598" x2="82182" y2="10093"/>
+                        <a14:foregroundMark x1="82182" y1="10093" x2="88708" y2="45665"/>
+                        <a14:foregroundMark x1="89251" y1="50956" x2="82182" y2="70654"/>
+                        <a14:foregroundMark x1="81094" y1="72165" x2="77255" y2="83504"/>
+                        <a14:foregroundMark x1="75080" y1="88039" x2="72361" y2="93330"/>
+                        <a14:foregroundMark x1="71273" y1="94842" x2="84901" y2="76701"/>
+                        <a14:foregroundMark x1="66923" y1="4802" x2="65291" y2="6314"/>
+                        <a14:foregroundMark x1="93058" y1="41885" x2="97953" y2="82748"/>
+                        <a14:foregroundMark x1="97953" y1="82748" x2="97953" y2="85016"/>
+                        <a14:foregroundMark x1="69098" y1="4046" x2="75624" y2="7070"/>
+                        <a14:foregroundMark x1="27191" y1="4046" x2="28279" y2="4802"/>
+                        <a14:foregroundMark x1="9213" y1="30547" x2="2143" y2="70654"/>
+                        <a14:foregroundMark x1="2143" y1="76701" x2="2143" y2="76701"/>
+                        <a14:foregroundMark x1="2143" y1="77457" x2="2143" y2="77457"/>
+                        <a14:foregroundMark x1="2143" y1="78968" x2="13052" y2="91063"/>
+                        <a14:foregroundMark x1="7038" y1="84260" x2="8125" y2="97110"/>
+                        <a14:foregroundMark x1="14139" y1="97110" x2="14139" y2="97110"/>
+                        <a14:foregroundMark x1="30998" y1="94842" x2="30998" y2="94842"/>
+                        <a14:backgroundMark x1="62092" y1="54958" x2="62092" y2="54958"/>
+                        <a14:backgroundMark x1="34965" y1="46243" x2="34965" y2="46243"/>
+                        <a14:backgroundMark x1="68362" y1="49177" x2="68362" y2="49177"/>
+                      </a14:backgroundRemoval>
+                    </a14:imgEffect>
+                  </a14:imgLayer>
+                </a14:imgProps>
+              </a:ext>
+              <a:ext uri="{28A0092B-C50C-407E-A947-70E740481C1C}">
+                <a14:useLocalDpi xmlns:a14="http://schemas.microsoft.com/office/drawing/2010/main" val="0"/>
+              </a:ext>
+            </a:extLst>
+          </a:blip>
+          <a:srcRect/>
+          <a:stretch>
+            <a:fillRect/>
+          </a:stretch>
+        </p:blipFill>
+        <p:spPr bwMode="auto">
+          <a:xfrm>
+            <a:off x="8023041" y="1821770"/>
+            <a:ext cx="445846" cy="320742"/>
+          </a:xfrm>
+          <a:prstGeom prst="rect">
+            <a:avLst/>
+          </a:prstGeom>
+          <a:noFill/>
+          <a:extLst>
+            <a:ext uri="{909E8E84-426E-40DD-AFC4-6F175D3DCCD1}">
+              <a14:hiddenFill xmlns:a14="http://schemas.microsoft.com/office/drawing/2010/main">
+                <a:solidFill>
+                  <a:srgbClr val="FFFFFF"/>
+                </a:solidFill>
+              </a14:hiddenFill>
+            </a:ext>
+          </a:extLst>
+        </p:spPr>
+      </p:pic>
+      <p:sp>
+        <p:nvSpPr>
+          <p:cNvPr id="4" name="CaixaDeTexto 3">
+            <a:extLst>
+              <a:ext uri="{FF2B5EF4-FFF2-40B4-BE49-F238E27FC236}">
+                <a16:creationId xmlns:a16="http://schemas.microsoft.com/office/drawing/2014/main" id="{AF9E7BA7-7FAF-4BDB-B50B-FEFACEBBCC40}"/>
+              </a:ext>
+            </a:extLst>
+          </p:cNvPr>
+          <p:cNvSpPr txBox="1"/>
+          <p:nvPr/>
+        </p:nvSpPr>
+        <p:spPr>
+          <a:xfrm>
+            <a:off x="7869611" y="2096308"/>
+            <a:ext cx="725030" cy="261610"/>
+          </a:xfrm>
+          <a:prstGeom prst="rect">
+            <a:avLst/>
+          </a:prstGeom>
+          <a:noFill/>
+        </p:spPr>
+        <p:txBody>
+          <a:bodyPr wrap="square" rtlCol="0">
+            <a:spAutoFit/>
+          </a:bodyPr>
+          <a:lstStyle/>
+          <a:p>
+            <a:pPr algn="ctr"/>
+            <a:r>
+              <a:rPr lang="pt-BR" sz="1100" dirty="0"/>
+              <a:t>Discord</a:t>
+            </a:r>
+          </a:p>
+        </p:txBody>
+      </p:sp>
+      <p:pic>
+        <p:nvPicPr>
+          <p:cNvPr id="11" name="Imagem 10">
+            <a:extLst>
+              <a:ext uri="{FF2B5EF4-FFF2-40B4-BE49-F238E27FC236}">
+                <a16:creationId xmlns:a16="http://schemas.microsoft.com/office/drawing/2014/main" id="{E5F2742D-DA39-4951-A0ED-10ADB747C873}"/>
               </a:ext>
             </a:extLst>
           </p:cNvPr>
@@ -3911,16 +6050,23 @@
           <p:nvPr/>
         </p:nvPicPr>
         <p:blipFill>
-          <a:blip r:embed="rId7">
+          <a:blip r:embed="rId15">
             <a:extLst>
               <a:ext uri="{BEBA8EAE-BF5A-486C-A8C5-ECC9F3942E4B}">
                 <a14:imgProps xmlns:a14="http://schemas.microsoft.com/office/drawing/2010/main">
-                  <a14:imgLayer r:embed="rId8">
+                  <a14:imgLayer r:embed="rId16">
                     <a14:imgEffect>
-                      <a14:backgroundRemoval t="10000" b="90000" l="10000" r="90000">
-                        <a14:foregroundMark x1="40741" y1="38750" x2="40741" y2="38750"/>
-                        <a14:foregroundMark x1="16049" y1="18750" x2="16049" y2="18750"/>
-                        <a14:foregroundMark x1="59259" y1="35000" x2="59259" y2="35000"/>
+                      <a14:backgroundRemoval t="9778" b="94222" l="9778" r="89778">
+                        <a14:foregroundMark x1="30667" y1="18667" x2="30667" y2="18667"/>
+                        <a14:foregroundMark x1="51111" y1="11111" x2="51111" y2="11111"/>
+                        <a14:foregroundMark x1="51111" y1="9778" x2="51111" y2="9778"/>
+                        <a14:foregroundMark x1="48000" y1="52000" x2="48000" y2="52000"/>
+                        <a14:foregroundMark x1="32889" y1="46667" x2="64000" y2="44444"/>
+                        <a14:foregroundMark x1="65333" y1="52000" x2="65333" y2="84444"/>
+                        <a14:foregroundMark x1="63111" y1="69333" x2="20000" y2="69333"/>
+                        <a14:foregroundMark x1="33778" y1="45778" x2="30667" y2="23111"/>
+                        <a14:foregroundMark x1="38222" y1="26222" x2="79111" y2="32444"/>
+                        <a14:foregroundMark x1="50222" y1="94222" x2="50222" y2="94222"/>
                       </a14:backgroundRemoval>
                     </a14:imgEffect>
                   </a14:imgLayer>
@@ -3934,8 +6080,8 @@
         </p:blipFill>
         <p:spPr>
           <a:xfrm>
-            <a:off x="3518653" y="5615911"/>
-            <a:ext cx="603252" cy="595804"/>
+            <a:off x="3659081" y="1523363"/>
+            <a:ext cx="209014" cy="209014"/>
           </a:xfrm>
           <a:prstGeom prst="rect">
             <a:avLst/>
@@ -3944,10 +6090,10 @@
       </p:pic>
       <p:pic>
         <p:nvPicPr>
-          <p:cNvPr id="34" name="Imagem 33">
-            <a:extLst>
-              <a:ext uri="{FF2B5EF4-FFF2-40B4-BE49-F238E27FC236}">
-                <a16:creationId xmlns:a16="http://schemas.microsoft.com/office/drawing/2014/main" id="{3A9057D3-2356-47F4-A775-2F329DFBF5E6}"/>
+          <p:cNvPr id="12" name="Imagem 11">
+            <a:extLst>
+              <a:ext uri="{FF2B5EF4-FFF2-40B4-BE49-F238E27FC236}">
+                <a16:creationId xmlns:a16="http://schemas.microsoft.com/office/drawing/2014/main" id="{0B705967-F97F-4126-BFBC-C7BE04667FF3}"/>
               </a:ext>
             </a:extLst>
           </p:cNvPr>
@@ -3957,188 +6103,11 @@
           <p:nvPr/>
         </p:nvPicPr>
         <p:blipFill>
-          <a:blip r:embed="rId9"/>
-          <a:stretch>
-            <a:fillRect/>
-          </a:stretch>
-        </p:blipFill>
-        <p:spPr>
-          <a:xfrm>
-            <a:off x="10141745" y="3847186"/>
-            <a:ext cx="585138" cy="585138"/>
-          </a:xfrm>
-          <a:prstGeom prst="rect">
-            <a:avLst/>
-          </a:prstGeom>
-        </p:spPr>
-      </p:pic>
-      <p:pic>
-        <p:nvPicPr>
-          <p:cNvPr id="36" name="Imagem 35" descr="Logotipo, Ícone&#10;&#10;Descrição gerada automaticamente">
-            <a:extLst>
-              <a:ext uri="{FF2B5EF4-FFF2-40B4-BE49-F238E27FC236}">
-                <a16:creationId xmlns:a16="http://schemas.microsoft.com/office/drawing/2014/main" id="{9A2302DA-F207-4996-BE62-458906A4B07C}"/>
-              </a:ext>
-            </a:extLst>
-          </p:cNvPr>
-          <p:cNvPicPr>
-            <a:picLocks noChangeAspect="1"/>
-          </p:cNvPicPr>
-          <p:nvPr/>
-        </p:nvPicPr>
-        <p:blipFill>
-          <a:blip r:embed="rId2">
-            <a:extLst>
-              <a:ext uri="{28A0092B-C50C-407E-A947-70E740481C1C}">
-                <a14:useLocalDpi xmlns:a14="http://schemas.microsoft.com/office/drawing/2010/main" val="0"/>
-              </a:ext>
-            </a:extLst>
-          </a:blip>
-          <a:stretch>
-            <a:fillRect/>
-          </a:stretch>
-        </p:blipFill>
-        <p:spPr>
-          <a:xfrm>
-            <a:off x="4217516" y="4730350"/>
-            <a:ext cx="538801" cy="482822"/>
-          </a:xfrm>
-          <a:prstGeom prst="rect">
-            <a:avLst/>
-          </a:prstGeom>
-        </p:spPr>
-      </p:pic>
-      <p:pic>
-        <p:nvPicPr>
-          <p:cNvPr id="37" name="Imagem 36">
-            <a:extLst>
-              <a:ext uri="{FF2B5EF4-FFF2-40B4-BE49-F238E27FC236}">
-                <a16:creationId xmlns:a16="http://schemas.microsoft.com/office/drawing/2014/main" id="{F6C3B7D9-E1DF-46C9-95CF-2918CE97F99A}"/>
-              </a:ext>
-            </a:extLst>
-          </p:cNvPr>
-          <p:cNvPicPr>
-            <a:picLocks noChangeAspect="1"/>
-          </p:cNvPicPr>
-          <p:nvPr/>
-        </p:nvPicPr>
-        <p:blipFill>
-          <a:blip r:embed="rId10">
+          <a:blip r:embed="rId17">
             <a:extLst>
               <a:ext uri="{BEBA8EAE-BF5A-486C-A8C5-ECC9F3942E4B}">
                 <a14:imgProps xmlns:a14="http://schemas.microsoft.com/office/drawing/2010/main">
-                  <a14:imgLayer r:embed="rId11">
-                    <a14:imgEffect>
-                      <a14:backgroundRemoval t="9778" b="89778" l="9778" r="95111">
-                        <a14:foregroundMark x1="47946" y1="21313" x2="24444" y2="34222"/>
-                        <a14:backgroundMark x1="69778" y1="15111" x2="51111" y2="20000"/>
-                        <a14:backgroundMark x1="98222" y1="48000" x2="85778" y2="28000"/>
-                        <a14:backgroundMark x1="87111" y1="31111" x2="69778" y2="18222"/>
-                        <a14:backgroundMark x1="57333" y1="12000" x2="37333" y2="15111"/>
-                      </a14:backgroundRemoval>
-                    </a14:imgEffect>
-                  </a14:imgLayer>
-                </a14:imgProps>
-              </a:ext>
-            </a:extLst>
-          </a:blip>
-          <a:stretch>
-            <a:fillRect/>
-          </a:stretch>
-        </p:blipFill>
-        <p:spPr>
-          <a:xfrm>
-            <a:off x="2754556" y="973645"/>
-            <a:ext cx="591250" cy="567784"/>
-          </a:xfrm>
-          <a:prstGeom prst="rect">
-            <a:avLst/>
-          </a:prstGeom>
-        </p:spPr>
-      </p:pic>
-      <p:pic>
-        <p:nvPicPr>
-          <p:cNvPr id="41" name="Imagem 40">
-            <a:extLst>
-              <a:ext uri="{FF2B5EF4-FFF2-40B4-BE49-F238E27FC236}">
-                <a16:creationId xmlns:a16="http://schemas.microsoft.com/office/drawing/2014/main" id="{E63D8E25-2704-4DCA-9F0C-3A118894C356}"/>
-              </a:ext>
-            </a:extLst>
-          </p:cNvPr>
-          <p:cNvPicPr>
-            <a:picLocks noChangeAspect="1"/>
-          </p:cNvPicPr>
-          <p:nvPr/>
-        </p:nvPicPr>
-        <p:blipFill>
-          <a:blip r:embed="rId12">
-            <a:extLst>
-              <a:ext uri="{BEBA8EAE-BF5A-486C-A8C5-ECC9F3942E4B}">
-                <a14:imgProps xmlns:a14="http://schemas.microsoft.com/office/drawing/2010/main">
-                  <a14:imgLayer r:embed="rId13">
-                    <a14:imgEffect>
-                      <a14:backgroundRemoval t="6180" b="89888" l="1685" r="98876">
-                        <a14:foregroundMark x1="86517" y1="40449" x2="86517" y2="40449"/>
-                        <a14:foregroundMark x1="94382" y1="51124" x2="94382" y2="51124"/>
-                        <a14:foregroundMark x1="8427" y1="37079" x2="8427" y2="37079"/>
-                        <a14:foregroundMark x1="26966" y1="70225" x2="26966" y2="70225"/>
-                        <a14:foregroundMark x1="24157" y1="70225" x2="24157" y2="70225"/>
-                        <a14:foregroundMark x1="24157" y1="70225" x2="24157" y2="70225"/>
-                        <a14:foregroundMark x1="24157" y1="84270" x2="25281" y2="64045"/>
-                        <a14:foregroundMark x1="3371" y1="71348" x2="2247" y2="49438"/>
-                        <a14:foregroundMark x1="42697" y1="85955" x2="41011" y2="80899"/>
-                        <a14:foregroundMark x1="88202" y1="51124" x2="78652" y2="43258"/>
-                        <a14:foregroundMark x1="92697" y1="65169" x2="98876" y2="68539"/>
-                        <a14:foregroundMark x1="6742" y1="74719" x2="6742" y2="30899"/>
-                        <a14:foregroundMark x1="30337" y1="20225" x2="31403" y2="20140"/>
-                        <a14:foregroundMark x1="72472" y1="40449" x2="84831" y2="44944"/>
-                        <a14:foregroundMark x1="58427" y1="82584" x2="60112" y2="60674"/>
-                        <a14:backgroundMark x1="33146" y1="18539" x2="47191" y2="16854"/>
-                        <a14:backgroundMark x1="86517" y1="13483" x2="46067" y2="12360"/>
-                        <a14:backgroundMark x1="70787" y1="16854" x2="31461" y2="20225"/>
-                        <a14:backgroundMark x1="39326" y1="29213" x2="33146" y2="15169"/>
-                        <a14:backgroundMark x1="25281" y1="34270" x2="30337" y2="13483"/>
-                      </a14:backgroundRemoval>
-                    </a14:imgEffect>
-                  </a14:imgLayer>
-                </a14:imgProps>
-              </a:ext>
-            </a:extLst>
-          </a:blip>
-          <a:stretch>
-            <a:fillRect/>
-          </a:stretch>
-        </p:blipFill>
-        <p:spPr>
-          <a:xfrm>
-            <a:off x="3420695" y="932821"/>
-            <a:ext cx="567784" cy="567784"/>
-          </a:xfrm>
-          <a:prstGeom prst="rect">
-            <a:avLst/>
-          </a:prstGeom>
-        </p:spPr>
-      </p:pic>
-      <p:pic>
-        <p:nvPicPr>
-          <p:cNvPr id="43" name="Imagem 42">
-            <a:extLst>
-              <a:ext uri="{FF2B5EF4-FFF2-40B4-BE49-F238E27FC236}">
-                <a16:creationId xmlns:a16="http://schemas.microsoft.com/office/drawing/2014/main" id="{134DEAE9-2E8C-4758-8217-B101F6391B46}"/>
-              </a:ext>
-            </a:extLst>
-          </p:cNvPr>
-          <p:cNvPicPr>
-            <a:picLocks noChangeAspect="1"/>
-          </p:cNvPicPr>
-          <p:nvPr/>
-        </p:nvPicPr>
-        <p:blipFill>
-          <a:blip r:embed="rId14">
-            <a:extLst>
-              <a:ext uri="{BEBA8EAE-BF5A-486C-A8C5-ECC9F3942E4B}">
-                <a14:imgProps xmlns:a14="http://schemas.microsoft.com/office/drawing/2010/main">
-                  <a14:imgLayer r:embed="rId15">
+                  <a14:imgLayer r:embed="rId18">
                     <a14:imgEffect>
                       <a14:backgroundRemoval t="9778" b="90222" l="9778" r="89778">
                         <a14:foregroundMark x1="56000" y1="11111" x2="56000" y2="11111"/>
@@ -4165,8 +6134,8 @@
         </p:blipFill>
         <p:spPr>
           <a:xfrm>
-            <a:off x="3499255" y="4798469"/>
-            <a:ext cx="653852" cy="653852"/>
+            <a:off x="3849813" y="1527659"/>
+            <a:ext cx="209014" cy="209014"/>
           </a:xfrm>
           <a:prstGeom prst="rect">
             <a:avLst/>
@@ -4175,10 +6144,10 @@
       </p:pic>
       <p:pic>
         <p:nvPicPr>
-          <p:cNvPr id="44" name="Imagem 43">
-            <a:extLst>
-              <a:ext uri="{FF2B5EF4-FFF2-40B4-BE49-F238E27FC236}">
-                <a16:creationId xmlns:a16="http://schemas.microsoft.com/office/drawing/2014/main" id="{F92555AF-64B6-4D81-BAAE-DA88E431886C}"/>
+          <p:cNvPr id="14" name="Imagem 13">
+            <a:extLst>
+              <a:ext uri="{FF2B5EF4-FFF2-40B4-BE49-F238E27FC236}">
+                <a16:creationId xmlns:a16="http://schemas.microsoft.com/office/drawing/2014/main" id="{ABBE5691-7723-42C4-B379-D27873D71065}"/>
               </a:ext>
             </a:extLst>
           </p:cNvPr>
@@ -4188,23 +6157,16 @@
           <p:nvPr/>
         </p:nvPicPr>
         <p:blipFill>
-          <a:blip r:embed="rId16">
+          <a:blip r:embed="rId19">
             <a:extLst>
               <a:ext uri="{BEBA8EAE-BF5A-486C-A8C5-ECC9F3942E4B}">
                 <a14:imgProps xmlns:a14="http://schemas.microsoft.com/office/drawing/2010/main">
-                  <a14:imgLayer r:embed="rId17">
+                  <a14:imgLayer r:embed="rId20">
                     <a14:imgEffect>
-                      <a14:backgroundRemoval t="9778" b="94222" l="9778" r="89778">
-                        <a14:foregroundMark x1="30667" y1="18667" x2="30667" y2="18667"/>
-                        <a14:foregroundMark x1="51111" y1="11111" x2="51111" y2="11111"/>
-                        <a14:foregroundMark x1="51111" y1="9778" x2="51111" y2="9778"/>
-                        <a14:foregroundMark x1="48000" y1="52000" x2="48000" y2="52000"/>
-                        <a14:foregroundMark x1="32889" y1="46667" x2="64000" y2="44444"/>
-                        <a14:foregroundMark x1="65333" y1="52000" x2="65333" y2="84444"/>
-                        <a14:foregroundMark x1="63111" y1="69333" x2="20000" y2="69333"/>
-                        <a14:foregroundMark x1="33778" y1="45778" x2="30667" y2="23111"/>
-                        <a14:foregroundMark x1="38222" y1="26222" x2="79111" y2="32444"/>
-                        <a14:foregroundMark x1="50222" y1="94222" x2="50222" y2="94222"/>
+                      <a14:backgroundRemoval t="10000" b="90000" l="10000" r="90000">
+                        <a14:foregroundMark x1="40741" y1="38750" x2="40741" y2="38750"/>
+                        <a14:foregroundMark x1="16049" y1="18750" x2="16049" y2="18750"/>
+                        <a14:foregroundMark x1="59259" y1="35000" x2="59259" y2="35000"/>
                       </a14:backgroundRemoval>
                     </a14:imgEffect>
                   </a14:imgLayer>
@@ -4218,8 +6180,8 @@
         </p:blipFill>
         <p:spPr>
           <a:xfrm>
-            <a:off x="3492857" y="4024678"/>
-            <a:ext cx="653852" cy="653852"/>
+            <a:off x="4039621" y="1532914"/>
+            <a:ext cx="201956" cy="199463"/>
           </a:xfrm>
           <a:prstGeom prst="rect">
             <a:avLst/>
@@ -4228,10 +6190,55 @@
       </p:pic>
       <p:pic>
         <p:nvPicPr>
-          <p:cNvPr id="45" name="Imagem 44">
-            <a:extLst>
-              <a:ext uri="{FF2B5EF4-FFF2-40B4-BE49-F238E27FC236}">
-                <a16:creationId xmlns:a16="http://schemas.microsoft.com/office/drawing/2014/main" id="{4451BD37-A62E-41C6-B5A6-2BF32512021E}"/>
+          <p:cNvPr id="8194" name="Picture 2" descr="Introdução a ORM no Node.js com sequelize">
+            <a:extLst>
+              <a:ext uri="{FF2B5EF4-FFF2-40B4-BE49-F238E27FC236}">
+                <a16:creationId xmlns:a16="http://schemas.microsoft.com/office/drawing/2014/main" id="{872BC580-120E-4EA0-847F-2E8EDE88D0EC}"/>
+              </a:ext>
+            </a:extLst>
+          </p:cNvPr>
+          <p:cNvPicPr>
+            <a:picLocks noChangeAspect="1" noChangeArrowheads="1"/>
+          </p:cNvPicPr>
+          <p:nvPr/>
+        </p:nvPicPr>
+        <p:blipFill rotWithShape="1">
+          <a:blip r:embed="rId21">
+            <a:extLst>
+              <a:ext uri="{28A0092B-C50C-407E-A947-70E740481C1C}">
+                <a14:useLocalDpi xmlns:a14="http://schemas.microsoft.com/office/drawing/2010/main" val="0"/>
+              </a:ext>
+            </a:extLst>
+          </a:blip>
+          <a:srcRect l="18294" t="23543" r="59526" b="22052"/>
+          <a:stretch/>
+        </p:blipFill>
+        <p:spPr bwMode="auto">
+          <a:xfrm>
+            <a:off x="4685882" y="2917519"/>
+            <a:ext cx="438248" cy="527756"/>
+          </a:xfrm>
+          <a:prstGeom prst="rect">
+            <a:avLst/>
+          </a:prstGeom>
+          <a:noFill/>
+          <a:extLst>
+            <a:ext uri="{909E8E84-426E-40DD-AFC4-6F175D3DCCD1}">
+              <a14:hiddenFill xmlns:a14="http://schemas.microsoft.com/office/drawing/2010/main">
+                <a:solidFill>
+                  <a:srgbClr val="FFFFFF"/>
+                </a:solidFill>
+              </a14:hiddenFill>
+            </a:ext>
+          </a:extLst>
+        </p:spPr>
+      </p:pic>
+      <p:pic>
+        <p:nvPicPr>
+          <p:cNvPr id="16" name="Imagem 15">
+            <a:extLst>
+              <a:ext uri="{FF2B5EF4-FFF2-40B4-BE49-F238E27FC236}">
+                <a16:creationId xmlns:a16="http://schemas.microsoft.com/office/drawing/2014/main" id="{C2D169D9-25E1-48D4-B4E6-DA3E0E90357D}"/>
               </a:ext>
             </a:extLst>
           </p:cNvPr>
@@ -4241,16 +6248,16 @@
           <p:nvPr/>
         </p:nvPicPr>
         <p:blipFill>
-          <a:blip r:embed="rId18">
+          <a:blip r:embed="rId19">
             <a:extLst>
               <a:ext uri="{BEBA8EAE-BF5A-486C-A8C5-ECC9F3942E4B}">
                 <a14:imgProps xmlns:a14="http://schemas.microsoft.com/office/drawing/2010/main">
-                  <a14:imgLayer r:embed="rId19">
+                  <a14:imgLayer r:embed="rId20">
                     <a14:imgEffect>
-                      <a14:backgroundRemoval t="10000" b="90000" l="6852" r="95556">
-                        <a14:foregroundMark x1="94444" y1="60741" x2="94444" y2="60741"/>
-                        <a14:foregroundMark x1="95556" y1="66852" x2="95556" y2="66852"/>
-                        <a14:foregroundMark x1="6852" y1="58704" x2="6852" y2="58704"/>
+                      <a14:backgroundRemoval t="10000" b="90000" l="10000" r="90000">
+                        <a14:foregroundMark x1="40741" y1="38750" x2="40741" y2="38750"/>
+                        <a14:foregroundMark x1="16049" y1="18750" x2="16049" y2="18750"/>
+                        <a14:foregroundMark x1="59259" y1="35000" x2="59259" y2="35000"/>
                       </a14:backgroundRemoval>
                     </a14:imgEffect>
                   </a14:imgLayer>
@@ -4264,8 +6271,8 @@
         </p:blipFill>
         <p:spPr>
           <a:xfrm>
-            <a:off x="6665171" y="5766013"/>
-            <a:ext cx="554599" cy="554599"/>
+            <a:off x="5170872" y="3234002"/>
+            <a:ext cx="380466" cy="375769"/>
           </a:xfrm>
           <a:prstGeom prst="rect">
             <a:avLst/>
@@ -4274,10 +6281,158 @@
       </p:pic>
       <p:pic>
         <p:nvPicPr>
-          <p:cNvPr id="48" name="Imagem 47">
-            <a:extLst>
-              <a:ext uri="{FF2B5EF4-FFF2-40B4-BE49-F238E27FC236}">
-                <a16:creationId xmlns:a16="http://schemas.microsoft.com/office/drawing/2014/main" id="{90DAE891-9F86-4DF4-808B-C924B2EC0D63}"/>
+          <p:cNvPr id="18434" name="Picture 2" descr="Vue Chart Component with Chart.js | by Risan Bagja Pradana | risan | Medium">
+            <a:extLst>
+              <a:ext uri="{FF2B5EF4-FFF2-40B4-BE49-F238E27FC236}">
+                <a16:creationId xmlns:a16="http://schemas.microsoft.com/office/drawing/2014/main" id="{CD07421A-561F-4F3D-8E14-00D47B43B62C}"/>
+              </a:ext>
+            </a:extLst>
+          </p:cNvPr>
+          <p:cNvPicPr>
+            <a:picLocks noChangeAspect="1" noChangeArrowheads="1"/>
+          </p:cNvPicPr>
+          <p:nvPr/>
+        </p:nvPicPr>
+        <p:blipFill rotWithShape="1">
+          <a:blip r:embed="rId22">
+            <a:extLst>
+              <a:ext uri="{BEBA8EAE-BF5A-486C-A8C5-ECC9F3942E4B}">
+                <a14:imgProps xmlns:a14="http://schemas.microsoft.com/office/drawing/2010/main">
+                  <a14:imgLayer r:embed="rId23">
+                    <a14:imgEffect>
+                      <a14:backgroundRemoval t="21528" b="71528" l="36000" r="63500">
+                        <a14:foregroundMark x1="43250" y1="50556" x2="41583" y2="43750"/>
+                        <a14:foregroundMark x1="41583" y1="43750" x2="43917" y2="50694"/>
+                        <a14:foregroundMark x1="43917" y1="50694" x2="40833" y2="45694"/>
+                        <a14:foregroundMark x1="40833" y1="45694" x2="42000" y2="52778"/>
+                        <a14:foregroundMark x1="42000" y1="52778" x2="39833" y2="55694"/>
+                        <a14:foregroundMark x1="39833" y1="55694" x2="40167" y2="45833"/>
+                        <a14:foregroundMark x1="40167" y1="45833" x2="39250" y2="52639"/>
+                        <a14:foregroundMark x1="39250" y1="52639" x2="38417" y2="45694"/>
+                        <a14:foregroundMark x1="38417" y1="45694" x2="38750" y2="38056"/>
+                        <a14:foregroundMark x1="38750" y1="38056" x2="40583" y2="31667"/>
+                        <a14:foregroundMark x1="40583" y1="31667" x2="48833" y2="25139"/>
+                        <a14:foregroundMark x1="48833" y1="25139" x2="62141" y2="33181"/>
+                        <a14:foregroundMark x1="62638" y1="50265" x2="61750" y2="55417"/>
+                        <a14:foregroundMark x1="61750" y1="55417" x2="49333" y2="67361"/>
+                        <a14:foregroundMark x1="49333" y1="67361" x2="37704" y2="56268"/>
+                        <a14:foregroundMark x1="38333" y1="40139" x2="38167" y2="52083"/>
+                        <a14:foregroundMark x1="38167" y1="52083" x2="37833" y2="43889"/>
+                        <a14:foregroundMark x1="37833" y1="43889" x2="37417" y2="50972"/>
+                        <a14:foregroundMark x1="37417" y1="50972" x2="37417" y2="50972"/>
+                        <a14:foregroundMark x1="37170" y1="56444" x2="37417" y2="57778"/>
+                        <a14:foregroundMark x1="37417" y1="57917" x2="40303" y2="61089"/>
+                        <a14:foregroundMark x1="42351" y1="62736" x2="49583" y2="66389"/>
+                        <a14:foregroundMark x1="49583" y1="66389" x2="41333" y2="59861"/>
+                        <a14:foregroundMark x1="41333" y1="59861" x2="44667" y2="64583"/>
+                        <a14:foregroundMark x1="44667" y1="64583" x2="49500" y2="68056"/>
+                        <a14:foregroundMark x1="50917" y1="22222" x2="51917" y2="23889"/>
+                        <a14:foregroundMark x1="49167" y1="21806" x2="49165" y2="21807"/>
+                        <a14:foregroundMark x1="61739" y1="43193" x2="61083" y2="40694"/>
+                        <a14:foregroundMark x1="61083" y1="40694" x2="61583" y2="36806"/>
+                        <a14:foregroundMark x1="62500" y1="53194" x2="62500" y2="56806"/>
+                        <a14:foregroundMark x1="49417" y1="33194" x2="45417" y2="36528"/>
+                        <a14:foregroundMark x1="45417" y1="36528" x2="41250" y2="36528"/>
+                        <a14:foregroundMark x1="41250" y1="36528" x2="42000" y2="40694"/>
+                        <a14:foregroundMark x1="42167" y1="41111" x2="53333" y2="31250"/>
+                        <a14:foregroundMark x1="53333" y1="31250" x2="53667" y2="34583"/>
+                        <a14:foregroundMark x1="53667" y1="35694" x2="52750" y2="38611"/>
+                        <a14:foregroundMark x1="52667" y1="38889" x2="53833" y2="36389"/>
+                        <a14:foregroundMark x1="54417" y1="37361" x2="54917" y2="39028"/>
+                        <a14:foregroundMark x1="54917" y1="39028" x2="54917" y2="39028"/>
+                        <a14:foregroundMark x1="54583" y1="38333" x2="47250" y2="31250"/>
+                        <a14:foregroundMark x1="47250" y1="31250" x2="47833" y2="27917"/>
+                        <a14:foregroundMark x1="49667" y1="26806" x2="42000" y2="33889"/>
+                        <a14:foregroundMark x1="42000" y1="33889" x2="45333" y2="30139"/>
+                        <a14:foregroundMark x1="41417" y1="32778" x2="40083" y2="39167"/>
+                        <a14:foregroundMark x1="40250" y1="37500" x2="39583" y2="39861"/>
+                        <a14:foregroundMark x1="39583" y1="40139" x2="38833" y2="43889"/>
+                        <a14:foregroundMark x1="47583" y1="38333" x2="51833" y2="38611"/>
+                        <a14:foregroundMark x1="51833" y1="38611" x2="53833" y2="44861"/>
+                        <a14:foregroundMark x1="53833" y1="45278" x2="53833" y2="45556"/>
+                        <a14:foregroundMark x1="53833" y1="45556" x2="53833" y2="45556"/>
+                        <a14:foregroundMark x1="53750" y1="45833" x2="53750" y2="45833"/>
+                        <a14:foregroundMark x1="45417" y1="39167" x2="46917" y2="40694"/>
+                        <a14:foregroundMark x1="53667" y1="33056" x2="60750" y2="41250"/>
+                        <a14:foregroundMark x1="60750" y1="41250" x2="60750" y2="42639"/>
+                        <a14:foregroundMark x1="60417" y1="38333" x2="57250" y2="33750"/>
+                        <a14:foregroundMark x1="57250" y1="33750" x2="49333" y2="29167"/>
+                        <a14:backgroundMark x1="38583" y1="25278" x2="38333" y2="23750"/>
+                        <a14:backgroundMark x1="38167" y1="24583" x2="38083" y2="25556"/>
+                        <a14:backgroundMark x1="37833" y1="26667" x2="37667" y2="27222"/>
+                        <a14:backgroundMark x1="37583" y1="27500" x2="41917" y2="23611"/>
+                        <a14:backgroundMark x1="41917" y1="23611" x2="37333" y2="28889"/>
+                        <a14:backgroundMark x1="37333" y1="28889" x2="41917" y2="26250"/>
+                        <a14:backgroundMark x1="41917" y1="26250" x2="44833" y2="21250"/>
+                        <a14:backgroundMark x1="44833" y1="21250" x2="41833" y2="28194"/>
+                        <a14:backgroundMark x1="41833" y1="28194" x2="41000" y2="25000"/>
+                        <a14:backgroundMark x1="36750" y1="26111" x2="37417" y2="23056"/>
+                        <a14:backgroundMark x1="37417" y1="23056" x2="37250" y2="22917"/>
+                        <a14:backgroundMark x1="37333" y1="23472" x2="41417" y2="21944"/>
+                        <a14:backgroundMark x1="41417" y1="21944" x2="38417" y2="26806"/>
+                        <a14:backgroundMark x1="38417" y1="26806" x2="38333" y2="26806"/>
+                        <a14:backgroundMark x1="38417" y1="26111" x2="42417" y2="21111"/>
+                        <a14:backgroundMark x1="42417" y1="21111" x2="39500" y2="26806"/>
+                        <a14:backgroundMark x1="39500" y1="26806" x2="39500" y2="26806"/>
+                        <a14:backgroundMark x1="38250" y1="28333" x2="36083" y2="30972"/>
+                        <a14:backgroundMark x1="36083" y1="30972" x2="39833" y2="26111"/>
+                        <a14:backgroundMark x1="39833" y1="26111" x2="39833" y2="26111"/>
+                        <a14:backgroundMark x1="41083" y1="24583" x2="42667" y2="25833"/>
+                        <a14:backgroundMark x1="39750" y1="28750" x2="47583" y2="20000"/>
+                        <a14:backgroundMark x1="48750" y1="21667" x2="49333" y2="21528"/>
+                        <a14:backgroundMark x1="36750" y1="55139" x2="36917" y2="56528"/>
+                        <a14:backgroundMark x1="36083" y1="55139" x2="36917" y2="54444"/>
+                        <a14:backgroundMark x1="36750" y1="55833" x2="37000" y2="56389"/>
+                        <a14:backgroundMark x1="40333" y1="61944" x2="41667" y2="63750"/>
+                        <a14:backgroundMark x1="39917" y1="61667" x2="40333" y2="62222"/>
+                        <a14:backgroundMark x1="48583" y1="71389" x2="49333" y2="70694"/>
+                        <a14:backgroundMark x1="49083" y1="70972" x2="50000" y2="71806"/>
+                        <a14:backgroundMark x1="63250" y1="34167" x2="63083" y2="50278"/>
+                        <a14:backgroundMark x1="63083" y1="33750" x2="63167" y2="35000"/>
+                        <a14:backgroundMark x1="62833" y1="32778" x2="63167" y2="34306"/>
+                        <a14:backgroundMark x1="48917" y1="21944" x2="49333" y2="21528"/>
+                        <a14:backgroundMark x1="50667" y1="21111" x2="51167" y2="22083"/>
+                        <a14:backgroundMark x1="50583" y1="21250" x2="51167" y2="21944"/>
+                        <a14:backgroundMark x1="50667" y1="21528" x2="51083" y2="21806"/>
+                      </a14:backgroundRemoval>
+                    </a14:imgEffect>
+                  </a14:imgLayer>
+                </a14:imgProps>
+              </a:ext>
+              <a:ext uri="{28A0092B-C50C-407E-A947-70E740481C1C}">
+                <a14:useLocalDpi xmlns:a14="http://schemas.microsoft.com/office/drawing/2010/main" val="0"/>
+              </a:ext>
+            </a:extLst>
+          </a:blip>
+          <a:srcRect l="36758" t="20720" r="36671" b="28410"/>
+          <a:stretch/>
+        </p:blipFill>
+        <p:spPr bwMode="auto">
+          <a:xfrm>
+            <a:off x="3834028" y="1235453"/>
+            <a:ext cx="238458" cy="273915"/>
+          </a:xfrm>
+          <a:prstGeom prst="rect">
+            <a:avLst/>
+          </a:prstGeom>
+          <a:noFill/>
+          <a:extLst>
+            <a:ext uri="{909E8E84-426E-40DD-AFC4-6F175D3DCCD1}">
+              <a14:hiddenFill xmlns:a14="http://schemas.microsoft.com/office/drawing/2010/main">
+                <a:solidFill>
+                  <a:srgbClr val="FFFFFF"/>
+                </a:solidFill>
+              </a14:hiddenFill>
+            </a:ext>
+          </a:extLst>
+        </p:spPr>
+      </p:pic>
+      <p:pic>
+        <p:nvPicPr>
+          <p:cNvPr id="25" name="Imagem 24">
+            <a:extLst>
+              <a:ext uri="{FF2B5EF4-FFF2-40B4-BE49-F238E27FC236}">
+                <a16:creationId xmlns:a16="http://schemas.microsoft.com/office/drawing/2014/main" id="{FA13268A-FD92-4356-8B29-60248622F8E1}"/>
               </a:ext>
             </a:extLst>
           </p:cNvPr>
@@ -4287,11 +6442,11 @@
           <p:nvPr/>
         </p:nvPicPr>
         <p:blipFill>
-          <a:blip r:embed="rId20">
+          <a:blip r:embed="rId24">
             <a:extLst>
               <a:ext uri="{BEBA8EAE-BF5A-486C-A8C5-ECC9F3942E4B}">
                 <a14:imgProps xmlns:a14="http://schemas.microsoft.com/office/drawing/2010/main">
-                  <a14:imgLayer r:embed="rId21">
+                  <a14:imgLayer r:embed="rId25">
                     <a14:imgEffect>
                       <a14:backgroundRemoval t="3681" b="92025" l="10000" r="90000">
                         <a14:foregroundMark x1="39032" y1="6748" x2="39032" y2="6748"/>
@@ -4314,7 +6469,7 @@
         </p:blipFill>
         <p:spPr>
           <a:xfrm>
-            <a:off x="9609744" y="1027802"/>
+            <a:off x="7073554" y="4470077"/>
             <a:ext cx="2892477" cy="1493790"/>
           </a:xfrm>
           <a:prstGeom prst="rect">
@@ -4324,10 +6479,10 @@
       </p:pic>
       <p:pic>
         <p:nvPicPr>
-          <p:cNvPr id="49" name="Imagem 48">
-            <a:extLst>
-              <a:ext uri="{FF2B5EF4-FFF2-40B4-BE49-F238E27FC236}">
-                <a16:creationId xmlns:a16="http://schemas.microsoft.com/office/drawing/2014/main" id="{CCD43978-CFF9-4E80-A693-E9C959ECA63B}"/>
+          <p:cNvPr id="26" name="Imagem 25">
+            <a:extLst>
+              <a:ext uri="{FF2B5EF4-FFF2-40B4-BE49-F238E27FC236}">
+                <a16:creationId xmlns:a16="http://schemas.microsoft.com/office/drawing/2014/main" id="{2A2F382C-FEAF-4865-87D6-F55129C96A4F}"/>
               </a:ext>
             </a:extLst>
           </p:cNvPr>
@@ -4337,11 +6492,11 @@
           <p:nvPr/>
         </p:nvPicPr>
         <p:blipFill>
-          <a:blip r:embed="rId22">
+          <a:blip r:embed="rId26">
             <a:extLst>
               <a:ext uri="{BEBA8EAE-BF5A-486C-A8C5-ECC9F3942E4B}">
                 <a14:imgProps xmlns:a14="http://schemas.microsoft.com/office/drawing/2010/main">
-                  <a14:imgLayer r:embed="rId23">
+                  <a14:imgLayer r:embed="rId27">
                     <a14:imgEffect>
                       <a14:backgroundRemoval t="3556" b="99556" l="9778" r="89778">
                         <a14:foregroundMark x1="49333" y1="14667" x2="49333" y2="14667"/>
@@ -4365,8 +6520,8 @@
         </p:blipFill>
         <p:spPr>
           <a:xfrm>
-            <a:off x="10698930" y="1269418"/>
-            <a:ext cx="420083" cy="420083"/>
+            <a:off x="8193741" y="4797491"/>
+            <a:ext cx="340496" cy="340496"/>
           </a:xfrm>
           <a:prstGeom prst="rect">
             <a:avLst/>
@@ -4375,10 +6530,10 @@
       </p:pic>
       <p:pic>
         <p:nvPicPr>
-          <p:cNvPr id="50" name="Imagem 49">
-            <a:extLst>
-              <a:ext uri="{FF2B5EF4-FFF2-40B4-BE49-F238E27FC236}">
-                <a16:creationId xmlns:a16="http://schemas.microsoft.com/office/drawing/2014/main" id="{28D92791-929F-4B44-8733-6225D871867A}"/>
+          <p:cNvPr id="28" name="Imagem 27">
+            <a:extLst>
+              <a:ext uri="{FF2B5EF4-FFF2-40B4-BE49-F238E27FC236}">
+                <a16:creationId xmlns:a16="http://schemas.microsoft.com/office/drawing/2014/main" id="{E59DC741-FD25-444C-B28B-3F73B3489573}"/>
               </a:ext>
             </a:extLst>
           </p:cNvPr>
@@ -4388,11 +6543,11 @@
           <p:nvPr/>
         </p:nvPicPr>
         <p:blipFill>
-          <a:blip r:embed="rId24">
+          <a:blip r:embed="rId28">
             <a:extLst>
               <a:ext uri="{BEBA8EAE-BF5A-486C-A8C5-ECC9F3942E4B}">
                 <a14:imgProps xmlns:a14="http://schemas.microsoft.com/office/drawing/2010/main">
-                  <a14:imgLayer r:embed="rId25">
+                  <a14:imgLayer r:embed="rId29">
                     <a14:imgEffect>
                       <a14:backgroundRemoval t="408" b="98777" l="2239" r="95896">
                         <a14:foregroundMark x1="57338" y1="12538" x2="57338" y2="12538"/>
@@ -4467,20 +6622,67 @@
         </p:blipFill>
         <p:spPr>
           <a:xfrm>
-            <a:off x="11122344" y="1269418"/>
-            <a:ext cx="285498" cy="348351"/>
+            <a:off x="8545388" y="4779632"/>
+            <a:ext cx="279061" cy="340496"/>
           </a:xfrm>
           <a:prstGeom prst="rect">
             <a:avLst/>
           </a:prstGeom>
         </p:spPr>
       </p:pic>
+      <p:pic>
+        <p:nvPicPr>
+          <p:cNvPr id="19458" name="Picture 2" descr="Discord Logo - PNG e Vetor - Download de Logo">
+            <a:extLst>
+              <a:ext uri="{FF2B5EF4-FFF2-40B4-BE49-F238E27FC236}">
+                <a16:creationId xmlns:a16="http://schemas.microsoft.com/office/drawing/2014/main" id="{3B0C7090-A9E9-4699-9BB3-C75EAEA2A0DE}"/>
+              </a:ext>
+            </a:extLst>
+          </p:cNvPr>
+          <p:cNvPicPr>
+            <a:picLocks noChangeAspect="1" noChangeArrowheads="1"/>
+          </p:cNvPicPr>
+          <p:nvPr/>
+        </p:nvPicPr>
+        <p:blipFill>
+          <a:blip r:embed="rId30">
+            <a:extLst>
+              <a:ext uri="{28A0092B-C50C-407E-A947-70E740481C1C}">
+                <a14:useLocalDpi xmlns:a14="http://schemas.microsoft.com/office/drawing/2010/main" val="0"/>
+              </a:ext>
+            </a:extLst>
+          </a:blip>
+          <a:srcRect/>
+          <a:stretch>
+            <a:fillRect/>
+          </a:stretch>
+        </p:blipFill>
+        <p:spPr bwMode="auto">
+          <a:xfrm>
+            <a:off x="8307251" y="5243136"/>
+            <a:ext cx="403019" cy="289932"/>
+          </a:xfrm>
+          <a:prstGeom prst="rect">
+            <a:avLst/>
+          </a:prstGeom>
+          <a:noFill/>
+          <a:extLst>
+            <a:ext uri="{909E8E84-426E-40DD-AFC4-6F175D3DCCD1}">
+              <a14:hiddenFill xmlns:a14="http://schemas.microsoft.com/office/drawing/2010/main">
+                <a:solidFill>
+                  <a:srgbClr val="FFFFFF"/>
+                </a:solidFill>
+              </a14:hiddenFill>
+            </a:ext>
+          </a:extLst>
+        </p:spPr>
+      </p:pic>
       <p:cxnSp>
         <p:nvCxnSpPr>
-          <p:cNvPr id="62" name="Conector reto 61">
-            <a:extLst>
-              <a:ext uri="{FF2B5EF4-FFF2-40B4-BE49-F238E27FC236}">
-                <a16:creationId xmlns:a16="http://schemas.microsoft.com/office/drawing/2014/main" id="{F1BA5327-AE72-4746-A885-16CB1027398C}"/>
+          <p:cNvPr id="40" name="Conector de Seta Reta 39">
+            <a:extLst>
+              <a:ext uri="{FF2B5EF4-FFF2-40B4-BE49-F238E27FC236}">
+                <a16:creationId xmlns:a16="http://schemas.microsoft.com/office/drawing/2014/main" id="{77476105-D5D1-4C62-BCF5-5FF18AAE0DCA}"/>
               </a:ext>
             </a:extLst>
           </p:cNvPr>
@@ -4490,14 +6692,17 @@
           <p:nvPr/>
         </p:nvCxnSpPr>
         <p:spPr>
-          <a:xfrm flipV="1">
-            <a:off x="9753600" y="2866037"/>
-            <a:ext cx="0" cy="1018381"/>
-          </a:xfrm>
-          <a:prstGeom prst="line">
+          <a:xfrm flipH="1" flipV="1">
+            <a:off x="5546901" y="3549327"/>
+            <a:ext cx="234958" cy="184210"/>
+          </a:xfrm>
+          <a:prstGeom prst="straightConnector1">
             <a:avLst/>
           </a:prstGeom>
-          <a:ln/>
+          <a:ln>
+            <a:headEnd type="triangle"/>
+            <a:tailEnd type="triangle"/>
+          </a:ln>
         </p:spPr>
         <p:style>
           <a:lnRef idx="3">
@@ -4516,10 +6721,10 @@
       </p:cxnSp>
       <p:cxnSp>
         <p:nvCxnSpPr>
-          <p:cNvPr id="64" name="Conector reto 63">
-            <a:extLst>
-              <a:ext uri="{FF2B5EF4-FFF2-40B4-BE49-F238E27FC236}">
-                <a16:creationId xmlns:a16="http://schemas.microsoft.com/office/drawing/2014/main" id="{9F6DA7B3-35F0-4D99-985B-32E163BC3F5E}"/>
+          <p:cNvPr id="46" name="Conector de Seta Reta 45">
+            <a:extLst>
+              <a:ext uri="{FF2B5EF4-FFF2-40B4-BE49-F238E27FC236}">
+                <a16:creationId xmlns:a16="http://schemas.microsoft.com/office/drawing/2014/main" id="{D0BC3348-C08B-4B14-8BC0-26BA155E4D74}"/>
               </a:ext>
             </a:extLst>
           </p:cNvPr>
@@ -4530,13 +6735,16 @@
         </p:nvCxnSpPr>
         <p:spPr>
           <a:xfrm flipH="1" flipV="1">
-            <a:off x="9747595" y="1794767"/>
-            <a:ext cx="936757" cy="1"/>
-          </a:xfrm>
-          <a:prstGeom prst="line">
+            <a:off x="4427290" y="2825414"/>
+            <a:ext cx="234958" cy="184210"/>
+          </a:xfrm>
+          <a:prstGeom prst="straightConnector1">
             <a:avLst/>
           </a:prstGeom>
-          <a:ln/>
+          <a:ln>
+            <a:headEnd type="triangle"/>
+            <a:tailEnd type="triangle"/>
+          </a:ln>
         </p:spPr>
         <p:style>
           <a:lnRef idx="3">
@@ -4555,10 +6763,10 @@
       </p:cxnSp>
       <p:cxnSp>
         <p:nvCxnSpPr>
-          <p:cNvPr id="76" name="Conector reto 75">
-            <a:extLst>
-              <a:ext uri="{FF2B5EF4-FFF2-40B4-BE49-F238E27FC236}">
-                <a16:creationId xmlns:a16="http://schemas.microsoft.com/office/drawing/2014/main" id="{32929FCF-007F-4BC3-9A2F-3E5A114C16DE}"/>
+          <p:cNvPr id="71" name="Conector: Angulado 70">
+            <a:extLst>
+              <a:ext uri="{FF2B5EF4-FFF2-40B4-BE49-F238E27FC236}">
+                <a16:creationId xmlns:a16="http://schemas.microsoft.com/office/drawing/2014/main" id="{ABBF1A07-B907-4365-A002-606827201A2D}"/>
               </a:ext>
             </a:extLst>
           </p:cNvPr>
@@ -4568,14 +6776,18 @@
           <p:nvPr/>
         </p:nvCxnSpPr>
         <p:spPr>
-          <a:xfrm>
-            <a:off x="9753600" y="1794324"/>
-            <a:ext cx="0" cy="1115724"/>
-          </a:xfrm>
-          <a:prstGeom prst="line">
-            <a:avLst/>
+          <a:xfrm rot="10800000" flipV="1">
+            <a:off x="7597540" y="4280807"/>
+            <a:ext cx="2010860" cy="489075"/>
+          </a:xfrm>
+          <a:prstGeom prst="bentConnector3">
+            <a:avLst>
+              <a:gd name="adj1" fmla="val 86600"/>
+            </a:avLst>
           </a:prstGeom>
-          <a:ln/>
+          <a:ln>
+            <a:tailEnd type="triangle"/>
+          </a:ln>
         </p:spPr>
         <p:style>
           <a:lnRef idx="3">
@@ -4594,10 +6806,10 @@
       </p:cxnSp>
       <p:cxnSp>
         <p:nvCxnSpPr>
-          <p:cNvPr id="80" name="Conector de Seta Reta 79">
-            <a:extLst>
-              <a:ext uri="{FF2B5EF4-FFF2-40B4-BE49-F238E27FC236}">
-                <a16:creationId xmlns:a16="http://schemas.microsoft.com/office/drawing/2014/main" id="{A4F5227D-DEF9-4E42-81AD-A5D9459DA566}"/>
+          <p:cNvPr id="79" name="Conector reto 78">
+            <a:extLst>
+              <a:ext uri="{FF2B5EF4-FFF2-40B4-BE49-F238E27FC236}">
+                <a16:creationId xmlns:a16="http://schemas.microsoft.com/office/drawing/2014/main" id="{C308D66D-4E57-47B3-9D79-B96CE048AFD2}"/>
               </a:ext>
             </a:extLst>
           </p:cNvPr>
@@ -4608,15 +6820,12 @@
         </p:nvCxnSpPr>
         <p:spPr>
           <a:xfrm flipH="1">
-            <a:off x="7525510" y="2910048"/>
-            <a:ext cx="2222085" cy="167236"/>
-          </a:xfrm>
-          <a:prstGeom prst="straightConnector1">
+            <a:off x="9597554" y="4280782"/>
+            <a:ext cx="7222" cy="751174"/>
+          </a:xfrm>
+          <a:prstGeom prst="line">
             <a:avLst/>
           </a:prstGeom>
-          <a:ln>
-            <a:tailEnd type="triangle"/>
-          </a:ln>
         </p:spPr>
         <p:style>
           <a:lnRef idx="3">
@@ -4635,22 +6844,20 @@
       </p:cxnSp>
       <p:cxnSp>
         <p:nvCxnSpPr>
-          <p:cNvPr id="87" name="Conector de Seta Reta 86">
-            <a:extLst>
-              <a:ext uri="{FF2B5EF4-FFF2-40B4-BE49-F238E27FC236}">
-                <a16:creationId xmlns:a16="http://schemas.microsoft.com/office/drawing/2014/main" id="{8AB7CF59-AB9C-4CE7-A1E5-D9BA38C6E4B5}"/>
-              </a:ext>
-            </a:extLst>
-          </p:cNvPr>
-          <p:cNvCxnSpPr>
-            <a:cxnSpLocks/>
-          </p:cNvCxnSpPr>
+          <p:cNvPr id="88" name="Conector de Seta Reta 87">
+            <a:extLst>
+              <a:ext uri="{FF2B5EF4-FFF2-40B4-BE49-F238E27FC236}">
+                <a16:creationId xmlns:a16="http://schemas.microsoft.com/office/drawing/2014/main" id="{59E3203E-B9B6-40D3-837D-C0B300D144B0}"/>
+              </a:ext>
+            </a:extLst>
+          </p:cNvPr>
+          <p:cNvCxnSpPr/>
           <p:nvPr/>
         </p:nvCxnSpPr>
         <p:spPr>
-          <a:xfrm flipV="1">
-            <a:off x="4789445" y="3775610"/>
-            <a:ext cx="1387222" cy="781011"/>
+          <a:xfrm>
+            <a:off x="9049787" y="5031956"/>
+            <a:ext cx="1131487" cy="0"/>
           </a:xfrm>
           <a:prstGeom prst="straightConnector1">
             <a:avLst/>
@@ -4675,12 +6882,175 @@
           </a:fontRef>
         </p:style>
       </p:cxnSp>
+      <p:sp>
+        <p:nvSpPr>
+          <p:cNvPr id="89" name="Retângulo: Único Canto Recortado 88">
+            <a:extLst>
+              <a:ext uri="{FF2B5EF4-FFF2-40B4-BE49-F238E27FC236}">
+                <a16:creationId xmlns:a16="http://schemas.microsoft.com/office/drawing/2014/main" id="{D9A2AD79-591B-476B-9824-F5A3B3EA696C}"/>
+              </a:ext>
+            </a:extLst>
+          </p:cNvPr>
+          <p:cNvSpPr/>
+          <p:nvPr/>
+        </p:nvSpPr>
+        <p:spPr>
+          <a:xfrm>
+            <a:off x="2437400" y="4262302"/>
+            <a:ext cx="1725361" cy="1106784"/>
+          </a:xfrm>
+          <a:prstGeom prst="snip1Rect">
+            <a:avLst/>
+          </a:prstGeom>
+          <a:solidFill>
+            <a:schemeClr val="accent1">
+              <a:lumMod val="20000"/>
+              <a:lumOff val="80000"/>
+            </a:schemeClr>
+          </a:solidFill>
+        </p:spPr>
+        <p:style>
+          <a:lnRef idx="2">
+            <a:schemeClr val="accent1">
+              <a:shade val="50000"/>
+            </a:schemeClr>
+          </a:lnRef>
+          <a:fillRef idx="1">
+            <a:schemeClr val="accent1"/>
+          </a:fillRef>
+          <a:effectRef idx="0">
+            <a:schemeClr val="accent1"/>
+          </a:effectRef>
+          <a:fontRef idx="minor">
+            <a:schemeClr val="lt1"/>
+          </a:fontRef>
+        </p:style>
+        <p:txBody>
+          <a:bodyPr rtlCol="0" anchor="ctr"/>
+          <a:lstStyle/>
+          <a:p>
+            <a:pPr algn="ctr"/>
+            <a:endParaRPr lang="pt-BR"/>
+          </a:p>
+        </p:txBody>
+      </p:sp>
+      <p:pic>
+        <p:nvPicPr>
+          <p:cNvPr id="43" name="Imagem 42">
+            <a:extLst>
+              <a:ext uri="{FF2B5EF4-FFF2-40B4-BE49-F238E27FC236}">
+                <a16:creationId xmlns:a16="http://schemas.microsoft.com/office/drawing/2014/main" id="{115C59E7-4D15-4556-BB99-CFBA62CD2500}"/>
+              </a:ext>
+            </a:extLst>
+          </p:cNvPr>
+          <p:cNvPicPr>
+            <a:picLocks noChangeAspect="1"/>
+          </p:cNvPicPr>
+          <p:nvPr/>
+        </p:nvPicPr>
+        <p:blipFill>
+          <a:blip r:embed="rId31">
+            <a:extLst>
+              <a:ext uri="{BEBA8EAE-BF5A-486C-A8C5-ECC9F3942E4B}">
+                <a14:imgProps xmlns:a14="http://schemas.microsoft.com/office/drawing/2010/main">
+                  <a14:imgLayer r:embed="rId32">
+                    <a14:imgEffect>
+                      <a14:backgroundRemoval t="6180" b="89888" l="1685" r="98876">
+                        <a14:foregroundMark x1="86517" y1="40449" x2="86517" y2="40449"/>
+                        <a14:foregroundMark x1="94382" y1="51124" x2="94382" y2="51124"/>
+                        <a14:foregroundMark x1="8427" y1="37079" x2="8427" y2="37079"/>
+                        <a14:foregroundMark x1="26966" y1="70225" x2="26966" y2="70225"/>
+                        <a14:foregroundMark x1="24157" y1="70225" x2="24157" y2="70225"/>
+                        <a14:foregroundMark x1="24157" y1="70225" x2="24157" y2="70225"/>
+                        <a14:foregroundMark x1="24157" y1="84270" x2="25281" y2="64045"/>
+                        <a14:foregroundMark x1="3371" y1="71348" x2="2247" y2="49438"/>
+                        <a14:foregroundMark x1="42697" y1="85955" x2="41011" y2="80899"/>
+                        <a14:foregroundMark x1="88202" y1="51124" x2="78652" y2="43258"/>
+                        <a14:foregroundMark x1="92697" y1="65169" x2="98876" y2="68539"/>
+                        <a14:foregroundMark x1="6742" y1="74719" x2="6742" y2="30899"/>
+                        <a14:foregroundMark x1="30337" y1="20225" x2="31403" y2="20140"/>
+                        <a14:foregroundMark x1="72472" y1="40449" x2="84831" y2="44944"/>
+                        <a14:foregroundMark x1="58427" y1="82584" x2="60112" y2="60674"/>
+                        <a14:backgroundMark x1="33146" y1="18539" x2="47191" y2="16854"/>
+                        <a14:backgroundMark x1="86517" y1="13483" x2="46067" y2="12360"/>
+                        <a14:backgroundMark x1="70787" y1="16854" x2="31461" y2="20225"/>
+                        <a14:backgroundMark x1="39326" y1="29213" x2="33146" y2="15169"/>
+                        <a14:backgroundMark x1="25281" y1="34270" x2="30337" y2="13483"/>
+                      </a14:backgroundRemoval>
+                    </a14:imgEffect>
+                  </a14:imgLayer>
+                </a14:imgProps>
+              </a:ext>
+            </a:extLst>
+          </a:blip>
+          <a:stretch>
+            <a:fillRect/>
+          </a:stretch>
+        </p:blipFill>
+        <p:spPr>
+          <a:xfrm>
+            <a:off x="2692408" y="4487482"/>
+            <a:ext cx="646261" cy="646261"/>
+          </a:xfrm>
+          <a:prstGeom prst="rect">
+            <a:avLst/>
+          </a:prstGeom>
+        </p:spPr>
+      </p:pic>
+      <p:pic>
+        <p:nvPicPr>
+          <p:cNvPr id="92" name="Imagem 91">
+            <a:extLst>
+              <a:ext uri="{FF2B5EF4-FFF2-40B4-BE49-F238E27FC236}">
+                <a16:creationId xmlns:a16="http://schemas.microsoft.com/office/drawing/2014/main" id="{C0C95EA8-5A76-454B-8BA7-3E5DD91A8EB1}"/>
+              </a:ext>
+            </a:extLst>
+          </p:cNvPr>
+          <p:cNvPicPr>
+            <a:picLocks noChangeAspect="1"/>
+          </p:cNvPicPr>
+          <p:nvPr/>
+        </p:nvPicPr>
+        <p:blipFill>
+          <a:blip r:embed="rId33">
+            <a:extLst>
+              <a:ext uri="{BEBA8EAE-BF5A-486C-A8C5-ECC9F3942E4B}">
+                <a14:imgProps xmlns:a14="http://schemas.microsoft.com/office/drawing/2010/main">
+                  <a14:imgLayer r:embed="rId34">
+                    <a14:imgEffect>
+                      <a14:backgroundRemoval t="9778" b="89778" l="9778" r="95111">
+                        <a14:foregroundMark x1="47946" y1="21313" x2="24444" y2="34222"/>
+                        <a14:backgroundMark x1="69778" y1="15111" x2="51111" y2="20000"/>
+                        <a14:backgroundMark x1="98222" y1="48000" x2="85778" y2="28000"/>
+                        <a14:backgroundMark x1="87111" y1="31111" x2="69778" y2="18222"/>
+                        <a14:backgroundMark x1="57333" y1="12000" x2="37333" y2="15111"/>
+                      </a14:backgroundRemoval>
+                    </a14:imgEffect>
+                  </a14:imgLayer>
+                </a14:imgProps>
+              </a:ext>
+            </a:extLst>
+          </a:blip>
+          <a:stretch>
+            <a:fillRect/>
+          </a:stretch>
+        </p:blipFill>
+        <p:spPr>
+          <a:xfrm>
+            <a:off x="3335860" y="4569405"/>
+            <a:ext cx="700315" cy="672521"/>
+          </a:xfrm>
+          <a:prstGeom prst="rect">
+            <a:avLst/>
+          </a:prstGeom>
+        </p:spPr>
+      </p:pic>
       <p:cxnSp>
         <p:nvCxnSpPr>
-          <p:cNvPr id="90" name="Conector de Seta Reta 89">
-            <a:extLst>
-              <a:ext uri="{FF2B5EF4-FFF2-40B4-BE49-F238E27FC236}">
-                <a16:creationId xmlns:a16="http://schemas.microsoft.com/office/drawing/2014/main" id="{D423C7E8-FBD2-4121-84DA-892F956914A5}"/>
+          <p:cNvPr id="94" name="Conector reto 93">
+            <a:extLst>
+              <a:ext uri="{FF2B5EF4-FFF2-40B4-BE49-F238E27FC236}">
+                <a16:creationId xmlns:a16="http://schemas.microsoft.com/office/drawing/2014/main" id="{CF35D557-D2C5-45DD-B0CD-EE916C065BF6}"/>
               </a:ext>
             </a:extLst>
           </p:cNvPr>
@@ -4690,1023 +7060,23 @@
           <p:nvPr/>
         </p:nvCxnSpPr>
         <p:spPr>
-          <a:xfrm>
-            <a:off x="4551339" y="1694569"/>
-            <a:ext cx="1544661" cy="1005369"/>
-          </a:xfrm>
-          <a:prstGeom prst="straightConnector1">
+          <a:xfrm flipV="1">
+            <a:off x="2079892" y="4417340"/>
+            <a:ext cx="251762" cy="204299"/>
+          </a:xfrm>
+          <a:prstGeom prst="line">
             <a:avLst/>
           </a:prstGeom>
-          <a:ln>
-            <a:tailEnd type="triangle"/>
-          </a:ln>
         </p:spPr>
         <p:style>
           <a:lnRef idx="3">
-            <a:schemeClr val="dk1"/>
+            <a:schemeClr val="accent1"/>
           </a:lnRef>
           <a:fillRef idx="0">
-            <a:schemeClr val="dk1"/>
+            <a:schemeClr val="accent1"/>
           </a:fillRef>
           <a:effectRef idx="2">
-            <a:schemeClr val="dk1"/>
-          </a:effectRef>
-          <a:fontRef idx="minor">
-            <a:schemeClr val="tx1"/>
-          </a:fontRef>
-        </p:style>
-      </p:cxnSp>
-      <p:pic>
-        <p:nvPicPr>
-          <p:cNvPr id="94" name="Imagem 93">
-            <a:extLst>
-              <a:ext uri="{FF2B5EF4-FFF2-40B4-BE49-F238E27FC236}">
-                <a16:creationId xmlns:a16="http://schemas.microsoft.com/office/drawing/2014/main" id="{3E3A813B-9EFC-40AA-B855-AC0F7350134B}"/>
-              </a:ext>
-            </a:extLst>
-          </p:cNvPr>
-          <p:cNvPicPr>
-            <a:picLocks noChangeAspect="1"/>
-          </p:cNvPicPr>
-          <p:nvPr/>
-        </p:nvPicPr>
-        <p:blipFill>
-          <a:blip r:embed="rId26"/>
-          <a:stretch>
-            <a:fillRect/>
-          </a:stretch>
-        </p:blipFill>
-        <p:spPr>
-          <a:xfrm>
-            <a:off x="8192453" y="3296641"/>
-            <a:ext cx="609194" cy="605632"/>
-          </a:xfrm>
-          <a:prstGeom prst="rect">
-            <a:avLst/>
-          </a:prstGeom>
-        </p:spPr>
-      </p:pic>
-      <p:pic>
-        <p:nvPicPr>
-          <p:cNvPr id="96" name="Imagem 95">
-            <a:extLst>
-              <a:ext uri="{FF2B5EF4-FFF2-40B4-BE49-F238E27FC236}">
-                <a16:creationId xmlns:a16="http://schemas.microsoft.com/office/drawing/2014/main" id="{B72FA934-3C51-480A-A27B-DBAFB020BF99}"/>
-              </a:ext>
-            </a:extLst>
-          </p:cNvPr>
-          <p:cNvPicPr>
-            <a:picLocks noChangeAspect="1"/>
-          </p:cNvPicPr>
-          <p:nvPr/>
-        </p:nvPicPr>
-        <p:blipFill>
-          <a:blip r:embed="rId26"/>
-          <a:stretch>
-            <a:fillRect/>
-          </a:stretch>
-        </p:blipFill>
-        <p:spPr>
-          <a:xfrm>
-            <a:off x="4919248" y="2331977"/>
-            <a:ext cx="609194" cy="605632"/>
-          </a:xfrm>
-          <a:prstGeom prst="rect">
-            <a:avLst/>
-          </a:prstGeom>
-        </p:spPr>
-      </p:pic>
-      <p:pic>
-        <p:nvPicPr>
-          <p:cNvPr id="98" name="Imagem 97">
-            <a:extLst>
-              <a:ext uri="{FF2B5EF4-FFF2-40B4-BE49-F238E27FC236}">
-                <a16:creationId xmlns:a16="http://schemas.microsoft.com/office/drawing/2014/main" id="{9802441E-9010-4A6D-AE2C-D0DFADEF5268}"/>
-              </a:ext>
-            </a:extLst>
-          </p:cNvPr>
-          <p:cNvPicPr>
-            <a:picLocks noChangeAspect="1"/>
-          </p:cNvPicPr>
-          <p:nvPr/>
-        </p:nvPicPr>
-        <p:blipFill>
-          <a:blip r:embed="rId26"/>
-          <a:stretch>
-            <a:fillRect/>
-          </a:stretch>
-        </p:blipFill>
-        <p:spPr>
-          <a:xfrm>
-            <a:off x="5097889" y="4356218"/>
-            <a:ext cx="609194" cy="605632"/>
-          </a:xfrm>
-          <a:prstGeom prst="rect">
-            <a:avLst/>
-          </a:prstGeom>
-        </p:spPr>
-      </p:pic>
-      <p:pic>
-        <p:nvPicPr>
-          <p:cNvPr id="99" name="Imagem 98">
-            <a:extLst>
-              <a:ext uri="{FF2B5EF4-FFF2-40B4-BE49-F238E27FC236}">
-                <a16:creationId xmlns:a16="http://schemas.microsoft.com/office/drawing/2014/main" id="{DCA9F402-1B0E-492E-BE43-6528F9FDB5AC}"/>
-              </a:ext>
-            </a:extLst>
-          </p:cNvPr>
-          <p:cNvPicPr>
-            <a:picLocks noChangeAspect="1"/>
-          </p:cNvPicPr>
-          <p:nvPr/>
-        </p:nvPicPr>
-        <p:blipFill rotWithShape="1">
-          <a:blip r:embed="rId27">
-            <a:extLst>
-              <a:ext uri="{BEBA8EAE-BF5A-486C-A8C5-ECC9F3942E4B}">
-                <a14:imgProps xmlns:a14="http://schemas.microsoft.com/office/drawing/2010/main">
-                  <a14:imgLayer r:embed="rId28">
-                    <a14:imgEffect>
-                      <a14:backgroundRemoval t="9799" b="89950" l="2500" r="94063">
-                        <a14:foregroundMark x1="10938" y1="20352" x2="10938" y2="20352"/>
-                        <a14:foregroundMark x1="16042" y1="34422" x2="16042" y2="34422"/>
-                        <a14:foregroundMark x1="12292" y1="36181" x2="12292" y2="36181"/>
-                        <a14:foregroundMark x1="14271" y1="32915" x2="14271" y2="32915"/>
-                        <a14:foregroundMark x1="11979" y1="28392" x2="16875" y2="41457"/>
-                        <a14:foregroundMark x1="16875" y1="41457" x2="10104" y2="45729"/>
-                        <a14:foregroundMark x1="10104" y1="45729" x2="7500" y2="27638"/>
-                        <a14:foregroundMark x1="7500" y1="27638" x2="7708" y2="25879"/>
-                        <a14:foregroundMark x1="11146" y1="28643" x2="6250" y2="41960"/>
-                        <a14:foregroundMark x1="6250" y1="41960" x2="8438" y2="49246"/>
-                        <a14:foregroundMark x1="13021" y1="50754" x2="8542" y2="42965"/>
-                        <a14:foregroundMark x1="3958" y1="39196" x2="2500" y2="35930"/>
-                        <a14:foregroundMark x1="23021" y1="36432" x2="29271" y2="27638"/>
-                        <a14:foregroundMark x1="29271" y1="27638" x2="29479" y2="30905"/>
-                        <a14:foregroundMark x1="30208" y1="50000" x2="32604" y2="34673"/>
-                        <a14:foregroundMark x1="32604" y1="34673" x2="34896" y2="39950"/>
-                        <a14:foregroundMark x1="36250" y1="27889" x2="38229" y2="41960"/>
-                        <a14:foregroundMark x1="26882" y1="21885" x2="25625" y2="22111"/>
-                        <a14:foregroundMark x1="32604" y1="20854" x2="27379" y2="21795"/>
-                        <a14:foregroundMark x1="24972" y1="22970" x2="24479" y2="23618"/>
-                        <a14:foregroundMark x1="33021" y1="21357" x2="29167" y2="18844"/>
-                        <a14:foregroundMark x1="25655" y1="19089" x2="25521" y2="19095"/>
-                        <a14:foregroundMark x1="31458" y1="18844" x2="26654" y2="19047"/>
-                        <a14:foregroundMark x1="31667" y1="19095" x2="34167" y2="20854"/>
-                        <a14:foregroundMark x1="45104" y1="38945" x2="45208" y2="27387"/>
-                        <a14:foregroundMark x1="53229" y1="51759" x2="52500" y2="56281"/>
-                        <a14:foregroundMark x1="64375" y1="40704" x2="64583" y2="24372"/>
-                        <a14:foregroundMark x1="64583" y1="24372" x2="64583" y2="24372"/>
-                        <a14:foregroundMark x1="61354" y1="59799" x2="62604" y2="59045"/>
-                        <a14:foregroundMark x1="76563" y1="25126" x2="76563" y2="23367"/>
-                        <a14:foregroundMark x1="83229" y1="43216" x2="86667" y2="27136"/>
-                        <a14:foregroundMark x1="86667" y1="27136" x2="94063" y2="36432"/>
-                        <a14:foregroundMark x1="94063" y1="36432" x2="89479" y2="36181"/>
-                        <a14:foregroundMark x1="25625" y1="21357" x2="26667" y2="20854"/>
-                        <a14:foregroundMark x1="33646" y1="55528" x2="35417" y2="52764"/>
-                        <a14:backgroundMark x1="25521" y1="19849" x2="26250" y2="18090"/>
-                      </a14:backgroundRemoval>
-                    </a14:imgEffect>
-                  </a14:imgLayer>
-                </a14:imgProps>
-              </a:ext>
-            </a:extLst>
-          </a:blip>
-          <a:srcRect l="58695" t="-1359" r="22613" b="18821"/>
-          <a:stretch/>
-        </p:blipFill>
-        <p:spPr>
-          <a:xfrm>
-            <a:off x="10459505" y="4325643"/>
-            <a:ext cx="233973" cy="428320"/>
-          </a:xfrm>
-          <a:prstGeom prst="rect">
-            <a:avLst/>
-          </a:prstGeom>
-        </p:spPr>
-      </p:pic>
-      <p:pic>
-        <p:nvPicPr>
-          <p:cNvPr id="110" name="Imagem 109">
-            <a:extLst>
-              <a:ext uri="{FF2B5EF4-FFF2-40B4-BE49-F238E27FC236}">
-                <a16:creationId xmlns:a16="http://schemas.microsoft.com/office/drawing/2014/main" id="{CC1B15DA-8399-4C51-982A-A3625A8567C7}"/>
-              </a:ext>
-            </a:extLst>
-          </p:cNvPr>
-          <p:cNvPicPr>
-            <a:picLocks noChangeAspect="1"/>
-          </p:cNvPicPr>
-          <p:nvPr/>
-        </p:nvPicPr>
-        <p:blipFill rotWithShape="1">
-          <a:blip r:embed="rId29"/>
-          <a:srcRect l="21615" t="9688" r="21931"/>
-          <a:stretch/>
-        </p:blipFill>
-        <p:spPr>
-          <a:xfrm>
-            <a:off x="4222503" y="5290672"/>
-            <a:ext cx="565897" cy="603535"/>
-          </a:xfrm>
-          <a:prstGeom prst="rect">
-            <a:avLst/>
-          </a:prstGeom>
-        </p:spPr>
-      </p:pic>
-      <p:sp>
-        <p:nvSpPr>
-          <p:cNvPr id="129" name="CaixaDeTexto 128">
-            <a:extLst>
-              <a:ext uri="{FF2B5EF4-FFF2-40B4-BE49-F238E27FC236}">
-                <a16:creationId xmlns:a16="http://schemas.microsoft.com/office/drawing/2014/main" id="{DB27E399-CBCE-4978-96FD-FE5DAA4A8CB5}"/>
-              </a:ext>
-            </a:extLst>
-          </p:cNvPr>
-          <p:cNvSpPr txBox="1"/>
-          <p:nvPr/>
-        </p:nvSpPr>
-        <p:spPr>
-          <a:xfrm>
-            <a:off x="8609958" y="372978"/>
-            <a:ext cx="2416570" cy="369332"/>
-          </a:xfrm>
-          <a:prstGeom prst="rect">
-            <a:avLst/>
-          </a:prstGeom>
-          <a:noFill/>
-        </p:spPr>
-        <p:txBody>
-          <a:bodyPr wrap="square" rtlCol="0">
-            <a:spAutoFit/>
-          </a:bodyPr>
-          <a:lstStyle/>
-          <a:p>
-            <a:pPr algn="ctr"/>
-            <a:r>
-              <a:rPr lang="pt-BR" dirty="0"/>
-              <a:t>Camada do Usuário</a:t>
-            </a:r>
-          </a:p>
-        </p:txBody>
-      </p:sp>
-      <p:sp>
-        <p:nvSpPr>
-          <p:cNvPr id="131" name="CaixaDeTexto 130">
-            <a:extLst>
-              <a:ext uri="{FF2B5EF4-FFF2-40B4-BE49-F238E27FC236}">
-                <a16:creationId xmlns:a16="http://schemas.microsoft.com/office/drawing/2014/main" id="{7610C4EC-3BB2-496E-878A-63E6DA47BA34}"/>
-              </a:ext>
-            </a:extLst>
-          </p:cNvPr>
-          <p:cNvSpPr txBox="1"/>
-          <p:nvPr/>
-        </p:nvSpPr>
-        <p:spPr>
-          <a:xfrm>
-            <a:off x="1884658" y="378396"/>
-            <a:ext cx="2416570" cy="369332"/>
-          </a:xfrm>
-          <a:prstGeom prst="rect">
-            <a:avLst/>
-          </a:prstGeom>
-          <a:noFill/>
-        </p:spPr>
-        <p:txBody>
-          <a:bodyPr wrap="square" rtlCol="0">
-            <a:spAutoFit/>
-          </a:bodyPr>
-          <a:lstStyle/>
-          <a:p>
-            <a:pPr algn="ctr"/>
-            <a:r>
-              <a:rPr lang="pt-BR" dirty="0"/>
-              <a:t>Camada do Suporte</a:t>
-            </a:r>
-          </a:p>
-        </p:txBody>
-      </p:sp>
-      <p:sp>
-        <p:nvSpPr>
-          <p:cNvPr id="135" name="CaixaDeTexto 134">
-            <a:extLst>
-              <a:ext uri="{FF2B5EF4-FFF2-40B4-BE49-F238E27FC236}">
-                <a16:creationId xmlns:a16="http://schemas.microsoft.com/office/drawing/2014/main" id="{D8EDD64A-3DA0-4769-9F4D-F9A7046FE2C0}"/>
-              </a:ext>
-            </a:extLst>
-          </p:cNvPr>
-          <p:cNvSpPr txBox="1"/>
-          <p:nvPr/>
-        </p:nvSpPr>
-        <p:spPr>
-          <a:xfrm>
-            <a:off x="861631" y="6501932"/>
-            <a:ext cx="2306323" cy="376007"/>
-          </a:xfrm>
-          <a:prstGeom prst="rect">
-            <a:avLst/>
-          </a:prstGeom>
-          <a:noFill/>
-        </p:spPr>
-        <p:txBody>
-          <a:bodyPr wrap="square" rtlCol="0">
-            <a:spAutoFit/>
-          </a:bodyPr>
-          <a:lstStyle/>
-          <a:p>
-            <a:pPr algn="ctr"/>
-            <a:r>
-              <a:rPr lang="pt-BR" dirty="0"/>
-              <a:t>Nuvem Azure</a:t>
-            </a:r>
-          </a:p>
-        </p:txBody>
-      </p:sp>
-      <p:sp>
-        <p:nvSpPr>
-          <p:cNvPr id="137" name="CaixaDeTexto 136">
-            <a:extLst>
-              <a:ext uri="{FF2B5EF4-FFF2-40B4-BE49-F238E27FC236}">
-                <a16:creationId xmlns:a16="http://schemas.microsoft.com/office/drawing/2014/main" id="{6BEAC590-E87C-45DA-A0F6-36166C02827F}"/>
-              </a:ext>
-            </a:extLst>
-          </p:cNvPr>
-          <p:cNvSpPr txBox="1"/>
-          <p:nvPr/>
-        </p:nvSpPr>
-        <p:spPr>
-          <a:xfrm>
-            <a:off x="3413619" y="3884418"/>
-            <a:ext cx="2306323" cy="376007"/>
-          </a:xfrm>
-          <a:prstGeom prst="rect">
-            <a:avLst/>
-          </a:prstGeom>
-          <a:noFill/>
-        </p:spPr>
-        <p:txBody>
-          <a:bodyPr wrap="square" rtlCol="0">
-            <a:spAutoFit/>
-          </a:bodyPr>
-          <a:lstStyle/>
-          <a:p>
-            <a:pPr algn="ctr"/>
-            <a:r>
-              <a:rPr lang="pt-BR" dirty="0"/>
-              <a:t>Site</a:t>
-            </a:r>
-          </a:p>
-        </p:txBody>
-      </p:sp>
-      <p:cxnSp>
-        <p:nvCxnSpPr>
-          <p:cNvPr id="138" name="Conector de Seta Reta 137">
-            <a:extLst>
-              <a:ext uri="{FF2B5EF4-FFF2-40B4-BE49-F238E27FC236}">
-                <a16:creationId xmlns:a16="http://schemas.microsoft.com/office/drawing/2014/main" id="{5121C621-213F-4B15-84D6-D3998E454560}"/>
-              </a:ext>
-            </a:extLst>
-          </p:cNvPr>
-          <p:cNvCxnSpPr>
-            <a:cxnSpLocks/>
-            <a:stCxn id="127" idx="0"/>
-          </p:cNvCxnSpPr>
-          <p:nvPr/>
-        </p:nvCxnSpPr>
-        <p:spPr>
-          <a:xfrm flipV="1">
-            <a:off x="1912907" y="3519619"/>
-            <a:ext cx="4110505" cy="327566"/>
-          </a:xfrm>
-          <a:prstGeom prst="straightConnector1">
-            <a:avLst/>
-          </a:prstGeom>
-          <a:ln>
-            <a:headEnd type="triangle"/>
-            <a:tailEnd type="triangle"/>
-          </a:ln>
-        </p:spPr>
-        <p:style>
-          <a:lnRef idx="3">
-            <a:schemeClr val="dk1"/>
-          </a:lnRef>
-          <a:fillRef idx="0">
-            <a:schemeClr val="dk1"/>
-          </a:fillRef>
-          <a:effectRef idx="2">
-            <a:schemeClr val="dk1"/>
-          </a:effectRef>
-          <a:fontRef idx="minor">
-            <a:schemeClr val="tx1"/>
-          </a:fontRef>
-        </p:style>
-      </p:cxnSp>
-      <p:sp>
-        <p:nvSpPr>
-          <p:cNvPr id="142" name="CaixaDeTexto 141">
-            <a:extLst>
-              <a:ext uri="{FF2B5EF4-FFF2-40B4-BE49-F238E27FC236}">
-                <a16:creationId xmlns:a16="http://schemas.microsoft.com/office/drawing/2014/main" id="{52AD2A11-1384-4488-8CD6-30E74E65BF19}"/>
-              </a:ext>
-            </a:extLst>
-          </p:cNvPr>
-          <p:cNvSpPr txBox="1"/>
-          <p:nvPr/>
-        </p:nvSpPr>
-        <p:spPr>
-          <a:xfrm>
-            <a:off x="6326005" y="6327029"/>
-            <a:ext cx="1368492" cy="430887"/>
-          </a:xfrm>
-          <a:prstGeom prst="rect">
-            <a:avLst/>
-          </a:prstGeom>
-          <a:noFill/>
-        </p:spPr>
-        <p:txBody>
-          <a:bodyPr wrap="square" rtlCol="0">
-            <a:spAutoFit/>
-          </a:bodyPr>
-          <a:lstStyle/>
-          <a:p>
-            <a:pPr algn="ctr"/>
-            <a:r>
-              <a:rPr lang="pt-BR" sz="1100" dirty="0" err="1"/>
-              <a:t>Discord</a:t>
-            </a:r>
-            <a:r>
-              <a:rPr lang="pt-BR" sz="1100" dirty="0"/>
-              <a:t> - Abertura de ticket</a:t>
-            </a:r>
-          </a:p>
-        </p:txBody>
-      </p:sp>
-      <p:sp>
-        <p:nvSpPr>
-          <p:cNvPr id="144" name="CaixaDeTexto 143">
-            <a:extLst>
-              <a:ext uri="{FF2B5EF4-FFF2-40B4-BE49-F238E27FC236}">
-                <a16:creationId xmlns:a16="http://schemas.microsoft.com/office/drawing/2014/main" id="{90C78D94-ECA8-4DE6-B445-FF601D764E87}"/>
-              </a:ext>
-            </a:extLst>
-          </p:cNvPr>
-          <p:cNvSpPr txBox="1"/>
-          <p:nvPr/>
-        </p:nvSpPr>
-        <p:spPr>
-          <a:xfrm>
-            <a:off x="9715287" y="5675429"/>
-            <a:ext cx="1368492" cy="430887"/>
-          </a:xfrm>
-          <a:prstGeom prst="rect">
-            <a:avLst/>
-          </a:prstGeom>
-          <a:noFill/>
-        </p:spPr>
-        <p:txBody>
-          <a:bodyPr wrap="square" rtlCol="0">
-            <a:spAutoFit/>
-          </a:bodyPr>
-          <a:lstStyle/>
-          <a:p>
-            <a:pPr algn="ctr"/>
-            <a:r>
-              <a:rPr lang="pt-BR" sz="1100" dirty="0"/>
-              <a:t>Notebook/ Desktop do usuário</a:t>
-            </a:r>
-          </a:p>
-        </p:txBody>
-      </p:sp>
-      <p:sp>
-        <p:nvSpPr>
-          <p:cNvPr id="146" name="CaixaDeTexto 145">
-            <a:extLst>
-              <a:ext uri="{FF2B5EF4-FFF2-40B4-BE49-F238E27FC236}">
-                <a16:creationId xmlns:a16="http://schemas.microsoft.com/office/drawing/2014/main" id="{E60C9C63-86D4-4D2D-BDC4-E94ABC6BB81E}"/>
-              </a:ext>
-            </a:extLst>
-          </p:cNvPr>
-          <p:cNvSpPr txBox="1"/>
-          <p:nvPr/>
-        </p:nvSpPr>
-        <p:spPr>
-          <a:xfrm>
-            <a:off x="10399533" y="2568276"/>
-            <a:ext cx="1368492" cy="430887"/>
-          </a:xfrm>
-          <a:prstGeom prst="rect">
-            <a:avLst/>
-          </a:prstGeom>
-          <a:noFill/>
-        </p:spPr>
-        <p:txBody>
-          <a:bodyPr wrap="square" rtlCol="0">
-            <a:spAutoFit/>
-          </a:bodyPr>
-          <a:lstStyle/>
-          <a:p>
-            <a:pPr algn="ctr"/>
-            <a:r>
-              <a:rPr lang="pt-BR" sz="1100" dirty="0"/>
-              <a:t>Smartphone do usuário</a:t>
-            </a:r>
-          </a:p>
-        </p:txBody>
-      </p:sp>
-      <p:sp>
-        <p:nvSpPr>
-          <p:cNvPr id="152" name="CaixaDeTexto 151">
-            <a:extLst>
-              <a:ext uri="{FF2B5EF4-FFF2-40B4-BE49-F238E27FC236}">
-                <a16:creationId xmlns:a16="http://schemas.microsoft.com/office/drawing/2014/main" id="{6BDB208B-CA0C-40BE-ADD7-0EC74C42D5DC}"/>
-              </a:ext>
-            </a:extLst>
-          </p:cNvPr>
-          <p:cNvSpPr txBox="1"/>
-          <p:nvPr/>
-        </p:nvSpPr>
-        <p:spPr>
-          <a:xfrm>
-            <a:off x="4496975" y="2946479"/>
-            <a:ext cx="1368492" cy="261610"/>
-          </a:xfrm>
-          <a:prstGeom prst="rect">
-            <a:avLst/>
-          </a:prstGeom>
-          <a:noFill/>
-        </p:spPr>
-        <p:txBody>
-          <a:bodyPr wrap="square" rtlCol="0">
-            <a:spAutoFit/>
-          </a:bodyPr>
-          <a:lstStyle/>
-          <a:p>
-            <a:pPr algn="ctr"/>
-            <a:r>
-              <a:rPr lang="pt-BR" sz="1100" dirty="0"/>
-              <a:t>Roteador </a:t>
-            </a:r>
-            <a:r>
-              <a:rPr lang="pt-BR" sz="1100" dirty="0" err="1"/>
-              <a:t>wifi</a:t>
-            </a:r>
-            <a:endParaRPr lang="pt-BR" sz="1100" dirty="0"/>
-          </a:p>
-        </p:txBody>
-      </p:sp>
-      <p:sp>
-        <p:nvSpPr>
-          <p:cNvPr id="154" name="CaixaDeTexto 153">
-            <a:extLst>
-              <a:ext uri="{FF2B5EF4-FFF2-40B4-BE49-F238E27FC236}">
-                <a16:creationId xmlns:a16="http://schemas.microsoft.com/office/drawing/2014/main" id="{3E6D2689-C3B6-4EED-9A8B-723292FCD841}"/>
-              </a:ext>
-            </a:extLst>
-          </p:cNvPr>
-          <p:cNvSpPr txBox="1"/>
-          <p:nvPr/>
-        </p:nvSpPr>
-        <p:spPr>
-          <a:xfrm>
-            <a:off x="4749831" y="4940767"/>
-            <a:ext cx="1368492" cy="261610"/>
-          </a:xfrm>
-          <a:prstGeom prst="rect">
-            <a:avLst/>
-          </a:prstGeom>
-          <a:noFill/>
-        </p:spPr>
-        <p:txBody>
-          <a:bodyPr wrap="square" rtlCol="0">
-            <a:spAutoFit/>
-          </a:bodyPr>
-          <a:lstStyle/>
-          <a:p>
-            <a:pPr algn="ctr"/>
-            <a:r>
-              <a:rPr lang="pt-BR" sz="1100" dirty="0"/>
-              <a:t>Roteador</a:t>
-            </a:r>
-          </a:p>
-        </p:txBody>
-      </p:sp>
-      <p:sp>
-        <p:nvSpPr>
-          <p:cNvPr id="156" name="CaixaDeTexto 155">
-            <a:extLst>
-              <a:ext uri="{FF2B5EF4-FFF2-40B4-BE49-F238E27FC236}">
-                <a16:creationId xmlns:a16="http://schemas.microsoft.com/office/drawing/2014/main" id="{059BD5CB-ABAF-402F-8F80-836C71E197D3}"/>
-              </a:ext>
-            </a:extLst>
-          </p:cNvPr>
-          <p:cNvSpPr txBox="1"/>
-          <p:nvPr/>
-        </p:nvSpPr>
-        <p:spPr>
-          <a:xfrm>
-            <a:off x="7762103" y="3951405"/>
-            <a:ext cx="1368492" cy="261610"/>
-          </a:xfrm>
-          <a:prstGeom prst="rect">
-            <a:avLst/>
-          </a:prstGeom>
-          <a:noFill/>
-        </p:spPr>
-        <p:txBody>
-          <a:bodyPr wrap="square" rtlCol="0">
-            <a:spAutoFit/>
-          </a:bodyPr>
-          <a:lstStyle/>
-          <a:p>
-            <a:pPr algn="ctr"/>
-            <a:r>
-              <a:rPr lang="pt-BR" sz="1100" dirty="0"/>
-              <a:t>Roteador </a:t>
-            </a:r>
-            <a:r>
-              <a:rPr lang="pt-BR" sz="1100" dirty="0" err="1"/>
-              <a:t>wifi</a:t>
-            </a:r>
-            <a:endParaRPr lang="pt-BR" sz="1100" dirty="0"/>
-          </a:p>
-        </p:txBody>
-      </p:sp>
-      <p:sp>
-        <p:nvSpPr>
-          <p:cNvPr id="158" name="CaixaDeTexto 157">
-            <a:extLst>
-              <a:ext uri="{FF2B5EF4-FFF2-40B4-BE49-F238E27FC236}">
-                <a16:creationId xmlns:a16="http://schemas.microsoft.com/office/drawing/2014/main" id="{70C14F23-C24F-451C-BD24-B0CF12721E99}"/>
-              </a:ext>
-            </a:extLst>
-          </p:cNvPr>
-          <p:cNvSpPr txBox="1"/>
-          <p:nvPr/>
-        </p:nvSpPr>
-        <p:spPr>
-          <a:xfrm>
-            <a:off x="6061724" y="3852573"/>
-            <a:ext cx="1368492" cy="261610"/>
-          </a:xfrm>
-          <a:prstGeom prst="rect">
-            <a:avLst/>
-          </a:prstGeom>
-          <a:noFill/>
-        </p:spPr>
-        <p:txBody>
-          <a:bodyPr wrap="square" rtlCol="0">
-            <a:spAutoFit/>
-          </a:bodyPr>
-          <a:lstStyle/>
-          <a:p>
-            <a:pPr algn="ctr"/>
-            <a:r>
-              <a:rPr lang="pt-BR" sz="1100" dirty="0"/>
-              <a:t>Internet</a:t>
-            </a:r>
-          </a:p>
-        </p:txBody>
-      </p:sp>
-      <p:sp>
-        <p:nvSpPr>
-          <p:cNvPr id="166" name="CaixaDeTexto 165">
-            <a:extLst>
-              <a:ext uri="{FF2B5EF4-FFF2-40B4-BE49-F238E27FC236}">
-                <a16:creationId xmlns:a16="http://schemas.microsoft.com/office/drawing/2014/main" id="{507EE9D3-047B-4868-B2EA-4898D11B22CC}"/>
-              </a:ext>
-            </a:extLst>
-          </p:cNvPr>
-          <p:cNvSpPr txBox="1"/>
-          <p:nvPr/>
-        </p:nvSpPr>
-        <p:spPr>
-          <a:xfrm>
-            <a:off x="1291669" y="5567059"/>
-            <a:ext cx="1368492" cy="261610"/>
-          </a:xfrm>
-          <a:prstGeom prst="rect">
-            <a:avLst/>
-          </a:prstGeom>
-          <a:noFill/>
-        </p:spPr>
-        <p:txBody>
-          <a:bodyPr wrap="square" rtlCol="0">
-            <a:spAutoFit/>
-          </a:bodyPr>
-          <a:lstStyle/>
-          <a:p>
-            <a:pPr algn="ctr"/>
-            <a:r>
-              <a:rPr lang="pt-BR" sz="1100" dirty="0"/>
-              <a:t>Banco de dados</a:t>
-            </a:r>
-          </a:p>
-        </p:txBody>
-      </p:sp>
-      <p:sp>
-        <p:nvSpPr>
-          <p:cNvPr id="9" name="CaixaDeTexto 8">
-            <a:extLst>
-              <a:ext uri="{FF2B5EF4-FFF2-40B4-BE49-F238E27FC236}">
-                <a16:creationId xmlns:a16="http://schemas.microsoft.com/office/drawing/2014/main" id="{C25EE8A4-CC1A-460D-B592-44954677B916}"/>
-              </a:ext>
-            </a:extLst>
-          </p:cNvPr>
-          <p:cNvSpPr txBox="1"/>
-          <p:nvPr/>
-        </p:nvSpPr>
-        <p:spPr>
-          <a:xfrm>
-            <a:off x="6161322" y="172651"/>
-            <a:ext cx="1281827" cy="830997"/>
-          </a:xfrm>
-          <a:prstGeom prst="rect">
-            <a:avLst/>
-          </a:prstGeom>
-          <a:noFill/>
-        </p:spPr>
-        <p:txBody>
-          <a:bodyPr wrap="square" rtlCol="0">
-            <a:spAutoFit/>
-          </a:bodyPr>
-          <a:lstStyle/>
-          <a:p>
-            <a:pPr algn="ctr"/>
-            <a:r>
-              <a:rPr lang="pt-BR" sz="4800" i="1" u="sng" dirty="0"/>
-              <a:t>LLD</a:t>
-            </a:r>
-          </a:p>
-        </p:txBody>
-      </p:sp>
-      <p:pic>
-        <p:nvPicPr>
-          <p:cNvPr id="12" name="Imagem 11">
-            <a:extLst>
-              <a:ext uri="{FF2B5EF4-FFF2-40B4-BE49-F238E27FC236}">
-                <a16:creationId xmlns:a16="http://schemas.microsoft.com/office/drawing/2014/main" id="{D0EC44AE-FB81-47D7-9181-9F32B75ED917}"/>
-              </a:ext>
-            </a:extLst>
-          </p:cNvPr>
-          <p:cNvPicPr>
-            <a:picLocks noChangeAspect="1"/>
-          </p:cNvPicPr>
-          <p:nvPr/>
-        </p:nvPicPr>
-        <p:blipFill rotWithShape="1">
-          <a:blip r:embed="rId27">
-            <a:extLst>
-              <a:ext uri="{BEBA8EAE-BF5A-486C-A8C5-ECC9F3942E4B}">
-                <a14:imgProps xmlns:a14="http://schemas.microsoft.com/office/drawing/2010/main">
-                  <a14:imgLayer r:embed="rId28">
-                    <a14:imgEffect>
-                      <a14:backgroundRemoval t="9799" b="89950" l="2500" r="94063">
-                        <a14:foregroundMark x1="10938" y1="20352" x2="10938" y2="20352"/>
-                        <a14:foregroundMark x1="16042" y1="34422" x2="16042" y2="34422"/>
-                        <a14:foregroundMark x1="12292" y1="36181" x2="12292" y2="36181"/>
-                        <a14:foregroundMark x1="14271" y1="32915" x2="14271" y2="32915"/>
-                        <a14:foregroundMark x1="11979" y1="28392" x2="16875" y2="41457"/>
-                        <a14:foregroundMark x1="16875" y1="41457" x2="10104" y2="45729"/>
-                        <a14:foregroundMark x1="10104" y1="45729" x2="7500" y2="27638"/>
-                        <a14:foregroundMark x1="7500" y1="27638" x2="7708" y2="25879"/>
-                        <a14:foregroundMark x1="11146" y1="28643" x2="6250" y2="41960"/>
-                        <a14:foregroundMark x1="6250" y1="41960" x2="8438" y2="49246"/>
-                        <a14:foregroundMark x1="13021" y1="50754" x2="8542" y2="42965"/>
-                        <a14:foregroundMark x1="3958" y1="39196" x2="2500" y2="35930"/>
-                        <a14:foregroundMark x1="23021" y1="36432" x2="29271" y2="27638"/>
-                        <a14:foregroundMark x1="29271" y1="27638" x2="29479" y2="30905"/>
-                        <a14:foregroundMark x1="30208" y1="50000" x2="32604" y2="34673"/>
-                        <a14:foregroundMark x1="32604" y1="34673" x2="34896" y2="39950"/>
-                        <a14:foregroundMark x1="36250" y1="27889" x2="38229" y2="41960"/>
-                        <a14:foregroundMark x1="26882" y1="21885" x2="25625" y2="22111"/>
-                        <a14:foregroundMark x1="32604" y1="20854" x2="27379" y2="21795"/>
-                        <a14:foregroundMark x1="24972" y1="22970" x2="24479" y2="23618"/>
-                        <a14:foregroundMark x1="33021" y1="21357" x2="29167" y2="18844"/>
-                        <a14:foregroundMark x1="25655" y1="19089" x2="25521" y2="19095"/>
-                        <a14:foregroundMark x1="31458" y1="18844" x2="26654" y2="19047"/>
-                        <a14:foregroundMark x1="31667" y1="19095" x2="34167" y2="20854"/>
-                        <a14:foregroundMark x1="45104" y1="38945" x2="45208" y2="27387"/>
-                        <a14:foregroundMark x1="53229" y1="51759" x2="52500" y2="56281"/>
-                        <a14:foregroundMark x1="64375" y1="40704" x2="64583" y2="24372"/>
-                        <a14:foregroundMark x1="64583" y1="24372" x2="64583" y2="24372"/>
-                        <a14:foregroundMark x1="61354" y1="59799" x2="62604" y2="59045"/>
-                        <a14:foregroundMark x1="76563" y1="25126" x2="76563" y2="23367"/>
-                        <a14:foregroundMark x1="83229" y1="43216" x2="86667" y2="27136"/>
-                        <a14:foregroundMark x1="86667" y1="27136" x2="94063" y2="36432"/>
-                        <a14:foregroundMark x1="94063" y1="36432" x2="89479" y2="36181"/>
-                        <a14:foregroundMark x1="25625" y1="21357" x2="26667" y2="20854"/>
-                        <a14:foregroundMark x1="33646" y1="55528" x2="35417" y2="52764"/>
-                        <a14:backgroundMark x1="25521" y1="19849" x2="26250" y2="18090"/>
-                      </a14:backgroundRemoval>
-                    </a14:imgEffect>
-                  </a14:imgLayer>
-                </a14:imgProps>
-              </a:ext>
-            </a:extLst>
-          </a:blip>
-          <a:srcRect l="-2" t="1" r="79272" b="32709"/>
-          <a:stretch/>
-        </p:blipFill>
-        <p:spPr>
-          <a:xfrm>
-            <a:off x="10140057" y="4351604"/>
-            <a:ext cx="259476" cy="349203"/>
-          </a:xfrm>
-          <a:prstGeom prst="rect">
-            <a:avLst/>
-          </a:prstGeom>
-        </p:spPr>
-      </p:pic>
-      <p:pic>
-        <p:nvPicPr>
-          <p:cNvPr id="15" name="Imagem 14">
-            <a:extLst>
-              <a:ext uri="{FF2B5EF4-FFF2-40B4-BE49-F238E27FC236}">
-                <a16:creationId xmlns:a16="http://schemas.microsoft.com/office/drawing/2014/main" id="{247D0083-A3A1-4F20-8BC3-EF27F6036479}"/>
-              </a:ext>
-            </a:extLst>
-          </p:cNvPr>
-          <p:cNvPicPr>
-            <a:picLocks noChangeAspect="1"/>
-          </p:cNvPicPr>
-          <p:nvPr/>
-        </p:nvPicPr>
-        <p:blipFill rotWithShape="1">
-          <a:blip r:embed="rId27">
-            <a:extLst>
-              <a:ext uri="{BEBA8EAE-BF5A-486C-A8C5-ECC9F3942E4B}">
-                <a14:imgProps xmlns:a14="http://schemas.microsoft.com/office/drawing/2010/main">
-                  <a14:imgLayer r:embed="rId28">
-                    <a14:imgEffect>
-                      <a14:backgroundRemoval t="9799" b="89950" l="2500" r="94063">
-                        <a14:foregroundMark x1="10938" y1="20352" x2="10938" y2="20352"/>
-                        <a14:foregroundMark x1="16042" y1="34422" x2="16042" y2="34422"/>
-                        <a14:foregroundMark x1="12292" y1="36181" x2="12292" y2="36181"/>
-                        <a14:foregroundMark x1="14271" y1="32915" x2="14271" y2="32915"/>
-                        <a14:foregroundMark x1="11979" y1="28392" x2="16875" y2="41457"/>
-                        <a14:foregroundMark x1="16875" y1="41457" x2="10104" y2="45729"/>
-                        <a14:foregroundMark x1="10104" y1="45729" x2="7500" y2="27638"/>
-                        <a14:foregroundMark x1="7500" y1="27638" x2="7708" y2="25879"/>
-                        <a14:foregroundMark x1="11146" y1="28643" x2="6250" y2="41960"/>
-                        <a14:foregroundMark x1="6250" y1="41960" x2="8438" y2="49246"/>
-                        <a14:foregroundMark x1="13021" y1="50754" x2="8542" y2="42965"/>
-                        <a14:foregroundMark x1="3958" y1="39196" x2="2500" y2="35930"/>
-                        <a14:foregroundMark x1="23021" y1="36432" x2="29271" y2="27638"/>
-                        <a14:foregroundMark x1="29271" y1="27638" x2="29479" y2="30905"/>
-                        <a14:foregroundMark x1="30208" y1="50000" x2="32604" y2="34673"/>
-                        <a14:foregroundMark x1="32604" y1="34673" x2="34896" y2="39950"/>
-                        <a14:foregroundMark x1="36250" y1="27889" x2="38229" y2="41960"/>
-                        <a14:foregroundMark x1="26882" y1="21885" x2="25625" y2="22111"/>
-                        <a14:foregroundMark x1="32604" y1="20854" x2="27379" y2="21795"/>
-                        <a14:foregroundMark x1="24972" y1="22970" x2="24479" y2="23618"/>
-                        <a14:foregroundMark x1="33021" y1="21357" x2="29167" y2="18844"/>
-                        <a14:foregroundMark x1="25655" y1="19089" x2="25521" y2="19095"/>
-                        <a14:foregroundMark x1="31458" y1="18844" x2="26654" y2="19047"/>
-                        <a14:foregroundMark x1="31667" y1="19095" x2="34167" y2="20854"/>
-                        <a14:foregroundMark x1="45104" y1="38945" x2="45208" y2="27387"/>
-                        <a14:foregroundMark x1="53229" y1="51759" x2="52500" y2="56281"/>
-                        <a14:foregroundMark x1="64375" y1="40704" x2="64583" y2="24372"/>
-                        <a14:foregroundMark x1="64583" y1="24372" x2="64583" y2="24372"/>
-                        <a14:foregroundMark x1="61354" y1="59799" x2="62604" y2="59045"/>
-                        <a14:foregroundMark x1="76563" y1="25126" x2="76563" y2="23367"/>
-                        <a14:foregroundMark x1="83229" y1="43216" x2="86667" y2="27136"/>
-                        <a14:foregroundMark x1="86667" y1="27136" x2="94063" y2="36432"/>
-                        <a14:foregroundMark x1="94063" y1="36432" x2="89479" y2="36181"/>
-                        <a14:foregroundMark x1="25625" y1="21357" x2="26667" y2="20854"/>
-                        <a14:foregroundMark x1="33646" y1="55528" x2="35417" y2="52764"/>
-                        <a14:backgroundMark x1="25521" y1="19849" x2="26250" y2="18090"/>
-                      </a14:backgroundRemoval>
-                    </a14:imgEffect>
-                  </a14:imgLayer>
-                </a14:imgProps>
-              </a:ext>
-            </a:extLst>
-          </a:blip>
-          <a:srcRect l="58695" t="-1359" r="22613" b="18821"/>
-          <a:stretch/>
-        </p:blipFill>
-        <p:spPr>
-          <a:xfrm>
-            <a:off x="3124676" y="1456577"/>
-            <a:ext cx="233973" cy="428320"/>
-          </a:xfrm>
-          <a:prstGeom prst="rect">
-            <a:avLst/>
-          </a:prstGeom>
-        </p:spPr>
-      </p:pic>
-      <p:pic>
-        <p:nvPicPr>
-          <p:cNvPr id="16" name="Imagem 15">
-            <a:extLst>
-              <a:ext uri="{FF2B5EF4-FFF2-40B4-BE49-F238E27FC236}">
-                <a16:creationId xmlns:a16="http://schemas.microsoft.com/office/drawing/2014/main" id="{7713076C-D604-4FB7-B15C-2290EC6F9163}"/>
-              </a:ext>
-            </a:extLst>
-          </p:cNvPr>
-          <p:cNvPicPr>
-            <a:picLocks noChangeAspect="1"/>
-          </p:cNvPicPr>
-          <p:nvPr/>
-        </p:nvPicPr>
-        <p:blipFill rotWithShape="1">
-          <a:blip r:embed="rId27">
-            <a:extLst>
-              <a:ext uri="{BEBA8EAE-BF5A-486C-A8C5-ECC9F3942E4B}">
-                <a14:imgProps xmlns:a14="http://schemas.microsoft.com/office/drawing/2010/main">
-                  <a14:imgLayer r:embed="rId28">
-                    <a14:imgEffect>
-                      <a14:backgroundRemoval t="9799" b="89950" l="2500" r="94063">
-                        <a14:foregroundMark x1="10938" y1="20352" x2="10938" y2="20352"/>
-                        <a14:foregroundMark x1="16042" y1="34422" x2="16042" y2="34422"/>
-                        <a14:foregroundMark x1="12292" y1="36181" x2="12292" y2="36181"/>
-                        <a14:foregroundMark x1="14271" y1="32915" x2="14271" y2="32915"/>
-                        <a14:foregroundMark x1="11979" y1="28392" x2="16875" y2="41457"/>
-                        <a14:foregroundMark x1="16875" y1="41457" x2="10104" y2="45729"/>
-                        <a14:foregroundMark x1="10104" y1="45729" x2="7500" y2="27638"/>
-                        <a14:foregroundMark x1="7500" y1="27638" x2="7708" y2="25879"/>
-                        <a14:foregroundMark x1="11146" y1="28643" x2="6250" y2="41960"/>
-                        <a14:foregroundMark x1="6250" y1="41960" x2="8438" y2="49246"/>
-                        <a14:foregroundMark x1="13021" y1="50754" x2="8542" y2="42965"/>
-                        <a14:foregroundMark x1="3958" y1="39196" x2="2500" y2="35930"/>
-                        <a14:foregroundMark x1="23021" y1="36432" x2="29271" y2="27638"/>
-                        <a14:foregroundMark x1="29271" y1="27638" x2="29479" y2="30905"/>
-                        <a14:foregroundMark x1="30208" y1="50000" x2="32604" y2="34673"/>
-                        <a14:foregroundMark x1="32604" y1="34673" x2="34896" y2="39950"/>
-                        <a14:foregroundMark x1="36250" y1="27889" x2="38229" y2="41960"/>
-                        <a14:foregroundMark x1="26882" y1="21885" x2="25625" y2="22111"/>
-                        <a14:foregroundMark x1="32604" y1="20854" x2="27379" y2="21795"/>
-                        <a14:foregroundMark x1="24972" y1="22970" x2="24479" y2="23618"/>
-                        <a14:foregroundMark x1="33021" y1="21357" x2="29167" y2="18844"/>
-                        <a14:foregroundMark x1="25655" y1="19089" x2="25521" y2="19095"/>
-                        <a14:foregroundMark x1="31458" y1="18844" x2="26654" y2="19047"/>
-                        <a14:foregroundMark x1="31667" y1="19095" x2="34167" y2="20854"/>
-                        <a14:foregroundMark x1="45104" y1="38945" x2="45208" y2="27387"/>
-                        <a14:foregroundMark x1="53229" y1="51759" x2="52500" y2="56281"/>
-                        <a14:foregroundMark x1="64375" y1="40704" x2="64583" y2="24372"/>
-                        <a14:foregroundMark x1="64583" y1="24372" x2="64583" y2="24372"/>
-                        <a14:foregroundMark x1="61354" y1="59799" x2="62604" y2="59045"/>
-                        <a14:foregroundMark x1="76563" y1="25126" x2="76563" y2="23367"/>
-                        <a14:foregroundMark x1="83229" y1="43216" x2="86667" y2="27136"/>
-                        <a14:foregroundMark x1="86667" y1="27136" x2="94063" y2="36432"/>
-                        <a14:foregroundMark x1="94063" y1="36432" x2="89479" y2="36181"/>
-                        <a14:foregroundMark x1="25625" y1="21357" x2="26667" y2="20854"/>
-                        <a14:foregroundMark x1="33646" y1="55528" x2="35417" y2="52764"/>
-                        <a14:backgroundMark x1="25521" y1="19849" x2="26250" y2="18090"/>
-                      </a14:backgroundRemoval>
-                    </a14:imgEffect>
-                  </a14:imgLayer>
-                </a14:imgProps>
-              </a:ext>
-            </a:extLst>
-          </a:blip>
-          <a:srcRect l="-2" t="1" r="79272" b="32709"/>
-          <a:stretch/>
-        </p:blipFill>
-        <p:spPr>
-          <a:xfrm>
-            <a:off x="2805228" y="1482538"/>
-            <a:ext cx="259476" cy="349203"/>
-          </a:xfrm>
-          <a:prstGeom prst="rect">
-            <a:avLst/>
-          </a:prstGeom>
-        </p:spPr>
-      </p:pic>
-      <p:cxnSp>
-        <p:nvCxnSpPr>
-          <p:cNvPr id="17" name="Conector de Seta Reta 16">
-            <a:extLst>
-              <a:ext uri="{FF2B5EF4-FFF2-40B4-BE49-F238E27FC236}">
-                <a16:creationId xmlns:a16="http://schemas.microsoft.com/office/drawing/2014/main" id="{ABD4AE37-BADB-4F57-9012-238F446E0C7B}"/>
-              </a:ext>
-            </a:extLst>
-          </p:cNvPr>
-          <p:cNvCxnSpPr>
-            <a:cxnSpLocks/>
-          </p:cNvCxnSpPr>
-          <p:nvPr/>
-        </p:nvCxnSpPr>
-        <p:spPr>
-          <a:xfrm>
-            <a:off x="4969793" y="5769011"/>
-            <a:ext cx="1399314" cy="646907"/>
-          </a:xfrm>
-          <a:prstGeom prst="straightConnector1">
-            <a:avLst/>
-          </a:prstGeom>
-          <a:ln>
-            <a:tailEnd type="triangle"/>
-          </a:ln>
-        </p:spPr>
-        <p:style>
-          <a:lnRef idx="3">
-            <a:schemeClr val="dk1"/>
-          </a:lnRef>
-          <a:fillRef idx="0">
-            <a:schemeClr val="dk1"/>
-          </a:fillRef>
-          <a:effectRef idx="2">
-            <a:schemeClr val="dk1"/>
+            <a:schemeClr val="accent1"/>
           </a:effectRef>
           <a:fontRef idx="minor">
             <a:schemeClr val="tx1"/>
@@ -5715,10 +7085,10 @@
       </p:cxnSp>
       <p:cxnSp>
         <p:nvCxnSpPr>
-          <p:cNvPr id="19" name="Conector de Seta Reta 18">
-            <a:extLst>
-              <a:ext uri="{FF2B5EF4-FFF2-40B4-BE49-F238E27FC236}">
-                <a16:creationId xmlns:a16="http://schemas.microsoft.com/office/drawing/2014/main" id="{B7523E1D-FC53-4283-AD1C-AA5BE30F838B}"/>
+          <p:cNvPr id="95" name="Conector reto 94">
+            <a:extLst>
+              <a:ext uri="{FF2B5EF4-FFF2-40B4-BE49-F238E27FC236}">
+                <a16:creationId xmlns:a16="http://schemas.microsoft.com/office/drawing/2014/main" id="{33C5EAF3-5A22-4B97-B07A-C6C8F19F601A}"/>
               </a:ext>
             </a:extLst>
           </p:cNvPr>
@@ -5728,69 +7098,71 @@
           <p:nvPr/>
         </p:nvCxnSpPr>
         <p:spPr>
-          <a:xfrm flipH="1" flipV="1">
-            <a:off x="6807263" y="4425427"/>
-            <a:ext cx="32283" cy="1167013"/>
-          </a:xfrm>
-          <a:prstGeom prst="straightConnector1">
+          <a:xfrm>
+            <a:off x="2094528" y="5324849"/>
+            <a:ext cx="237126" cy="130880"/>
+          </a:xfrm>
+          <a:prstGeom prst="line">
             <a:avLst/>
           </a:prstGeom>
-          <a:ln>
-            <a:headEnd type="triangle"/>
-            <a:tailEnd type="triangle"/>
-          </a:ln>
         </p:spPr>
         <p:style>
           <a:lnRef idx="3">
-            <a:schemeClr val="dk1"/>
+            <a:schemeClr val="accent1"/>
           </a:lnRef>
           <a:fillRef idx="0">
-            <a:schemeClr val="dk1"/>
+            <a:schemeClr val="accent1"/>
           </a:fillRef>
           <a:effectRef idx="2">
-            <a:schemeClr val="dk1"/>
+            <a:schemeClr val="accent1"/>
           </a:effectRef>
           <a:fontRef idx="minor">
             <a:schemeClr val="tx1"/>
           </a:fontRef>
         </p:style>
       </p:cxnSp>
-      <p:pic>
-        <p:nvPicPr>
-          <p:cNvPr id="28" name="Imagem 27">
-            <a:extLst>
-              <a:ext uri="{FF2B5EF4-FFF2-40B4-BE49-F238E27FC236}">
-                <a16:creationId xmlns:a16="http://schemas.microsoft.com/office/drawing/2014/main" id="{BDCDFDAB-708A-42A4-A70E-F0FF4BB81475}"/>
-              </a:ext>
-            </a:extLst>
-          </p:cNvPr>
-          <p:cNvPicPr>
-            <a:picLocks noChangeAspect="1"/>
-          </p:cNvPicPr>
+      <p:sp>
+        <p:nvSpPr>
+          <p:cNvPr id="113" name="CaixaDeTexto 112">
+            <a:extLst>
+              <a:ext uri="{FF2B5EF4-FFF2-40B4-BE49-F238E27FC236}">
+                <a16:creationId xmlns:a16="http://schemas.microsoft.com/office/drawing/2014/main" id="{A5160C37-7716-4652-AACD-171006D22C40}"/>
+              </a:ext>
+            </a:extLst>
+          </p:cNvPr>
+          <p:cNvSpPr txBox="1"/>
           <p:nvPr/>
-        </p:nvPicPr>
-        <p:blipFill>
-          <a:blip r:embed="rId9"/>
-          <a:stretch>
-            <a:fillRect/>
-          </a:stretch>
-        </p:blipFill>
+        </p:nvSpPr>
         <p:spPr>
           <a:xfrm>
-            <a:off x="2272991" y="1275977"/>
-            <a:ext cx="585138" cy="585138"/>
+            <a:off x="7835546" y="5954849"/>
+            <a:ext cx="1368492" cy="430887"/>
           </a:xfrm>
           <a:prstGeom prst="rect">
             <a:avLst/>
           </a:prstGeom>
-        </p:spPr>
-      </p:pic>
-      <p:sp>
-        <p:nvSpPr>
-          <p:cNvPr id="29" name="CaixaDeTexto 28">
-            <a:extLst>
-              <a:ext uri="{FF2B5EF4-FFF2-40B4-BE49-F238E27FC236}">
-                <a16:creationId xmlns:a16="http://schemas.microsoft.com/office/drawing/2014/main" id="{65CB8AFC-9DE1-4D23-B6CC-823AD51D9239}"/>
+          <a:noFill/>
+        </p:spPr>
+        <p:txBody>
+          <a:bodyPr wrap="square" rtlCol="0">
+            <a:spAutoFit/>
+          </a:bodyPr>
+          <a:lstStyle/>
+          <a:p>
+            <a:pPr algn="ctr"/>
+            <a:r>
+              <a:rPr lang="pt-BR" sz="1100" dirty="0"/>
+              <a:t>Smartphone do usuário</a:t>
+            </a:r>
+          </a:p>
+        </p:txBody>
+      </p:sp>
+      <p:sp>
+        <p:nvSpPr>
+          <p:cNvPr id="114" name="CaixaDeTexto 113">
+            <a:extLst>
+              <a:ext uri="{FF2B5EF4-FFF2-40B4-BE49-F238E27FC236}">
+                <a16:creationId xmlns:a16="http://schemas.microsoft.com/office/drawing/2014/main" id="{CE531F70-EEF0-4D35-98EA-66420033469C}"/>
               </a:ext>
             </a:extLst>
           </p:cNvPr>
@@ -5799,7 +7171,43 @@
         </p:nvSpPr>
         <p:spPr>
           <a:xfrm>
-            <a:off x="2313982" y="2788348"/>
+            <a:off x="10236336" y="5873013"/>
+            <a:ext cx="1368492" cy="430887"/>
+          </a:xfrm>
+          <a:prstGeom prst="rect">
+            <a:avLst/>
+          </a:prstGeom>
+          <a:noFill/>
+        </p:spPr>
+        <p:txBody>
+          <a:bodyPr wrap="square" rtlCol="0">
+            <a:spAutoFit/>
+          </a:bodyPr>
+          <a:lstStyle/>
+          <a:p>
+            <a:pPr algn="ctr"/>
+            <a:r>
+              <a:rPr lang="pt-BR" sz="1100" dirty="0"/>
+              <a:t>Notebook/ Desktop do usuário</a:t>
+            </a:r>
+          </a:p>
+        </p:txBody>
+      </p:sp>
+      <p:sp>
+        <p:nvSpPr>
+          <p:cNvPr id="115" name="CaixaDeTexto 114">
+            <a:extLst>
+              <a:ext uri="{FF2B5EF4-FFF2-40B4-BE49-F238E27FC236}">
+                <a16:creationId xmlns:a16="http://schemas.microsoft.com/office/drawing/2014/main" id="{48369ADC-024D-437E-BA9F-CBE55A3D27EF}"/>
+              </a:ext>
+            </a:extLst>
+          </p:cNvPr>
+          <p:cNvSpPr txBox="1"/>
+          <p:nvPr/>
+        </p:nvSpPr>
+        <p:spPr>
+          <a:xfrm>
+            <a:off x="644707" y="5880292"/>
             <a:ext cx="1755372" cy="430887"/>
           </a:xfrm>
           <a:prstGeom prst="rect">
@@ -5821,56 +7229,121 @@
           </a:p>
         </p:txBody>
       </p:sp>
-      <p:pic>
-        <p:nvPicPr>
-          <p:cNvPr id="30" name="Imagem 29">
-            <a:extLst>
-              <a:ext uri="{FF2B5EF4-FFF2-40B4-BE49-F238E27FC236}">
-                <a16:creationId xmlns:a16="http://schemas.microsoft.com/office/drawing/2014/main" id="{436090BE-6D0B-452B-A496-C33C3164BE54}"/>
-              </a:ext>
-            </a:extLst>
-          </p:cNvPr>
-          <p:cNvPicPr>
-            <a:picLocks noChangeAspect="1"/>
-          </p:cNvPicPr>
+      <p:sp>
+        <p:nvSpPr>
+          <p:cNvPr id="116" name="CaixaDeTexto 115">
+            <a:extLst>
+              <a:ext uri="{FF2B5EF4-FFF2-40B4-BE49-F238E27FC236}">
+                <a16:creationId xmlns:a16="http://schemas.microsoft.com/office/drawing/2014/main" id="{29B54554-E565-4680-AA99-2FF397EBD566}"/>
+              </a:ext>
+            </a:extLst>
+          </p:cNvPr>
+          <p:cNvSpPr txBox="1"/>
           <p:nvPr/>
-        </p:nvPicPr>
-        <p:blipFill>
-          <a:blip r:embed="rId18">
-            <a:extLst>
-              <a:ext uri="{BEBA8EAE-BF5A-486C-A8C5-ECC9F3942E4B}">
-                <a14:imgProps xmlns:a14="http://schemas.microsoft.com/office/drawing/2010/main">
-                  <a14:imgLayer r:embed="rId19">
-                    <a14:imgEffect>
-                      <a14:backgroundRemoval t="10000" b="90000" l="6852" r="95556">
-                        <a14:foregroundMark x1="94444" y1="60741" x2="94444" y2="60741"/>
-                        <a14:foregroundMark x1="95556" y1="66852" x2="95556" y2="66852"/>
-                        <a14:foregroundMark x1="6852" y1="58704" x2="6852" y2="58704"/>
-                      </a14:backgroundRemoval>
-                    </a14:imgEffect>
-                  </a14:imgLayer>
-                </a14:imgProps>
-              </a:ext>
-            </a:extLst>
-          </a:blip>
-          <a:stretch>
-            <a:fillRect/>
-          </a:stretch>
-        </p:blipFill>
+        </p:nvSpPr>
         <p:spPr>
           <a:xfrm>
-            <a:off x="10878283" y="1974993"/>
-            <a:ext cx="355398" cy="355398"/>
+            <a:off x="5408711" y="4220052"/>
+            <a:ext cx="1368492" cy="261610"/>
           </a:xfrm>
           <a:prstGeom prst="rect">
             <a:avLst/>
           </a:prstGeom>
-        </p:spPr>
-      </p:pic>
+          <a:noFill/>
+        </p:spPr>
+        <p:txBody>
+          <a:bodyPr wrap="square" rtlCol="0">
+            <a:spAutoFit/>
+          </a:bodyPr>
+          <a:lstStyle/>
+          <a:p>
+            <a:pPr algn="ctr"/>
+            <a:r>
+              <a:rPr lang="pt-BR" sz="1100" dirty="0"/>
+              <a:t>Internet</a:t>
+            </a:r>
+          </a:p>
+        </p:txBody>
+      </p:sp>
     </p:spTree>
     <p:extLst>
       <p:ext uri="{BB962C8B-B14F-4D97-AF65-F5344CB8AC3E}">
-        <p14:creationId xmlns:p14="http://schemas.microsoft.com/office/powerpoint/2010/main" val="978986435"/>
+        <p14:creationId xmlns:p14="http://schemas.microsoft.com/office/powerpoint/2010/main" val="470251281"/>
+      </p:ext>
+    </p:extLst>
+  </p:cSld>
+  <p:clrMapOvr>
+    <a:masterClrMapping/>
+  </p:clrMapOvr>
+</p:sld>
+</file>
+
+<file path=ppt/slides/slide2.xml><?xml version="1.0" encoding="utf-8"?>
+<p:sld xmlns:a="http://schemas.openxmlformats.org/drawingml/2006/main" xmlns:r="http://schemas.openxmlformats.org/officeDocument/2006/relationships" xmlns:p="http://schemas.openxmlformats.org/presentationml/2006/main">
+  <p:cSld>
+    <p:spTree>
+      <p:nvGrpSpPr>
+        <p:cNvPr id="1" name=""/>
+        <p:cNvGrpSpPr/>
+        <p:nvPr/>
+      </p:nvGrpSpPr>
+      <p:grpSpPr>
+        <a:xfrm>
+          <a:off x="0" y="0"/>
+          <a:ext cx="0" cy="0"/>
+          <a:chOff x="0" y="0"/>
+          <a:chExt cx="0" cy="0"/>
+        </a:xfrm>
+      </p:grpSpPr>
+      <p:sp>
+        <p:nvSpPr>
+          <p:cNvPr id="2" name="AutoShape 2">
+            <a:extLst>
+              <a:ext uri="{FF2B5EF4-FFF2-40B4-BE49-F238E27FC236}">
+                <a16:creationId xmlns:a16="http://schemas.microsoft.com/office/drawing/2014/main" id="{1ACCAA73-AB4D-4A14-A8AE-8F3D251F7AD1}"/>
+              </a:ext>
+            </a:extLst>
+          </p:cNvPr>
+          <p:cNvSpPr>
+            <a:spLocks noChangeAspect="1" noChangeArrowheads="1"/>
+          </p:cNvSpPr>
+          <p:nvPr/>
+        </p:nvSpPr>
+        <p:spPr bwMode="auto">
+          <a:xfrm>
+            <a:off x="5943599" y="-2418471"/>
+            <a:ext cx="5999871" cy="5999871"/>
+          </a:xfrm>
+          <a:prstGeom prst="rect">
+            <a:avLst/>
+          </a:prstGeom>
+          <a:noFill/>
+          <a:extLst>
+            <a:ext uri="{909E8E84-426E-40DD-AFC4-6F175D3DCCD1}">
+              <a14:hiddenFill xmlns:a14="http://schemas.microsoft.com/office/drawing/2010/main">
+                <a:solidFill>
+                  <a:srgbClr val="FFFFFF"/>
+                </a:solidFill>
+              </a14:hiddenFill>
+            </a:ext>
+          </a:extLst>
+        </p:spPr>
+        <p:txBody>
+          <a:bodyPr vert="horz" wrap="square" lIns="91440" tIns="45720" rIns="91440" bIns="45720" numCol="1" anchor="t" anchorCtr="0" compatLnSpc="1">
+            <a:prstTxWarp prst="textNoShape">
+              <a:avLst/>
+            </a:prstTxWarp>
+          </a:bodyPr>
+          <a:lstStyle/>
+          <a:p>
+            <a:endParaRPr lang="pt-BR"/>
+          </a:p>
+        </p:txBody>
+      </p:sp>
+    </p:spTree>
+    <p:extLst>
+      <p:ext uri="{BB962C8B-B14F-4D97-AF65-F5344CB8AC3E}">
+        <p14:creationId xmlns:p14="http://schemas.microsoft.com/office/powerpoint/2010/main" val="4284777791"/>
       </p:ext>
     </p:extLst>
   </p:cSld>

--- a/Documentação/LLD/LLD.pptx
+++ b/Documentação/LLD/LLD.pptx
@@ -6,7 +6,6 @@
   </p:sldMasterIdLst>
   <p:sldIdLst>
     <p:sldId id="261" r:id="rId2"/>
-    <p:sldId id="262" r:id="rId3"/>
   </p:sldIdLst>
   <p:sldSz cx="12192000" cy="6858000"/>
   <p:notesSz cx="6858000" cy="9144000"/>
@@ -121,1078 +120,6 @@
 </p1510:revInfo>
 </file>
 
-<file path=ppt/changesInfos/changesInfo1.xml><?xml version="1.0" encoding="utf-8"?>
-<pc:chgInfo xmlns:a="http://schemas.openxmlformats.org/drawingml/2006/main" xmlns:r="http://schemas.openxmlformats.org/officeDocument/2006/relationships" xmlns:ac="http://schemas.microsoft.com/office/drawing/2013/main/command" xmlns:pc="http://schemas.microsoft.com/office/powerpoint/2013/main/command">
-  <pc:docChgLst>
-    <pc:chgData name="Isabella Lima" userId="fe0713f97eca5c34" providerId="LiveId" clId="{FA992E54-4B61-423B-B5AD-F8ADE5AC92E5}"/>
-    <pc:docChg chg="undo custSel addSld delSld modSld">
-      <pc:chgData name="Isabella Lima" userId="fe0713f97eca5c34" providerId="LiveId" clId="{FA992E54-4B61-423B-B5AD-F8ADE5AC92E5}" dt="2020-10-02T03:14:07.321" v="1311" actId="47"/>
-      <pc:docMkLst>
-        <pc:docMk/>
-      </pc:docMkLst>
-      <pc:sldChg chg="addSp delSp modSp add del mod">
-        <pc:chgData name="Isabella Lima" userId="fe0713f97eca5c34" providerId="LiveId" clId="{FA992E54-4B61-423B-B5AD-F8ADE5AC92E5}" dt="2020-10-02T03:14:07.321" v="1311" actId="47"/>
-        <pc:sldMkLst>
-          <pc:docMk/>
-          <pc:sldMk cId="978986435" sldId="260"/>
-        </pc:sldMkLst>
-        <pc:spChg chg="add del">
-          <ac:chgData name="Isabella Lima" userId="fe0713f97eca5c34" providerId="LiveId" clId="{FA992E54-4B61-423B-B5AD-F8ADE5AC92E5}" dt="2020-10-02T02:43:00.527" v="640" actId="478"/>
-          <ac:spMkLst>
-            <pc:docMk/>
-            <pc:sldMk cId="978986435" sldId="260"/>
-            <ac:spMk id="2" creationId="{CB64538B-D7AA-40D7-9CC5-DE6CF9D3EA2F}"/>
-          </ac:spMkLst>
-        </pc:spChg>
-        <pc:spChg chg="mod">
-          <ac:chgData name="Isabella Lima" userId="fe0713f97eca5c34" providerId="LiveId" clId="{FA992E54-4B61-423B-B5AD-F8ADE5AC92E5}" dt="2020-10-02T02:48:37.995" v="744" actId="14100"/>
-          <ac:spMkLst>
-            <pc:docMk/>
-            <pc:sldMk cId="978986435" sldId="260"/>
-            <ac:spMk id="2" creationId="{DA46DED8-DA18-4A7A-A771-D7871161ADFF}"/>
-          </ac:spMkLst>
-        </pc:spChg>
-        <pc:spChg chg="mod">
-          <ac:chgData name="Isabella Lima" userId="fe0713f97eca5c34" providerId="LiveId" clId="{FA992E54-4B61-423B-B5AD-F8ADE5AC92E5}" dt="2020-10-02T02:48:38.051" v="745" actId="1076"/>
-          <ac:spMkLst>
-            <pc:docMk/>
-            <pc:sldMk cId="978986435" sldId="260"/>
-            <ac:spMk id="121" creationId="{00B09EBA-D79B-453A-8D37-4F98C7A1C630}"/>
-          </ac:spMkLst>
-        </pc:spChg>
-        <pc:picChg chg="mod">
-          <ac:chgData name="Isabella Lima" userId="fe0713f97eca5c34" providerId="LiveId" clId="{FA992E54-4B61-423B-B5AD-F8ADE5AC92E5}" dt="2020-10-02T03:12:22.504" v="1310" actId="1076"/>
-          <ac:picMkLst>
-            <pc:docMk/>
-            <pc:sldMk cId="978986435" sldId="260"/>
-            <ac:picMk id="23" creationId="{98FBD5FC-D35D-4B2D-A5B8-2896D6E1D941}"/>
-          </ac:picMkLst>
-        </pc:picChg>
-      </pc:sldChg>
-      <pc:sldChg chg="addSp">
-        <pc:chgData name="Isabella Lima" userId="fe0713f97eca5c34" providerId="LiveId" clId="{FA992E54-4B61-423B-B5AD-F8ADE5AC92E5}" dt="2020-10-02T02:48:22.661" v="738"/>
-        <pc:sldMkLst>
-          <pc:docMk/>
-          <pc:sldMk cId="4030520857" sldId="260"/>
-        </pc:sldMkLst>
-        <pc:spChg chg="add">
-          <ac:chgData name="Isabella Lima" userId="fe0713f97eca5c34" providerId="LiveId" clId="{FA992E54-4B61-423B-B5AD-F8ADE5AC92E5}" dt="2020-10-02T02:48:22.661" v="738"/>
-          <ac:spMkLst>
-            <pc:docMk/>
-            <pc:sldMk cId="4030520857" sldId="260"/>
-            <ac:spMk id="2" creationId="{DA46DED8-DA18-4A7A-A771-D7871161ADFF}"/>
-          </ac:spMkLst>
-        </pc:spChg>
-      </pc:sldChg>
-      <pc:sldChg chg="addSp">
-        <pc:chgData name="Isabella Lima" userId="fe0713f97eca5c34" providerId="LiveId" clId="{FA992E54-4B61-423B-B5AD-F8ADE5AC92E5}" dt="2020-10-02T02:19:26.210" v="329"/>
-        <pc:sldMkLst>
-          <pc:docMk/>
-          <pc:sldMk cId="369871382" sldId="261"/>
-        </pc:sldMkLst>
-        <pc:picChg chg="add">
-          <ac:chgData name="Isabella Lima" userId="fe0713f97eca5c34" providerId="LiveId" clId="{FA992E54-4B61-423B-B5AD-F8ADE5AC92E5}" dt="2020-10-02T02:19:26.210" v="329"/>
-          <ac:picMkLst>
-            <pc:docMk/>
-            <pc:sldMk cId="369871382" sldId="261"/>
-            <ac:picMk id="3074" creationId="{1FD41245-8EA8-4F5C-8E43-9F86A3F9496B}"/>
-          </ac:picMkLst>
-        </pc:picChg>
-      </pc:sldChg>
-      <pc:sldChg chg="addSp">
-        <pc:chgData name="Isabella Lima" userId="fe0713f97eca5c34" providerId="LiveId" clId="{FA992E54-4B61-423B-B5AD-F8ADE5AC92E5}" dt="2020-10-02T02:49:42.768" v="754"/>
-        <pc:sldMkLst>
-          <pc:docMk/>
-          <pc:sldMk cId="381222681" sldId="261"/>
-        </pc:sldMkLst>
-        <pc:picChg chg="add">
-          <ac:chgData name="Isabella Lima" userId="fe0713f97eca5c34" providerId="LiveId" clId="{FA992E54-4B61-423B-B5AD-F8ADE5AC92E5}" dt="2020-10-02T02:49:42.768" v="754"/>
-          <ac:picMkLst>
-            <pc:docMk/>
-            <pc:sldMk cId="381222681" sldId="261"/>
-            <ac:picMk id="18434" creationId="{CD07421A-561F-4F3D-8E14-00D47B43B62C}"/>
-          </ac:picMkLst>
-        </pc:picChg>
-      </pc:sldChg>
-      <pc:sldChg chg="addSp delSp modSp new add del mod">
-        <pc:chgData name="Isabella Lima" userId="fe0713f97eca5c34" providerId="LiveId" clId="{FA992E54-4B61-423B-B5AD-F8ADE5AC92E5}" dt="2020-10-02T03:12:11.760" v="1309" actId="1076"/>
-        <pc:sldMkLst>
-          <pc:docMk/>
-          <pc:sldMk cId="470251281" sldId="261"/>
-        </pc:sldMkLst>
-        <pc:spChg chg="del">
-          <ac:chgData name="Isabella Lima" userId="fe0713f97eca5c34" providerId="LiveId" clId="{FA992E54-4B61-423B-B5AD-F8ADE5AC92E5}" dt="2020-10-02T02:05:44.505" v="2" actId="478"/>
-          <ac:spMkLst>
-            <pc:docMk/>
-            <pc:sldMk cId="470251281" sldId="261"/>
-            <ac:spMk id="2" creationId="{AAFC3C77-E4E5-43D9-A8A7-CC40A7827FB8}"/>
-          </ac:spMkLst>
-        </pc:spChg>
-        <pc:spChg chg="add mod">
-          <ac:chgData name="Isabella Lima" userId="fe0713f97eca5c34" providerId="LiveId" clId="{FA992E54-4B61-423B-B5AD-F8ADE5AC92E5}" dt="2020-10-02T03:01:14.219" v="1118" actId="1076"/>
-          <ac:spMkLst>
-            <pc:docMk/>
-            <pc:sldMk cId="470251281" sldId="261"/>
-            <ac:spMk id="3" creationId="{5A51FD71-FB82-4F2D-BEDB-CCA54CA4C8BD}"/>
-          </ac:spMkLst>
-        </pc:spChg>
-        <pc:spChg chg="del">
-          <ac:chgData name="Isabella Lima" userId="fe0713f97eca5c34" providerId="LiveId" clId="{FA992E54-4B61-423B-B5AD-F8ADE5AC92E5}" dt="2020-10-02T02:05:40.880" v="1" actId="478"/>
-          <ac:spMkLst>
-            <pc:docMk/>
-            <pc:sldMk cId="470251281" sldId="261"/>
-            <ac:spMk id="3" creationId="{87C67D86-EB83-4E02-AA76-11D36B28181E}"/>
-          </ac:spMkLst>
-        </pc:spChg>
-        <pc:spChg chg="add mod">
-          <ac:chgData name="Isabella Lima" userId="fe0713f97eca5c34" providerId="LiveId" clId="{FA992E54-4B61-423B-B5AD-F8ADE5AC92E5}" dt="2020-10-02T02:54:21.525" v="865" actId="1037"/>
-          <ac:spMkLst>
-            <pc:docMk/>
-            <pc:sldMk cId="470251281" sldId="261"/>
-            <ac:spMk id="4" creationId="{AF9E7BA7-7FAF-4BDB-B50B-FEFACEBBCC40}"/>
-          </ac:spMkLst>
-        </pc:spChg>
-        <pc:spChg chg="add del mod">
-          <ac:chgData name="Isabella Lima" userId="fe0713f97eca5c34" providerId="LiveId" clId="{FA992E54-4B61-423B-B5AD-F8ADE5AC92E5}" dt="2020-10-02T02:23:03.714" v="391" actId="478"/>
-          <ac:spMkLst>
-            <pc:docMk/>
-            <pc:sldMk cId="470251281" sldId="261"/>
-            <ac:spMk id="4" creationId="{E700DBEF-D823-42BB-9B2E-9D1A0C19C684}"/>
-          </ac:spMkLst>
-        </pc:spChg>
-        <pc:spChg chg="add mod ord">
-          <ac:chgData name="Isabella Lima" userId="fe0713f97eca5c34" providerId="LiveId" clId="{FA992E54-4B61-423B-B5AD-F8ADE5AC92E5}" dt="2020-10-02T03:08:12.681" v="1268" actId="1076"/>
-          <ac:spMkLst>
-            <pc:docMk/>
-            <pc:sldMk cId="470251281" sldId="261"/>
-            <ac:spMk id="5" creationId="{C13C096A-7414-4419-807A-C2068EAEE71D}"/>
-          </ac:spMkLst>
-        </pc:spChg>
-        <pc:spChg chg="add mod">
-          <ac:chgData name="Isabella Lima" userId="fe0713f97eca5c34" providerId="LiveId" clId="{FA992E54-4B61-423B-B5AD-F8ADE5AC92E5}" dt="2020-10-02T03:01:14.219" v="1118" actId="1076"/>
-          <ac:spMkLst>
-            <pc:docMk/>
-            <pc:sldMk cId="470251281" sldId="261"/>
-            <ac:spMk id="6" creationId="{493E6E1F-0E69-43E5-B36D-2B8F5592B318}"/>
-          </ac:spMkLst>
-        </pc:spChg>
-        <pc:spChg chg="add del mod">
-          <ac:chgData name="Isabella Lima" userId="fe0713f97eca5c34" providerId="LiveId" clId="{FA992E54-4B61-423B-B5AD-F8ADE5AC92E5}" dt="2020-10-02T02:07:33.621" v="28" actId="478"/>
-          <ac:spMkLst>
-            <pc:docMk/>
-            <pc:sldMk cId="470251281" sldId="261"/>
-            <ac:spMk id="7" creationId="{65083C66-3E17-4162-815B-CF64F1F42BCA}"/>
-          </ac:spMkLst>
-        </pc:spChg>
-        <pc:spChg chg="add del">
-          <ac:chgData name="Isabella Lima" userId="fe0713f97eca5c34" providerId="LiveId" clId="{FA992E54-4B61-423B-B5AD-F8ADE5AC92E5}" dt="2020-10-02T02:06:53.870" v="6" actId="478"/>
-          <ac:spMkLst>
-            <pc:docMk/>
-            <pc:sldMk cId="470251281" sldId="261"/>
-            <ac:spMk id="9" creationId="{2EEF1D8E-F6B1-47BD-8094-79206024D0AF}"/>
-          </ac:spMkLst>
-        </pc:spChg>
-        <pc:spChg chg="add del">
-          <ac:chgData name="Isabella Lima" userId="fe0713f97eca5c34" providerId="LiveId" clId="{FA992E54-4B61-423B-B5AD-F8ADE5AC92E5}" dt="2020-10-02T02:06:53.870" v="6" actId="478"/>
-          <ac:spMkLst>
-            <pc:docMk/>
-            <pc:sldMk cId="470251281" sldId="261"/>
-            <ac:spMk id="11" creationId="{D75DCF98-9B46-47DC-A9D2-5D85B74D3016}"/>
-          </ac:spMkLst>
-        </pc:spChg>
-        <pc:spChg chg="add mod ord">
-          <ac:chgData name="Isabella Lima" userId="fe0713f97eca5c34" providerId="LiveId" clId="{FA992E54-4B61-423B-B5AD-F8ADE5AC92E5}" dt="2020-10-02T03:01:14.219" v="1118" actId="1076"/>
-          <ac:spMkLst>
-            <pc:docMk/>
-            <pc:sldMk cId="470251281" sldId="261"/>
-            <ac:spMk id="13" creationId="{11CE70A0-4E09-489F-A8B5-2FF904DDF62B}"/>
-          </ac:spMkLst>
-        </pc:spChg>
-        <pc:spChg chg="add mod">
-          <ac:chgData name="Isabella Lima" userId="fe0713f97eca5c34" providerId="LiveId" clId="{FA992E54-4B61-423B-B5AD-F8ADE5AC92E5}" dt="2020-10-02T02:47:20.152" v="722" actId="1076"/>
-          <ac:spMkLst>
-            <pc:docMk/>
-            <pc:sldMk cId="470251281" sldId="261"/>
-            <ac:spMk id="15" creationId="{E4AFB33D-FD87-433F-B41A-A60714A7325C}"/>
-          </ac:spMkLst>
-        </pc:spChg>
-        <pc:spChg chg="add mod">
-          <ac:chgData name="Isabella Lima" userId="fe0713f97eca5c34" providerId="LiveId" clId="{FA992E54-4B61-423B-B5AD-F8ADE5AC92E5}" dt="2020-10-02T02:08:01.351" v="39" actId="115"/>
-          <ac:spMkLst>
-            <pc:docMk/>
-            <pc:sldMk cId="470251281" sldId="261"/>
-            <ac:spMk id="17" creationId="{C35FA0DC-A37C-4232-B402-93A72C7BBDE0}"/>
-          </ac:spMkLst>
-        </pc:spChg>
-        <pc:spChg chg="mod">
-          <ac:chgData name="Isabella Lima" userId="fe0713f97eca5c34" providerId="LiveId" clId="{FA992E54-4B61-423B-B5AD-F8ADE5AC92E5}" dt="2020-10-02T02:47:03.040" v="707" actId="1076"/>
-          <ac:spMkLst>
-            <pc:docMk/>
-            <pc:sldMk cId="470251281" sldId="261"/>
-            <ac:spMk id="20" creationId="{351AD4BD-C7AE-467F-B2EC-984DA4763E7E}"/>
-          </ac:spMkLst>
-        </pc:spChg>
-        <pc:spChg chg="mod">
-          <ac:chgData name="Isabella Lima" userId="fe0713f97eca5c34" providerId="LiveId" clId="{FA992E54-4B61-423B-B5AD-F8ADE5AC92E5}" dt="2020-10-02T02:47:29.493" v="725" actId="14100"/>
-          <ac:spMkLst>
-            <pc:docMk/>
-            <pc:sldMk cId="470251281" sldId="261"/>
-            <ac:spMk id="20" creationId="{4326B5BE-1914-47CA-A261-BB7809B0A62A}"/>
-          </ac:spMkLst>
-        </pc:spChg>
-        <pc:spChg chg="add del mod">
-          <ac:chgData name="Isabella Lima" userId="fe0713f97eca5c34" providerId="LiveId" clId="{FA992E54-4B61-423B-B5AD-F8ADE5AC92E5}" dt="2020-10-02T02:40:58.962" v="591" actId="478"/>
-          <ac:spMkLst>
-            <pc:docMk/>
-            <pc:sldMk cId="470251281" sldId="261"/>
-            <ac:spMk id="20" creationId="{ADC1CB01-C7A6-4034-86A4-CF3346C87222}"/>
-          </ac:spMkLst>
-        </pc:spChg>
-        <pc:spChg chg="add del mod">
-          <ac:chgData name="Isabella Lima" userId="fe0713f97eca5c34" providerId="LiveId" clId="{FA992E54-4B61-423B-B5AD-F8ADE5AC92E5}" dt="2020-10-02T02:44:37.515" v="665" actId="478"/>
-          <ac:spMkLst>
-            <pc:docMk/>
-            <pc:sldMk cId="470251281" sldId="261"/>
-            <ac:spMk id="29" creationId="{CE5253A5-379E-4813-8942-ED6111E2240A}"/>
-          </ac:spMkLst>
-        </pc:spChg>
-        <pc:spChg chg="add mod ord">
-          <ac:chgData name="Isabella Lima" userId="fe0713f97eca5c34" providerId="LiveId" clId="{FA992E54-4B61-423B-B5AD-F8ADE5AC92E5}" dt="2020-10-02T03:01:14.219" v="1118" actId="1076"/>
-          <ac:spMkLst>
-            <pc:docMk/>
-            <pc:sldMk cId="470251281" sldId="261"/>
-            <ac:spMk id="30" creationId="{05D32B25-385C-4D1C-A7C9-56E0DD46888A}"/>
-          </ac:spMkLst>
-        </pc:spChg>
-        <pc:spChg chg="add mod ord">
-          <ac:chgData name="Isabella Lima" userId="fe0713f97eca5c34" providerId="LiveId" clId="{FA992E54-4B61-423B-B5AD-F8ADE5AC92E5}" dt="2020-10-02T03:01:14.219" v="1118" actId="1076"/>
-          <ac:spMkLst>
-            <pc:docMk/>
-            <pc:sldMk cId="470251281" sldId="261"/>
-            <ac:spMk id="31" creationId="{1DFD4028-EF29-4EC8-9538-927953410589}"/>
-          </ac:spMkLst>
-        </pc:spChg>
-        <pc:spChg chg="add mod">
-          <ac:chgData name="Isabella Lima" userId="fe0713f97eca5c34" providerId="LiveId" clId="{FA992E54-4B61-423B-B5AD-F8ADE5AC92E5}" dt="2020-10-02T02:09:54.951" v="72" actId="1076"/>
-          <ac:spMkLst>
-            <pc:docMk/>
-            <pc:sldMk cId="470251281" sldId="261"/>
-            <ac:spMk id="32" creationId="{D4C46B90-BC4F-4233-9E10-FB926E8C4403}"/>
-          </ac:spMkLst>
-        </pc:spChg>
-        <pc:spChg chg="add mod ord">
-          <ac:chgData name="Isabella Lima" userId="fe0713f97eca5c34" providerId="LiveId" clId="{FA992E54-4B61-423B-B5AD-F8ADE5AC92E5}" dt="2020-10-02T02:54:15.196" v="852" actId="1076"/>
-          <ac:spMkLst>
-            <pc:docMk/>
-            <pc:sldMk cId="470251281" sldId="261"/>
-            <ac:spMk id="33" creationId="{60CACDFA-9B28-4334-A246-8BD0F6F09A61}"/>
-          </ac:spMkLst>
-        </pc:spChg>
-        <pc:spChg chg="add mod">
-          <ac:chgData name="Isabella Lima" userId="fe0713f97eca5c34" providerId="LiveId" clId="{FA992E54-4B61-423B-B5AD-F8ADE5AC92E5}" dt="2020-10-02T02:10:05.475" v="74" actId="1076"/>
-          <ac:spMkLst>
-            <pc:docMk/>
-            <pc:sldMk cId="470251281" sldId="261"/>
-            <ac:spMk id="34" creationId="{B7B92D03-8C90-4E4F-981A-03A7CCFFE895}"/>
-          </ac:spMkLst>
-        </pc:spChg>
-        <pc:spChg chg="add mod">
-          <ac:chgData name="Isabella Lima" userId="fe0713f97eca5c34" providerId="LiveId" clId="{FA992E54-4B61-423B-B5AD-F8ADE5AC92E5}" dt="2020-10-02T03:01:14.219" v="1118" actId="1076"/>
-          <ac:spMkLst>
-            <pc:docMk/>
-            <pc:sldMk cId="470251281" sldId="261"/>
-            <ac:spMk id="36" creationId="{D255E0C9-0ABC-43A4-AD49-BA2B33ACB6D9}"/>
-          </ac:spMkLst>
-        </pc:spChg>
-        <pc:spChg chg="add mod ord">
-          <ac:chgData name="Isabella Lima" userId="fe0713f97eca5c34" providerId="LiveId" clId="{FA992E54-4B61-423B-B5AD-F8ADE5AC92E5}" dt="2020-10-02T02:54:10.169" v="851" actId="1076"/>
-          <ac:spMkLst>
-            <pc:docMk/>
-            <pc:sldMk cId="470251281" sldId="261"/>
-            <ac:spMk id="66" creationId="{C75E96A7-432B-4D75-A941-A10D267ED158}"/>
-          </ac:spMkLst>
-        </pc:spChg>
-        <pc:spChg chg="add mod">
-          <ac:chgData name="Isabella Lima" userId="fe0713f97eca5c34" providerId="LiveId" clId="{FA992E54-4B61-423B-B5AD-F8ADE5AC92E5}" dt="2020-10-02T02:54:10.169" v="851" actId="1076"/>
-          <ac:spMkLst>
-            <pc:docMk/>
-            <pc:sldMk cId="470251281" sldId="261"/>
-            <ac:spMk id="68" creationId="{F611572D-B54F-4E36-B062-379FBAC6FE2E}"/>
-          </ac:spMkLst>
-        </pc:spChg>
-        <pc:spChg chg="add mod">
-          <ac:chgData name="Isabella Lima" userId="fe0713f97eca5c34" providerId="LiveId" clId="{FA992E54-4B61-423B-B5AD-F8ADE5AC92E5}" dt="2020-10-02T03:10:14.751" v="1290" actId="207"/>
-          <ac:spMkLst>
-            <pc:docMk/>
-            <pc:sldMk cId="470251281" sldId="261"/>
-            <ac:spMk id="89" creationId="{D9A2AD79-591B-476B-9824-F5A3B3EA696C}"/>
-          </ac:spMkLst>
-        </pc:spChg>
-        <pc:spChg chg="add mod ord">
-          <ac:chgData name="Isabella Lima" userId="fe0713f97eca5c34" providerId="LiveId" clId="{FA992E54-4B61-423B-B5AD-F8ADE5AC92E5}" dt="2020-10-02T03:10:33.801" v="1291" actId="207"/>
-          <ac:spMkLst>
-            <pc:docMk/>
-            <pc:sldMk cId="470251281" sldId="261"/>
-            <ac:spMk id="91" creationId="{397F0654-A91A-4F2E-B6A6-2236EE14A546}"/>
-          </ac:spMkLst>
-        </pc:spChg>
-        <pc:spChg chg="add mod">
-          <ac:chgData name="Isabella Lima" userId="fe0713f97eca5c34" providerId="LiveId" clId="{FA992E54-4B61-423B-B5AD-F8ADE5AC92E5}" dt="2020-10-02T03:11:04.946" v="1293" actId="1076"/>
-          <ac:spMkLst>
-            <pc:docMk/>
-            <pc:sldMk cId="470251281" sldId="261"/>
-            <ac:spMk id="113" creationId="{A5160C37-7716-4652-AACD-171006D22C40}"/>
-          </ac:spMkLst>
-        </pc:spChg>
-        <pc:spChg chg="add mod">
-          <ac:chgData name="Isabella Lima" userId="fe0713f97eca5c34" providerId="LiveId" clId="{FA992E54-4B61-423B-B5AD-F8ADE5AC92E5}" dt="2020-10-02T03:11:26.697" v="1300" actId="1076"/>
-          <ac:spMkLst>
-            <pc:docMk/>
-            <pc:sldMk cId="470251281" sldId="261"/>
-            <ac:spMk id="114" creationId="{CE531F70-EEF0-4D35-98EA-66420033469C}"/>
-          </ac:spMkLst>
-        </pc:spChg>
-        <pc:spChg chg="add mod">
-          <ac:chgData name="Isabella Lima" userId="fe0713f97eca5c34" providerId="LiveId" clId="{FA992E54-4B61-423B-B5AD-F8ADE5AC92E5}" dt="2020-10-02T03:11:34.948" v="1302" actId="1076"/>
-          <ac:spMkLst>
-            <pc:docMk/>
-            <pc:sldMk cId="470251281" sldId="261"/>
-            <ac:spMk id="115" creationId="{48369ADC-024D-437E-BA9F-CBE55A3D27EF}"/>
-          </ac:spMkLst>
-        </pc:spChg>
-        <pc:spChg chg="add mod">
-          <ac:chgData name="Isabella Lima" userId="fe0713f97eca5c34" providerId="LiveId" clId="{FA992E54-4B61-423B-B5AD-F8ADE5AC92E5}" dt="2020-10-02T03:12:11.760" v="1309" actId="1076"/>
-          <ac:spMkLst>
-            <pc:docMk/>
-            <pc:sldMk cId="470251281" sldId="261"/>
-            <ac:spMk id="116" creationId="{29B54554-E565-4680-AA99-2FF397EBD566}"/>
-          </ac:spMkLst>
-        </pc:spChg>
-        <pc:picChg chg="add mod">
-          <ac:chgData name="Isabella Lima" userId="fe0713f97eca5c34" providerId="LiveId" clId="{FA992E54-4B61-423B-B5AD-F8ADE5AC92E5}" dt="2020-10-02T03:01:14.219" v="1118" actId="1076"/>
-          <ac:picMkLst>
-            <pc:docMk/>
-            <pc:sldMk cId="470251281" sldId="261"/>
-            <ac:picMk id="2" creationId="{4359EF88-CC54-4811-BD08-A2292D8CE65D}"/>
-          </ac:picMkLst>
-        </pc:picChg>
-        <pc:picChg chg="add mod">
-          <ac:chgData name="Isabella Lima" userId="fe0713f97eca5c34" providerId="LiveId" clId="{FA992E54-4B61-423B-B5AD-F8ADE5AC92E5}" dt="2020-10-02T03:01:14.219" v="1118" actId="1076"/>
-          <ac:picMkLst>
-            <pc:docMk/>
-            <pc:sldMk cId="470251281" sldId="261"/>
-            <ac:picMk id="7" creationId="{BA2B6DA2-01E1-4110-A97F-F9DF431230AB}"/>
-          </ac:picMkLst>
-        </pc:picChg>
-        <pc:picChg chg="add mod">
-          <ac:chgData name="Isabella Lima" userId="fe0713f97eca5c34" providerId="LiveId" clId="{FA992E54-4B61-423B-B5AD-F8ADE5AC92E5}" dt="2020-10-02T03:05:45.649" v="1194" actId="1076"/>
-          <ac:picMkLst>
-            <pc:docMk/>
-            <pc:sldMk cId="470251281" sldId="261"/>
-            <ac:picMk id="8" creationId="{F4892A92-ABD7-4F2A-AD6B-EFC108078BFE}"/>
-          </ac:picMkLst>
-        </pc:picChg>
-        <pc:picChg chg="add mod">
-          <ac:chgData name="Isabella Lima" userId="fe0713f97eca5c34" providerId="LiveId" clId="{FA992E54-4B61-423B-B5AD-F8ADE5AC92E5}" dt="2020-10-02T03:05:45.649" v="1194" actId="1076"/>
-          <ac:picMkLst>
-            <pc:docMk/>
-            <pc:sldMk cId="470251281" sldId="261"/>
-            <ac:picMk id="9" creationId="{5B8E73A8-691E-43EC-B096-5A63DB3160FB}"/>
-          </ac:picMkLst>
-        </pc:picChg>
-        <pc:picChg chg="add mod">
-          <ac:chgData name="Isabella Lima" userId="fe0713f97eca5c34" providerId="LiveId" clId="{FA992E54-4B61-423B-B5AD-F8ADE5AC92E5}" dt="2020-10-02T03:05:45.649" v="1194" actId="1076"/>
-          <ac:picMkLst>
-            <pc:docMk/>
-            <pc:sldMk cId="470251281" sldId="261"/>
-            <ac:picMk id="10" creationId="{AE8FDB0B-4F93-44C8-B4CD-64F86FB6EB51}"/>
-          </ac:picMkLst>
-        </pc:picChg>
-        <pc:picChg chg="add mod">
-          <ac:chgData name="Isabella Lima" userId="fe0713f97eca5c34" providerId="LiveId" clId="{FA992E54-4B61-423B-B5AD-F8ADE5AC92E5}" dt="2020-10-02T03:01:14.219" v="1118" actId="1076"/>
-          <ac:picMkLst>
-            <pc:docMk/>
-            <pc:sldMk cId="470251281" sldId="261"/>
-            <ac:picMk id="11" creationId="{E5F2742D-DA39-4951-A0ED-10ADB747C873}"/>
-          </ac:picMkLst>
-        </pc:picChg>
-        <pc:picChg chg="add mod">
-          <ac:chgData name="Isabella Lima" userId="fe0713f97eca5c34" providerId="LiveId" clId="{FA992E54-4B61-423B-B5AD-F8ADE5AC92E5}" dt="2020-10-02T03:01:14.219" v="1118" actId="1076"/>
-          <ac:picMkLst>
-            <pc:docMk/>
-            <pc:sldMk cId="470251281" sldId="261"/>
-            <ac:picMk id="12" creationId="{0B705967-F97F-4126-BFBC-C7BE04667FF3}"/>
-          </ac:picMkLst>
-        </pc:picChg>
-        <pc:picChg chg="add mod">
-          <ac:chgData name="Isabella Lima" userId="fe0713f97eca5c34" providerId="LiveId" clId="{FA992E54-4B61-423B-B5AD-F8ADE5AC92E5}" dt="2020-10-02T03:01:14.219" v="1118" actId="1076"/>
-          <ac:picMkLst>
-            <pc:docMk/>
-            <pc:sldMk cId="470251281" sldId="261"/>
-            <ac:picMk id="14" creationId="{ABBE5691-7723-42C4-B379-D27873D71065}"/>
-          </ac:picMkLst>
-        </pc:picChg>
-        <pc:picChg chg="add mod">
-          <ac:chgData name="Isabella Lima" userId="fe0713f97eca5c34" providerId="LiveId" clId="{FA992E54-4B61-423B-B5AD-F8ADE5AC92E5}" dt="2020-10-02T03:02:21.330" v="1136" actId="1076"/>
-          <ac:picMkLst>
-            <pc:docMk/>
-            <pc:sldMk cId="470251281" sldId="261"/>
-            <ac:picMk id="16" creationId="{C2D169D9-25E1-48D4-B4E6-DA3E0E90357D}"/>
-          </ac:picMkLst>
-        </pc:picChg>
-        <pc:picChg chg="add mod">
-          <ac:chgData name="Isabella Lima" userId="fe0713f97eca5c34" providerId="LiveId" clId="{FA992E54-4B61-423B-B5AD-F8ADE5AC92E5}" dt="2020-10-02T02:38:17.536" v="562" actId="1076"/>
-          <ac:picMkLst>
-            <pc:docMk/>
-            <pc:sldMk cId="470251281" sldId="261"/>
-            <ac:picMk id="19" creationId="{62FF37EF-67AA-4FCB-A9B2-006711EA4165}"/>
-          </ac:picMkLst>
-        </pc:picChg>
-        <pc:picChg chg="add mod">
-          <ac:chgData name="Isabella Lima" userId="fe0713f97eca5c34" providerId="LiveId" clId="{FA992E54-4B61-423B-B5AD-F8ADE5AC92E5}" dt="2020-10-02T02:58:44.672" v="1095" actId="1076"/>
-          <ac:picMkLst>
-            <pc:docMk/>
-            <pc:sldMk cId="470251281" sldId="261"/>
-            <ac:picMk id="25" creationId="{FA13268A-FD92-4356-8B29-60248622F8E1}"/>
-          </ac:picMkLst>
-        </pc:picChg>
-        <pc:picChg chg="add mod">
-          <ac:chgData name="Isabella Lima" userId="fe0713f97eca5c34" providerId="LiveId" clId="{FA992E54-4B61-423B-B5AD-F8ADE5AC92E5}" dt="2020-10-02T02:59:34.251" v="1111" actId="1037"/>
-          <ac:picMkLst>
-            <pc:docMk/>
-            <pc:sldMk cId="470251281" sldId="261"/>
-            <ac:picMk id="26" creationId="{2A2F382C-FEAF-4865-87D6-F55129C96A4F}"/>
-          </ac:picMkLst>
-        </pc:picChg>
-        <pc:picChg chg="add mod">
-          <ac:chgData name="Isabella Lima" userId="fe0713f97eca5c34" providerId="LiveId" clId="{FA992E54-4B61-423B-B5AD-F8ADE5AC92E5}" dt="2020-10-02T02:59:40.338" v="1113" actId="1038"/>
-          <ac:picMkLst>
-            <pc:docMk/>
-            <pc:sldMk cId="470251281" sldId="261"/>
-            <ac:picMk id="28" creationId="{E59DC741-FD25-444C-B28B-3F73B3489573}"/>
-          </ac:picMkLst>
-        </pc:picChg>
-        <pc:picChg chg="add del mod">
-          <ac:chgData name="Isabella Lima" userId="fe0713f97eca5c34" providerId="LiveId" clId="{FA992E54-4B61-423B-B5AD-F8ADE5AC92E5}" dt="2020-10-02T02:48:20.531" v="737" actId="478"/>
-          <ac:picMkLst>
-            <pc:docMk/>
-            <pc:sldMk cId="470251281" sldId="261"/>
-            <ac:picMk id="35" creationId="{F242FA5A-1F05-448F-AAC0-E553F84F411F}"/>
-          </ac:picMkLst>
-        </pc:picChg>
-        <pc:picChg chg="add del mod">
-          <ac:chgData name="Isabella Lima" userId="fe0713f97eca5c34" providerId="LiveId" clId="{FA992E54-4B61-423B-B5AD-F8ADE5AC92E5}" dt="2020-10-02T02:11:23.919" v="117" actId="1076"/>
-          <ac:picMkLst>
-            <pc:docMk/>
-            <pc:sldMk cId="470251281" sldId="261"/>
-            <ac:picMk id="39" creationId="{83E7915B-A7AD-4A1F-9F12-45B511EAAF79}"/>
-          </ac:picMkLst>
-        </pc:picChg>
-        <pc:picChg chg="add del mod">
-          <ac:chgData name="Isabella Lima" userId="fe0713f97eca5c34" providerId="LiveId" clId="{FA992E54-4B61-423B-B5AD-F8ADE5AC92E5}" dt="2020-10-02T03:07:09.391" v="1211" actId="478"/>
-          <ac:picMkLst>
-            <pc:docMk/>
-            <pc:sldMk cId="470251281" sldId="261"/>
-            <ac:picMk id="41" creationId="{FB6EA228-4EDF-49D7-B518-9A5ED4F48620}"/>
-          </ac:picMkLst>
-        </pc:picChg>
-        <pc:picChg chg="add mod ord">
-          <ac:chgData name="Isabella Lima" userId="fe0713f97eca5c34" providerId="LiveId" clId="{FA992E54-4B61-423B-B5AD-F8ADE5AC92E5}" dt="2020-10-02T03:09:52.096" v="1287" actId="1076"/>
-          <ac:picMkLst>
-            <pc:docMk/>
-            <pc:sldMk cId="470251281" sldId="261"/>
-            <ac:picMk id="43" creationId="{115C59E7-4D15-4556-BB99-CFBA62CD2500}"/>
-          </ac:picMkLst>
-        </pc:picChg>
-        <pc:picChg chg="add mod">
-          <ac:chgData name="Isabella Lima" userId="fe0713f97eca5c34" providerId="LiveId" clId="{FA992E54-4B61-423B-B5AD-F8ADE5AC92E5}" dt="2020-10-02T03:07:23.363" v="1258" actId="1076"/>
-          <ac:picMkLst>
-            <pc:docMk/>
-            <pc:sldMk cId="470251281" sldId="261"/>
-            <ac:picMk id="45" creationId="{319297AF-6F6C-491D-9009-CB6C57EE160B}"/>
-          </ac:picMkLst>
-        </pc:picChg>
-        <pc:picChg chg="add mod">
-          <ac:chgData name="Isabella Lima" userId="fe0713f97eca5c34" providerId="LiveId" clId="{FA992E54-4B61-423B-B5AD-F8ADE5AC92E5}" dt="2020-10-02T03:07:29.005" v="1261" actId="1076"/>
-          <ac:picMkLst>
-            <pc:docMk/>
-            <pc:sldMk cId="470251281" sldId="261"/>
-            <ac:picMk id="47" creationId="{7E394353-7529-426E-BB20-6C84C5873DCE}"/>
-          </ac:picMkLst>
-        </pc:picChg>
-        <pc:picChg chg="add mod">
-          <ac:chgData name="Isabella Lima" userId="fe0713f97eca5c34" providerId="LiveId" clId="{FA992E54-4B61-423B-B5AD-F8ADE5AC92E5}" dt="2020-10-02T03:07:31.682" v="1262" actId="1076"/>
-          <ac:picMkLst>
-            <pc:docMk/>
-            <pc:sldMk cId="470251281" sldId="261"/>
-            <ac:picMk id="49" creationId="{DC9AF3D8-0D54-416D-B83F-80480E5C3C36}"/>
-          </ac:picMkLst>
-        </pc:picChg>
-        <pc:picChg chg="add mod">
-          <ac:chgData name="Isabella Lima" userId="fe0713f97eca5c34" providerId="LiveId" clId="{FA992E54-4B61-423B-B5AD-F8ADE5AC92E5}" dt="2020-10-02T03:11:21.131" v="1299" actId="14100"/>
-          <ac:picMkLst>
-            <pc:docMk/>
-            <pc:sldMk cId="470251281" sldId="261"/>
-            <ac:picMk id="51" creationId="{F5763FE3-0FC9-4422-92B1-5542BE16E2D4}"/>
-          </ac:picMkLst>
-        </pc:picChg>
-        <pc:picChg chg="add mod">
-          <ac:chgData name="Isabella Lima" userId="fe0713f97eca5c34" providerId="LiveId" clId="{FA992E54-4B61-423B-B5AD-F8ADE5AC92E5}" dt="2020-10-02T02:13:53.501" v="245" actId="1076"/>
-          <ac:picMkLst>
-            <pc:docMk/>
-            <pc:sldMk cId="470251281" sldId="261"/>
-            <ac:picMk id="53" creationId="{0B4D6C52-77C5-4A57-A299-05AA26BEB359}"/>
-          </ac:picMkLst>
-        </pc:picChg>
-        <pc:picChg chg="add mod">
-          <ac:chgData name="Isabella Lima" userId="fe0713f97eca5c34" providerId="LiveId" clId="{FA992E54-4B61-423B-B5AD-F8ADE5AC92E5}" dt="2020-10-02T02:56:14.906" v="981" actId="1038"/>
-          <ac:picMkLst>
-            <pc:docMk/>
-            <pc:sldMk cId="470251281" sldId="261"/>
-            <ac:picMk id="55" creationId="{27980C2D-8228-4655-A73E-87903645A8C8}"/>
-          </ac:picMkLst>
-        </pc:picChg>
-        <pc:picChg chg="add del mod">
-          <ac:chgData name="Isabella Lima" userId="fe0713f97eca5c34" providerId="LiveId" clId="{FA992E54-4B61-423B-B5AD-F8ADE5AC92E5}" dt="2020-10-02T03:12:05.955" v="1307" actId="478"/>
-          <ac:picMkLst>
-            <pc:docMk/>
-            <pc:sldMk cId="470251281" sldId="261"/>
-            <ac:picMk id="58" creationId="{FD8BF39C-2861-4AFE-BE09-B2BA32827417}"/>
-          </ac:picMkLst>
-        </pc:picChg>
-        <pc:picChg chg="add mod">
-          <ac:chgData name="Isabella Lima" userId="fe0713f97eca5c34" providerId="LiveId" clId="{FA992E54-4B61-423B-B5AD-F8ADE5AC92E5}" dt="2020-10-02T03:09:52.096" v="1287" actId="1076"/>
-          <ac:picMkLst>
-            <pc:docMk/>
-            <pc:sldMk cId="470251281" sldId="261"/>
-            <ac:picMk id="92" creationId="{C0C95EA8-5A76-454B-8BA7-3E5DD91A8EB1}"/>
-          </ac:picMkLst>
-        </pc:picChg>
-        <pc:picChg chg="mod">
-          <ac:chgData name="Isabella Lima" userId="fe0713f97eca5c34" providerId="LiveId" clId="{FA992E54-4B61-423B-B5AD-F8ADE5AC92E5}" dt="2020-10-02T02:54:10.169" v="851" actId="1076"/>
-          <ac:picMkLst>
-            <pc:docMk/>
-            <pc:sldMk cId="470251281" sldId="261"/>
-            <ac:picMk id="1026" creationId="{4845BB18-939C-44C2-84E0-E85EC35D13D2}"/>
-          </ac:picMkLst>
-        </pc:picChg>
-        <pc:picChg chg="del">
-          <ac:chgData name="Isabella Lima" userId="fe0713f97eca5c34" providerId="LiveId" clId="{FA992E54-4B61-423B-B5AD-F8ADE5AC92E5}" dt="2020-10-02T02:19:14.666" v="328" actId="478"/>
-          <ac:picMkLst>
-            <pc:docMk/>
-            <pc:sldMk cId="470251281" sldId="261"/>
-            <ac:picMk id="2050" creationId="{A1347C31-D1C9-4D9A-8163-8380ED3BA52B}"/>
-          </ac:picMkLst>
-        </pc:picChg>
-        <pc:picChg chg="del mod">
-          <ac:chgData name="Isabella Lima" userId="fe0713f97eca5c34" providerId="LiveId" clId="{FA992E54-4B61-423B-B5AD-F8ADE5AC92E5}" dt="2020-10-02T02:19:38.024" v="341" actId="478"/>
-          <ac:picMkLst>
-            <pc:docMk/>
-            <pc:sldMk cId="470251281" sldId="261"/>
-            <ac:picMk id="3074" creationId="{1FD41245-8EA8-4F5C-8E43-9F86A3F9496B}"/>
-          </ac:picMkLst>
-        </pc:picChg>
-        <pc:picChg chg="mod">
-          <ac:chgData name="Isabella Lima" userId="fe0713f97eca5c34" providerId="LiveId" clId="{FA992E54-4B61-423B-B5AD-F8ADE5AC92E5}" dt="2020-10-02T03:01:19.472" v="1119" actId="1076"/>
-          <ac:picMkLst>
-            <pc:docMk/>
-            <pc:sldMk cId="470251281" sldId="261"/>
-            <ac:picMk id="4098" creationId="{58AD377F-A798-482C-B73C-89A474A7068E}"/>
-          </ac:picMkLst>
-        </pc:picChg>
-        <pc:picChg chg="del mod">
-          <ac:chgData name="Isabella Lima" userId="fe0713f97eca5c34" providerId="LiveId" clId="{FA992E54-4B61-423B-B5AD-F8ADE5AC92E5}" dt="2020-10-02T02:25:20.611" v="430" actId="478"/>
-          <ac:picMkLst>
-            <pc:docMk/>
-            <pc:sldMk cId="470251281" sldId="261"/>
-            <ac:picMk id="5122" creationId="{50E6744C-5E0F-480D-BE69-2BDC67C2AA5C}"/>
-          </ac:picMkLst>
-        </pc:picChg>
-        <pc:picChg chg="mod">
-          <ac:chgData name="Isabella Lima" userId="fe0713f97eca5c34" providerId="LiveId" clId="{FA992E54-4B61-423B-B5AD-F8ADE5AC92E5}" dt="2020-10-02T02:54:10.169" v="851" actId="1076"/>
-          <ac:picMkLst>
-            <pc:docMk/>
-            <pc:sldMk cId="470251281" sldId="261"/>
-            <ac:picMk id="6146" creationId="{C6688D34-1A55-49B9-AAEB-48C82FA565BD}"/>
-          </ac:picMkLst>
-        </pc:picChg>
-        <pc:picChg chg="del mod">
-          <ac:chgData name="Isabella Lima" userId="fe0713f97eca5c34" providerId="LiveId" clId="{FA992E54-4B61-423B-B5AD-F8ADE5AC92E5}" dt="2020-10-02T02:39:45.155" v="574" actId="478"/>
-          <ac:picMkLst>
-            <pc:docMk/>
-            <pc:sldMk cId="470251281" sldId="261"/>
-            <ac:picMk id="7170" creationId="{6E0AA5B3-0DE4-4784-9E16-2E78C639A2BE}"/>
-          </ac:picMkLst>
-        </pc:picChg>
-        <pc:picChg chg="mod">
-          <ac:chgData name="Isabella Lima" userId="fe0713f97eca5c34" providerId="LiveId" clId="{FA992E54-4B61-423B-B5AD-F8ADE5AC92E5}" dt="2020-10-02T03:12:09.042" v="1308" actId="1076"/>
-          <ac:picMkLst>
-            <pc:docMk/>
-            <pc:sldMk cId="470251281" sldId="261"/>
-            <ac:picMk id="8194" creationId="{872BC580-120E-4EA0-847F-2E8EDE88D0EC}"/>
-          </ac:picMkLst>
-        </pc:picChg>
-        <pc:picChg chg="mod">
-          <ac:chgData name="Isabella Lima" userId="fe0713f97eca5c34" providerId="LiveId" clId="{FA992E54-4B61-423B-B5AD-F8ADE5AC92E5}" dt="2020-10-02T03:01:14.219" v="1118" actId="1076"/>
-          <ac:picMkLst>
-            <pc:docMk/>
-            <pc:sldMk cId="470251281" sldId="261"/>
-            <ac:picMk id="18434" creationId="{CD07421A-561F-4F3D-8E14-00D47B43B62C}"/>
-          </ac:picMkLst>
-        </pc:picChg>
-        <pc:picChg chg="mod">
-          <ac:chgData name="Isabella Lima" userId="fe0713f97eca5c34" providerId="LiveId" clId="{FA992E54-4B61-423B-B5AD-F8ADE5AC92E5}" dt="2020-10-02T03:00:36.486" v="1117" actId="1076"/>
-          <ac:picMkLst>
-            <pc:docMk/>
-            <pc:sldMk cId="470251281" sldId="261"/>
-            <ac:picMk id="19458" creationId="{3B0C7090-A9E9-4699-9BB3-C75EAEA2A0DE}"/>
-          </ac:picMkLst>
-        </pc:picChg>
-        <pc:cxnChg chg="add del mod">
-          <ac:chgData name="Isabella Lima" userId="fe0713f97eca5c34" providerId="LiveId" clId="{FA992E54-4B61-423B-B5AD-F8ADE5AC92E5}" dt="2020-10-02T03:02:39.827" v="1139" actId="478"/>
-          <ac:cxnSpMkLst>
-            <pc:docMk/>
-            <pc:sldMk cId="470251281" sldId="261"/>
-            <ac:cxnSpMk id="18" creationId="{B899E809-2113-4FF1-B07C-663227AA00F4}"/>
-          </ac:cxnSpMkLst>
-        </pc:cxnChg>
-        <pc:cxnChg chg="add del">
-          <ac:chgData name="Isabella Lima" userId="fe0713f97eca5c34" providerId="LiveId" clId="{FA992E54-4B61-423B-B5AD-F8ADE5AC92E5}" dt="2020-10-02T02:34:26.320" v="508" actId="478"/>
-          <ac:cxnSpMkLst>
-            <pc:docMk/>
-            <pc:sldMk cId="470251281" sldId="261"/>
-            <ac:cxnSpMk id="18" creationId="{D711B5DF-F10A-4B34-8E2A-BE8E19A95745}"/>
-          </ac:cxnSpMkLst>
-        </pc:cxnChg>
-        <pc:cxnChg chg="add del mod">
-          <ac:chgData name="Isabella Lima" userId="fe0713f97eca5c34" providerId="LiveId" clId="{FA992E54-4B61-423B-B5AD-F8ADE5AC92E5}" dt="2020-10-02T03:02:57.304" v="1146" actId="478"/>
-          <ac:cxnSpMkLst>
-            <pc:docMk/>
-            <pc:sldMk cId="470251281" sldId="261"/>
-            <ac:cxnSpMk id="21" creationId="{E2373907-B844-4679-A004-69EE7E1F68C7}"/>
-          </ac:cxnSpMkLst>
-        </pc:cxnChg>
-        <pc:cxnChg chg="add mod">
-          <ac:chgData name="Isabella Lima" userId="fe0713f97eca5c34" providerId="LiveId" clId="{FA992E54-4B61-423B-B5AD-F8ADE5AC92E5}" dt="2020-10-02T02:38:13.473" v="561" actId="14100"/>
-          <ac:cxnSpMkLst>
-            <pc:docMk/>
-            <pc:sldMk cId="470251281" sldId="261"/>
-            <ac:cxnSpMk id="24" creationId="{7F9F3BB3-83E5-446A-A03F-ACCE67F2E825}"/>
-          </ac:cxnSpMkLst>
-        </pc:cxnChg>
-        <pc:cxnChg chg="add mod">
-          <ac:chgData name="Isabella Lima" userId="fe0713f97eca5c34" providerId="LiveId" clId="{FA992E54-4B61-423B-B5AD-F8ADE5AC92E5}" dt="2020-10-02T02:38:11.264" v="560" actId="14100"/>
-          <ac:cxnSpMkLst>
-            <pc:docMk/>
-            <pc:sldMk cId="470251281" sldId="261"/>
-            <ac:cxnSpMk id="27" creationId="{76F1719F-715A-45AF-B3F4-5804ACDE86B1}"/>
-          </ac:cxnSpMkLst>
-        </pc:cxnChg>
-        <pc:cxnChg chg="add mod">
-          <ac:chgData name="Isabella Lima" userId="fe0713f97eca5c34" providerId="LiveId" clId="{FA992E54-4B61-423B-B5AD-F8ADE5AC92E5}" dt="2020-10-02T03:02:51.868" v="1143" actId="1076"/>
-          <ac:cxnSpMkLst>
-            <pc:docMk/>
-            <pc:sldMk cId="470251281" sldId="261"/>
-            <ac:cxnSpMk id="40" creationId="{77476105-D5D1-4C62-BCF5-5FF18AAE0DCA}"/>
-          </ac:cxnSpMkLst>
-        </pc:cxnChg>
-        <pc:cxnChg chg="add mod">
-          <ac:chgData name="Isabella Lima" userId="fe0713f97eca5c34" providerId="LiveId" clId="{FA992E54-4B61-423B-B5AD-F8ADE5AC92E5}" dt="2020-10-02T03:03:00.673" v="1147" actId="1076"/>
-          <ac:cxnSpMkLst>
-            <pc:docMk/>
-            <pc:sldMk cId="470251281" sldId="261"/>
-            <ac:cxnSpMk id="46" creationId="{D0BC3348-C08B-4B14-8BC0-26BA155E4D74}"/>
-          </ac:cxnSpMkLst>
-        </pc:cxnChg>
-        <pc:cxnChg chg="add del mod">
-          <ac:chgData name="Isabella Lima" userId="fe0713f97eca5c34" providerId="LiveId" clId="{FA992E54-4B61-423B-B5AD-F8ADE5AC92E5}" dt="2020-10-02T03:03:33.136" v="1152" actId="478"/>
-          <ac:cxnSpMkLst>
-            <pc:docMk/>
-            <pc:sldMk cId="470251281" sldId="261"/>
-            <ac:cxnSpMk id="48" creationId="{B9712A47-1130-401D-80CB-563CDA5D839D}"/>
-          </ac:cxnSpMkLst>
-        </pc:cxnChg>
-        <pc:cxnChg chg="add del mod">
-          <ac:chgData name="Isabella Lima" userId="fe0713f97eca5c34" providerId="LiveId" clId="{FA992E54-4B61-423B-B5AD-F8ADE5AC92E5}" dt="2020-10-02T03:03:33.136" v="1152" actId="478"/>
-          <ac:cxnSpMkLst>
-            <pc:docMk/>
-            <pc:sldMk cId="470251281" sldId="261"/>
-            <ac:cxnSpMk id="50" creationId="{A7EC5685-7A35-4B5F-9FF7-5697FBC65269}"/>
-          </ac:cxnSpMkLst>
-        </pc:cxnChg>
-        <pc:cxnChg chg="add del mod">
-          <ac:chgData name="Isabella Lima" userId="fe0713f97eca5c34" providerId="LiveId" clId="{FA992E54-4B61-423B-B5AD-F8ADE5AC92E5}" dt="2020-10-02T03:03:33.136" v="1152" actId="478"/>
-          <ac:cxnSpMkLst>
-            <pc:docMk/>
-            <pc:sldMk cId="470251281" sldId="261"/>
-            <ac:cxnSpMk id="52" creationId="{57E6D65A-85D8-44E8-AC68-70E60B6FD6E7}"/>
-          </ac:cxnSpMkLst>
-        </pc:cxnChg>
-        <pc:cxnChg chg="add mod">
-          <ac:chgData name="Isabella Lima" userId="fe0713f97eca5c34" providerId="LiveId" clId="{FA992E54-4B61-423B-B5AD-F8ADE5AC92E5}" dt="2020-10-02T03:01:48.167" v="1129" actId="1076"/>
-          <ac:cxnSpMkLst>
-            <pc:docMk/>
-            <pc:sldMk cId="470251281" sldId="261"/>
-            <ac:cxnSpMk id="61" creationId="{666A7D21-505E-4FDD-BD7C-7AFEC123373A}"/>
-          </ac:cxnSpMkLst>
-        </pc:cxnChg>
-        <pc:cxnChg chg="add mod">
-          <ac:chgData name="Isabella Lima" userId="fe0713f97eca5c34" providerId="LiveId" clId="{FA992E54-4B61-423B-B5AD-F8ADE5AC92E5}" dt="2020-10-02T03:04:25.908" v="1165" actId="13822"/>
-          <ac:cxnSpMkLst>
-            <pc:docMk/>
-            <pc:sldMk cId="470251281" sldId="261"/>
-            <ac:cxnSpMk id="71" creationId="{ABBF1A07-B907-4365-A002-606827201A2D}"/>
-          </ac:cxnSpMkLst>
-        </pc:cxnChg>
-        <pc:cxnChg chg="add mod">
-          <ac:chgData name="Isabella Lima" userId="fe0713f97eca5c34" providerId="LiveId" clId="{FA992E54-4B61-423B-B5AD-F8ADE5AC92E5}" dt="2020-10-02T03:05:07.614" v="1174" actId="14100"/>
-          <ac:cxnSpMkLst>
-            <pc:docMk/>
-            <pc:sldMk cId="470251281" sldId="261"/>
-            <ac:cxnSpMk id="79" creationId="{C308D66D-4E57-47B3-9D79-B96CE048AFD2}"/>
-          </ac:cxnSpMkLst>
-        </pc:cxnChg>
-        <pc:cxnChg chg="add del">
-          <ac:chgData name="Isabella Lima" userId="fe0713f97eca5c34" providerId="LiveId" clId="{FA992E54-4B61-423B-B5AD-F8ADE5AC92E5}" dt="2020-10-02T03:04:48.928" v="1170" actId="11529"/>
-          <ac:cxnSpMkLst>
-            <pc:docMk/>
-            <pc:sldMk cId="470251281" sldId="261"/>
-            <ac:cxnSpMk id="81" creationId="{F28B7CD5-80F5-4225-B2FA-71676B3CA4AE}"/>
-          </ac:cxnSpMkLst>
-        </pc:cxnChg>
-        <pc:cxnChg chg="add del mod">
-          <ac:chgData name="Isabella Lima" userId="fe0713f97eca5c34" providerId="LiveId" clId="{FA992E54-4B61-423B-B5AD-F8ADE5AC92E5}" dt="2020-10-02T03:05:21.931" v="1179" actId="478"/>
-          <ac:cxnSpMkLst>
-            <pc:docMk/>
-            <pc:sldMk cId="470251281" sldId="261"/>
-            <ac:cxnSpMk id="84" creationId="{F31345E2-AC91-4B88-811B-ABF8B3A330EF}"/>
-          </ac:cxnSpMkLst>
-        </pc:cxnChg>
-        <pc:cxnChg chg="add mod">
-          <ac:chgData name="Isabella Lima" userId="fe0713f97eca5c34" providerId="LiveId" clId="{FA992E54-4B61-423B-B5AD-F8ADE5AC92E5}" dt="2020-10-02T03:05:36.588" v="1193" actId="1037"/>
-          <ac:cxnSpMkLst>
-            <pc:docMk/>
-            <pc:sldMk cId="470251281" sldId="261"/>
-            <ac:cxnSpMk id="88" creationId="{59E3203E-B9B6-40D3-837D-C0B300D144B0}"/>
-          </ac:cxnSpMkLst>
-        </pc:cxnChg>
-        <pc:cxnChg chg="add mod">
-          <ac:chgData name="Isabella Lima" userId="fe0713f97eca5c34" providerId="LiveId" clId="{FA992E54-4B61-423B-B5AD-F8ADE5AC92E5}" dt="2020-10-02T03:09:56.815" v="1288" actId="14100"/>
-          <ac:cxnSpMkLst>
-            <pc:docMk/>
-            <pc:sldMk cId="470251281" sldId="261"/>
-            <ac:cxnSpMk id="94" creationId="{CF35D557-D2C5-45DD-B0CD-EE916C065BF6}"/>
-          </ac:cxnSpMkLst>
-        </pc:cxnChg>
-        <pc:cxnChg chg="add mod">
-          <ac:chgData name="Isabella Lima" userId="fe0713f97eca5c34" providerId="LiveId" clId="{FA992E54-4B61-423B-B5AD-F8ADE5AC92E5}" dt="2020-10-02T03:10:00.237" v="1289" actId="14100"/>
-          <ac:cxnSpMkLst>
-            <pc:docMk/>
-            <pc:sldMk cId="470251281" sldId="261"/>
-            <ac:cxnSpMk id="95" creationId="{33C5EAF3-5A22-4B97-B07A-C6C8F19F601A}"/>
-          </ac:cxnSpMkLst>
-        </pc:cxnChg>
-        <pc:cxnChg chg="add del mod">
-          <ac:chgData name="Isabella Lima" userId="fe0713f97eca5c34" providerId="LiveId" clId="{FA992E54-4B61-423B-B5AD-F8ADE5AC92E5}" dt="2020-10-02T03:09:35.977" v="1285" actId="478"/>
-          <ac:cxnSpMkLst>
-            <pc:docMk/>
-            <pc:sldMk cId="470251281" sldId="261"/>
-            <ac:cxnSpMk id="100" creationId="{CD730493-C49A-41B6-B106-F39277657E08}"/>
-          </ac:cxnSpMkLst>
-        </pc:cxnChg>
-        <pc:cxnChg chg="add del mod">
-          <ac:chgData name="Isabella Lima" userId="fe0713f97eca5c34" providerId="LiveId" clId="{FA992E54-4B61-423B-B5AD-F8ADE5AC92E5}" dt="2020-10-02T03:09:38.472" v="1286" actId="478"/>
-          <ac:cxnSpMkLst>
-            <pc:docMk/>
-            <pc:sldMk cId="470251281" sldId="261"/>
-            <ac:cxnSpMk id="104" creationId="{B3329099-8274-4695-BD17-DD842E7E5F9B}"/>
-          </ac:cxnSpMkLst>
-        </pc:cxnChg>
-      </pc:sldChg>
-      <pc:sldChg chg="addSp">
-        <pc:chgData name="Isabella Lima" userId="fe0713f97eca5c34" providerId="LiveId" clId="{FA992E54-4B61-423B-B5AD-F8ADE5AC92E5}" dt="2020-10-02T02:48:05.894" v="733"/>
-        <pc:sldMkLst>
-          <pc:docMk/>
-          <pc:sldMk cId="546511753" sldId="261"/>
-        </pc:sldMkLst>
-        <pc:spChg chg="add">
-          <ac:chgData name="Isabella Lima" userId="fe0713f97eca5c34" providerId="LiveId" clId="{FA992E54-4B61-423B-B5AD-F8ADE5AC92E5}" dt="2020-10-02T02:48:05.894" v="733"/>
-          <ac:spMkLst>
-            <pc:docMk/>
-            <pc:sldMk cId="546511753" sldId="261"/>
-            <ac:spMk id="20" creationId="{B4695291-9D26-4FB0-9DB8-4FBA91DDA769}"/>
-          </ac:spMkLst>
-        </pc:spChg>
-      </pc:sldChg>
-      <pc:sldChg chg="addSp">
-        <pc:chgData name="Isabella Lima" userId="fe0713f97eca5c34" providerId="LiveId" clId="{FA992E54-4B61-423B-B5AD-F8ADE5AC92E5}" dt="2020-10-02T02:46:49.206" v="702"/>
-        <pc:sldMkLst>
-          <pc:docMk/>
-          <pc:sldMk cId="803988085" sldId="261"/>
-        </pc:sldMkLst>
-        <pc:spChg chg="add">
-          <ac:chgData name="Isabella Lima" userId="fe0713f97eca5c34" providerId="LiveId" clId="{FA992E54-4B61-423B-B5AD-F8ADE5AC92E5}" dt="2020-10-02T02:46:49.206" v="702"/>
-          <ac:spMkLst>
-            <pc:docMk/>
-            <pc:sldMk cId="803988085" sldId="261"/>
-            <ac:spMk id="20" creationId="{351AD4BD-C7AE-467F-B2EC-984DA4763E7E}"/>
-          </ac:spMkLst>
-        </pc:spChg>
-      </pc:sldChg>
-      <pc:sldChg chg="addSp">
-        <pc:chgData name="Isabella Lima" userId="fe0713f97eca5c34" providerId="LiveId" clId="{FA992E54-4B61-423B-B5AD-F8ADE5AC92E5}" dt="2020-10-02T02:18:48.351" v="326"/>
-        <pc:sldMkLst>
-          <pc:docMk/>
-          <pc:sldMk cId="1607626508" sldId="261"/>
-        </pc:sldMkLst>
-        <pc:picChg chg="add">
-          <ac:chgData name="Isabella Lima" userId="fe0713f97eca5c34" providerId="LiveId" clId="{FA992E54-4B61-423B-B5AD-F8ADE5AC92E5}" dt="2020-10-02T02:18:48.351" v="326"/>
-          <ac:picMkLst>
-            <pc:docMk/>
-            <pc:sldMk cId="1607626508" sldId="261"/>
-            <ac:picMk id="2050" creationId="{A1347C31-D1C9-4D9A-8163-8380ED3BA52B}"/>
-          </ac:picMkLst>
-        </pc:picChg>
-      </pc:sldChg>
-      <pc:sldChg chg="addSp modSp">
-        <pc:chgData name="Isabella Lima" userId="fe0713f97eca5c34" providerId="LiveId" clId="{FA992E54-4B61-423B-B5AD-F8ADE5AC92E5}" dt="2020-10-02T02:47:47.208" v="726"/>
-        <pc:sldMkLst>
-          <pc:docMk/>
-          <pc:sldMk cId="1609567444" sldId="261"/>
-        </pc:sldMkLst>
-        <pc:spChg chg="add mod">
-          <ac:chgData name="Isabella Lima" userId="fe0713f97eca5c34" providerId="LiveId" clId="{FA992E54-4B61-423B-B5AD-F8ADE5AC92E5}" dt="2020-10-02T02:47:47.208" v="726"/>
-          <ac:spMkLst>
-            <pc:docMk/>
-            <pc:sldMk cId="1609567444" sldId="261"/>
-            <ac:spMk id="22" creationId="{BC616E34-DCFE-46B2-B5C5-824D4A6B0F89}"/>
-          </ac:spMkLst>
-        </pc:spChg>
-      </pc:sldChg>
-      <pc:sldChg chg="addSp">
-        <pc:chgData name="Isabella Lima" userId="fe0713f97eca5c34" providerId="LiveId" clId="{FA992E54-4B61-423B-B5AD-F8ADE5AC92E5}" dt="2020-10-02T03:00:25.152" v="1114"/>
-        <pc:sldMkLst>
-          <pc:docMk/>
-          <pc:sldMk cId="1662501215" sldId="261"/>
-        </pc:sldMkLst>
-        <pc:picChg chg="add">
-          <ac:chgData name="Isabella Lima" userId="fe0713f97eca5c34" providerId="LiveId" clId="{FA992E54-4B61-423B-B5AD-F8ADE5AC92E5}" dt="2020-10-02T03:00:25.152" v="1114"/>
-          <ac:picMkLst>
-            <pc:docMk/>
-            <pc:sldMk cId="1662501215" sldId="261"/>
-            <ac:picMk id="19458" creationId="{3B0C7090-A9E9-4699-9BB3-C75EAEA2A0DE}"/>
-          </ac:picMkLst>
-        </pc:picChg>
-      </pc:sldChg>
-      <pc:sldChg chg="addSp">
-        <pc:chgData name="Isabella Lima" userId="fe0713f97eca5c34" providerId="LiveId" clId="{FA992E54-4B61-423B-B5AD-F8ADE5AC92E5}" dt="2020-10-02T02:47:11.809" v="710"/>
-        <pc:sldMkLst>
-          <pc:docMk/>
-          <pc:sldMk cId="1828364795" sldId="261"/>
-        </pc:sldMkLst>
-        <pc:spChg chg="add">
-          <ac:chgData name="Isabella Lima" userId="fe0713f97eca5c34" providerId="LiveId" clId="{FA992E54-4B61-423B-B5AD-F8ADE5AC92E5}" dt="2020-10-02T02:47:11.809" v="710"/>
-          <ac:spMkLst>
-            <pc:docMk/>
-            <pc:sldMk cId="1828364795" sldId="261"/>
-            <ac:spMk id="20" creationId="{4326B5BE-1914-47CA-A261-BB7809B0A62A}"/>
-          </ac:spMkLst>
-        </pc:spChg>
-      </pc:sldChg>
-      <pc:sldChg chg="addSp">
-        <pc:chgData name="Isabella Lima" userId="fe0713f97eca5c34" providerId="LiveId" clId="{FA992E54-4B61-423B-B5AD-F8ADE5AC92E5}" dt="2020-10-02T02:17:47.898" v="271"/>
-        <pc:sldMkLst>
-          <pc:docMk/>
-          <pc:sldMk cId="2231789602" sldId="261"/>
-        </pc:sldMkLst>
-        <pc:picChg chg="add">
-          <ac:chgData name="Isabella Lima" userId="fe0713f97eca5c34" providerId="LiveId" clId="{FA992E54-4B61-423B-B5AD-F8ADE5AC92E5}" dt="2020-10-02T02:17:47.898" v="271"/>
-          <ac:picMkLst>
-            <pc:docMk/>
-            <pc:sldMk cId="2231789602" sldId="261"/>
-            <ac:picMk id="1026" creationId="{4845BB18-939C-44C2-84E0-E85EC35D13D2}"/>
-          </ac:picMkLst>
-        </pc:picChg>
-      </pc:sldChg>
-      <pc:sldChg chg="addSp">
-        <pc:chgData name="Isabella Lima" userId="fe0713f97eca5c34" providerId="LiveId" clId="{FA992E54-4B61-423B-B5AD-F8ADE5AC92E5}" dt="2020-10-02T02:20:56.252" v="348"/>
-        <pc:sldMkLst>
-          <pc:docMk/>
-          <pc:sldMk cId="2259095192" sldId="261"/>
-        </pc:sldMkLst>
-        <pc:picChg chg="add">
-          <ac:chgData name="Isabella Lima" userId="fe0713f97eca5c34" providerId="LiveId" clId="{FA992E54-4B61-423B-B5AD-F8ADE5AC92E5}" dt="2020-10-02T02:20:56.252" v="348"/>
-          <ac:picMkLst>
-            <pc:docMk/>
-            <pc:sldMk cId="2259095192" sldId="261"/>
-            <ac:picMk id="5122" creationId="{50E6744C-5E0F-480D-BE69-2BDC67C2AA5C}"/>
-          </ac:picMkLst>
-        </pc:picChg>
-      </pc:sldChg>
-      <pc:sldChg chg="addSp">
-        <pc:chgData name="Isabella Lima" userId="fe0713f97eca5c34" providerId="LiveId" clId="{FA992E54-4B61-423B-B5AD-F8ADE5AC92E5}" dt="2020-10-02T02:19:54.761" v="342"/>
-        <pc:sldMkLst>
-          <pc:docMk/>
-          <pc:sldMk cId="2453159821" sldId="261"/>
-        </pc:sldMkLst>
-        <pc:picChg chg="add">
-          <ac:chgData name="Isabella Lima" userId="fe0713f97eca5c34" providerId="LiveId" clId="{FA992E54-4B61-423B-B5AD-F8ADE5AC92E5}" dt="2020-10-02T02:19:54.761" v="342"/>
-          <ac:picMkLst>
-            <pc:docMk/>
-            <pc:sldMk cId="2453159821" sldId="261"/>
-            <ac:picMk id="4098" creationId="{58AD377F-A798-482C-B73C-89A474A7068E}"/>
-          </ac:picMkLst>
-        </pc:picChg>
-      </pc:sldChg>
-      <pc:sldChg chg="addSp modSp">
-        <pc:chgData name="Isabella Lima" userId="fe0713f97eca5c34" providerId="LiveId" clId="{FA992E54-4B61-423B-B5AD-F8ADE5AC92E5}" dt="2020-10-02T02:46:55.065" v="704"/>
-        <pc:sldMkLst>
-          <pc:docMk/>
-          <pc:sldMk cId="2718643144" sldId="261"/>
-        </pc:sldMkLst>
-        <pc:spChg chg="add mod">
-          <ac:chgData name="Isabella Lima" userId="fe0713f97eca5c34" providerId="LiveId" clId="{FA992E54-4B61-423B-B5AD-F8ADE5AC92E5}" dt="2020-10-02T02:46:55.065" v="704"/>
-          <ac:spMkLst>
-            <pc:docMk/>
-            <pc:sldMk cId="2718643144" sldId="261"/>
-            <ac:spMk id="22" creationId="{9FEE9B87-2667-4893-9FD3-31E4CB5AC1F8}"/>
-          </ac:spMkLst>
-        </pc:spChg>
-      </pc:sldChg>
-      <pc:sldChg chg="addSp">
-        <pc:chgData name="Isabella Lima" userId="fe0713f97eca5c34" providerId="LiveId" clId="{FA992E54-4B61-423B-B5AD-F8ADE5AC92E5}" dt="2020-10-02T02:37:05.795" v="541"/>
-        <pc:sldMkLst>
-          <pc:docMk/>
-          <pc:sldMk cId="2725401541" sldId="261"/>
-        </pc:sldMkLst>
-        <pc:picChg chg="add">
-          <ac:chgData name="Isabella Lima" userId="fe0713f97eca5c34" providerId="LiveId" clId="{FA992E54-4B61-423B-B5AD-F8ADE5AC92E5}" dt="2020-10-02T02:37:05.795" v="541"/>
-          <ac:picMkLst>
-            <pc:docMk/>
-            <pc:sldMk cId="2725401541" sldId="261"/>
-            <ac:picMk id="7170" creationId="{6E0AA5B3-0DE4-4784-9E16-2E78C639A2BE}"/>
-          </ac:picMkLst>
-        </pc:picChg>
-      </pc:sldChg>
-      <pc:sldChg chg="addSp">
-        <pc:chgData name="Isabella Lima" userId="fe0713f97eca5c34" providerId="LiveId" clId="{FA992E54-4B61-423B-B5AD-F8ADE5AC92E5}" dt="2020-10-02T02:47:54.277" v="730"/>
-        <pc:sldMkLst>
-          <pc:docMk/>
-          <pc:sldMk cId="3521033580" sldId="261"/>
-        </pc:sldMkLst>
-        <pc:spChg chg="add">
-          <ac:chgData name="Isabella Lima" userId="fe0713f97eca5c34" providerId="LiveId" clId="{FA992E54-4B61-423B-B5AD-F8ADE5AC92E5}" dt="2020-10-02T02:47:54.277" v="730"/>
-          <ac:spMkLst>
-            <pc:docMk/>
-            <pc:sldMk cId="3521033580" sldId="261"/>
-            <ac:spMk id="20" creationId="{AD0D965A-F409-4CD4-9655-276C2698EC1D}"/>
-          </ac:spMkLst>
-        </pc:spChg>
-      </pc:sldChg>
-      <pc:sldChg chg="addSp">
-        <pc:chgData name="Isabella Lima" userId="fe0713f97eca5c34" providerId="LiveId" clId="{FA992E54-4B61-423B-B5AD-F8ADE5AC92E5}" dt="2020-10-02T02:25:03.816" v="422"/>
-        <pc:sldMkLst>
-          <pc:docMk/>
-          <pc:sldMk cId="3835500926" sldId="261"/>
-        </pc:sldMkLst>
-        <pc:picChg chg="add">
-          <ac:chgData name="Isabella Lima" userId="fe0713f97eca5c34" providerId="LiveId" clId="{FA992E54-4B61-423B-B5AD-F8ADE5AC92E5}" dt="2020-10-02T02:25:03.816" v="422"/>
-          <ac:picMkLst>
-            <pc:docMk/>
-            <pc:sldMk cId="3835500926" sldId="261"/>
-            <ac:picMk id="6146" creationId="{C6688D34-1A55-49B9-AAEB-48C82FA565BD}"/>
-          </ac:picMkLst>
-        </pc:picChg>
-      </pc:sldChg>
-      <pc:sldChg chg="addSp">
-        <pc:chgData name="Isabella Lima" userId="fe0713f97eca5c34" providerId="LiveId" clId="{FA992E54-4B61-423B-B5AD-F8ADE5AC92E5}" dt="2020-10-02T02:39:40.110" v="564"/>
-        <pc:sldMkLst>
-          <pc:docMk/>
-          <pc:sldMk cId="4023768287" sldId="261"/>
-        </pc:sldMkLst>
-        <pc:picChg chg="add">
-          <ac:chgData name="Isabella Lima" userId="fe0713f97eca5c34" providerId="LiveId" clId="{FA992E54-4B61-423B-B5AD-F8ADE5AC92E5}" dt="2020-10-02T02:39:40.110" v="564"/>
-          <ac:picMkLst>
-            <pc:docMk/>
-            <pc:sldMk cId="4023768287" sldId="261"/>
-            <ac:picMk id="8194" creationId="{872BC580-120E-4EA0-847F-2E8EDE88D0EC}"/>
-          </ac:picMkLst>
-        </pc:picChg>
-      </pc:sldChg>
-      <pc:sldChg chg="addSp delSp modSp">
-        <pc:chgData name="Isabella Lima" userId="fe0713f97eca5c34" providerId="LiveId" clId="{FA992E54-4B61-423B-B5AD-F8ADE5AC92E5}" dt="2020-10-02T02:48:56.579" v="747"/>
-        <pc:sldMkLst>
-          <pc:docMk/>
-          <pc:sldMk cId="1415191808" sldId="262"/>
-        </pc:sldMkLst>
-        <pc:spChg chg="del">
-          <ac:chgData name="Isabella Lima" userId="fe0713f97eca5c34" providerId="LiveId" clId="{FA992E54-4B61-423B-B5AD-F8ADE5AC92E5}" dt="2020-10-02T02:48:56.579" v="747"/>
-          <ac:spMkLst>
-            <pc:docMk/>
-            <pc:sldMk cId="1415191808" sldId="262"/>
-            <ac:spMk id="3" creationId="{DF58E217-89E1-48B2-B524-F06F9124C47A}"/>
-          </ac:spMkLst>
-        </pc:spChg>
-        <pc:spChg chg="add mod">
-          <ac:chgData name="Isabella Lima" userId="fe0713f97eca5c34" providerId="LiveId" clId="{FA992E54-4B61-423B-B5AD-F8ADE5AC92E5}" dt="2020-10-02T02:48:56.579" v="747"/>
-          <ac:spMkLst>
-            <pc:docMk/>
-            <pc:sldMk cId="1415191808" sldId="262"/>
-            <ac:spMk id="4" creationId="{4B193F23-CD79-4E50-BBAB-F4D764674843}"/>
-          </ac:spMkLst>
-        </pc:spChg>
-      </pc:sldChg>
-      <pc:sldChg chg="addSp">
-        <pc:chgData name="Isabella Lima" userId="fe0713f97eca5c34" providerId="LiveId" clId="{FA992E54-4B61-423B-B5AD-F8ADE5AC92E5}" dt="2020-10-02T02:49:00.847" v="751"/>
-        <pc:sldMkLst>
-          <pc:docMk/>
-          <pc:sldMk cId="1701472863" sldId="262"/>
-        </pc:sldMkLst>
-        <pc:spChg chg="add">
-          <ac:chgData name="Isabella Lima" userId="fe0713f97eca5c34" providerId="LiveId" clId="{FA992E54-4B61-423B-B5AD-F8ADE5AC92E5}" dt="2020-10-02T02:49:00.847" v="751"/>
-          <ac:spMkLst>
-            <pc:docMk/>
-            <pc:sldMk cId="1701472863" sldId="262"/>
-            <ac:spMk id="2" creationId="{1ACCAA73-AB4D-4A14-A8AE-8F3D251F7AD1}"/>
-          </ac:spMkLst>
-        </pc:spChg>
-      </pc:sldChg>
-      <pc:sldChg chg="delSp modSp new add del mod">
-        <pc:chgData name="Isabella Lima" userId="fe0713f97eca5c34" providerId="LiveId" clId="{FA992E54-4B61-423B-B5AD-F8ADE5AC92E5}" dt="2020-10-02T02:49:03.283" v="753" actId="14100"/>
-        <pc:sldMkLst>
-          <pc:docMk/>
-          <pc:sldMk cId="4284777791" sldId="262"/>
-        </pc:sldMkLst>
-        <pc:spChg chg="mod">
-          <ac:chgData name="Isabella Lima" userId="fe0713f97eca5c34" providerId="LiveId" clId="{FA992E54-4B61-423B-B5AD-F8ADE5AC92E5}" dt="2020-10-02T02:49:03.283" v="753" actId="14100"/>
-          <ac:spMkLst>
-            <pc:docMk/>
-            <pc:sldMk cId="4284777791" sldId="262"/>
-            <ac:spMk id="2" creationId="{1ACCAA73-AB4D-4A14-A8AE-8F3D251F7AD1}"/>
-          </ac:spMkLst>
-        </pc:spChg>
-        <pc:spChg chg="del">
-          <ac:chgData name="Isabella Lima" userId="fe0713f97eca5c34" providerId="LiveId" clId="{FA992E54-4B61-423B-B5AD-F8ADE5AC92E5}" dt="2020-10-02T02:49:00.033" v="750" actId="478"/>
-          <ac:spMkLst>
-            <pc:docMk/>
-            <pc:sldMk cId="4284777791" sldId="262"/>
-            <ac:spMk id="2" creationId="{7A22D522-C067-4F4C-9B76-BC9F8E6E85BE}"/>
-          </ac:spMkLst>
-        </pc:spChg>
-        <pc:spChg chg="del">
-          <ac:chgData name="Isabella Lima" userId="fe0713f97eca5c34" providerId="LiveId" clId="{FA992E54-4B61-423B-B5AD-F8ADE5AC92E5}" dt="2020-10-02T02:48:58.935" v="749" actId="478"/>
-          <ac:spMkLst>
-            <pc:docMk/>
-            <pc:sldMk cId="4284777791" sldId="262"/>
-            <ac:spMk id="4" creationId="{4B193F23-CD79-4E50-BBAB-F4D764674843}"/>
-          </ac:spMkLst>
-        </pc:spChg>
-      </pc:sldChg>
-    </pc:docChg>
-  </pc:docChgLst>
-</pc:chgInfo>
-</file>
-
 <file path=ppt/slideLayouts/slideLayout1.xml><?xml version="1.0" encoding="utf-8"?>
 <p:sldLayout xmlns:a="http://schemas.openxmlformats.org/drawingml/2006/main" xmlns:r="http://schemas.openxmlformats.org/officeDocument/2006/relationships" xmlns:p="http://schemas.openxmlformats.org/presentationml/2006/main" type="title" preserve="1">
   <p:cSld name="Slide de Título">
@@ -1340,7 +267,7 @@
           <a:p>
             <a:fld id="{9124C99E-1E2C-46C7-9544-CFE55FE760E5}" type="datetimeFigureOut">
               <a:rPr lang="pt-BR" smtClean="0"/>
-              <a:t>01/10/2020</a:t>
+              <a:t>02/10/2020</a:t>
             </a:fld>
             <a:endParaRPr lang="pt-BR"/>
           </a:p>
@@ -1394,7 +321,7 @@
           <a:p>
             <a:fld id="{C2EDBEC5-4D46-4D4C-AB80-816C94D07B20}" type="slidenum">
               <a:rPr lang="pt-BR" smtClean="0"/>
-              <a:t>‹nº›</a:t>
+              <a:t>‹#›</a:t>
             </a:fld>
             <a:endParaRPr lang="pt-BR"/>
           </a:p>
@@ -1538,7 +465,7 @@
           <a:p>
             <a:fld id="{9124C99E-1E2C-46C7-9544-CFE55FE760E5}" type="datetimeFigureOut">
               <a:rPr lang="pt-BR" smtClean="0"/>
-              <a:t>01/10/2020</a:t>
+              <a:t>02/10/2020</a:t>
             </a:fld>
             <a:endParaRPr lang="pt-BR"/>
           </a:p>
@@ -1592,7 +519,7 @@
           <a:p>
             <a:fld id="{C2EDBEC5-4D46-4D4C-AB80-816C94D07B20}" type="slidenum">
               <a:rPr lang="pt-BR" smtClean="0"/>
-              <a:t>‹nº›</a:t>
+              <a:t>‹#›</a:t>
             </a:fld>
             <a:endParaRPr lang="pt-BR"/>
           </a:p>
@@ -1746,7 +673,7 @@
           <a:p>
             <a:fld id="{9124C99E-1E2C-46C7-9544-CFE55FE760E5}" type="datetimeFigureOut">
               <a:rPr lang="pt-BR" smtClean="0"/>
-              <a:t>01/10/2020</a:t>
+              <a:t>02/10/2020</a:t>
             </a:fld>
             <a:endParaRPr lang="pt-BR"/>
           </a:p>
@@ -1800,7 +727,7 @@
           <a:p>
             <a:fld id="{C2EDBEC5-4D46-4D4C-AB80-816C94D07B20}" type="slidenum">
               <a:rPr lang="pt-BR" smtClean="0"/>
-              <a:t>‹nº›</a:t>
+              <a:t>‹#›</a:t>
             </a:fld>
             <a:endParaRPr lang="pt-BR"/>
           </a:p>
@@ -1944,7 +871,7 @@
           <a:p>
             <a:fld id="{9124C99E-1E2C-46C7-9544-CFE55FE760E5}" type="datetimeFigureOut">
               <a:rPr lang="pt-BR" smtClean="0"/>
-              <a:t>01/10/2020</a:t>
+              <a:t>02/10/2020</a:t>
             </a:fld>
             <a:endParaRPr lang="pt-BR"/>
           </a:p>
@@ -1998,7 +925,7 @@
           <a:p>
             <a:fld id="{C2EDBEC5-4D46-4D4C-AB80-816C94D07B20}" type="slidenum">
               <a:rPr lang="pt-BR" smtClean="0"/>
-              <a:t>‹nº›</a:t>
+              <a:t>‹#›</a:t>
             </a:fld>
             <a:endParaRPr lang="pt-BR"/>
           </a:p>
@@ -2219,7 +1146,7 @@
           <a:p>
             <a:fld id="{9124C99E-1E2C-46C7-9544-CFE55FE760E5}" type="datetimeFigureOut">
               <a:rPr lang="pt-BR" smtClean="0"/>
-              <a:t>01/10/2020</a:t>
+              <a:t>02/10/2020</a:t>
             </a:fld>
             <a:endParaRPr lang="pt-BR"/>
           </a:p>
@@ -2273,7 +1200,7 @@
           <a:p>
             <a:fld id="{C2EDBEC5-4D46-4D4C-AB80-816C94D07B20}" type="slidenum">
               <a:rPr lang="pt-BR" smtClean="0"/>
-              <a:t>‹nº›</a:t>
+              <a:t>‹#›</a:t>
             </a:fld>
             <a:endParaRPr lang="pt-BR"/>
           </a:p>
@@ -2484,7 +1411,7 @@
           <a:p>
             <a:fld id="{9124C99E-1E2C-46C7-9544-CFE55FE760E5}" type="datetimeFigureOut">
               <a:rPr lang="pt-BR" smtClean="0"/>
-              <a:t>01/10/2020</a:t>
+              <a:t>02/10/2020</a:t>
             </a:fld>
             <a:endParaRPr lang="pt-BR"/>
           </a:p>
@@ -2538,7 +1465,7 @@
           <a:p>
             <a:fld id="{C2EDBEC5-4D46-4D4C-AB80-816C94D07B20}" type="slidenum">
               <a:rPr lang="pt-BR" smtClean="0"/>
-              <a:t>‹nº›</a:t>
+              <a:t>‹#›</a:t>
             </a:fld>
             <a:endParaRPr lang="pt-BR"/>
           </a:p>
@@ -2896,7 +1823,7 @@
           <a:p>
             <a:fld id="{9124C99E-1E2C-46C7-9544-CFE55FE760E5}" type="datetimeFigureOut">
               <a:rPr lang="pt-BR" smtClean="0"/>
-              <a:t>01/10/2020</a:t>
+              <a:t>02/10/2020</a:t>
             </a:fld>
             <a:endParaRPr lang="pt-BR"/>
           </a:p>
@@ -2950,7 +1877,7 @@
           <a:p>
             <a:fld id="{C2EDBEC5-4D46-4D4C-AB80-816C94D07B20}" type="slidenum">
               <a:rPr lang="pt-BR" smtClean="0"/>
-              <a:t>‹nº›</a:t>
+              <a:t>‹#›</a:t>
             </a:fld>
             <a:endParaRPr lang="pt-BR"/>
           </a:p>
@@ -3037,7 +1964,7 @@
           <a:p>
             <a:fld id="{9124C99E-1E2C-46C7-9544-CFE55FE760E5}" type="datetimeFigureOut">
               <a:rPr lang="pt-BR" smtClean="0"/>
-              <a:t>01/10/2020</a:t>
+              <a:t>02/10/2020</a:t>
             </a:fld>
             <a:endParaRPr lang="pt-BR"/>
           </a:p>
@@ -3091,7 +2018,7 @@
           <a:p>
             <a:fld id="{C2EDBEC5-4D46-4D4C-AB80-816C94D07B20}" type="slidenum">
               <a:rPr lang="pt-BR" smtClean="0"/>
-              <a:t>‹nº›</a:t>
+              <a:t>‹#›</a:t>
             </a:fld>
             <a:endParaRPr lang="pt-BR"/>
           </a:p>
@@ -3150,7 +2077,7 @@
           <a:p>
             <a:fld id="{9124C99E-1E2C-46C7-9544-CFE55FE760E5}" type="datetimeFigureOut">
               <a:rPr lang="pt-BR" smtClean="0"/>
-              <a:t>01/10/2020</a:t>
+              <a:t>02/10/2020</a:t>
             </a:fld>
             <a:endParaRPr lang="pt-BR"/>
           </a:p>
@@ -3204,7 +2131,7 @@
           <a:p>
             <a:fld id="{C2EDBEC5-4D46-4D4C-AB80-816C94D07B20}" type="slidenum">
               <a:rPr lang="pt-BR" smtClean="0"/>
-              <a:t>‹nº›</a:t>
+              <a:t>‹#›</a:t>
             </a:fld>
             <a:endParaRPr lang="pt-BR"/>
           </a:p>
@@ -3461,7 +2388,7 @@
           <a:p>
             <a:fld id="{9124C99E-1E2C-46C7-9544-CFE55FE760E5}" type="datetimeFigureOut">
               <a:rPr lang="pt-BR" smtClean="0"/>
-              <a:t>01/10/2020</a:t>
+              <a:t>02/10/2020</a:t>
             </a:fld>
             <a:endParaRPr lang="pt-BR"/>
           </a:p>
@@ -3515,7 +2442,7 @@
           <a:p>
             <a:fld id="{C2EDBEC5-4D46-4D4C-AB80-816C94D07B20}" type="slidenum">
               <a:rPr lang="pt-BR" smtClean="0"/>
-              <a:t>‹nº›</a:t>
+              <a:t>‹#›</a:t>
             </a:fld>
             <a:endParaRPr lang="pt-BR"/>
           </a:p>
@@ -3749,7 +2676,7 @@
           <a:p>
             <a:fld id="{9124C99E-1E2C-46C7-9544-CFE55FE760E5}" type="datetimeFigureOut">
               <a:rPr lang="pt-BR" smtClean="0"/>
-              <a:t>01/10/2020</a:t>
+              <a:t>02/10/2020</a:t>
             </a:fld>
             <a:endParaRPr lang="pt-BR"/>
           </a:p>
@@ -3803,7 +2730,7 @@
           <a:p>
             <a:fld id="{C2EDBEC5-4D46-4D4C-AB80-816C94D07B20}" type="slidenum">
               <a:rPr lang="pt-BR" smtClean="0"/>
-              <a:t>‹nº›</a:t>
+              <a:t>‹#›</a:t>
             </a:fld>
             <a:endParaRPr lang="pt-BR"/>
           </a:p>
@@ -3990,7 +2917,7 @@
           <a:p>
             <a:fld id="{9124C99E-1E2C-46C7-9544-CFE55FE760E5}" type="datetimeFigureOut">
               <a:rPr lang="pt-BR" smtClean="0"/>
-              <a:t>01/10/2020</a:t>
+              <a:t>02/10/2020</a:t>
             </a:fld>
             <a:endParaRPr lang="pt-BR"/>
           </a:p>
@@ -4080,7 +3007,7 @@
           <a:p>
             <a:fld id="{C2EDBEC5-4D46-4D4C-AB80-816C94D07B20}" type="slidenum">
               <a:rPr lang="pt-BR" smtClean="0"/>
-              <a:t>‹nº›</a:t>
+              <a:t>‹#›</a:t>
             </a:fld>
             <a:endParaRPr lang="pt-BR"/>
           </a:p>
@@ -4409,10 +3336,10 @@
       </p:grpSpPr>
       <p:sp>
         <p:nvSpPr>
-          <p:cNvPr id="5" name="Retângulo 4">
-            <a:extLst>
-              <a:ext uri="{FF2B5EF4-FFF2-40B4-BE49-F238E27FC236}">
-                <a16:creationId xmlns:a16="http://schemas.microsoft.com/office/drawing/2014/main" id="{C13C096A-7414-4419-807A-C2068EAEE71D}"/>
+          <p:cNvPr id="20" name="Nuvem 65">
+            <a:extLst>
+              <a:ext uri="{FF2B5EF4-FFF2-40B4-BE49-F238E27FC236}">
+                <a16:creationId xmlns:a16="http://schemas.microsoft.com/office/drawing/2014/main" id="{08D52291-CF3F-48FF-9288-9AADF4C09980}"/>
               </a:ext>
             </a:extLst>
           </p:cNvPr>
@@ -4420,9 +3347,59 @@
           <p:nvPr/>
         </p:nvSpPr>
         <p:spPr>
-          <a:xfrm>
-            <a:off x="436721" y="3806327"/>
-            <a:ext cx="4642056" cy="2617364"/>
+          <a:xfrm rot="11256504">
+            <a:off x="5653255" y="348478"/>
+            <a:ext cx="2142447" cy="1442812"/>
+          </a:xfrm>
+          <a:prstGeom prst="cloud">
+            <a:avLst/>
+          </a:prstGeom>
+          <a:solidFill>
+            <a:schemeClr val="accent5">
+              <a:lumMod val="20000"/>
+              <a:lumOff val="80000"/>
+            </a:schemeClr>
+          </a:solidFill>
+        </p:spPr>
+        <p:style>
+          <a:lnRef idx="1">
+            <a:schemeClr val="accent5"/>
+          </a:lnRef>
+          <a:fillRef idx="2">
+            <a:schemeClr val="accent5"/>
+          </a:fillRef>
+          <a:effectRef idx="1">
+            <a:schemeClr val="accent5"/>
+          </a:effectRef>
+          <a:fontRef idx="minor">
+            <a:schemeClr val="dk1"/>
+          </a:fontRef>
+        </p:style>
+        <p:txBody>
+          <a:bodyPr rtlCol="0" anchor="ctr"/>
+          <a:lstStyle/>
+          <a:p>
+            <a:pPr algn="ctr"/>
+            <a:endParaRPr lang="pt-BR"/>
+          </a:p>
+        </p:txBody>
+      </p:sp>
+      <p:sp>
+        <p:nvSpPr>
+          <p:cNvPr id="5" name="Retângulo 4">
+            <a:extLst>
+              <a:ext uri="{FF2B5EF4-FFF2-40B4-BE49-F238E27FC236}">
+                <a16:creationId xmlns:a16="http://schemas.microsoft.com/office/drawing/2014/main" id="{C13C096A-7414-4419-807A-C2068EAEE71D}"/>
+              </a:ext>
+            </a:extLst>
+          </p:cNvPr>
+          <p:cNvSpPr/>
+          <p:nvPr/>
+        </p:nvSpPr>
+        <p:spPr>
+          <a:xfrm>
+            <a:off x="436721" y="3806326"/>
+            <a:ext cx="4642056" cy="2932811"/>
           </a:xfrm>
           <a:prstGeom prst="rect">
             <a:avLst/>
@@ -4524,7 +3501,7 @@
         </p:nvSpPr>
         <p:spPr>
           <a:xfrm rot="11256504">
-            <a:off x="6723686" y="687171"/>
+            <a:off x="7279211" y="1134848"/>
             <a:ext cx="3107092" cy="2249662"/>
           </a:xfrm>
           <a:prstGeom prst="cloud">
@@ -4574,7 +3551,7 @@
         </p:nvSpPr>
         <p:spPr>
           <a:xfrm>
-            <a:off x="7752258" y="1624965"/>
+            <a:off x="8307783" y="2072642"/>
             <a:ext cx="947416" cy="884828"/>
           </a:xfrm>
           <a:prstGeom prst="rect">
@@ -4790,7 +3767,7 @@
         <p:spPr>
           <a:xfrm>
             <a:off x="7113223" y="3806327"/>
-            <a:ext cx="4642056" cy="2617364"/>
+            <a:ext cx="4969920" cy="2617364"/>
           </a:xfrm>
           <a:prstGeom prst="rect">
             <a:avLst/>
@@ -5104,8 +4081,8 @@
         </p:blipFill>
         <p:spPr>
           <a:xfrm>
-            <a:off x="744532" y="4523269"/>
-            <a:ext cx="1496417" cy="1364529"/>
+            <a:off x="431512" y="4481386"/>
+            <a:ext cx="1849974" cy="1686925"/>
           </a:xfrm>
           <a:prstGeom prst="rect">
             <a:avLst/>
@@ -5182,8 +4159,8 @@
         </p:blipFill>
         <p:spPr>
           <a:xfrm>
-            <a:off x="1076966" y="4769883"/>
-            <a:ext cx="305922" cy="560034"/>
+            <a:off x="984976" y="4921086"/>
+            <a:ext cx="275777" cy="504849"/>
           </a:xfrm>
           <a:prstGeom prst="rect">
             <a:avLst/>
@@ -5260,8 +4237,8 @@
         </p:blipFill>
         <p:spPr>
           <a:xfrm>
-            <a:off x="1481937" y="4794918"/>
-            <a:ext cx="341008" cy="458929"/>
+            <a:off x="1397946" y="4921086"/>
+            <a:ext cx="320172" cy="430888"/>
           </a:xfrm>
           <a:prstGeom prst="rect">
             <a:avLst/>
@@ -5270,10 +4247,40 @@
       </p:pic>
       <p:pic>
         <p:nvPicPr>
-          <p:cNvPr id="49" name="Imagem 48">
-            <a:extLst>
-              <a:ext uri="{FF2B5EF4-FFF2-40B4-BE49-F238E27FC236}">
-                <a16:creationId xmlns:a16="http://schemas.microsoft.com/office/drawing/2014/main" id="{DC9AF3D8-0D54-416D-B83F-80480E5C3C36}"/>
+          <p:cNvPr id="51" name="Imagem 50">
+            <a:extLst>
+              <a:ext uri="{FF2B5EF4-FFF2-40B4-BE49-F238E27FC236}">
+                <a16:creationId xmlns:a16="http://schemas.microsoft.com/office/drawing/2014/main" id="{F5763FE3-0FC9-4422-92B1-5542BE16E2D4}"/>
+              </a:ext>
+            </a:extLst>
+          </p:cNvPr>
+          <p:cNvPicPr>
+            <a:picLocks noChangeAspect="1"/>
+          </p:cNvPicPr>
+          <p:nvPr/>
+        </p:nvPicPr>
+        <p:blipFill>
+          <a:blip r:embed="rId3"/>
+          <a:stretch>
+            <a:fillRect/>
+          </a:stretch>
+        </p:blipFill>
+        <p:spPr>
+          <a:xfrm>
+            <a:off x="10075148" y="4347979"/>
+            <a:ext cx="1847793" cy="1684936"/>
+          </a:xfrm>
+          <a:prstGeom prst="rect">
+            <a:avLst/>
+          </a:prstGeom>
+        </p:spPr>
+      </p:pic>
+      <p:pic>
+        <p:nvPicPr>
+          <p:cNvPr id="53" name="Imagem 52">
+            <a:extLst>
+              <a:ext uri="{FF2B5EF4-FFF2-40B4-BE49-F238E27FC236}">
+                <a16:creationId xmlns:a16="http://schemas.microsoft.com/office/drawing/2014/main" id="{0B4D6C52-77C5-4A57-A299-05AA26BEB359}"/>
               </a:ext>
             </a:extLst>
           </p:cNvPr>
@@ -5290,8 +4297,8 @@
         </p:blipFill>
         <p:spPr>
           <a:xfrm>
-            <a:off x="1294307" y="4595460"/>
-            <a:ext cx="381340" cy="381340"/>
+            <a:off x="4590533" y="4508464"/>
+            <a:ext cx="419875" cy="417420"/>
           </a:xfrm>
           <a:prstGeom prst="rect">
             <a:avLst/>
@@ -5300,10 +4307,10 @@
       </p:pic>
       <p:pic>
         <p:nvPicPr>
-          <p:cNvPr id="51" name="Imagem 50">
-            <a:extLst>
-              <a:ext uri="{FF2B5EF4-FFF2-40B4-BE49-F238E27FC236}">
-                <a16:creationId xmlns:a16="http://schemas.microsoft.com/office/drawing/2014/main" id="{F5763FE3-0FC9-4422-92B1-5542BE16E2D4}"/>
+          <p:cNvPr id="55" name="Imagem 54">
+            <a:extLst>
+              <a:ext uri="{FF2B5EF4-FFF2-40B4-BE49-F238E27FC236}">
+                <a16:creationId xmlns:a16="http://schemas.microsoft.com/office/drawing/2014/main" id="{27980C2D-8228-4655-A73E-87903645A8C8}"/>
               </a:ext>
             </a:extLst>
           </p:cNvPr>
@@ -5313,67 +4320,7 @@
           <p:nvPr/>
         </p:nvPicPr>
         <p:blipFill>
-          <a:blip r:embed="rId3"/>
-          <a:stretch>
-            <a:fillRect/>
-          </a:stretch>
-        </p:blipFill>
-        <p:spPr>
-          <a:xfrm>
-            <a:off x="10138227" y="4515763"/>
-            <a:ext cx="1496417" cy="1364529"/>
-          </a:xfrm>
-          <a:prstGeom prst="rect">
-            <a:avLst/>
-          </a:prstGeom>
-        </p:spPr>
-      </p:pic>
-      <p:pic>
-        <p:nvPicPr>
-          <p:cNvPr id="53" name="Imagem 52">
-            <a:extLst>
-              <a:ext uri="{FF2B5EF4-FFF2-40B4-BE49-F238E27FC236}">
-                <a16:creationId xmlns:a16="http://schemas.microsoft.com/office/drawing/2014/main" id="{0B4D6C52-77C5-4A57-A299-05AA26BEB359}"/>
-              </a:ext>
-            </a:extLst>
-          </p:cNvPr>
-          <p:cNvPicPr>
-            <a:picLocks noChangeAspect="1"/>
-          </p:cNvPicPr>
-          <p:nvPr/>
-        </p:nvPicPr>
-        <p:blipFill>
-          <a:blip r:embed="rId7"/>
-          <a:stretch>
-            <a:fillRect/>
-          </a:stretch>
-        </p:blipFill>
-        <p:spPr>
-          <a:xfrm>
-            <a:off x="4638861" y="4578525"/>
-            <a:ext cx="419875" cy="417420"/>
-          </a:xfrm>
-          <a:prstGeom prst="rect">
-            <a:avLst/>
-          </a:prstGeom>
-        </p:spPr>
-      </p:pic>
-      <p:pic>
-        <p:nvPicPr>
-          <p:cNvPr id="55" name="Imagem 54">
-            <a:extLst>
-              <a:ext uri="{FF2B5EF4-FFF2-40B4-BE49-F238E27FC236}">
-                <a16:creationId xmlns:a16="http://schemas.microsoft.com/office/drawing/2014/main" id="{27980C2D-8228-4655-A73E-87903645A8C8}"/>
-              </a:ext>
-            </a:extLst>
-          </p:cNvPr>
-          <p:cNvPicPr>
-            <a:picLocks noChangeAspect="1"/>
-          </p:cNvPicPr>
-          <p:nvPr/>
-        </p:nvPicPr>
-        <p:blipFill>
-          <a:blip r:embed="rId7"/>
+          <a:blip r:embed="rId6"/>
           <a:stretch>
             <a:fillRect/>
           </a:stretch>
@@ -5404,8 +4351,8 @@
         </p:nvCxnSpPr>
         <p:spPr>
           <a:xfrm flipV="1">
-            <a:off x="6229591" y="2847853"/>
-            <a:ext cx="545178" cy="789997"/>
+            <a:off x="6076444" y="1713145"/>
+            <a:ext cx="361048" cy="1808567"/>
           </a:xfrm>
           <a:prstGeom prst="straightConnector1">
             <a:avLst/>
@@ -5443,7 +4390,7 @@
         </p:nvSpPr>
         <p:spPr>
           <a:xfrm>
-            <a:off x="6814756" y="1234600"/>
+            <a:off x="7370281" y="1682277"/>
             <a:ext cx="2416570" cy="400110"/>
           </a:xfrm>
           <a:prstGeom prst="rect">
@@ -5483,7 +4430,7 @@
           <p:nvPr/>
         </p:nvPicPr>
         <p:blipFill>
-          <a:blip r:embed="rId8">
+          <a:blip r:embed="rId7">
             <a:extLst>
               <a:ext uri="{28A0092B-C50C-407E-A947-70E740481C1C}">
                 <a14:useLocalDpi xmlns:a14="http://schemas.microsoft.com/office/drawing/2010/main" val="0"/>
@@ -5497,7 +4444,7 @@
         </p:blipFill>
         <p:spPr bwMode="auto">
           <a:xfrm>
-            <a:off x="8608479" y="1289650"/>
+            <a:off x="9164004" y="1737327"/>
             <a:ext cx="467108" cy="280265"/>
           </a:xfrm>
           <a:prstGeom prst="rect">
@@ -5530,7 +4477,7 @@
           <p:nvPr/>
         </p:nvPicPr>
         <p:blipFill>
-          <a:blip r:embed="rId9">
+          <a:blip r:embed="rId8">
             <a:extLst>
               <a:ext uri="{28A0092B-C50C-407E-A947-70E740481C1C}">
                 <a14:useLocalDpi xmlns:a14="http://schemas.microsoft.com/office/drawing/2010/main" val="0"/>
@@ -5577,11 +4524,11 @@
           <p:nvPr/>
         </p:nvPicPr>
         <p:blipFill>
-          <a:blip r:embed="rId10">
+          <a:blip r:embed="rId9">
             <a:extLst>
               <a:ext uri="{BEBA8EAE-BF5A-486C-A8C5-ECC9F3942E4B}">
                 <a14:imgProps xmlns:a14="http://schemas.microsoft.com/office/drawing/2010/main">
-                  <a14:imgLayer r:embed="rId11">
+                  <a14:imgLayer r:embed="rId10">
                     <a14:imgEffect>
                       <a14:backgroundRemoval t="8661" b="89961" l="9843" r="89961">
                         <a14:foregroundMark x1="50394" y1="9449" x2="50394" y2="9449"/>
@@ -5697,7 +4644,7 @@
           <p:nvPr/>
         </p:nvPicPr>
         <p:blipFill>
-          <a:blip r:embed="rId12">
+          <a:blip r:embed="rId11">
             <a:extLst>
               <a:ext uri="{28A0092B-C50C-407E-A947-70E740481C1C}">
                 <a14:useLocalDpi xmlns:a14="http://schemas.microsoft.com/office/drawing/2010/main" val="0"/>
@@ -5733,15 +4680,15 @@
           <p:nvPr/>
         </p:nvPicPr>
         <p:blipFill>
-          <a:blip r:embed="rId6"/>
+          <a:blip r:embed="rId12"/>
           <a:stretch>
             <a:fillRect/>
           </a:stretch>
         </p:blipFill>
         <p:spPr>
           <a:xfrm>
-            <a:off x="10615665" y="4560587"/>
-            <a:ext cx="472488" cy="472488"/>
+            <a:off x="10333922" y="4508464"/>
+            <a:ext cx="408111" cy="408111"/>
           </a:xfrm>
           <a:prstGeom prst="rect">
             <a:avLst/>
@@ -5818,8 +4765,8 @@
         </p:blipFill>
         <p:spPr>
           <a:xfrm>
-            <a:off x="10920582" y="4874815"/>
-            <a:ext cx="233973" cy="428320"/>
+            <a:off x="10937568" y="4797488"/>
+            <a:ext cx="273443" cy="500575"/>
           </a:xfrm>
           <a:prstGeom prst="rect">
             <a:avLst/>
@@ -5896,8 +4843,8 @@
         </p:blipFill>
         <p:spPr>
           <a:xfrm>
-            <a:off x="10493716" y="4890401"/>
-            <a:ext cx="259476" cy="349203"/>
+            <a:off x="10541178" y="4823717"/>
+            <a:ext cx="303248" cy="408111"/>
           </a:xfrm>
           <a:prstGeom prst="rect">
             <a:avLst/>
@@ -5981,7 +4928,7 @@
         </p:blipFill>
         <p:spPr bwMode="auto">
           <a:xfrm>
-            <a:off x="8023041" y="1821770"/>
+            <a:off x="8578566" y="2269447"/>
             <a:ext cx="445846" cy="320742"/>
           </a:xfrm>
           <a:prstGeom prst="rect">
@@ -6013,7 +4960,7 @@
         </p:nvSpPr>
         <p:spPr>
           <a:xfrm>
-            <a:off x="7869611" y="2096308"/>
+            <a:off x="8425136" y="2543985"/>
             <a:ext cx="725030" cy="261610"/>
           </a:xfrm>
           <a:prstGeom prst="rect">
@@ -6409,8 +5356,8 @@
         </p:blipFill>
         <p:spPr bwMode="auto">
           <a:xfrm>
-            <a:off x="3834028" y="1235453"/>
-            <a:ext cx="238458" cy="273915"/>
+            <a:off x="6180744" y="746636"/>
+            <a:ext cx="455345" cy="523052"/>
           </a:xfrm>
           <a:prstGeom prst="rect">
             <a:avLst/>
@@ -7171,7 +6118,7 @@
         </p:nvSpPr>
         <p:spPr>
           <a:xfrm>
-            <a:off x="10236336" y="5873013"/>
+            <a:off x="10347890" y="5937414"/>
             <a:ext cx="1368492" cy="430887"/>
           </a:xfrm>
           <a:prstGeom prst="rect">
@@ -7207,7 +6154,7 @@
         </p:nvSpPr>
         <p:spPr>
           <a:xfrm>
-            <a:off x="644707" y="5880292"/>
+            <a:off x="497629" y="6092807"/>
             <a:ext cx="1755372" cy="430887"/>
           </a:xfrm>
           <a:prstGeom prst="rect">
@@ -7224,7 +6171,7 @@
             <a:pPr algn="ctr"/>
             <a:r>
               <a:rPr lang="pt-BR" sz="1100" dirty="0"/>
-              <a:t>Notebook/ Desktop do técnico</a:t>
+              <a:t>Notebook / Desktop do técnico</a:t>
             </a:r>
           </a:p>
         </p:txBody>
@@ -7265,54 +6212,211 @@
           </a:p>
         </p:txBody>
       </p:sp>
-    </p:spTree>
-    <p:extLst>
-      <p:ext uri="{BB962C8B-B14F-4D97-AF65-F5344CB8AC3E}">
-        <p14:creationId xmlns:p14="http://schemas.microsoft.com/office/powerpoint/2010/main" val="470251281"/>
-      </p:ext>
-    </p:extLst>
-  </p:cSld>
-  <p:clrMapOvr>
-    <a:masterClrMapping/>
-  </p:clrMapOvr>
-</p:sld>
-</file>
-
-<file path=ppt/slides/slide2.xml><?xml version="1.0" encoding="utf-8"?>
-<p:sld xmlns:a="http://schemas.openxmlformats.org/drawingml/2006/main" xmlns:r="http://schemas.openxmlformats.org/officeDocument/2006/relationships" xmlns:p="http://schemas.openxmlformats.org/presentationml/2006/main">
-  <p:cSld>
-    <p:spTree>
-      <p:nvGrpSpPr>
-        <p:cNvPr id="1" name=""/>
-        <p:cNvGrpSpPr/>
-        <p:nvPr/>
-      </p:nvGrpSpPr>
-      <p:grpSpPr>
-        <a:xfrm>
-          <a:off x="0" y="0"/>
-          <a:ext cx="0" cy="0"/>
-          <a:chOff x="0" y="0"/>
-          <a:chExt cx="0" cy="0"/>
-        </a:xfrm>
-      </p:grpSpPr>
-      <p:sp>
-        <p:nvSpPr>
-          <p:cNvPr id="2" name="AutoShape 2">
-            <a:extLst>
-              <a:ext uri="{FF2B5EF4-FFF2-40B4-BE49-F238E27FC236}">
-                <a16:creationId xmlns:a16="http://schemas.microsoft.com/office/drawing/2014/main" id="{1ACCAA73-AB4D-4A14-A8AE-8F3D251F7AD1}"/>
-              </a:ext>
-            </a:extLst>
-          </p:cNvPr>
-          <p:cNvSpPr>
-            <a:spLocks noChangeAspect="1" noChangeArrowheads="1"/>
-          </p:cNvSpPr>
+      <p:sp>
+        <p:nvSpPr>
+          <p:cNvPr id="23" name="CaixaDeTexto 67">
+            <a:extLst>
+              <a:ext uri="{FF2B5EF4-FFF2-40B4-BE49-F238E27FC236}">
+                <a16:creationId xmlns:a16="http://schemas.microsoft.com/office/drawing/2014/main" id="{DA652E5A-A580-4691-AA67-CBE3316E920C}"/>
+              </a:ext>
+            </a:extLst>
+          </p:cNvPr>
+          <p:cNvSpPr txBox="1"/>
           <p:nvPr/>
         </p:nvSpPr>
+        <p:spPr>
+          <a:xfrm>
+            <a:off x="6055238" y="1225503"/>
+            <a:ext cx="691844" cy="261610"/>
+          </a:xfrm>
+          <a:prstGeom prst="rect">
+            <a:avLst/>
+          </a:prstGeom>
+          <a:noFill/>
+        </p:spPr>
+        <p:txBody>
+          <a:bodyPr wrap="square" rtlCol="0">
+            <a:spAutoFit/>
+          </a:bodyPr>
+          <a:lstStyle/>
+          <a:p>
+            <a:pPr algn="ctr"/>
+            <a:r>
+              <a:rPr lang="pt-BR" sz="1100" b="0" i="0" dirty="0">
+                <a:effectLst/>
+              </a:rPr>
+              <a:t>ChartJS</a:t>
+            </a:r>
+            <a:endParaRPr lang="pt-BR" sz="1100" dirty="0"/>
+          </a:p>
+        </p:txBody>
+      </p:sp>
+      <p:cxnSp>
+        <p:nvCxnSpPr>
+          <p:cNvPr id="69" name="Conector de Seta Reta 60">
+            <a:extLst>
+              <a:ext uri="{FF2B5EF4-FFF2-40B4-BE49-F238E27FC236}">
+                <a16:creationId xmlns:a16="http://schemas.microsoft.com/office/drawing/2014/main" id="{A5C5030C-2D18-4A6F-BB1E-7E5CF5C2CABA}"/>
+              </a:ext>
+            </a:extLst>
+          </p:cNvPr>
+          <p:cNvCxnSpPr>
+            <a:cxnSpLocks/>
+          </p:cNvCxnSpPr>
+          <p:nvPr/>
+        </p:nvCxnSpPr>
+        <p:spPr>
+          <a:xfrm flipV="1">
+            <a:off x="6427043" y="2957470"/>
+            <a:ext cx="972404" cy="812100"/>
+          </a:xfrm>
+          <a:prstGeom prst="straightConnector1">
+            <a:avLst/>
+          </a:prstGeom>
+          <a:ln>
+            <a:tailEnd type="triangle"/>
+          </a:ln>
+        </p:spPr>
+        <p:style>
+          <a:lnRef idx="3">
+            <a:schemeClr val="dk1"/>
+          </a:lnRef>
+          <a:fillRef idx="0">
+            <a:schemeClr val="dk1"/>
+          </a:fillRef>
+          <a:effectRef idx="2">
+            <a:schemeClr val="dk1"/>
+          </a:effectRef>
+          <a:fontRef idx="minor">
+            <a:schemeClr val="tx1"/>
+          </a:fontRef>
+        </p:style>
+      </p:cxnSp>
+      <p:pic>
+        <p:nvPicPr>
+          <p:cNvPr id="57" name="Picture 56">
+            <a:extLst>
+              <a:ext uri="{FF2B5EF4-FFF2-40B4-BE49-F238E27FC236}">
+                <a16:creationId xmlns:a16="http://schemas.microsoft.com/office/drawing/2014/main" id="{FFF1996B-58A2-4D48-B37F-AD863C15B6EC}"/>
+              </a:ext>
+            </a:extLst>
+          </p:cNvPr>
+          <p:cNvPicPr>
+            <a:picLocks noChangeAspect="1"/>
+          </p:cNvPicPr>
+          <p:nvPr/>
+        </p:nvPicPr>
+        <p:blipFill>
+          <a:blip r:embed="rId35">
+            <a:extLst>
+              <a:ext uri="{BEBA8EAE-BF5A-486C-A8C5-ECC9F3942E4B}">
+                <a14:imgProps xmlns:a14="http://schemas.microsoft.com/office/drawing/2010/main">
+                  <a14:imgLayer r:embed="rId36">
+                    <a14:imgEffect>
+                      <a14:backgroundRemoval t="4375" b="90000" l="10000" r="90000">
+                        <a14:foregroundMark x1="26250" y1="33125" x2="25833" y2="25750"/>
+                        <a14:foregroundMark x1="25833" y1="25750" x2="27833" y2="18500"/>
+                        <a14:foregroundMark x1="29917" y1="15500" x2="38083" y2="8000"/>
+                        <a14:foregroundMark x1="38083" y1="8000" x2="56917" y2="4375"/>
+                        <a14:foregroundMark x1="56917" y1="4375" x2="66000" y2="10000"/>
+                        <a14:foregroundMark x1="66000" y1="10000" x2="70500" y2="14125"/>
+                        <a14:foregroundMark x1="70500" y1="14125" x2="73250" y2="20375"/>
+                        <a14:foregroundMark x1="73250" y1="20375" x2="77000" y2="39750"/>
+                        <a14:foregroundMark x1="62333" y1="44875" x2="40250" y2="46250"/>
+                        <a14:foregroundMark x1="43583" y1="56375" x2="43583" y2="56375"/>
+                        <a14:foregroundMark x1="56167" y1="56750" x2="56167" y2="56750"/>
+                      </a14:backgroundRemoval>
+                    </a14:imgEffect>
+                  </a14:imgLayer>
+                </a14:imgProps>
+              </a:ext>
+              <a:ext uri="{28A0092B-C50C-407E-A947-70E740481C1C}">
+                <a14:useLocalDpi xmlns:a14="http://schemas.microsoft.com/office/drawing/2010/main" val="0"/>
+              </a:ext>
+            </a:extLst>
+          </a:blip>
+          <a:stretch>
+            <a:fillRect/>
+          </a:stretch>
+        </p:blipFill>
+        <p:spPr>
+          <a:xfrm>
+            <a:off x="6759617" y="772425"/>
+            <a:ext cx="707211" cy="471474"/>
+          </a:xfrm>
+          <a:prstGeom prst="rect">
+            <a:avLst/>
+          </a:prstGeom>
+        </p:spPr>
+      </p:pic>
+      <p:sp>
+        <p:nvSpPr>
+          <p:cNvPr id="58" name="CaixaDeTexto 67">
+            <a:extLst>
+              <a:ext uri="{FF2B5EF4-FFF2-40B4-BE49-F238E27FC236}">
+                <a16:creationId xmlns:a16="http://schemas.microsoft.com/office/drawing/2014/main" id="{E12DD363-B278-4028-B311-35C528C5BD6E}"/>
+              </a:ext>
+            </a:extLst>
+          </p:cNvPr>
+          <p:cNvSpPr txBox="1"/>
+          <p:nvPr/>
+        </p:nvSpPr>
+        <p:spPr>
+          <a:xfrm>
+            <a:off x="6628889" y="1225503"/>
+            <a:ext cx="1005068" cy="261610"/>
+          </a:xfrm>
+          <a:prstGeom prst="rect">
+            <a:avLst/>
+          </a:prstGeom>
+          <a:noFill/>
+        </p:spPr>
+        <p:txBody>
+          <a:bodyPr wrap="square" rtlCol="0">
+            <a:spAutoFit/>
+          </a:bodyPr>
+          <a:lstStyle/>
+          <a:p>
+            <a:pPr algn="ctr"/>
+            <a:r>
+              <a:rPr lang="pt-BR" sz="1100" b="0" i="0" dirty="0">
+                <a:effectLst/>
+              </a:rPr>
+              <a:t>TeamViewer</a:t>
+            </a:r>
+            <a:endParaRPr lang="pt-BR" sz="1100" dirty="0"/>
+          </a:p>
+        </p:txBody>
+      </p:sp>
+      <p:pic>
+        <p:nvPicPr>
+          <p:cNvPr id="63" name="Picture 2" descr="GitHub - oshi/oshi: Native Operating System and Hardware Information">
+            <a:extLst>
+              <a:ext uri="{FF2B5EF4-FFF2-40B4-BE49-F238E27FC236}">
+                <a16:creationId xmlns:a16="http://schemas.microsoft.com/office/drawing/2014/main" id="{AC6A7A05-9FD3-4161-8CE3-031324CA48A9}"/>
+              </a:ext>
+            </a:extLst>
+          </p:cNvPr>
+          <p:cNvPicPr>
+            <a:picLocks noChangeAspect="1" noChangeArrowheads="1"/>
+          </p:cNvPicPr>
+          <p:nvPr/>
+        </p:nvPicPr>
+        <p:blipFill rotWithShape="1">
+          <a:blip r:embed="rId37">
+            <a:extLst>
+              <a:ext uri="{28A0092B-C50C-407E-A947-70E740481C1C}">
+                <a14:useLocalDpi xmlns:a14="http://schemas.microsoft.com/office/drawing/2010/main" val="0"/>
+              </a:ext>
+            </a:extLst>
+          </a:blip>
+          <a:srcRect r="72464"/>
+          <a:stretch/>
+        </p:blipFill>
         <p:spPr bwMode="auto">
           <a:xfrm>
-            <a:off x="5943599" y="-2418471"/>
-            <a:ext cx="5999871" cy="5999871"/>
+            <a:off x="11072820" y="4508464"/>
+            <a:ext cx="390393" cy="294629"/>
           </a:xfrm>
           <a:prstGeom prst="rect">
             <a:avLst/>
@@ -7328,22 +6432,200 @@
             </a:ext>
           </a:extLst>
         </p:spPr>
-        <p:txBody>
-          <a:bodyPr vert="horz" wrap="square" lIns="91440" tIns="45720" rIns="91440" bIns="45720" numCol="1" anchor="t" anchorCtr="0" compatLnSpc="1">
-            <a:prstTxWarp prst="textNoShape">
-              <a:avLst/>
-            </a:prstTxWarp>
-          </a:bodyPr>
-          <a:lstStyle/>
-          <a:p>
-            <a:endParaRPr lang="pt-BR"/>
-          </a:p>
-        </p:txBody>
-      </p:sp>
+      </p:pic>
+      <p:pic>
+        <p:nvPicPr>
+          <p:cNvPr id="64" name="Picture 2" descr="GitHub - oshi/oshi: Native Operating System and Hardware Information">
+            <a:extLst>
+              <a:ext uri="{FF2B5EF4-FFF2-40B4-BE49-F238E27FC236}">
+                <a16:creationId xmlns:a16="http://schemas.microsoft.com/office/drawing/2014/main" id="{75EF0643-DD71-41B6-9A0A-FF5B7A8A8D03}"/>
+              </a:ext>
+            </a:extLst>
+          </p:cNvPr>
+          <p:cNvPicPr>
+            <a:picLocks noChangeAspect="1" noChangeArrowheads="1"/>
+          </p:cNvPicPr>
+          <p:nvPr/>
+        </p:nvPicPr>
+        <p:blipFill rotWithShape="1">
+          <a:blip r:embed="rId37">
+            <a:extLst>
+              <a:ext uri="{28A0092B-C50C-407E-A947-70E740481C1C}">
+                <a14:useLocalDpi xmlns:a14="http://schemas.microsoft.com/office/drawing/2010/main" val="0"/>
+              </a:ext>
+            </a:extLst>
+          </a:blip>
+          <a:srcRect r="72464"/>
+          <a:stretch/>
+        </p:blipFill>
+        <p:spPr bwMode="auto">
+          <a:xfrm>
+            <a:off x="3789997" y="1225503"/>
+            <a:ext cx="334042" cy="252101"/>
+          </a:xfrm>
+          <a:prstGeom prst="rect">
+            <a:avLst/>
+          </a:prstGeom>
+          <a:noFill/>
+          <a:extLst>
+            <a:ext uri="{909E8E84-426E-40DD-AFC4-6F175D3DCCD1}">
+              <a14:hiddenFill xmlns:a14="http://schemas.microsoft.com/office/drawing/2010/main">
+                <a:solidFill>
+                  <a:srgbClr val="FFFFFF"/>
+                </a:solidFill>
+              </a14:hiddenFill>
+            </a:ext>
+          </a:extLst>
+        </p:spPr>
+      </p:pic>
+      <p:pic>
+        <p:nvPicPr>
+          <p:cNvPr id="72" name="Picture 71">
+            <a:extLst>
+              <a:ext uri="{FF2B5EF4-FFF2-40B4-BE49-F238E27FC236}">
+                <a16:creationId xmlns:a16="http://schemas.microsoft.com/office/drawing/2014/main" id="{5B4EE446-BA91-41AE-B6CD-9C908F9BB3B4}"/>
+              </a:ext>
+            </a:extLst>
+          </p:cNvPr>
+          <p:cNvPicPr>
+            <a:picLocks noChangeAspect="1"/>
+          </p:cNvPicPr>
+          <p:nvPr/>
+        </p:nvPicPr>
+        <p:blipFill>
+          <a:blip r:embed="rId35">
+            <a:extLst>
+              <a:ext uri="{BEBA8EAE-BF5A-486C-A8C5-ECC9F3942E4B}">
+                <a14:imgProps xmlns:a14="http://schemas.microsoft.com/office/drawing/2010/main">
+                  <a14:imgLayer r:embed="rId36">
+                    <a14:imgEffect>
+                      <a14:backgroundRemoval t="4375" b="90000" l="10000" r="90000">
+                        <a14:foregroundMark x1="26250" y1="33125" x2="25833" y2="25750"/>
+                        <a14:foregroundMark x1="25833" y1="25750" x2="27833" y2="18500"/>
+                        <a14:foregroundMark x1="29917" y1="15500" x2="38083" y2="8000"/>
+                        <a14:foregroundMark x1="38083" y1="8000" x2="56917" y2="4375"/>
+                        <a14:foregroundMark x1="56917" y1="4375" x2="66000" y2="10000"/>
+                        <a14:foregroundMark x1="66000" y1="10000" x2="70500" y2="14125"/>
+                        <a14:foregroundMark x1="70500" y1="14125" x2="73250" y2="20375"/>
+                        <a14:foregroundMark x1="73250" y1="20375" x2="77000" y2="39750"/>
+                        <a14:foregroundMark x1="62333" y1="44875" x2="40250" y2="46250"/>
+                        <a14:foregroundMark x1="43583" y1="56375" x2="43583" y2="56375"/>
+                        <a14:foregroundMark x1="56167" y1="56750" x2="56167" y2="56750"/>
+                      </a14:backgroundRemoval>
+                    </a14:imgEffect>
+                  </a14:imgLayer>
+                </a14:imgProps>
+              </a:ext>
+              <a:ext uri="{28A0092B-C50C-407E-A947-70E740481C1C}">
+                <a14:useLocalDpi xmlns:a14="http://schemas.microsoft.com/office/drawing/2010/main" val="0"/>
+              </a:ext>
+            </a:extLst>
+          </a:blip>
+          <a:stretch>
+            <a:fillRect/>
+          </a:stretch>
+        </p:blipFill>
+        <p:spPr>
+          <a:xfrm>
+            <a:off x="10663989" y="4524757"/>
+            <a:ext cx="461440" cy="307627"/>
+          </a:xfrm>
+          <a:prstGeom prst="rect">
+            <a:avLst/>
+          </a:prstGeom>
+        </p:spPr>
+      </p:pic>
+      <p:pic>
+        <p:nvPicPr>
+          <p:cNvPr id="73" name="Imagem 7">
+            <a:extLst>
+              <a:ext uri="{FF2B5EF4-FFF2-40B4-BE49-F238E27FC236}">
+                <a16:creationId xmlns:a16="http://schemas.microsoft.com/office/drawing/2014/main" id="{57718F41-EE6C-48A6-BE6D-8BD29A24AD0E}"/>
+              </a:ext>
+            </a:extLst>
+          </p:cNvPr>
+          <p:cNvPicPr>
+            <a:picLocks noChangeAspect="1"/>
+          </p:cNvPicPr>
+          <p:nvPr/>
+        </p:nvPicPr>
+        <p:blipFill>
+          <a:blip r:embed="rId12"/>
+          <a:stretch>
+            <a:fillRect/>
+          </a:stretch>
+        </p:blipFill>
+        <p:spPr>
+          <a:xfrm>
+            <a:off x="941688" y="4575576"/>
+            <a:ext cx="408111" cy="408111"/>
+          </a:xfrm>
+          <a:prstGeom prst="rect">
+            <a:avLst/>
+          </a:prstGeom>
+        </p:spPr>
+      </p:pic>
+      <p:pic>
+        <p:nvPicPr>
+          <p:cNvPr id="74" name="Picture 73">
+            <a:extLst>
+              <a:ext uri="{FF2B5EF4-FFF2-40B4-BE49-F238E27FC236}">
+                <a16:creationId xmlns:a16="http://schemas.microsoft.com/office/drawing/2014/main" id="{1B17788E-FEC5-47F0-B3A4-E777F0DAD2F0}"/>
+              </a:ext>
+            </a:extLst>
+          </p:cNvPr>
+          <p:cNvPicPr>
+            <a:picLocks noChangeAspect="1"/>
+          </p:cNvPicPr>
+          <p:nvPr/>
+        </p:nvPicPr>
+        <p:blipFill>
+          <a:blip r:embed="rId35">
+            <a:extLst>
+              <a:ext uri="{BEBA8EAE-BF5A-486C-A8C5-ECC9F3942E4B}">
+                <a14:imgProps xmlns:a14="http://schemas.microsoft.com/office/drawing/2010/main">
+                  <a14:imgLayer r:embed="rId36">
+                    <a14:imgEffect>
+                      <a14:backgroundRemoval t="4375" b="90000" l="10000" r="90000">
+                        <a14:foregroundMark x1="26250" y1="33125" x2="25833" y2="25750"/>
+                        <a14:foregroundMark x1="25833" y1="25750" x2="27833" y2="18500"/>
+                        <a14:foregroundMark x1="29917" y1="15500" x2="38083" y2="8000"/>
+                        <a14:foregroundMark x1="38083" y1="8000" x2="56917" y2="4375"/>
+                        <a14:foregroundMark x1="56917" y1="4375" x2="66000" y2="10000"/>
+                        <a14:foregroundMark x1="66000" y1="10000" x2="70500" y2="14125"/>
+                        <a14:foregroundMark x1="70500" y1="14125" x2="73250" y2="20375"/>
+                        <a14:foregroundMark x1="73250" y1="20375" x2="77000" y2="39750"/>
+                        <a14:foregroundMark x1="62333" y1="44875" x2="40250" y2="46250"/>
+                        <a14:foregroundMark x1="43583" y1="56375" x2="43583" y2="56375"/>
+                        <a14:foregroundMark x1="56167" y1="56750" x2="56167" y2="56750"/>
+                      </a14:backgroundRemoval>
+                    </a14:imgEffect>
+                  </a14:imgLayer>
+                </a14:imgProps>
+              </a:ext>
+              <a:ext uri="{28A0092B-C50C-407E-A947-70E740481C1C}">
+                <a14:useLocalDpi xmlns:a14="http://schemas.microsoft.com/office/drawing/2010/main" val="0"/>
+              </a:ext>
+            </a:extLst>
+          </a:blip>
+          <a:stretch>
+            <a:fillRect/>
+          </a:stretch>
+        </p:blipFill>
+        <p:spPr>
+          <a:xfrm>
+            <a:off x="1354202" y="4656798"/>
+            <a:ext cx="461440" cy="307627"/>
+          </a:xfrm>
+          <a:prstGeom prst="rect">
+            <a:avLst/>
+          </a:prstGeom>
+        </p:spPr>
+      </p:pic>
     </p:spTree>
     <p:extLst>
       <p:ext uri="{BB962C8B-B14F-4D97-AF65-F5344CB8AC3E}">
-        <p14:creationId xmlns:p14="http://schemas.microsoft.com/office/powerpoint/2010/main" val="4284777791"/>
+        <p14:creationId xmlns:p14="http://schemas.microsoft.com/office/powerpoint/2010/main" val="470251281"/>
       </p:ext>
     </p:extLst>
   </p:cSld>

--- a/Documentação/LLD/LLD.pptx
+++ b/Documentação/LLD/LLD.pptx
@@ -267,7 +267,7 @@
           <a:p>
             <a:fld id="{9124C99E-1E2C-46C7-9544-CFE55FE760E5}" type="datetimeFigureOut">
               <a:rPr lang="pt-BR" smtClean="0"/>
-              <a:t>02/10/2020</a:t>
+              <a:t>08/10/2020</a:t>
             </a:fld>
             <a:endParaRPr lang="pt-BR"/>
           </a:p>
@@ -321,7 +321,7 @@
           <a:p>
             <a:fld id="{C2EDBEC5-4D46-4D4C-AB80-816C94D07B20}" type="slidenum">
               <a:rPr lang="pt-BR" smtClean="0"/>
-              <a:t>‹#›</a:t>
+              <a:t>‹nº›</a:t>
             </a:fld>
             <a:endParaRPr lang="pt-BR"/>
           </a:p>
@@ -465,7 +465,7 @@
           <a:p>
             <a:fld id="{9124C99E-1E2C-46C7-9544-CFE55FE760E5}" type="datetimeFigureOut">
               <a:rPr lang="pt-BR" smtClean="0"/>
-              <a:t>02/10/2020</a:t>
+              <a:t>08/10/2020</a:t>
             </a:fld>
             <a:endParaRPr lang="pt-BR"/>
           </a:p>
@@ -519,7 +519,7 @@
           <a:p>
             <a:fld id="{C2EDBEC5-4D46-4D4C-AB80-816C94D07B20}" type="slidenum">
               <a:rPr lang="pt-BR" smtClean="0"/>
-              <a:t>‹#›</a:t>
+              <a:t>‹nº›</a:t>
             </a:fld>
             <a:endParaRPr lang="pt-BR"/>
           </a:p>
@@ -673,7 +673,7 @@
           <a:p>
             <a:fld id="{9124C99E-1E2C-46C7-9544-CFE55FE760E5}" type="datetimeFigureOut">
               <a:rPr lang="pt-BR" smtClean="0"/>
-              <a:t>02/10/2020</a:t>
+              <a:t>08/10/2020</a:t>
             </a:fld>
             <a:endParaRPr lang="pt-BR"/>
           </a:p>
@@ -727,7 +727,7 @@
           <a:p>
             <a:fld id="{C2EDBEC5-4D46-4D4C-AB80-816C94D07B20}" type="slidenum">
               <a:rPr lang="pt-BR" smtClean="0"/>
-              <a:t>‹#›</a:t>
+              <a:t>‹nº›</a:t>
             </a:fld>
             <a:endParaRPr lang="pt-BR"/>
           </a:p>
@@ -871,7 +871,7 @@
           <a:p>
             <a:fld id="{9124C99E-1E2C-46C7-9544-CFE55FE760E5}" type="datetimeFigureOut">
               <a:rPr lang="pt-BR" smtClean="0"/>
-              <a:t>02/10/2020</a:t>
+              <a:t>08/10/2020</a:t>
             </a:fld>
             <a:endParaRPr lang="pt-BR"/>
           </a:p>
@@ -925,7 +925,7 @@
           <a:p>
             <a:fld id="{C2EDBEC5-4D46-4D4C-AB80-816C94D07B20}" type="slidenum">
               <a:rPr lang="pt-BR" smtClean="0"/>
-              <a:t>‹#›</a:t>
+              <a:t>‹nº›</a:t>
             </a:fld>
             <a:endParaRPr lang="pt-BR"/>
           </a:p>
@@ -1146,7 +1146,7 @@
           <a:p>
             <a:fld id="{9124C99E-1E2C-46C7-9544-CFE55FE760E5}" type="datetimeFigureOut">
               <a:rPr lang="pt-BR" smtClean="0"/>
-              <a:t>02/10/2020</a:t>
+              <a:t>08/10/2020</a:t>
             </a:fld>
             <a:endParaRPr lang="pt-BR"/>
           </a:p>
@@ -1200,7 +1200,7 @@
           <a:p>
             <a:fld id="{C2EDBEC5-4D46-4D4C-AB80-816C94D07B20}" type="slidenum">
               <a:rPr lang="pt-BR" smtClean="0"/>
-              <a:t>‹#›</a:t>
+              <a:t>‹nº›</a:t>
             </a:fld>
             <a:endParaRPr lang="pt-BR"/>
           </a:p>
@@ -1411,7 +1411,7 @@
           <a:p>
             <a:fld id="{9124C99E-1E2C-46C7-9544-CFE55FE760E5}" type="datetimeFigureOut">
               <a:rPr lang="pt-BR" smtClean="0"/>
-              <a:t>02/10/2020</a:t>
+              <a:t>08/10/2020</a:t>
             </a:fld>
             <a:endParaRPr lang="pt-BR"/>
           </a:p>
@@ -1465,7 +1465,7 @@
           <a:p>
             <a:fld id="{C2EDBEC5-4D46-4D4C-AB80-816C94D07B20}" type="slidenum">
               <a:rPr lang="pt-BR" smtClean="0"/>
-              <a:t>‹#›</a:t>
+              <a:t>‹nº›</a:t>
             </a:fld>
             <a:endParaRPr lang="pt-BR"/>
           </a:p>
@@ -1823,7 +1823,7 @@
           <a:p>
             <a:fld id="{9124C99E-1E2C-46C7-9544-CFE55FE760E5}" type="datetimeFigureOut">
               <a:rPr lang="pt-BR" smtClean="0"/>
-              <a:t>02/10/2020</a:t>
+              <a:t>08/10/2020</a:t>
             </a:fld>
             <a:endParaRPr lang="pt-BR"/>
           </a:p>
@@ -1877,7 +1877,7 @@
           <a:p>
             <a:fld id="{C2EDBEC5-4D46-4D4C-AB80-816C94D07B20}" type="slidenum">
               <a:rPr lang="pt-BR" smtClean="0"/>
-              <a:t>‹#›</a:t>
+              <a:t>‹nº›</a:t>
             </a:fld>
             <a:endParaRPr lang="pt-BR"/>
           </a:p>
@@ -1964,7 +1964,7 @@
           <a:p>
             <a:fld id="{9124C99E-1E2C-46C7-9544-CFE55FE760E5}" type="datetimeFigureOut">
               <a:rPr lang="pt-BR" smtClean="0"/>
-              <a:t>02/10/2020</a:t>
+              <a:t>08/10/2020</a:t>
             </a:fld>
             <a:endParaRPr lang="pt-BR"/>
           </a:p>
@@ -2018,7 +2018,7 @@
           <a:p>
             <a:fld id="{C2EDBEC5-4D46-4D4C-AB80-816C94D07B20}" type="slidenum">
               <a:rPr lang="pt-BR" smtClean="0"/>
-              <a:t>‹#›</a:t>
+              <a:t>‹nº›</a:t>
             </a:fld>
             <a:endParaRPr lang="pt-BR"/>
           </a:p>
@@ -2077,7 +2077,7 @@
           <a:p>
             <a:fld id="{9124C99E-1E2C-46C7-9544-CFE55FE760E5}" type="datetimeFigureOut">
               <a:rPr lang="pt-BR" smtClean="0"/>
-              <a:t>02/10/2020</a:t>
+              <a:t>08/10/2020</a:t>
             </a:fld>
             <a:endParaRPr lang="pt-BR"/>
           </a:p>
@@ -2131,7 +2131,7 @@
           <a:p>
             <a:fld id="{C2EDBEC5-4D46-4D4C-AB80-816C94D07B20}" type="slidenum">
               <a:rPr lang="pt-BR" smtClean="0"/>
-              <a:t>‹#›</a:t>
+              <a:t>‹nº›</a:t>
             </a:fld>
             <a:endParaRPr lang="pt-BR"/>
           </a:p>
@@ -2388,7 +2388,7 @@
           <a:p>
             <a:fld id="{9124C99E-1E2C-46C7-9544-CFE55FE760E5}" type="datetimeFigureOut">
               <a:rPr lang="pt-BR" smtClean="0"/>
-              <a:t>02/10/2020</a:t>
+              <a:t>08/10/2020</a:t>
             </a:fld>
             <a:endParaRPr lang="pt-BR"/>
           </a:p>
@@ -2442,7 +2442,7 @@
           <a:p>
             <a:fld id="{C2EDBEC5-4D46-4D4C-AB80-816C94D07B20}" type="slidenum">
               <a:rPr lang="pt-BR" smtClean="0"/>
-              <a:t>‹#›</a:t>
+              <a:t>‹nº›</a:t>
             </a:fld>
             <a:endParaRPr lang="pt-BR"/>
           </a:p>
@@ -2676,7 +2676,7 @@
           <a:p>
             <a:fld id="{9124C99E-1E2C-46C7-9544-CFE55FE760E5}" type="datetimeFigureOut">
               <a:rPr lang="pt-BR" smtClean="0"/>
-              <a:t>02/10/2020</a:t>
+              <a:t>08/10/2020</a:t>
             </a:fld>
             <a:endParaRPr lang="pt-BR"/>
           </a:p>
@@ -2730,7 +2730,7 @@
           <a:p>
             <a:fld id="{C2EDBEC5-4D46-4D4C-AB80-816C94D07B20}" type="slidenum">
               <a:rPr lang="pt-BR" smtClean="0"/>
-              <a:t>‹#›</a:t>
+              <a:t>‹nº›</a:t>
             </a:fld>
             <a:endParaRPr lang="pt-BR"/>
           </a:p>
@@ -2917,7 +2917,7 @@
           <a:p>
             <a:fld id="{9124C99E-1E2C-46C7-9544-CFE55FE760E5}" type="datetimeFigureOut">
               <a:rPr lang="pt-BR" smtClean="0"/>
-              <a:t>02/10/2020</a:t>
+              <a:t>08/10/2020</a:t>
             </a:fld>
             <a:endParaRPr lang="pt-BR"/>
           </a:p>
@@ -3007,7 +3007,7 @@
           <a:p>
             <a:fld id="{C2EDBEC5-4D46-4D4C-AB80-816C94D07B20}" type="slidenum">
               <a:rPr lang="pt-BR" smtClean="0"/>
-              <a:t>‹#›</a:t>
+              <a:t>‹nº›</a:t>
             </a:fld>
             <a:endParaRPr lang="pt-BR"/>
           </a:p>
@@ -3348,8 +3348,8 @@
         </p:nvSpPr>
         <p:spPr>
           <a:xfrm rot="11256504">
-            <a:off x="5653255" y="348478"/>
-            <a:ext cx="2142447" cy="1442812"/>
+            <a:off x="5777351" y="229697"/>
+            <a:ext cx="1497471" cy="1442812"/>
           </a:xfrm>
           <a:prstGeom prst="cloud">
             <a:avLst/>
@@ -4001,7 +4001,7 @@
         </p:nvSpPr>
         <p:spPr>
           <a:xfrm>
-            <a:off x="8225966" y="3806327"/>
+            <a:off x="8518292" y="3833175"/>
             <a:ext cx="2416570" cy="369332"/>
           </a:xfrm>
           <a:prstGeom prst="rect">
@@ -4607,7 +4607,7 @@
         </p:nvSpPr>
         <p:spPr>
           <a:xfrm>
-            <a:off x="3576447" y="2205689"/>
+            <a:off x="3910805" y="2221387"/>
             <a:ext cx="725030" cy="261610"/>
           </a:xfrm>
           <a:prstGeom prst="rect">
@@ -4657,7 +4657,7 @@
         </p:blipFill>
         <p:spPr>
           <a:xfrm>
-            <a:off x="3676173" y="1735964"/>
+            <a:off x="4010531" y="1751662"/>
             <a:ext cx="538801" cy="482822"/>
           </a:xfrm>
           <a:prstGeom prst="rect">
@@ -5027,7 +5027,7 @@
         </p:blipFill>
         <p:spPr>
           <a:xfrm>
-            <a:off x="3659081" y="1523363"/>
+            <a:off x="3993439" y="1539061"/>
             <a:ext cx="209014" cy="209014"/>
           </a:xfrm>
           <a:prstGeom prst="rect">
@@ -5081,7 +5081,7 @@
         </p:blipFill>
         <p:spPr>
           <a:xfrm>
-            <a:off x="3849813" y="1527659"/>
+            <a:off x="4184171" y="1543357"/>
             <a:ext cx="209014" cy="209014"/>
           </a:xfrm>
           <a:prstGeom prst="rect">
@@ -5127,7 +5127,7 @@
         </p:blipFill>
         <p:spPr>
           <a:xfrm>
-            <a:off x="4039621" y="1532914"/>
+            <a:off x="4373979" y="1548612"/>
             <a:ext cx="201956" cy="199463"/>
           </a:xfrm>
           <a:prstGeom prst="rect">
@@ -5356,8 +5356,8 @@
         </p:blipFill>
         <p:spPr bwMode="auto">
           <a:xfrm>
-            <a:off x="6180744" y="746636"/>
-            <a:ext cx="455345" cy="523052"/>
+            <a:off x="3380042" y="1703856"/>
+            <a:ext cx="401905" cy="461666"/>
           </a:xfrm>
           <a:prstGeom prst="rect">
             <a:avLst/>
@@ -6226,7 +6226,7 @@
         </p:nvSpPr>
         <p:spPr>
           <a:xfrm>
-            <a:off x="6055238" y="1225503"/>
+            <a:off x="3246839" y="2134744"/>
             <a:ext cx="691844" cy="261610"/>
           </a:xfrm>
           <a:prstGeom prst="rect">
@@ -6341,7 +6341,7 @@
         </p:blipFill>
         <p:spPr>
           <a:xfrm>
-            <a:off x="6759617" y="772425"/>
+            <a:off x="6180227" y="602752"/>
             <a:ext cx="707211" cy="471474"/>
           </a:xfrm>
           <a:prstGeom prst="rect">
@@ -6363,7 +6363,7 @@
         </p:nvSpPr>
         <p:spPr>
           <a:xfrm>
-            <a:off x="6628889" y="1225503"/>
+            <a:off x="6049499" y="1055830"/>
             <a:ext cx="1005068" cy="261610"/>
           </a:xfrm>
           <a:prstGeom prst="rect">
@@ -6460,8 +6460,8 @@
         </p:blipFill>
         <p:spPr bwMode="auto">
           <a:xfrm>
-            <a:off x="3789997" y="1225503"/>
-            <a:ext cx="334042" cy="252101"/>
+            <a:off x="3351778" y="1218089"/>
+            <a:ext cx="479206" cy="361656"/>
           </a:xfrm>
           <a:prstGeom prst="rect">
             <a:avLst/>
@@ -6620,6 +6620,100 @@
           <a:prstGeom prst="rect">
             <a:avLst/>
           </a:prstGeom>
+        </p:spPr>
+      </p:pic>
+      <p:pic>
+        <p:nvPicPr>
+          <p:cNvPr id="18" name="Picture 2" descr="Discord Logo - PNG e Vetor - Download de Logo">
+            <a:extLst>
+              <a:ext uri="{FF2B5EF4-FFF2-40B4-BE49-F238E27FC236}">
+                <a16:creationId xmlns:a16="http://schemas.microsoft.com/office/drawing/2014/main" id="{6FF3084F-AB8B-42A3-A44D-58D396861B9C}"/>
+              </a:ext>
+            </a:extLst>
+          </p:cNvPr>
+          <p:cNvPicPr>
+            <a:picLocks noChangeAspect="1" noChangeArrowheads="1"/>
+          </p:cNvPicPr>
+          <p:nvPr/>
+        </p:nvPicPr>
+        <p:blipFill>
+          <a:blip r:embed="rId30">
+            <a:extLst>
+              <a:ext uri="{28A0092B-C50C-407E-A947-70E740481C1C}">
+                <a14:useLocalDpi xmlns:a14="http://schemas.microsoft.com/office/drawing/2010/main" val="0"/>
+              </a:ext>
+            </a:extLst>
+          </a:blip>
+          <a:srcRect/>
+          <a:stretch>
+            <a:fillRect/>
+          </a:stretch>
+        </p:blipFill>
+        <p:spPr bwMode="auto">
+          <a:xfrm>
+            <a:off x="11383783" y="4944077"/>
+            <a:ext cx="312410" cy="224748"/>
+          </a:xfrm>
+          <a:prstGeom prst="rect">
+            <a:avLst/>
+          </a:prstGeom>
+          <a:noFill/>
+          <a:extLst>
+            <a:ext uri="{909E8E84-426E-40DD-AFC4-6F175D3DCCD1}">
+              <a14:hiddenFill xmlns:a14="http://schemas.microsoft.com/office/drawing/2010/main">
+                <a:solidFill>
+                  <a:srgbClr val="FFFFFF"/>
+                </a:solidFill>
+              </a14:hiddenFill>
+            </a:ext>
+          </a:extLst>
+        </p:spPr>
+      </p:pic>
+      <p:pic>
+        <p:nvPicPr>
+          <p:cNvPr id="21" name="Picture 2" descr="Discord Logo - PNG e Vetor - Download de Logo">
+            <a:extLst>
+              <a:ext uri="{FF2B5EF4-FFF2-40B4-BE49-F238E27FC236}">
+                <a16:creationId xmlns:a16="http://schemas.microsoft.com/office/drawing/2014/main" id="{511663A2-00C3-4D13-A720-ADDC716C5B4F}"/>
+              </a:ext>
+            </a:extLst>
+          </p:cNvPr>
+          <p:cNvPicPr>
+            <a:picLocks noChangeAspect="1" noChangeArrowheads="1"/>
+          </p:cNvPicPr>
+          <p:nvPr/>
+        </p:nvPicPr>
+        <p:blipFill>
+          <a:blip r:embed="rId30">
+            <a:extLst>
+              <a:ext uri="{28A0092B-C50C-407E-A947-70E740481C1C}">
+                <a14:useLocalDpi xmlns:a14="http://schemas.microsoft.com/office/drawing/2010/main" val="0"/>
+              </a:ext>
+            </a:extLst>
+          </a:blip>
+          <a:srcRect/>
+          <a:stretch>
+            <a:fillRect/>
+          </a:stretch>
+        </p:blipFill>
+        <p:spPr bwMode="auto">
+          <a:xfrm>
+            <a:off x="676366" y="4859599"/>
+            <a:ext cx="312410" cy="224748"/>
+          </a:xfrm>
+          <a:prstGeom prst="rect">
+            <a:avLst/>
+          </a:prstGeom>
+          <a:noFill/>
+          <a:extLst>
+            <a:ext uri="{909E8E84-426E-40DD-AFC4-6F175D3DCCD1}">
+              <a14:hiddenFill xmlns:a14="http://schemas.microsoft.com/office/drawing/2010/main">
+                <a:solidFill>
+                  <a:srgbClr val="FFFFFF"/>
+                </a:solidFill>
+              </a14:hiddenFill>
+            </a:ext>
+          </a:extLst>
         </p:spPr>
       </p:pic>
     </p:spTree>

--- a/Documentação/LLD/LLD.pptx
+++ b/Documentação/LLD/LLD.pptx
@@ -267,7 +267,7 @@
           <a:p>
             <a:fld id="{9124C99E-1E2C-46C7-9544-CFE55FE760E5}" type="datetimeFigureOut">
               <a:rPr lang="pt-BR" smtClean="0"/>
-              <a:t>08/10/2020</a:t>
+              <a:t>15/10/2020</a:t>
             </a:fld>
             <a:endParaRPr lang="pt-BR"/>
           </a:p>
@@ -321,7 +321,7 @@
           <a:p>
             <a:fld id="{C2EDBEC5-4D46-4D4C-AB80-816C94D07B20}" type="slidenum">
               <a:rPr lang="pt-BR" smtClean="0"/>
-              <a:t>‹nº›</a:t>
+              <a:t>‹#›</a:t>
             </a:fld>
             <a:endParaRPr lang="pt-BR"/>
           </a:p>
@@ -465,7 +465,7 @@
           <a:p>
             <a:fld id="{9124C99E-1E2C-46C7-9544-CFE55FE760E5}" type="datetimeFigureOut">
               <a:rPr lang="pt-BR" smtClean="0"/>
-              <a:t>08/10/2020</a:t>
+              <a:t>15/10/2020</a:t>
             </a:fld>
             <a:endParaRPr lang="pt-BR"/>
           </a:p>
@@ -519,7 +519,7 @@
           <a:p>
             <a:fld id="{C2EDBEC5-4D46-4D4C-AB80-816C94D07B20}" type="slidenum">
               <a:rPr lang="pt-BR" smtClean="0"/>
-              <a:t>‹nº›</a:t>
+              <a:t>‹#›</a:t>
             </a:fld>
             <a:endParaRPr lang="pt-BR"/>
           </a:p>
@@ -673,7 +673,7 @@
           <a:p>
             <a:fld id="{9124C99E-1E2C-46C7-9544-CFE55FE760E5}" type="datetimeFigureOut">
               <a:rPr lang="pt-BR" smtClean="0"/>
-              <a:t>08/10/2020</a:t>
+              <a:t>15/10/2020</a:t>
             </a:fld>
             <a:endParaRPr lang="pt-BR"/>
           </a:p>
@@ -727,7 +727,7 @@
           <a:p>
             <a:fld id="{C2EDBEC5-4D46-4D4C-AB80-816C94D07B20}" type="slidenum">
               <a:rPr lang="pt-BR" smtClean="0"/>
-              <a:t>‹nº›</a:t>
+              <a:t>‹#›</a:t>
             </a:fld>
             <a:endParaRPr lang="pt-BR"/>
           </a:p>
@@ -871,7 +871,7 @@
           <a:p>
             <a:fld id="{9124C99E-1E2C-46C7-9544-CFE55FE760E5}" type="datetimeFigureOut">
               <a:rPr lang="pt-BR" smtClean="0"/>
-              <a:t>08/10/2020</a:t>
+              <a:t>15/10/2020</a:t>
             </a:fld>
             <a:endParaRPr lang="pt-BR"/>
           </a:p>
@@ -925,7 +925,7 @@
           <a:p>
             <a:fld id="{C2EDBEC5-4D46-4D4C-AB80-816C94D07B20}" type="slidenum">
               <a:rPr lang="pt-BR" smtClean="0"/>
-              <a:t>‹nº›</a:t>
+              <a:t>‹#›</a:t>
             </a:fld>
             <a:endParaRPr lang="pt-BR"/>
           </a:p>
@@ -1146,7 +1146,7 @@
           <a:p>
             <a:fld id="{9124C99E-1E2C-46C7-9544-CFE55FE760E5}" type="datetimeFigureOut">
               <a:rPr lang="pt-BR" smtClean="0"/>
-              <a:t>08/10/2020</a:t>
+              <a:t>15/10/2020</a:t>
             </a:fld>
             <a:endParaRPr lang="pt-BR"/>
           </a:p>
@@ -1200,7 +1200,7 @@
           <a:p>
             <a:fld id="{C2EDBEC5-4D46-4D4C-AB80-816C94D07B20}" type="slidenum">
               <a:rPr lang="pt-BR" smtClean="0"/>
-              <a:t>‹nº›</a:t>
+              <a:t>‹#›</a:t>
             </a:fld>
             <a:endParaRPr lang="pt-BR"/>
           </a:p>
@@ -1411,7 +1411,7 @@
           <a:p>
             <a:fld id="{9124C99E-1E2C-46C7-9544-CFE55FE760E5}" type="datetimeFigureOut">
               <a:rPr lang="pt-BR" smtClean="0"/>
-              <a:t>08/10/2020</a:t>
+              <a:t>15/10/2020</a:t>
             </a:fld>
             <a:endParaRPr lang="pt-BR"/>
           </a:p>
@@ -1465,7 +1465,7 @@
           <a:p>
             <a:fld id="{C2EDBEC5-4D46-4D4C-AB80-816C94D07B20}" type="slidenum">
               <a:rPr lang="pt-BR" smtClean="0"/>
-              <a:t>‹nº›</a:t>
+              <a:t>‹#›</a:t>
             </a:fld>
             <a:endParaRPr lang="pt-BR"/>
           </a:p>
@@ -1823,7 +1823,7 @@
           <a:p>
             <a:fld id="{9124C99E-1E2C-46C7-9544-CFE55FE760E5}" type="datetimeFigureOut">
               <a:rPr lang="pt-BR" smtClean="0"/>
-              <a:t>08/10/2020</a:t>
+              <a:t>15/10/2020</a:t>
             </a:fld>
             <a:endParaRPr lang="pt-BR"/>
           </a:p>
@@ -1877,7 +1877,7 @@
           <a:p>
             <a:fld id="{C2EDBEC5-4D46-4D4C-AB80-816C94D07B20}" type="slidenum">
               <a:rPr lang="pt-BR" smtClean="0"/>
-              <a:t>‹nº›</a:t>
+              <a:t>‹#›</a:t>
             </a:fld>
             <a:endParaRPr lang="pt-BR"/>
           </a:p>
@@ -1964,7 +1964,7 @@
           <a:p>
             <a:fld id="{9124C99E-1E2C-46C7-9544-CFE55FE760E5}" type="datetimeFigureOut">
               <a:rPr lang="pt-BR" smtClean="0"/>
-              <a:t>08/10/2020</a:t>
+              <a:t>15/10/2020</a:t>
             </a:fld>
             <a:endParaRPr lang="pt-BR"/>
           </a:p>
@@ -2018,7 +2018,7 @@
           <a:p>
             <a:fld id="{C2EDBEC5-4D46-4D4C-AB80-816C94D07B20}" type="slidenum">
               <a:rPr lang="pt-BR" smtClean="0"/>
-              <a:t>‹nº›</a:t>
+              <a:t>‹#›</a:t>
             </a:fld>
             <a:endParaRPr lang="pt-BR"/>
           </a:p>
@@ -2077,7 +2077,7 @@
           <a:p>
             <a:fld id="{9124C99E-1E2C-46C7-9544-CFE55FE760E5}" type="datetimeFigureOut">
               <a:rPr lang="pt-BR" smtClean="0"/>
-              <a:t>08/10/2020</a:t>
+              <a:t>15/10/2020</a:t>
             </a:fld>
             <a:endParaRPr lang="pt-BR"/>
           </a:p>
@@ -2131,7 +2131,7 @@
           <a:p>
             <a:fld id="{C2EDBEC5-4D46-4D4C-AB80-816C94D07B20}" type="slidenum">
               <a:rPr lang="pt-BR" smtClean="0"/>
-              <a:t>‹nº›</a:t>
+              <a:t>‹#›</a:t>
             </a:fld>
             <a:endParaRPr lang="pt-BR"/>
           </a:p>
@@ -2388,7 +2388,7 @@
           <a:p>
             <a:fld id="{9124C99E-1E2C-46C7-9544-CFE55FE760E5}" type="datetimeFigureOut">
               <a:rPr lang="pt-BR" smtClean="0"/>
-              <a:t>08/10/2020</a:t>
+              <a:t>15/10/2020</a:t>
             </a:fld>
             <a:endParaRPr lang="pt-BR"/>
           </a:p>
@@ -2442,7 +2442,7 @@
           <a:p>
             <a:fld id="{C2EDBEC5-4D46-4D4C-AB80-816C94D07B20}" type="slidenum">
               <a:rPr lang="pt-BR" smtClean="0"/>
-              <a:t>‹nº›</a:t>
+              <a:t>‹#›</a:t>
             </a:fld>
             <a:endParaRPr lang="pt-BR"/>
           </a:p>
@@ -2676,7 +2676,7 @@
           <a:p>
             <a:fld id="{9124C99E-1E2C-46C7-9544-CFE55FE760E5}" type="datetimeFigureOut">
               <a:rPr lang="pt-BR" smtClean="0"/>
-              <a:t>08/10/2020</a:t>
+              <a:t>15/10/2020</a:t>
             </a:fld>
             <a:endParaRPr lang="pt-BR"/>
           </a:p>
@@ -2730,7 +2730,7 @@
           <a:p>
             <a:fld id="{C2EDBEC5-4D46-4D4C-AB80-816C94D07B20}" type="slidenum">
               <a:rPr lang="pt-BR" smtClean="0"/>
-              <a:t>‹nº›</a:t>
+              <a:t>‹#›</a:t>
             </a:fld>
             <a:endParaRPr lang="pt-BR"/>
           </a:p>
@@ -2917,7 +2917,7 @@
           <a:p>
             <a:fld id="{9124C99E-1E2C-46C7-9544-CFE55FE760E5}" type="datetimeFigureOut">
               <a:rPr lang="pt-BR" smtClean="0"/>
-              <a:t>08/10/2020</a:t>
+              <a:t>15/10/2020</a:t>
             </a:fld>
             <a:endParaRPr lang="pt-BR"/>
           </a:p>
@@ -3007,7 +3007,7 @@
           <a:p>
             <a:fld id="{C2EDBEC5-4D46-4D4C-AB80-816C94D07B20}" type="slidenum">
               <a:rPr lang="pt-BR" smtClean="0"/>
-              <a:t>‹nº›</a:t>
+              <a:t>‹#›</a:t>
             </a:fld>
             <a:endParaRPr lang="pt-BR"/>
           </a:p>
@@ -5162,8 +5162,8 @@
         </p:blipFill>
         <p:spPr bwMode="auto">
           <a:xfrm>
-            <a:off x="4685882" y="2917519"/>
-            <a:ext cx="438248" cy="527756"/>
+            <a:off x="3997243" y="1254857"/>
+            <a:ext cx="190025" cy="228836"/>
           </a:xfrm>
           <a:prstGeom prst="rect">
             <a:avLst/>
@@ -5178,52 +5178,6 @@
               </a14:hiddenFill>
             </a:ext>
           </a:extLst>
-        </p:spPr>
-      </p:pic>
-      <p:pic>
-        <p:nvPicPr>
-          <p:cNvPr id="16" name="Imagem 15">
-            <a:extLst>
-              <a:ext uri="{FF2B5EF4-FFF2-40B4-BE49-F238E27FC236}">
-                <a16:creationId xmlns:a16="http://schemas.microsoft.com/office/drawing/2014/main" id="{C2D169D9-25E1-48D4-B4E6-DA3E0E90357D}"/>
-              </a:ext>
-            </a:extLst>
-          </p:cNvPr>
-          <p:cNvPicPr>
-            <a:picLocks noChangeAspect="1"/>
-          </p:cNvPicPr>
-          <p:nvPr/>
-        </p:nvPicPr>
-        <p:blipFill>
-          <a:blip r:embed="rId19">
-            <a:extLst>
-              <a:ext uri="{BEBA8EAE-BF5A-486C-A8C5-ECC9F3942E4B}">
-                <a14:imgProps xmlns:a14="http://schemas.microsoft.com/office/drawing/2010/main">
-                  <a14:imgLayer r:embed="rId20">
-                    <a14:imgEffect>
-                      <a14:backgroundRemoval t="10000" b="90000" l="10000" r="90000">
-                        <a14:foregroundMark x1="40741" y1="38750" x2="40741" y2="38750"/>
-                        <a14:foregroundMark x1="16049" y1="18750" x2="16049" y2="18750"/>
-                        <a14:foregroundMark x1="59259" y1="35000" x2="59259" y2="35000"/>
-                      </a14:backgroundRemoval>
-                    </a14:imgEffect>
-                  </a14:imgLayer>
-                </a14:imgProps>
-              </a:ext>
-            </a:extLst>
-          </a:blip>
-          <a:stretch>
-            <a:fillRect/>
-          </a:stretch>
-        </p:blipFill>
-        <p:spPr>
-          <a:xfrm>
-            <a:off x="5170872" y="3234002"/>
-            <a:ext cx="380466" cy="375769"/>
-          </a:xfrm>
-          <a:prstGeom prst="rect">
-            <a:avLst/>
-          </a:prstGeom>
         </p:spPr>
       </p:pic>
       <p:pic>
@@ -5640,50 +5594,8 @@
         </p:nvCxnSpPr>
         <p:spPr>
           <a:xfrm flipH="1" flipV="1">
-            <a:off x="5546901" y="3549327"/>
-            <a:ext cx="234958" cy="184210"/>
-          </a:xfrm>
-          <a:prstGeom prst="straightConnector1">
-            <a:avLst/>
-          </a:prstGeom>
-          <a:ln>
-            <a:headEnd type="triangle"/>
-            <a:tailEnd type="triangle"/>
-          </a:ln>
-        </p:spPr>
-        <p:style>
-          <a:lnRef idx="3">
-            <a:schemeClr val="dk1"/>
-          </a:lnRef>
-          <a:fillRef idx="0">
-            <a:schemeClr val="dk1"/>
-          </a:fillRef>
-          <a:effectRef idx="2">
-            <a:schemeClr val="dk1"/>
-          </a:effectRef>
-          <a:fontRef idx="minor">
-            <a:schemeClr val="tx1"/>
-          </a:fontRef>
-        </p:style>
-      </p:cxnSp>
-      <p:cxnSp>
-        <p:nvCxnSpPr>
-          <p:cNvPr id="46" name="Conector de Seta Reta 45">
-            <a:extLst>
-              <a:ext uri="{FF2B5EF4-FFF2-40B4-BE49-F238E27FC236}">
-                <a16:creationId xmlns:a16="http://schemas.microsoft.com/office/drawing/2014/main" id="{D0BC3348-C08B-4B14-8BC0-26BA155E4D74}"/>
-              </a:ext>
-            </a:extLst>
-          </p:cNvPr>
-          <p:cNvCxnSpPr>
-            <a:cxnSpLocks/>
-          </p:cNvCxnSpPr>
-          <p:nvPr/>
-        </p:nvCxnSpPr>
-        <p:spPr>
-          <a:xfrm flipH="1" flipV="1">
-            <a:off x="4427290" y="2825414"/>
-            <a:ext cx="234958" cy="184210"/>
+            <a:off x="4735659" y="2902633"/>
+            <a:ext cx="1046202" cy="830904"/>
           </a:xfrm>
           <a:prstGeom prst="straightConnector1">
             <a:avLst/>
@@ -6716,6 +6628,78 @@
           </a:extLst>
         </p:spPr>
       </p:pic>
+      <p:sp>
+        <p:nvSpPr>
+          <p:cNvPr id="29" name="CaixaDeTexto 114">
+            <a:extLst>
+              <a:ext uri="{FF2B5EF4-FFF2-40B4-BE49-F238E27FC236}">
+                <a16:creationId xmlns:a16="http://schemas.microsoft.com/office/drawing/2014/main" id="{AA3AC8FA-19F1-4CFD-AD1D-B2E8C21A52A9}"/>
+              </a:ext>
+            </a:extLst>
+          </p:cNvPr>
+          <p:cNvSpPr txBox="1"/>
+          <p:nvPr/>
+        </p:nvSpPr>
+        <p:spPr>
+          <a:xfrm>
+            <a:off x="4401091" y="4928837"/>
+            <a:ext cx="772449" cy="261610"/>
+          </a:xfrm>
+          <a:prstGeom prst="rect">
+            <a:avLst/>
+          </a:prstGeom>
+          <a:noFill/>
+        </p:spPr>
+        <p:txBody>
+          <a:bodyPr wrap="square" rtlCol="0">
+            <a:spAutoFit/>
+          </a:bodyPr>
+          <a:lstStyle/>
+          <a:p>
+            <a:pPr algn="ctr"/>
+            <a:r>
+              <a:rPr lang="pt-BR" sz="1100" dirty="0"/>
+              <a:t>Roteador</a:t>
+            </a:r>
+          </a:p>
+        </p:txBody>
+      </p:sp>
+      <p:sp>
+        <p:nvSpPr>
+          <p:cNvPr id="35" name="CaixaDeTexto 114">
+            <a:extLst>
+              <a:ext uri="{FF2B5EF4-FFF2-40B4-BE49-F238E27FC236}">
+                <a16:creationId xmlns:a16="http://schemas.microsoft.com/office/drawing/2014/main" id="{40337C02-410E-4ABC-8BFD-E7D6E98D56D9}"/>
+              </a:ext>
+            </a:extLst>
+          </p:cNvPr>
+          <p:cNvSpPr txBox="1"/>
+          <p:nvPr/>
+        </p:nvSpPr>
+        <p:spPr>
+          <a:xfrm>
+            <a:off x="7022128" y="4984495"/>
+            <a:ext cx="772449" cy="261610"/>
+          </a:xfrm>
+          <a:prstGeom prst="rect">
+            <a:avLst/>
+          </a:prstGeom>
+          <a:noFill/>
+        </p:spPr>
+        <p:txBody>
+          <a:bodyPr wrap="square" rtlCol="0">
+            <a:spAutoFit/>
+          </a:bodyPr>
+          <a:lstStyle/>
+          <a:p>
+            <a:pPr algn="ctr"/>
+            <a:r>
+              <a:rPr lang="pt-BR" sz="1100" dirty="0"/>
+              <a:t>Roteador</a:t>
+            </a:r>
+          </a:p>
+        </p:txBody>
+      </p:sp>
     </p:spTree>
     <p:extLst>
       <p:ext uri="{BB962C8B-B14F-4D97-AF65-F5344CB8AC3E}">

--- a/Documentação/LLD/LLD.pptx
+++ b/Documentação/LLD/LLD.pptx
@@ -267,7 +267,7 @@
           <a:p>
             <a:fld id="{9124C99E-1E2C-46C7-9544-CFE55FE760E5}" type="datetimeFigureOut">
               <a:rPr lang="pt-BR" smtClean="0"/>
-              <a:t>15/10/2020</a:t>
+              <a:t>17/10/2020</a:t>
             </a:fld>
             <a:endParaRPr lang="pt-BR"/>
           </a:p>
@@ -321,7 +321,7 @@
           <a:p>
             <a:fld id="{C2EDBEC5-4D46-4D4C-AB80-816C94D07B20}" type="slidenum">
               <a:rPr lang="pt-BR" smtClean="0"/>
-              <a:t>‹#›</a:t>
+              <a:t>‹nº›</a:t>
             </a:fld>
             <a:endParaRPr lang="pt-BR"/>
           </a:p>
@@ -465,7 +465,7 @@
           <a:p>
             <a:fld id="{9124C99E-1E2C-46C7-9544-CFE55FE760E5}" type="datetimeFigureOut">
               <a:rPr lang="pt-BR" smtClean="0"/>
-              <a:t>15/10/2020</a:t>
+              <a:t>17/10/2020</a:t>
             </a:fld>
             <a:endParaRPr lang="pt-BR"/>
           </a:p>
@@ -519,7 +519,7 @@
           <a:p>
             <a:fld id="{C2EDBEC5-4D46-4D4C-AB80-816C94D07B20}" type="slidenum">
               <a:rPr lang="pt-BR" smtClean="0"/>
-              <a:t>‹#›</a:t>
+              <a:t>‹nº›</a:t>
             </a:fld>
             <a:endParaRPr lang="pt-BR"/>
           </a:p>
@@ -673,7 +673,7 @@
           <a:p>
             <a:fld id="{9124C99E-1E2C-46C7-9544-CFE55FE760E5}" type="datetimeFigureOut">
               <a:rPr lang="pt-BR" smtClean="0"/>
-              <a:t>15/10/2020</a:t>
+              <a:t>17/10/2020</a:t>
             </a:fld>
             <a:endParaRPr lang="pt-BR"/>
           </a:p>
@@ -727,7 +727,7 @@
           <a:p>
             <a:fld id="{C2EDBEC5-4D46-4D4C-AB80-816C94D07B20}" type="slidenum">
               <a:rPr lang="pt-BR" smtClean="0"/>
-              <a:t>‹#›</a:t>
+              <a:t>‹nº›</a:t>
             </a:fld>
             <a:endParaRPr lang="pt-BR"/>
           </a:p>
@@ -871,7 +871,7 @@
           <a:p>
             <a:fld id="{9124C99E-1E2C-46C7-9544-CFE55FE760E5}" type="datetimeFigureOut">
               <a:rPr lang="pt-BR" smtClean="0"/>
-              <a:t>15/10/2020</a:t>
+              <a:t>17/10/2020</a:t>
             </a:fld>
             <a:endParaRPr lang="pt-BR"/>
           </a:p>
@@ -925,7 +925,7 @@
           <a:p>
             <a:fld id="{C2EDBEC5-4D46-4D4C-AB80-816C94D07B20}" type="slidenum">
               <a:rPr lang="pt-BR" smtClean="0"/>
-              <a:t>‹#›</a:t>
+              <a:t>‹nº›</a:t>
             </a:fld>
             <a:endParaRPr lang="pt-BR"/>
           </a:p>
@@ -1146,7 +1146,7 @@
           <a:p>
             <a:fld id="{9124C99E-1E2C-46C7-9544-CFE55FE760E5}" type="datetimeFigureOut">
               <a:rPr lang="pt-BR" smtClean="0"/>
-              <a:t>15/10/2020</a:t>
+              <a:t>17/10/2020</a:t>
             </a:fld>
             <a:endParaRPr lang="pt-BR"/>
           </a:p>
@@ -1200,7 +1200,7 @@
           <a:p>
             <a:fld id="{C2EDBEC5-4D46-4D4C-AB80-816C94D07B20}" type="slidenum">
               <a:rPr lang="pt-BR" smtClean="0"/>
-              <a:t>‹#›</a:t>
+              <a:t>‹nº›</a:t>
             </a:fld>
             <a:endParaRPr lang="pt-BR"/>
           </a:p>
@@ -1411,7 +1411,7 @@
           <a:p>
             <a:fld id="{9124C99E-1E2C-46C7-9544-CFE55FE760E5}" type="datetimeFigureOut">
               <a:rPr lang="pt-BR" smtClean="0"/>
-              <a:t>15/10/2020</a:t>
+              <a:t>17/10/2020</a:t>
             </a:fld>
             <a:endParaRPr lang="pt-BR"/>
           </a:p>
@@ -1465,7 +1465,7 @@
           <a:p>
             <a:fld id="{C2EDBEC5-4D46-4D4C-AB80-816C94D07B20}" type="slidenum">
               <a:rPr lang="pt-BR" smtClean="0"/>
-              <a:t>‹#›</a:t>
+              <a:t>‹nº›</a:t>
             </a:fld>
             <a:endParaRPr lang="pt-BR"/>
           </a:p>
@@ -1823,7 +1823,7 @@
           <a:p>
             <a:fld id="{9124C99E-1E2C-46C7-9544-CFE55FE760E5}" type="datetimeFigureOut">
               <a:rPr lang="pt-BR" smtClean="0"/>
-              <a:t>15/10/2020</a:t>
+              <a:t>17/10/2020</a:t>
             </a:fld>
             <a:endParaRPr lang="pt-BR"/>
           </a:p>
@@ -1877,7 +1877,7 @@
           <a:p>
             <a:fld id="{C2EDBEC5-4D46-4D4C-AB80-816C94D07B20}" type="slidenum">
               <a:rPr lang="pt-BR" smtClean="0"/>
-              <a:t>‹#›</a:t>
+              <a:t>‹nº›</a:t>
             </a:fld>
             <a:endParaRPr lang="pt-BR"/>
           </a:p>
@@ -1964,7 +1964,7 @@
           <a:p>
             <a:fld id="{9124C99E-1E2C-46C7-9544-CFE55FE760E5}" type="datetimeFigureOut">
               <a:rPr lang="pt-BR" smtClean="0"/>
-              <a:t>15/10/2020</a:t>
+              <a:t>17/10/2020</a:t>
             </a:fld>
             <a:endParaRPr lang="pt-BR"/>
           </a:p>
@@ -2018,7 +2018,7 @@
           <a:p>
             <a:fld id="{C2EDBEC5-4D46-4D4C-AB80-816C94D07B20}" type="slidenum">
               <a:rPr lang="pt-BR" smtClean="0"/>
-              <a:t>‹#›</a:t>
+              <a:t>‹nº›</a:t>
             </a:fld>
             <a:endParaRPr lang="pt-BR"/>
           </a:p>
@@ -2077,7 +2077,7 @@
           <a:p>
             <a:fld id="{9124C99E-1E2C-46C7-9544-CFE55FE760E5}" type="datetimeFigureOut">
               <a:rPr lang="pt-BR" smtClean="0"/>
-              <a:t>15/10/2020</a:t>
+              <a:t>17/10/2020</a:t>
             </a:fld>
             <a:endParaRPr lang="pt-BR"/>
           </a:p>
@@ -2131,7 +2131,7 @@
           <a:p>
             <a:fld id="{C2EDBEC5-4D46-4D4C-AB80-816C94D07B20}" type="slidenum">
               <a:rPr lang="pt-BR" smtClean="0"/>
-              <a:t>‹#›</a:t>
+              <a:t>‹nº›</a:t>
             </a:fld>
             <a:endParaRPr lang="pt-BR"/>
           </a:p>
@@ -2388,7 +2388,7 @@
           <a:p>
             <a:fld id="{9124C99E-1E2C-46C7-9544-CFE55FE760E5}" type="datetimeFigureOut">
               <a:rPr lang="pt-BR" smtClean="0"/>
-              <a:t>15/10/2020</a:t>
+              <a:t>17/10/2020</a:t>
             </a:fld>
             <a:endParaRPr lang="pt-BR"/>
           </a:p>
@@ -2442,7 +2442,7 @@
           <a:p>
             <a:fld id="{C2EDBEC5-4D46-4D4C-AB80-816C94D07B20}" type="slidenum">
               <a:rPr lang="pt-BR" smtClean="0"/>
-              <a:t>‹#›</a:t>
+              <a:t>‹nº›</a:t>
             </a:fld>
             <a:endParaRPr lang="pt-BR"/>
           </a:p>
@@ -2676,7 +2676,7 @@
           <a:p>
             <a:fld id="{9124C99E-1E2C-46C7-9544-CFE55FE760E5}" type="datetimeFigureOut">
               <a:rPr lang="pt-BR" smtClean="0"/>
-              <a:t>15/10/2020</a:t>
+              <a:t>17/10/2020</a:t>
             </a:fld>
             <a:endParaRPr lang="pt-BR"/>
           </a:p>
@@ -2730,7 +2730,7 @@
           <a:p>
             <a:fld id="{C2EDBEC5-4D46-4D4C-AB80-816C94D07B20}" type="slidenum">
               <a:rPr lang="pt-BR" smtClean="0"/>
-              <a:t>‹#›</a:t>
+              <a:t>‹nº›</a:t>
             </a:fld>
             <a:endParaRPr lang="pt-BR"/>
           </a:p>
@@ -2917,7 +2917,7 @@
           <a:p>
             <a:fld id="{9124C99E-1E2C-46C7-9544-CFE55FE760E5}" type="datetimeFigureOut">
               <a:rPr lang="pt-BR" smtClean="0"/>
-              <a:t>15/10/2020</a:t>
+              <a:t>17/10/2020</a:t>
             </a:fld>
             <a:endParaRPr lang="pt-BR"/>
           </a:p>
@@ -3007,7 +3007,7 @@
           <a:p>
             <a:fld id="{C2EDBEC5-4D46-4D4C-AB80-816C94D07B20}" type="slidenum">
               <a:rPr lang="pt-BR" smtClean="0"/>
-              <a:t>‹#›</a:t>
+              <a:t>‹nº›</a:t>
             </a:fld>
             <a:endParaRPr lang="pt-BR"/>
           </a:p>
@@ -5137,10 +5137,10 @@
       </p:pic>
       <p:pic>
         <p:nvPicPr>
-          <p:cNvPr id="8194" name="Picture 2" descr="Introdução a ORM no Node.js com sequelize">
-            <a:extLst>
-              <a:ext uri="{FF2B5EF4-FFF2-40B4-BE49-F238E27FC236}">
-                <a16:creationId xmlns:a16="http://schemas.microsoft.com/office/drawing/2014/main" id="{872BC580-120E-4EA0-847F-2E8EDE88D0EC}"/>
+          <p:cNvPr id="18434" name="Picture 2" descr="Vue Chart Component with Chart.js | by Risan Bagja Pradana | risan | Medium">
+            <a:extLst>
+              <a:ext uri="{FF2B5EF4-FFF2-40B4-BE49-F238E27FC236}">
+                <a16:creationId xmlns:a16="http://schemas.microsoft.com/office/drawing/2014/main" id="{CD07421A-561F-4F3D-8E14-00D47B43B62C}"/>
               </a:ext>
             </a:extLst>
           </p:cNvPr>
@@ -5152,54 +5152,9 @@
         <p:blipFill rotWithShape="1">
           <a:blip r:embed="rId21">
             <a:extLst>
-              <a:ext uri="{28A0092B-C50C-407E-A947-70E740481C1C}">
-                <a14:useLocalDpi xmlns:a14="http://schemas.microsoft.com/office/drawing/2010/main" val="0"/>
-              </a:ext>
-            </a:extLst>
-          </a:blip>
-          <a:srcRect l="18294" t="23543" r="59526" b="22052"/>
-          <a:stretch/>
-        </p:blipFill>
-        <p:spPr bwMode="auto">
-          <a:xfrm>
-            <a:off x="3997243" y="1254857"/>
-            <a:ext cx="190025" cy="228836"/>
-          </a:xfrm>
-          <a:prstGeom prst="rect">
-            <a:avLst/>
-          </a:prstGeom>
-          <a:noFill/>
-          <a:extLst>
-            <a:ext uri="{909E8E84-426E-40DD-AFC4-6F175D3DCCD1}">
-              <a14:hiddenFill xmlns:a14="http://schemas.microsoft.com/office/drawing/2010/main">
-                <a:solidFill>
-                  <a:srgbClr val="FFFFFF"/>
-                </a:solidFill>
-              </a14:hiddenFill>
-            </a:ext>
-          </a:extLst>
-        </p:spPr>
-      </p:pic>
-      <p:pic>
-        <p:nvPicPr>
-          <p:cNvPr id="18434" name="Picture 2" descr="Vue Chart Component with Chart.js | by Risan Bagja Pradana | risan | Medium">
-            <a:extLst>
-              <a:ext uri="{FF2B5EF4-FFF2-40B4-BE49-F238E27FC236}">
-                <a16:creationId xmlns:a16="http://schemas.microsoft.com/office/drawing/2014/main" id="{CD07421A-561F-4F3D-8E14-00D47B43B62C}"/>
-              </a:ext>
-            </a:extLst>
-          </p:cNvPr>
-          <p:cNvPicPr>
-            <a:picLocks noChangeAspect="1" noChangeArrowheads="1"/>
-          </p:cNvPicPr>
-          <p:nvPr/>
-        </p:nvPicPr>
-        <p:blipFill rotWithShape="1">
-          <a:blip r:embed="rId22">
-            <a:extLst>
               <a:ext uri="{BEBA8EAE-BF5A-486C-A8C5-ECC9F3942E4B}">
                 <a14:imgProps xmlns:a14="http://schemas.microsoft.com/office/drawing/2010/main">
-                  <a14:imgLayer r:embed="rId23">
+                  <a14:imgLayer r:embed="rId22">
                     <a14:imgEffect>
                       <a14:backgroundRemoval t="21528" b="71528" l="36000" r="63500">
                         <a14:foregroundMark x1="43250" y1="50556" x2="41583" y2="43750"/>
@@ -5343,11 +5298,11 @@
           <p:nvPr/>
         </p:nvPicPr>
         <p:blipFill>
-          <a:blip r:embed="rId24">
+          <a:blip r:embed="rId23">
             <a:extLst>
               <a:ext uri="{BEBA8EAE-BF5A-486C-A8C5-ECC9F3942E4B}">
                 <a14:imgProps xmlns:a14="http://schemas.microsoft.com/office/drawing/2010/main">
-                  <a14:imgLayer r:embed="rId25">
+                  <a14:imgLayer r:embed="rId24">
                     <a14:imgEffect>
                       <a14:backgroundRemoval t="3681" b="92025" l="10000" r="90000">
                         <a14:foregroundMark x1="39032" y1="6748" x2="39032" y2="6748"/>
@@ -5393,11 +5348,11 @@
           <p:nvPr/>
         </p:nvPicPr>
         <p:blipFill>
-          <a:blip r:embed="rId26">
+          <a:blip r:embed="rId25">
             <a:extLst>
               <a:ext uri="{BEBA8EAE-BF5A-486C-A8C5-ECC9F3942E4B}">
                 <a14:imgProps xmlns:a14="http://schemas.microsoft.com/office/drawing/2010/main">
-                  <a14:imgLayer r:embed="rId27">
+                  <a14:imgLayer r:embed="rId26">
                     <a14:imgEffect>
                       <a14:backgroundRemoval t="3556" b="99556" l="9778" r="89778">
                         <a14:foregroundMark x1="49333" y1="14667" x2="49333" y2="14667"/>
@@ -5444,11 +5399,11 @@
           <p:nvPr/>
         </p:nvPicPr>
         <p:blipFill>
-          <a:blip r:embed="rId28">
+          <a:blip r:embed="rId27">
             <a:extLst>
               <a:ext uri="{BEBA8EAE-BF5A-486C-A8C5-ECC9F3942E4B}">
                 <a14:imgProps xmlns:a14="http://schemas.microsoft.com/office/drawing/2010/main">
-                  <a14:imgLayer r:embed="rId29">
+                  <a14:imgLayer r:embed="rId28">
                     <a14:imgEffect>
                       <a14:backgroundRemoval t="408" b="98777" l="2239" r="95896">
                         <a14:foregroundMark x1="57338" y1="12538" x2="57338" y2="12538"/>
@@ -5546,7 +5501,7 @@
           <p:nvPr/>
         </p:nvPicPr>
         <p:blipFill>
-          <a:blip r:embed="rId30">
+          <a:blip r:embed="rId29">
             <a:extLst>
               <a:ext uri="{28A0092B-C50C-407E-A947-70E740481C1C}">
                 <a14:useLocalDpi xmlns:a14="http://schemas.microsoft.com/office/drawing/2010/main" val="0"/>
@@ -5808,11 +5763,11 @@
           <p:nvPr/>
         </p:nvPicPr>
         <p:blipFill>
-          <a:blip r:embed="rId31">
+          <a:blip r:embed="rId30">
             <a:extLst>
               <a:ext uri="{BEBA8EAE-BF5A-486C-A8C5-ECC9F3942E4B}">
                 <a14:imgProps xmlns:a14="http://schemas.microsoft.com/office/drawing/2010/main">
-                  <a14:imgLayer r:embed="rId32">
+                  <a14:imgLayer r:embed="rId31">
                     <a14:imgEffect>
                       <a14:backgroundRemoval t="6180" b="89888" l="1685" r="98876">
                         <a14:foregroundMark x1="86517" y1="40449" x2="86517" y2="40449"/>
@@ -5871,11 +5826,11 @@
           <p:nvPr/>
         </p:nvPicPr>
         <p:blipFill>
-          <a:blip r:embed="rId33">
+          <a:blip r:embed="rId32">
             <a:extLst>
               <a:ext uri="{BEBA8EAE-BF5A-486C-A8C5-ECC9F3942E4B}">
                 <a14:imgProps xmlns:a14="http://schemas.microsoft.com/office/drawing/2010/main">
-                  <a14:imgLayer r:embed="rId34">
+                  <a14:imgLayer r:embed="rId33">
                     <a14:imgEffect>
                       <a14:backgroundRemoval t="9778" b="89778" l="9778" r="95111">
                         <a14:foregroundMark x1="47946" y1="21313" x2="24444" y2="34222"/>
@@ -6219,11 +6174,11 @@
           <p:nvPr/>
         </p:nvPicPr>
         <p:blipFill>
-          <a:blip r:embed="rId35">
+          <a:blip r:embed="rId34">
             <a:extLst>
               <a:ext uri="{BEBA8EAE-BF5A-486C-A8C5-ECC9F3942E4B}">
                 <a14:imgProps xmlns:a14="http://schemas.microsoft.com/office/drawing/2010/main">
-                  <a14:imgLayer r:embed="rId36">
+                  <a14:imgLayer r:embed="rId35">
                     <a14:imgEffect>
                       <a14:backgroundRemoval t="4375" b="90000" l="10000" r="90000">
                         <a14:foregroundMark x1="26250" y1="33125" x2="25833" y2="25750"/>
@@ -6315,7 +6270,7 @@
           <p:nvPr/>
         </p:nvPicPr>
         <p:blipFill rotWithShape="1">
-          <a:blip r:embed="rId37">
+          <a:blip r:embed="rId36">
             <a:extLst>
               <a:ext uri="{28A0092B-C50C-407E-A947-70E740481C1C}">
                 <a14:useLocalDpi xmlns:a14="http://schemas.microsoft.com/office/drawing/2010/main" val="0"/>
@@ -6360,7 +6315,7 @@
           <p:nvPr/>
         </p:nvPicPr>
         <p:blipFill rotWithShape="1">
-          <a:blip r:embed="rId37">
+          <a:blip r:embed="rId36">
             <a:extLst>
               <a:ext uri="{28A0092B-C50C-407E-A947-70E740481C1C}">
                 <a14:useLocalDpi xmlns:a14="http://schemas.microsoft.com/office/drawing/2010/main" val="0"/>
@@ -6405,11 +6360,11 @@
           <p:nvPr/>
         </p:nvPicPr>
         <p:blipFill>
-          <a:blip r:embed="rId35">
+          <a:blip r:embed="rId34">
             <a:extLst>
               <a:ext uri="{BEBA8EAE-BF5A-486C-A8C5-ECC9F3942E4B}">
                 <a14:imgProps xmlns:a14="http://schemas.microsoft.com/office/drawing/2010/main">
-                  <a14:imgLayer r:embed="rId36">
+                  <a14:imgLayer r:embed="rId35">
                     <a14:imgEffect>
                       <a14:backgroundRemoval t="4375" b="90000" l="10000" r="90000">
                         <a14:foregroundMark x1="26250" y1="33125" x2="25833" y2="25750"/>
@@ -6492,11 +6447,11 @@
           <p:nvPr/>
         </p:nvPicPr>
         <p:blipFill>
-          <a:blip r:embed="rId35">
+          <a:blip r:embed="rId34">
             <a:extLst>
               <a:ext uri="{BEBA8EAE-BF5A-486C-A8C5-ECC9F3942E4B}">
                 <a14:imgProps xmlns:a14="http://schemas.microsoft.com/office/drawing/2010/main">
-                  <a14:imgLayer r:embed="rId36">
+                  <a14:imgLayer r:embed="rId35">
                     <a14:imgEffect>
                       <a14:backgroundRemoval t="4375" b="90000" l="10000" r="90000">
                         <a14:foregroundMark x1="26250" y1="33125" x2="25833" y2="25750"/>
@@ -6549,7 +6504,7 @@
           <p:nvPr/>
         </p:nvPicPr>
         <p:blipFill>
-          <a:blip r:embed="rId30">
+          <a:blip r:embed="rId29">
             <a:extLst>
               <a:ext uri="{28A0092B-C50C-407E-A947-70E740481C1C}">
                 <a14:useLocalDpi xmlns:a14="http://schemas.microsoft.com/office/drawing/2010/main" val="0"/>
@@ -6596,7 +6551,7 @@
           <p:nvPr/>
         </p:nvPicPr>
         <p:blipFill>
-          <a:blip r:embed="rId30">
+          <a:blip r:embed="rId29">
             <a:extLst>
               <a:ext uri="{28A0092B-C50C-407E-A947-70E740481C1C}">
                 <a14:useLocalDpi xmlns:a14="http://schemas.microsoft.com/office/drawing/2010/main" val="0"/>
@@ -6700,6 +6655,200 @@
           </a:p>
         </p:txBody>
       </p:sp>
+      <p:pic>
+        <p:nvPicPr>
+          <p:cNvPr id="22" name="Imagem 21" descr="Ícone&#10;&#10;Descrição gerada automaticamente">
+            <a:extLst>
+              <a:ext uri="{FF2B5EF4-FFF2-40B4-BE49-F238E27FC236}">
+                <a16:creationId xmlns:a16="http://schemas.microsoft.com/office/drawing/2014/main" id="{B974360D-12AC-48B5-B9CE-E1A02FE57552}"/>
+              </a:ext>
+            </a:extLst>
+          </p:cNvPr>
+          <p:cNvPicPr>
+            <a:picLocks noChangeAspect="1"/>
+          </p:cNvPicPr>
+          <p:nvPr/>
+        </p:nvPicPr>
+        <p:blipFill rotWithShape="1">
+          <a:blip r:embed="rId37">
+            <a:extLst>
+              <a:ext uri="{BEBA8EAE-BF5A-486C-A8C5-ECC9F3942E4B}">
+                <a14:imgProps xmlns:a14="http://schemas.microsoft.com/office/drawing/2010/main">
+                  <a14:imgLayer r:embed="rId38">
+                    <a14:imgEffect>
+                      <a14:backgroundRemoval t="3125" b="95508" l="8594" r="89648">
+                        <a14:foregroundMark x1="48828" y1="17969" x2="41016" y2="23828"/>
+                        <a14:foregroundMark x1="41016" y1="23828" x2="48828" y2="31250"/>
+                        <a14:foregroundMark x1="48828" y1="31250" x2="57422" y2="25586"/>
+                        <a14:foregroundMark x1="57422" y1="25586" x2="49219" y2="18555"/>
+                        <a14:foregroundMark x1="48633" y1="16602" x2="49219" y2="16602"/>
+                        <a14:foregroundMark x1="50781" y1="2734" x2="88477" y2="25781"/>
+                        <a14:foregroundMark x1="88477" y1="25781" x2="91602" y2="57813"/>
+                        <a14:foregroundMark x1="91602" y1="57813" x2="89648" y2="68750"/>
+                        <a14:foregroundMark x1="89648" y1="68750" x2="84961" y2="78125"/>
+                        <a14:foregroundMark x1="84961" y1="78125" x2="75195" y2="81836"/>
+                        <a14:foregroundMark x1="75195" y1="81836" x2="59570" y2="94922"/>
+                        <a14:foregroundMark x1="59570" y1="94922" x2="48633" y2="97461"/>
+                        <a14:foregroundMark x1="48633" y1="97461" x2="10352" y2="74609"/>
+                        <a14:foregroundMark x1="10352" y1="74609" x2="5664" y2="63867"/>
+                        <a14:foregroundMark x1="5664" y1="63867" x2="4688" y2="54102"/>
+                        <a14:foregroundMark x1="4688" y1="54102" x2="8594" y2="33203"/>
+                        <a14:foregroundMark x1="8594" y1="33203" x2="50195" y2="3320"/>
+                        <a14:foregroundMark x1="86133" y1="24805" x2="90625" y2="34180"/>
+                        <a14:foregroundMark x1="90625" y1="34180" x2="90820" y2="69336"/>
+                        <a14:foregroundMark x1="90820" y1="69336" x2="80664" y2="70313"/>
+                        <a14:foregroundMark x1="80664" y1="70313" x2="78906" y2="28906"/>
+                        <a14:foregroundMark x1="78906" y1="28906" x2="85938" y2="25586"/>
+                        <a14:foregroundMark x1="77734" y1="32227" x2="60938" y2="18750"/>
+                        <a14:foregroundMark x1="60938" y1="18750" x2="51758" y2="15234"/>
+                        <a14:foregroundMark x1="51758" y1="15234" x2="40039" y2="15430"/>
+                        <a14:foregroundMark x1="40039" y1="15430" x2="29492" y2="34961"/>
+                        <a14:foregroundMark x1="29492" y1="34961" x2="19531" y2="41406"/>
+                        <a14:foregroundMark x1="19531" y1="41406" x2="16797" y2="52734"/>
+                        <a14:foregroundMark x1="16797" y1="52734" x2="30273" y2="72656"/>
+                        <a14:foregroundMark x1="30273" y1="72656" x2="40625" y2="79297"/>
+                        <a14:foregroundMark x1="40625" y1="79297" x2="51367" y2="80469"/>
+                        <a14:foregroundMark x1="51367" y1="80469" x2="61719" y2="79102"/>
+                        <a14:foregroundMark x1="61719" y1="79102" x2="70508" y2="71875"/>
+                        <a14:foregroundMark x1="70508" y1="71875" x2="80859" y2="49414"/>
+                        <a14:foregroundMark x1="80859" y1="49414" x2="80469" y2="37500"/>
+                        <a14:foregroundMark x1="80469" y1="37500" x2="77734" y2="30273"/>
+                        <a14:foregroundMark x1="81445" y1="38672" x2="66992" y2="22656"/>
+                        <a14:foregroundMark x1="66992" y1="22656" x2="46680" y2="16016"/>
+                        <a14:foregroundMark x1="46680" y1="16016" x2="36523" y2="18750"/>
+                        <a14:foregroundMark x1="36523" y1="18750" x2="28320" y2="25000"/>
+                        <a14:foregroundMark x1="28320" y1="25000" x2="17773" y2="58398"/>
+                        <a14:foregroundMark x1="17773" y1="58398" x2="18359" y2="68750"/>
+                        <a14:foregroundMark x1="18359" y1="68750" x2="25586" y2="78906"/>
+                        <a14:foregroundMark x1="25586" y1="78906" x2="37891" y2="85156"/>
+                        <a14:foregroundMark x1="37891" y1="85156" x2="59766" y2="88086"/>
+                        <a14:foregroundMark x1="59766" y1="88086" x2="69727" y2="84375"/>
+                        <a14:foregroundMark x1="69727" y1="84375" x2="75391" y2="75781"/>
+                        <a14:foregroundMark x1="75391" y1="75781" x2="81836" y2="43359"/>
+                        <a14:foregroundMark x1="81836" y1="43359" x2="78320" y2="31250"/>
+                        <a14:foregroundMark x1="79883" y1="53906" x2="72852" y2="45703"/>
+                        <a14:foregroundMark x1="72852" y1="45703" x2="61523" y2="45508"/>
+                        <a14:foregroundMark x1="61523" y1="45508" x2="48242" y2="50195"/>
+                        <a14:foregroundMark x1="48242" y1="50195" x2="42578" y2="58398"/>
+                        <a14:foregroundMark x1="42578" y1="58398" x2="48828" y2="67969"/>
+                        <a14:foregroundMark x1="48828" y1="67969" x2="61914" y2="69727"/>
+                        <a14:foregroundMark x1="61914" y1="69727" x2="72461" y2="64844"/>
+                        <a14:foregroundMark x1="72461" y1="64844" x2="79883" y2="55859"/>
+                        <a14:foregroundMark x1="79883" y1="55859" x2="77148" y2="51172"/>
+                        <a14:foregroundMark x1="58398" y1="70703" x2="70898" y2="67578"/>
+                        <a14:foregroundMark x1="70898" y1="67578" x2="78711" y2="57227"/>
+                        <a14:foregroundMark x1="78711" y1="57227" x2="75000" y2="47656"/>
+                        <a14:foregroundMark x1="75000" y1="47656" x2="56445" y2="34570"/>
+                        <a14:foregroundMark x1="56445" y1="34570" x2="41992" y2="38086"/>
+                        <a14:foregroundMark x1="41992" y1="38086" x2="38086" y2="50391"/>
+                        <a14:foregroundMark x1="38086" y1="50391" x2="50195" y2="69531"/>
+                        <a14:foregroundMark x1="50195" y1="69531" x2="59180" y2="74805"/>
+                        <a14:foregroundMark x1="59180" y1="74805" x2="61719" y2="72266"/>
+                        <a14:foregroundMark x1="63086" y1="71484" x2="75781" y2="50000"/>
+                        <a14:foregroundMark x1="75781" y1="50000" x2="68359" y2="42188"/>
+                        <a14:foregroundMark x1="68359" y1="42188" x2="47266" y2="41797"/>
+                        <a14:foregroundMark x1="47266" y1="41797" x2="38672" y2="55859"/>
+                        <a14:foregroundMark x1="38672" y1="55859" x2="38672" y2="66211"/>
+                        <a14:foregroundMark x1="38672" y1="66211" x2="53516" y2="72852"/>
+                        <a14:foregroundMark x1="53516" y1="72852" x2="64063" y2="67969"/>
+                        <a14:foregroundMark x1="57422" y1="74805" x2="61328" y2="28320"/>
+                        <a14:foregroundMark x1="61328" y1="28320" x2="51758" y2="17578"/>
+                        <a14:foregroundMark x1="51758" y1="17578" x2="37305" y2="14453"/>
+                        <a14:foregroundMark x1="37305" y1="14453" x2="16016" y2="49414"/>
+                        <a14:foregroundMark x1="16016" y1="49414" x2="13867" y2="60547"/>
+                        <a14:foregroundMark x1="13867" y1="60547" x2="17969" y2="70703"/>
+                        <a14:foregroundMark x1="17969" y1="70703" x2="38281" y2="72266"/>
+                        <a14:foregroundMark x1="38281" y1="72266" x2="56836" y2="69141"/>
+                        <a14:foregroundMark x1="63281" y1="37500" x2="57031" y2="25977"/>
+                        <a14:foregroundMark x1="57031" y1="25977" x2="47266" y2="20117"/>
+                        <a14:foregroundMark x1="47266" y1="20117" x2="33398" y2="20703"/>
+                        <a14:foregroundMark x1="33398" y1="20703" x2="27930" y2="29883"/>
+                        <a14:foregroundMark x1="27930" y1="29883" x2="36133" y2="38672"/>
+                        <a14:foregroundMark x1="36133" y1="38672" x2="45508" y2="41992"/>
+                        <a14:foregroundMark x1="45508" y1="41992" x2="58984" y2="33398"/>
+                        <a14:foregroundMark x1="54297" y1="33789" x2="51172" y2="20898"/>
+                        <a14:foregroundMark x1="51172" y1="20898" x2="28125" y2="19531"/>
+                        <a14:foregroundMark x1="28125" y1="19531" x2="30469" y2="31055"/>
+                        <a14:foregroundMark x1="30469" y1="31055" x2="51563" y2="37305"/>
+                        <a14:foregroundMark x1="51563" y1="37305" x2="54102" y2="33008"/>
+                        <a14:foregroundMark x1="37695" y1="58789" x2="33984" y2="44336"/>
+                        <a14:foregroundMark x1="33984" y1="44336" x2="20703" y2="42773"/>
+                        <a14:foregroundMark x1="20703" y1="42773" x2="17188" y2="52148"/>
+                        <a14:foregroundMark x1="17188" y1="52148" x2="24609" y2="60742"/>
+                        <a14:foregroundMark x1="24609" y1="60742" x2="33594" y2="65039"/>
+                        <a14:foregroundMark x1="33594" y1="65039" x2="39063" y2="57617"/>
+                        <a14:foregroundMark x1="66211" y1="43750" x2="55469" y2="50586"/>
+                        <a14:foregroundMark x1="55469" y1="50586" x2="54883" y2="62695"/>
+                        <a14:foregroundMark x1="54883" y1="62695" x2="63086" y2="69141"/>
+                        <a14:foregroundMark x1="63086" y1="69141" x2="73242" y2="71484"/>
+                        <a14:foregroundMark x1="73242" y1="71484" x2="74805" y2="52539"/>
+                        <a14:foregroundMark x1="76367" y1="50586" x2="66797" y2="44922"/>
+                        <a14:foregroundMark x1="66797" y1="44922" x2="58008" y2="50977"/>
+                        <a14:foregroundMark x1="58008" y1="50977" x2="60352" y2="61523"/>
+                        <a14:foregroundMark x1="60352" y1="61523" x2="71094" y2="65039"/>
+                        <a14:foregroundMark x1="71094" y1="65039" x2="76172" y2="50586"/>
+                        <a14:foregroundMark x1="73828" y1="59766" x2="70703" y2="48242"/>
+                        <a14:foregroundMark x1="70703" y1="48242" x2="60547" y2="45703"/>
+                        <a14:foregroundMark x1="60547" y1="45703" x2="54102" y2="54297"/>
+                        <a14:foregroundMark x1="54102" y1="54297" x2="64258" y2="61523"/>
+                        <a14:foregroundMark x1="64258" y1="61523" x2="72461" y2="58008"/>
+                        <a14:foregroundMark x1="48438" y1="33398" x2="48828" y2="23242"/>
+                        <a14:foregroundMark x1="48828" y1="23242" x2="38672" y2="19531"/>
+                        <a14:foregroundMark x1="38672" y1="19531" x2="33008" y2="29297"/>
+                        <a14:foregroundMark x1="33008" y1="29297" x2="42969" y2="33789"/>
+                        <a14:foregroundMark x1="42969" y1="33789" x2="48633" y2="32617"/>
+                        <a14:foregroundMark x1="45313" y1="41016" x2="48047" y2="29492"/>
+                        <a14:foregroundMark x1="48047" y1="29492" x2="41406" y2="20898"/>
+                        <a14:foregroundMark x1="41406" y1="20898" x2="33398" y2="29297"/>
+                        <a14:foregroundMark x1="33398" y1="29297" x2="46484" y2="38086"/>
+                        <a14:foregroundMark x1="38867" y1="56250" x2="35547" y2="46680"/>
+                        <a14:foregroundMark x1="35547" y1="46680" x2="25195" y2="42969"/>
+                        <a14:foregroundMark x1="25195" y1="42969" x2="16992" y2="48242"/>
+                        <a14:foregroundMark x1="16992" y1="48242" x2="23242" y2="57031"/>
+                        <a14:foregroundMark x1="23242" y1="57031" x2="32813" y2="60742"/>
+                        <a14:foregroundMark x1="32813" y1="60742" x2="37500" y2="55469"/>
+                        <a14:foregroundMark x1="33984" y1="59766" x2="37109" y2="47852"/>
+                        <a14:foregroundMark x1="37109" y1="47852" x2="28125" y2="44141"/>
+                        <a14:foregroundMark x1="28125" y1="44141" x2="18359" y2="47656"/>
+                        <a14:foregroundMark x1="18359" y1="47656" x2="23633" y2="57617"/>
+                        <a14:foregroundMark x1="23633" y1="57617" x2="33984" y2="59570"/>
+                        <a14:foregroundMark x1="33984" y1="59570" x2="34180" y2="60938"/>
+                        <a14:foregroundMark x1="36328" y1="65625" x2="37305" y2="55273"/>
+                        <a14:foregroundMark x1="37305" y1="55273" x2="34570" y2="45703"/>
+                        <a14:foregroundMark x1="34570" y1="45703" x2="24023" y2="43945"/>
+                        <a14:foregroundMark x1="24023" y1="43945" x2="18359" y2="53516"/>
+                        <a14:foregroundMark x1="18359" y1="53516" x2="36328" y2="61133"/>
+                        <a14:foregroundMark x1="59766" y1="92188" x2="50977" y2="97266"/>
+                        <a14:foregroundMark x1="50977" y1="97266" x2="41797" y2="92773"/>
+                        <a14:foregroundMark x1="41797" y1="92773" x2="51758" y2="90625"/>
+                        <a14:foregroundMark x1="51758" y1="90625" x2="59570" y2="91992"/>
+                        <a14:foregroundMark x1="54883" y1="95508" x2="52930" y2="94922"/>
+                        <a14:foregroundMark x1="88672" y1="25586" x2="89258" y2="68164"/>
+                        <a14:foregroundMark x1="89258" y1="68164" x2="89648" y2="35938"/>
+                        <a14:foregroundMark x1="89648" y1="35938" x2="89453" y2="57227"/>
+                      </a14:backgroundRemoval>
+                    </a14:imgEffect>
+                  </a14:imgLayer>
+                </a14:imgProps>
+              </a:ext>
+              <a:ext uri="{28A0092B-C50C-407E-A947-70E740481C1C}">
+                <a14:useLocalDpi xmlns:a14="http://schemas.microsoft.com/office/drawing/2010/main" val="0"/>
+              </a:ext>
+            </a:extLst>
+          </a:blip>
+          <a:srcRect l="7307" t="1338" r="7559" b="1338"/>
+          <a:stretch/>
+        </p:blipFill>
+        <p:spPr>
+          <a:xfrm>
+            <a:off x="4153420" y="1173041"/>
+            <a:ext cx="270515" cy="309255"/>
+          </a:xfrm>
+          <a:prstGeom prst="rect">
+            <a:avLst/>
+          </a:prstGeom>
+        </p:spPr>
+      </p:pic>
     </p:spTree>
     <p:extLst>
       <p:ext uri="{BB962C8B-B14F-4D97-AF65-F5344CB8AC3E}">

--- a/Documentação/LLD/LLD.pptx
+++ b/Documentação/LLD/LLD.pptx
@@ -267,7 +267,7 @@
           <a:p>
             <a:fld id="{9124C99E-1E2C-46C7-9544-CFE55FE760E5}" type="datetimeFigureOut">
               <a:rPr lang="pt-BR" smtClean="0"/>
-              <a:t>17/10/2020</a:t>
+              <a:t>22/10/2020</a:t>
             </a:fld>
             <a:endParaRPr lang="pt-BR"/>
           </a:p>
@@ -321,7 +321,7 @@
           <a:p>
             <a:fld id="{C2EDBEC5-4D46-4D4C-AB80-816C94D07B20}" type="slidenum">
               <a:rPr lang="pt-BR" smtClean="0"/>
-              <a:t>‹nº›</a:t>
+              <a:t>‹#›</a:t>
             </a:fld>
             <a:endParaRPr lang="pt-BR"/>
           </a:p>
@@ -465,7 +465,7 @@
           <a:p>
             <a:fld id="{9124C99E-1E2C-46C7-9544-CFE55FE760E5}" type="datetimeFigureOut">
               <a:rPr lang="pt-BR" smtClean="0"/>
-              <a:t>17/10/2020</a:t>
+              <a:t>22/10/2020</a:t>
             </a:fld>
             <a:endParaRPr lang="pt-BR"/>
           </a:p>
@@ -519,7 +519,7 @@
           <a:p>
             <a:fld id="{C2EDBEC5-4D46-4D4C-AB80-816C94D07B20}" type="slidenum">
               <a:rPr lang="pt-BR" smtClean="0"/>
-              <a:t>‹nº›</a:t>
+              <a:t>‹#›</a:t>
             </a:fld>
             <a:endParaRPr lang="pt-BR"/>
           </a:p>
@@ -673,7 +673,7 @@
           <a:p>
             <a:fld id="{9124C99E-1E2C-46C7-9544-CFE55FE760E5}" type="datetimeFigureOut">
               <a:rPr lang="pt-BR" smtClean="0"/>
-              <a:t>17/10/2020</a:t>
+              <a:t>22/10/2020</a:t>
             </a:fld>
             <a:endParaRPr lang="pt-BR"/>
           </a:p>
@@ -727,7 +727,7 @@
           <a:p>
             <a:fld id="{C2EDBEC5-4D46-4D4C-AB80-816C94D07B20}" type="slidenum">
               <a:rPr lang="pt-BR" smtClean="0"/>
-              <a:t>‹nº›</a:t>
+              <a:t>‹#›</a:t>
             </a:fld>
             <a:endParaRPr lang="pt-BR"/>
           </a:p>
@@ -871,7 +871,7 @@
           <a:p>
             <a:fld id="{9124C99E-1E2C-46C7-9544-CFE55FE760E5}" type="datetimeFigureOut">
               <a:rPr lang="pt-BR" smtClean="0"/>
-              <a:t>17/10/2020</a:t>
+              <a:t>22/10/2020</a:t>
             </a:fld>
             <a:endParaRPr lang="pt-BR"/>
           </a:p>
@@ -925,7 +925,7 @@
           <a:p>
             <a:fld id="{C2EDBEC5-4D46-4D4C-AB80-816C94D07B20}" type="slidenum">
               <a:rPr lang="pt-BR" smtClean="0"/>
-              <a:t>‹nº›</a:t>
+              <a:t>‹#›</a:t>
             </a:fld>
             <a:endParaRPr lang="pt-BR"/>
           </a:p>
@@ -1146,7 +1146,7 @@
           <a:p>
             <a:fld id="{9124C99E-1E2C-46C7-9544-CFE55FE760E5}" type="datetimeFigureOut">
               <a:rPr lang="pt-BR" smtClean="0"/>
-              <a:t>17/10/2020</a:t>
+              <a:t>22/10/2020</a:t>
             </a:fld>
             <a:endParaRPr lang="pt-BR"/>
           </a:p>
@@ -1200,7 +1200,7 @@
           <a:p>
             <a:fld id="{C2EDBEC5-4D46-4D4C-AB80-816C94D07B20}" type="slidenum">
               <a:rPr lang="pt-BR" smtClean="0"/>
-              <a:t>‹nº›</a:t>
+              <a:t>‹#›</a:t>
             </a:fld>
             <a:endParaRPr lang="pt-BR"/>
           </a:p>
@@ -1411,7 +1411,7 @@
           <a:p>
             <a:fld id="{9124C99E-1E2C-46C7-9544-CFE55FE760E5}" type="datetimeFigureOut">
               <a:rPr lang="pt-BR" smtClean="0"/>
-              <a:t>17/10/2020</a:t>
+              <a:t>22/10/2020</a:t>
             </a:fld>
             <a:endParaRPr lang="pt-BR"/>
           </a:p>
@@ -1465,7 +1465,7 @@
           <a:p>
             <a:fld id="{C2EDBEC5-4D46-4D4C-AB80-816C94D07B20}" type="slidenum">
               <a:rPr lang="pt-BR" smtClean="0"/>
-              <a:t>‹nº›</a:t>
+              <a:t>‹#›</a:t>
             </a:fld>
             <a:endParaRPr lang="pt-BR"/>
           </a:p>
@@ -1823,7 +1823,7 @@
           <a:p>
             <a:fld id="{9124C99E-1E2C-46C7-9544-CFE55FE760E5}" type="datetimeFigureOut">
               <a:rPr lang="pt-BR" smtClean="0"/>
-              <a:t>17/10/2020</a:t>
+              <a:t>22/10/2020</a:t>
             </a:fld>
             <a:endParaRPr lang="pt-BR"/>
           </a:p>
@@ -1877,7 +1877,7 @@
           <a:p>
             <a:fld id="{C2EDBEC5-4D46-4D4C-AB80-816C94D07B20}" type="slidenum">
               <a:rPr lang="pt-BR" smtClean="0"/>
-              <a:t>‹nº›</a:t>
+              <a:t>‹#›</a:t>
             </a:fld>
             <a:endParaRPr lang="pt-BR"/>
           </a:p>
@@ -1964,7 +1964,7 @@
           <a:p>
             <a:fld id="{9124C99E-1E2C-46C7-9544-CFE55FE760E5}" type="datetimeFigureOut">
               <a:rPr lang="pt-BR" smtClean="0"/>
-              <a:t>17/10/2020</a:t>
+              <a:t>22/10/2020</a:t>
             </a:fld>
             <a:endParaRPr lang="pt-BR"/>
           </a:p>
@@ -2018,7 +2018,7 @@
           <a:p>
             <a:fld id="{C2EDBEC5-4D46-4D4C-AB80-816C94D07B20}" type="slidenum">
               <a:rPr lang="pt-BR" smtClean="0"/>
-              <a:t>‹nº›</a:t>
+              <a:t>‹#›</a:t>
             </a:fld>
             <a:endParaRPr lang="pt-BR"/>
           </a:p>
@@ -2077,7 +2077,7 @@
           <a:p>
             <a:fld id="{9124C99E-1E2C-46C7-9544-CFE55FE760E5}" type="datetimeFigureOut">
               <a:rPr lang="pt-BR" smtClean="0"/>
-              <a:t>17/10/2020</a:t>
+              <a:t>22/10/2020</a:t>
             </a:fld>
             <a:endParaRPr lang="pt-BR"/>
           </a:p>
@@ -2131,7 +2131,7 @@
           <a:p>
             <a:fld id="{C2EDBEC5-4D46-4D4C-AB80-816C94D07B20}" type="slidenum">
               <a:rPr lang="pt-BR" smtClean="0"/>
-              <a:t>‹nº›</a:t>
+              <a:t>‹#›</a:t>
             </a:fld>
             <a:endParaRPr lang="pt-BR"/>
           </a:p>
@@ -2388,7 +2388,7 @@
           <a:p>
             <a:fld id="{9124C99E-1E2C-46C7-9544-CFE55FE760E5}" type="datetimeFigureOut">
               <a:rPr lang="pt-BR" smtClean="0"/>
-              <a:t>17/10/2020</a:t>
+              <a:t>22/10/2020</a:t>
             </a:fld>
             <a:endParaRPr lang="pt-BR"/>
           </a:p>
@@ -2442,7 +2442,7 @@
           <a:p>
             <a:fld id="{C2EDBEC5-4D46-4D4C-AB80-816C94D07B20}" type="slidenum">
               <a:rPr lang="pt-BR" smtClean="0"/>
-              <a:t>‹nº›</a:t>
+              <a:t>‹#›</a:t>
             </a:fld>
             <a:endParaRPr lang="pt-BR"/>
           </a:p>
@@ -2676,7 +2676,7 @@
           <a:p>
             <a:fld id="{9124C99E-1E2C-46C7-9544-CFE55FE760E5}" type="datetimeFigureOut">
               <a:rPr lang="pt-BR" smtClean="0"/>
-              <a:t>17/10/2020</a:t>
+              <a:t>22/10/2020</a:t>
             </a:fld>
             <a:endParaRPr lang="pt-BR"/>
           </a:p>
@@ -2730,7 +2730,7 @@
           <a:p>
             <a:fld id="{C2EDBEC5-4D46-4D4C-AB80-816C94D07B20}" type="slidenum">
               <a:rPr lang="pt-BR" smtClean="0"/>
-              <a:t>‹nº›</a:t>
+              <a:t>‹#›</a:t>
             </a:fld>
             <a:endParaRPr lang="pt-BR"/>
           </a:p>
@@ -2917,7 +2917,7 @@
           <a:p>
             <a:fld id="{9124C99E-1E2C-46C7-9544-CFE55FE760E5}" type="datetimeFigureOut">
               <a:rPr lang="pt-BR" smtClean="0"/>
-              <a:t>17/10/2020</a:t>
+              <a:t>22/10/2020</a:t>
             </a:fld>
             <a:endParaRPr lang="pt-BR"/>
           </a:p>
@@ -3007,7 +3007,7 @@
           <a:p>
             <a:fld id="{C2EDBEC5-4D46-4D4C-AB80-816C94D07B20}" type="slidenum">
               <a:rPr lang="pt-BR" smtClean="0"/>
-              <a:t>‹nº›</a:t>
+              <a:t>‹#›</a:t>
             </a:fld>
             <a:endParaRPr lang="pt-BR"/>
           </a:p>
@@ -4687,7 +4687,7 @@
         </p:blipFill>
         <p:spPr>
           <a:xfrm>
-            <a:off x="10333922" y="4508464"/>
+            <a:off x="10291573" y="4493229"/>
             <a:ext cx="408111" cy="408111"/>
           </a:xfrm>
           <a:prstGeom prst="rect">
@@ -6327,7 +6327,7 @@
         </p:blipFill>
         <p:spPr bwMode="auto">
           <a:xfrm>
-            <a:off x="3351778" y="1218089"/>
+            <a:off x="10731805" y="1696631"/>
             <a:ext cx="479206" cy="361656"/>
           </a:xfrm>
           <a:prstGeom prst="rect">
@@ -6404,36 +6404,6 @@
       </p:pic>
       <p:pic>
         <p:nvPicPr>
-          <p:cNvPr id="73" name="Imagem 7">
-            <a:extLst>
-              <a:ext uri="{FF2B5EF4-FFF2-40B4-BE49-F238E27FC236}">
-                <a16:creationId xmlns:a16="http://schemas.microsoft.com/office/drawing/2014/main" id="{57718F41-EE6C-48A6-BE6D-8BD29A24AD0E}"/>
-              </a:ext>
-            </a:extLst>
-          </p:cNvPr>
-          <p:cNvPicPr>
-            <a:picLocks noChangeAspect="1"/>
-          </p:cNvPicPr>
-          <p:nvPr/>
-        </p:nvPicPr>
-        <p:blipFill>
-          <a:blip r:embed="rId12"/>
-          <a:stretch>
-            <a:fillRect/>
-          </a:stretch>
-        </p:blipFill>
-        <p:spPr>
-          <a:xfrm>
-            <a:off x="941688" y="4575576"/>
-            <a:ext cx="408111" cy="408111"/>
-          </a:xfrm>
-          <a:prstGeom prst="rect">
-            <a:avLst/>
-          </a:prstGeom>
-        </p:spPr>
-      </p:pic>
-      <p:pic>
-        <p:nvPicPr>
           <p:cNvPr id="74" name="Picture 73">
             <a:extLst>
               <a:ext uri="{FF2B5EF4-FFF2-40B4-BE49-F238E27FC236}">
@@ -6565,7 +6535,7 @@
         </p:blipFill>
         <p:spPr bwMode="auto">
           <a:xfrm>
-            <a:off x="676366" y="4859599"/>
+            <a:off x="964623" y="4657509"/>
             <a:ext cx="312410" cy="224748"/>
           </a:xfrm>
           <a:prstGeom prst="rect">

--- a/Documentação/LLD/LLD.pptx
+++ b/Documentação/LLD/LLD.pptx
@@ -267,7 +267,7 @@
           <a:p>
             <a:fld id="{9124C99E-1E2C-46C7-9544-CFE55FE760E5}" type="datetimeFigureOut">
               <a:rPr lang="pt-BR" smtClean="0"/>
-              <a:t>22/10/2020</a:t>
+              <a:t>26/10/2020</a:t>
             </a:fld>
             <a:endParaRPr lang="pt-BR"/>
           </a:p>
@@ -321,7 +321,7 @@
           <a:p>
             <a:fld id="{C2EDBEC5-4D46-4D4C-AB80-816C94D07B20}" type="slidenum">
               <a:rPr lang="pt-BR" smtClean="0"/>
-              <a:t>‹#›</a:t>
+              <a:t>‹nº›</a:t>
             </a:fld>
             <a:endParaRPr lang="pt-BR"/>
           </a:p>
@@ -465,7 +465,7 @@
           <a:p>
             <a:fld id="{9124C99E-1E2C-46C7-9544-CFE55FE760E5}" type="datetimeFigureOut">
               <a:rPr lang="pt-BR" smtClean="0"/>
-              <a:t>22/10/2020</a:t>
+              <a:t>26/10/2020</a:t>
             </a:fld>
             <a:endParaRPr lang="pt-BR"/>
           </a:p>
@@ -519,7 +519,7 @@
           <a:p>
             <a:fld id="{C2EDBEC5-4D46-4D4C-AB80-816C94D07B20}" type="slidenum">
               <a:rPr lang="pt-BR" smtClean="0"/>
-              <a:t>‹#›</a:t>
+              <a:t>‹nº›</a:t>
             </a:fld>
             <a:endParaRPr lang="pt-BR"/>
           </a:p>
@@ -673,7 +673,7 @@
           <a:p>
             <a:fld id="{9124C99E-1E2C-46C7-9544-CFE55FE760E5}" type="datetimeFigureOut">
               <a:rPr lang="pt-BR" smtClean="0"/>
-              <a:t>22/10/2020</a:t>
+              <a:t>26/10/2020</a:t>
             </a:fld>
             <a:endParaRPr lang="pt-BR"/>
           </a:p>
@@ -727,7 +727,7 @@
           <a:p>
             <a:fld id="{C2EDBEC5-4D46-4D4C-AB80-816C94D07B20}" type="slidenum">
               <a:rPr lang="pt-BR" smtClean="0"/>
-              <a:t>‹#›</a:t>
+              <a:t>‹nº›</a:t>
             </a:fld>
             <a:endParaRPr lang="pt-BR"/>
           </a:p>
@@ -871,7 +871,7 @@
           <a:p>
             <a:fld id="{9124C99E-1E2C-46C7-9544-CFE55FE760E5}" type="datetimeFigureOut">
               <a:rPr lang="pt-BR" smtClean="0"/>
-              <a:t>22/10/2020</a:t>
+              <a:t>26/10/2020</a:t>
             </a:fld>
             <a:endParaRPr lang="pt-BR"/>
           </a:p>
@@ -925,7 +925,7 @@
           <a:p>
             <a:fld id="{C2EDBEC5-4D46-4D4C-AB80-816C94D07B20}" type="slidenum">
               <a:rPr lang="pt-BR" smtClean="0"/>
-              <a:t>‹#›</a:t>
+              <a:t>‹nº›</a:t>
             </a:fld>
             <a:endParaRPr lang="pt-BR"/>
           </a:p>
@@ -1146,7 +1146,7 @@
           <a:p>
             <a:fld id="{9124C99E-1E2C-46C7-9544-CFE55FE760E5}" type="datetimeFigureOut">
               <a:rPr lang="pt-BR" smtClean="0"/>
-              <a:t>22/10/2020</a:t>
+              <a:t>26/10/2020</a:t>
             </a:fld>
             <a:endParaRPr lang="pt-BR"/>
           </a:p>
@@ -1200,7 +1200,7 @@
           <a:p>
             <a:fld id="{C2EDBEC5-4D46-4D4C-AB80-816C94D07B20}" type="slidenum">
               <a:rPr lang="pt-BR" smtClean="0"/>
-              <a:t>‹#›</a:t>
+              <a:t>‹nº›</a:t>
             </a:fld>
             <a:endParaRPr lang="pt-BR"/>
           </a:p>
@@ -1411,7 +1411,7 @@
           <a:p>
             <a:fld id="{9124C99E-1E2C-46C7-9544-CFE55FE760E5}" type="datetimeFigureOut">
               <a:rPr lang="pt-BR" smtClean="0"/>
-              <a:t>22/10/2020</a:t>
+              <a:t>26/10/2020</a:t>
             </a:fld>
             <a:endParaRPr lang="pt-BR"/>
           </a:p>
@@ -1465,7 +1465,7 @@
           <a:p>
             <a:fld id="{C2EDBEC5-4D46-4D4C-AB80-816C94D07B20}" type="slidenum">
               <a:rPr lang="pt-BR" smtClean="0"/>
-              <a:t>‹#›</a:t>
+              <a:t>‹nº›</a:t>
             </a:fld>
             <a:endParaRPr lang="pt-BR"/>
           </a:p>
@@ -1823,7 +1823,7 @@
           <a:p>
             <a:fld id="{9124C99E-1E2C-46C7-9544-CFE55FE760E5}" type="datetimeFigureOut">
               <a:rPr lang="pt-BR" smtClean="0"/>
-              <a:t>22/10/2020</a:t>
+              <a:t>26/10/2020</a:t>
             </a:fld>
             <a:endParaRPr lang="pt-BR"/>
           </a:p>
@@ -1877,7 +1877,7 @@
           <a:p>
             <a:fld id="{C2EDBEC5-4D46-4D4C-AB80-816C94D07B20}" type="slidenum">
               <a:rPr lang="pt-BR" smtClean="0"/>
-              <a:t>‹#›</a:t>
+              <a:t>‹nº›</a:t>
             </a:fld>
             <a:endParaRPr lang="pt-BR"/>
           </a:p>
@@ -1964,7 +1964,7 @@
           <a:p>
             <a:fld id="{9124C99E-1E2C-46C7-9544-CFE55FE760E5}" type="datetimeFigureOut">
               <a:rPr lang="pt-BR" smtClean="0"/>
-              <a:t>22/10/2020</a:t>
+              <a:t>26/10/2020</a:t>
             </a:fld>
             <a:endParaRPr lang="pt-BR"/>
           </a:p>
@@ -2018,7 +2018,7 @@
           <a:p>
             <a:fld id="{C2EDBEC5-4D46-4D4C-AB80-816C94D07B20}" type="slidenum">
               <a:rPr lang="pt-BR" smtClean="0"/>
-              <a:t>‹#›</a:t>
+              <a:t>‹nº›</a:t>
             </a:fld>
             <a:endParaRPr lang="pt-BR"/>
           </a:p>
@@ -2077,7 +2077,7 @@
           <a:p>
             <a:fld id="{9124C99E-1E2C-46C7-9544-CFE55FE760E5}" type="datetimeFigureOut">
               <a:rPr lang="pt-BR" smtClean="0"/>
-              <a:t>22/10/2020</a:t>
+              <a:t>26/10/2020</a:t>
             </a:fld>
             <a:endParaRPr lang="pt-BR"/>
           </a:p>
@@ -2131,7 +2131,7 @@
           <a:p>
             <a:fld id="{C2EDBEC5-4D46-4D4C-AB80-816C94D07B20}" type="slidenum">
               <a:rPr lang="pt-BR" smtClean="0"/>
-              <a:t>‹#›</a:t>
+              <a:t>‹nº›</a:t>
             </a:fld>
             <a:endParaRPr lang="pt-BR"/>
           </a:p>
@@ -2388,7 +2388,7 @@
           <a:p>
             <a:fld id="{9124C99E-1E2C-46C7-9544-CFE55FE760E5}" type="datetimeFigureOut">
               <a:rPr lang="pt-BR" smtClean="0"/>
-              <a:t>22/10/2020</a:t>
+              <a:t>26/10/2020</a:t>
             </a:fld>
             <a:endParaRPr lang="pt-BR"/>
           </a:p>
@@ -2442,7 +2442,7 @@
           <a:p>
             <a:fld id="{C2EDBEC5-4D46-4D4C-AB80-816C94D07B20}" type="slidenum">
               <a:rPr lang="pt-BR" smtClean="0"/>
-              <a:t>‹#›</a:t>
+              <a:t>‹nº›</a:t>
             </a:fld>
             <a:endParaRPr lang="pt-BR"/>
           </a:p>
@@ -2676,7 +2676,7 @@
           <a:p>
             <a:fld id="{9124C99E-1E2C-46C7-9544-CFE55FE760E5}" type="datetimeFigureOut">
               <a:rPr lang="pt-BR" smtClean="0"/>
-              <a:t>22/10/2020</a:t>
+              <a:t>26/10/2020</a:t>
             </a:fld>
             <a:endParaRPr lang="pt-BR"/>
           </a:p>
@@ -2730,7 +2730,7 @@
           <a:p>
             <a:fld id="{C2EDBEC5-4D46-4D4C-AB80-816C94D07B20}" type="slidenum">
               <a:rPr lang="pt-BR" smtClean="0"/>
-              <a:t>‹#›</a:t>
+              <a:t>‹nº›</a:t>
             </a:fld>
             <a:endParaRPr lang="pt-BR"/>
           </a:p>
@@ -2917,7 +2917,7 @@
           <a:p>
             <a:fld id="{9124C99E-1E2C-46C7-9544-CFE55FE760E5}" type="datetimeFigureOut">
               <a:rPr lang="pt-BR" smtClean="0"/>
-              <a:t>22/10/2020</a:t>
+              <a:t>26/10/2020</a:t>
             </a:fld>
             <a:endParaRPr lang="pt-BR"/>
           </a:p>
@@ -3007,7 +3007,7 @@
           <a:p>
             <a:fld id="{C2EDBEC5-4D46-4D4C-AB80-816C94D07B20}" type="slidenum">
               <a:rPr lang="pt-BR" smtClean="0"/>
-              <a:t>‹#›</a:t>
+              <a:t>‹nº›</a:t>
             </a:fld>
             <a:endParaRPr lang="pt-BR"/>
           </a:p>
@@ -3336,7 +3336,7 @@
       </p:grpSpPr>
       <p:sp>
         <p:nvSpPr>
-          <p:cNvPr id="20" name="Nuvem 65">
+          <p:cNvPr id="93" name="Nuvem 65">
             <a:extLst>
               <a:ext uri="{FF2B5EF4-FFF2-40B4-BE49-F238E27FC236}">
                 <a16:creationId xmlns:a16="http://schemas.microsoft.com/office/drawing/2014/main" id="{08D52291-CF3F-48FF-9288-9AADF4C09980}"/>
@@ -3348,8 +3348,8 @@
         </p:nvSpPr>
         <p:spPr>
           <a:xfrm rot="11256504">
-            <a:off x="5777351" y="229697"/>
-            <a:ext cx="1497471" cy="1442812"/>
+            <a:off x="9899064" y="1241797"/>
+            <a:ext cx="2081060" cy="2315992"/>
           </a:xfrm>
           <a:prstGeom prst="cloud">
             <a:avLst/>
@@ -3386,10 +3386,10 @@
       </p:sp>
       <p:sp>
         <p:nvSpPr>
-          <p:cNvPr id="5" name="Retângulo 4">
-            <a:extLst>
-              <a:ext uri="{FF2B5EF4-FFF2-40B4-BE49-F238E27FC236}">
-                <a16:creationId xmlns:a16="http://schemas.microsoft.com/office/drawing/2014/main" id="{C13C096A-7414-4419-807A-C2068EAEE71D}"/>
+          <p:cNvPr id="107" name="Retângulo 106">
+            <a:extLst>
+              <a:ext uri="{FF2B5EF4-FFF2-40B4-BE49-F238E27FC236}">
+                <a16:creationId xmlns:a16="http://schemas.microsoft.com/office/drawing/2014/main" id="{60CACDFA-9B28-4334-A246-8BD0F6F09A61}"/>
               </a:ext>
             </a:extLst>
           </p:cNvPr>
@@ -3398,17 +3398,21 @@
         </p:nvSpPr>
         <p:spPr>
           <a:xfrm>
-            <a:off x="436721" y="3806326"/>
-            <a:ext cx="4642056" cy="2932811"/>
+            <a:off x="10344318" y="2159774"/>
+            <a:ext cx="1284454" cy="1084562"/>
           </a:xfrm>
           <a:prstGeom prst="rect">
             <a:avLst/>
           </a:prstGeom>
           <a:solidFill>
-            <a:schemeClr val="bg1">
-              <a:lumMod val="95000"/>
+            <a:schemeClr val="accent5">
+              <a:lumMod val="40000"/>
+              <a:lumOff val="60000"/>
             </a:schemeClr>
           </a:solidFill>
+          <a:effectLst>
+            <a:softEdge rad="31750"/>
+          </a:effectLst>
         </p:spPr>
         <p:style>
           <a:lnRef idx="2">
@@ -3437,10 +3441,10 @@
       </p:sp>
       <p:sp>
         <p:nvSpPr>
-          <p:cNvPr id="91" name="Retângulo: Único Canto Recortado 90">
-            <a:extLst>
-              <a:ext uri="{FF2B5EF4-FFF2-40B4-BE49-F238E27FC236}">
-                <a16:creationId xmlns:a16="http://schemas.microsoft.com/office/drawing/2014/main" id="{397F0654-A91A-4F2E-B6A6-2236EE14A546}"/>
+          <p:cNvPr id="20" name="Nuvem 65">
+            <a:extLst>
+              <a:ext uri="{FF2B5EF4-FFF2-40B4-BE49-F238E27FC236}">
+                <a16:creationId xmlns:a16="http://schemas.microsoft.com/office/drawing/2014/main" id="{08D52291-CF3F-48FF-9288-9AADF4C09980}"/>
               </a:ext>
             </a:extLst>
           </p:cNvPr>
@@ -3448,17 +3452,66 @@
           <p:nvPr/>
         </p:nvSpPr>
         <p:spPr>
-          <a:xfrm>
-            <a:off x="2337104" y="4391254"/>
-            <a:ext cx="1625416" cy="1069261"/>
-          </a:xfrm>
-          <a:prstGeom prst="snip1Rect">
+          <a:xfrm rot="11256504">
+            <a:off x="5140035" y="229697"/>
+            <a:ext cx="1497471" cy="1442812"/>
+          </a:xfrm>
+          <a:prstGeom prst="cloud">
             <a:avLst/>
           </a:prstGeom>
           <a:solidFill>
-            <a:schemeClr val="accent1">
-              <a:lumMod val="60000"/>
-              <a:lumOff val="40000"/>
+            <a:schemeClr val="accent5">
+              <a:lumMod val="20000"/>
+              <a:lumOff val="80000"/>
+            </a:schemeClr>
+          </a:solidFill>
+        </p:spPr>
+        <p:style>
+          <a:lnRef idx="1">
+            <a:schemeClr val="accent5"/>
+          </a:lnRef>
+          <a:fillRef idx="2">
+            <a:schemeClr val="accent5"/>
+          </a:fillRef>
+          <a:effectRef idx="1">
+            <a:schemeClr val="accent5"/>
+          </a:effectRef>
+          <a:fontRef idx="minor">
+            <a:schemeClr val="dk1"/>
+          </a:fontRef>
+        </p:style>
+        <p:txBody>
+          <a:bodyPr rtlCol="0" anchor="ctr"/>
+          <a:lstStyle/>
+          <a:p>
+            <a:pPr algn="ctr"/>
+            <a:endParaRPr lang="pt-BR"/>
+          </a:p>
+        </p:txBody>
+      </p:sp>
+      <p:sp>
+        <p:nvSpPr>
+          <p:cNvPr id="5" name="Retângulo 4">
+            <a:extLst>
+              <a:ext uri="{FF2B5EF4-FFF2-40B4-BE49-F238E27FC236}">
+                <a16:creationId xmlns:a16="http://schemas.microsoft.com/office/drawing/2014/main" id="{C13C096A-7414-4419-807A-C2068EAEE71D}"/>
+              </a:ext>
+            </a:extLst>
+          </p:cNvPr>
+          <p:cNvSpPr/>
+          <p:nvPr/>
+        </p:nvSpPr>
+        <p:spPr>
+          <a:xfrm>
+            <a:off x="209767" y="3524610"/>
+            <a:ext cx="4869010" cy="3214527"/>
+          </a:xfrm>
+          <a:prstGeom prst="rect">
+            <a:avLst/>
+          </a:prstGeom>
+          <a:solidFill>
+            <a:schemeClr val="bg1">
+              <a:lumMod val="95000"/>
             </a:schemeClr>
           </a:solidFill>
         </p:spPr>
@@ -3489,10 +3542,10 @@
       </p:sp>
       <p:sp>
         <p:nvSpPr>
-          <p:cNvPr id="66" name="Nuvem 65">
-            <a:extLst>
-              <a:ext uri="{FF2B5EF4-FFF2-40B4-BE49-F238E27FC236}">
-                <a16:creationId xmlns:a16="http://schemas.microsoft.com/office/drawing/2014/main" id="{C75E96A7-432B-4D75-A941-A10D267ED158}"/>
+          <p:cNvPr id="91" name="Retângulo: Único Canto Recortado 90">
+            <a:extLst>
+              <a:ext uri="{FF2B5EF4-FFF2-40B4-BE49-F238E27FC236}">
+                <a16:creationId xmlns:a16="http://schemas.microsoft.com/office/drawing/2014/main" id="{397F0654-A91A-4F2E-B6A6-2236EE14A546}"/>
               </a:ext>
             </a:extLst>
           </p:cNvPr>
@@ -3500,72 +3553,19 @@
           <p:nvPr/>
         </p:nvSpPr>
         <p:spPr>
-          <a:xfrm rot="11256504">
-            <a:off x="7279211" y="1134848"/>
-            <a:ext cx="3107092" cy="2249662"/>
-          </a:xfrm>
-          <a:prstGeom prst="cloud">
+          <a:xfrm>
+            <a:off x="2511272" y="4362226"/>
+            <a:ext cx="1625416" cy="1069261"/>
+          </a:xfrm>
+          <a:prstGeom prst="snip1Rect">
             <a:avLst/>
           </a:prstGeom>
           <a:solidFill>
-            <a:schemeClr val="accent5">
-              <a:lumMod val="20000"/>
-              <a:lumOff val="80000"/>
+            <a:schemeClr val="accent1">
+              <a:lumMod val="60000"/>
+              <a:lumOff val="40000"/>
             </a:schemeClr>
           </a:solidFill>
-        </p:spPr>
-        <p:style>
-          <a:lnRef idx="1">
-            <a:schemeClr val="accent5"/>
-          </a:lnRef>
-          <a:fillRef idx="2">
-            <a:schemeClr val="accent5"/>
-          </a:fillRef>
-          <a:effectRef idx="1">
-            <a:schemeClr val="accent5"/>
-          </a:effectRef>
-          <a:fontRef idx="minor">
-            <a:schemeClr val="dk1"/>
-          </a:fontRef>
-        </p:style>
-        <p:txBody>
-          <a:bodyPr rtlCol="0" anchor="ctr"/>
-          <a:lstStyle/>
-          <a:p>
-            <a:pPr algn="ctr"/>
-            <a:endParaRPr lang="pt-BR"/>
-          </a:p>
-        </p:txBody>
-      </p:sp>
-      <p:sp>
-        <p:nvSpPr>
-          <p:cNvPr id="33" name="Retângulo 32">
-            <a:extLst>
-              <a:ext uri="{FF2B5EF4-FFF2-40B4-BE49-F238E27FC236}">
-                <a16:creationId xmlns:a16="http://schemas.microsoft.com/office/drawing/2014/main" id="{60CACDFA-9B28-4334-A246-8BD0F6F09A61}"/>
-              </a:ext>
-            </a:extLst>
-          </p:cNvPr>
-          <p:cNvSpPr/>
-          <p:nvPr/>
-        </p:nvSpPr>
-        <p:spPr>
-          <a:xfrm>
-            <a:off x="8307783" y="2072642"/>
-            <a:ext cx="947416" cy="884828"/>
-          </a:xfrm>
-          <a:prstGeom prst="rect">
-            <a:avLst/>
-          </a:prstGeom>
-          <a:solidFill>
-            <a:schemeClr val="accent5">
-              <a:lumMod val="40000"/>
-              <a:lumOff val="60000"/>
-            </a:schemeClr>
-          </a:solidFill>
-          <a:effectLst>
-            <a:softEdge rad="31750"/>
-          </a:effectLst>
         </p:spPr>
         <p:style>
           <a:lnRef idx="2">
@@ -3594,10 +3594,10 @@
       </p:sp>
       <p:sp>
         <p:nvSpPr>
-          <p:cNvPr id="13" name="Nuvem 12">
-            <a:extLst>
-              <a:ext uri="{FF2B5EF4-FFF2-40B4-BE49-F238E27FC236}">
-                <a16:creationId xmlns:a16="http://schemas.microsoft.com/office/drawing/2014/main" id="{11CE70A0-4E09-489F-A8B5-2FF904DDF62B}"/>
+          <p:cNvPr id="66" name="Nuvem 65">
+            <a:extLst>
+              <a:ext uri="{FF2B5EF4-FFF2-40B4-BE49-F238E27FC236}">
+                <a16:creationId xmlns:a16="http://schemas.microsoft.com/office/drawing/2014/main" id="{C75E96A7-432B-4D75-A941-A10D267ED158}"/>
               </a:ext>
             </a:extLst>
           </p:cNvPr>
@@ -3606,8 +3606,8 @@
         </p:nvSpPr>
         <p:spPr>
           <a:xfrm rot="11256504">
-            <a:off x="610249" y="174476"/>
-            <a:ext cx="4684710" cy="3012397"/>
+            <a:off x="6683463" y="566796"/>
+            <a:ext cx="3107092" cy="2249662"/>
           </a:xfrm>
           <a:prstGeom prst="cloud">
             <a:avLst/>
@@ -3644,10 +3644,10 @@
       </p:sp>
       <p:sp>
         <p:nvSpPr>
-          <p:cNvPr id="31" name="Retângulo 30">
-            <a:extLst>
-              <a:ext uri="{FF2B5EF4-FFF2-40B4-BE49-F238E27FC236}">
-                <a16:creationId xmlns:a16="http://schemas.microsoft.com/office/drawing/2014/main" id="{1DFD4028-EF29-4EC8-9538-927953410589}"/>
+          <p:cNvPr id="33" name="Retângulo 32">
+            <a:extLst>
+              <a:ext uri="{FF2B5EF4-FFF2-40B4-BE49-F238E27FC236}">
+                <a16:creationId xmlns:a16="http://schemas.microsoft.com/office/drawing/2014/main" id="{60CACDFA-9B28-4334-A246-8BD0F6F09A61}"/>
               </a:ext>
             </a:extLst>
           </p:cNvPr>
@@ -3656,8 +3656,8 @@
         </p:nvSpPr>
         <p:spPr>
           <a:xfrm>
-            <a:off x="1261991" y="1144024"/>
-            <a:ext cx="1493618" cy="1356802"/>
+            <a:off x="7735542" y="1532300"/>
+            <a:ext cx="979329" cy="884828"/>
           </a:xfrm>
           <a:prstGeom prst="rect">
             <a:avLst/>
@@ -3699,10 +3699,10 @@
       </p:sp>
       <p:sp>
         <p:nvSpPr>
-          <p:cNvPr id="30" name="Retângulo 29">
-            <a:extLst>
-              <a:ext uri="{FF2B5EF4-FFF2-40B4-BE49-F238E27FC236}">
-                <a16:creationId xmlns:a16="http://schemas.microsoft.com/office/drawing/2014/main" id="{05D32B25-385C-4D1C-A7C9-56E0DD46888A}"/>
+          <p:cNvPr id="13" name="Nuvem 12">
+            <a:extLst>
+              <a:ext uri="{FF2B5EF4-FFF2-40B4-BE49-F238E27FC236}">
+                <a16:creationId xmlns:a16="http://schemas.microsoft.com/office/drawing/2014/main" id="{11CE70A0-4E09-489F-A8B5-2FF904DDF62B}"/>
               </a:ext>
             </a:extLst>
           </p:cNvPr>
@@ -3710,9 +3710,59 @@
           <p:nvPr/>
         </p:nvSpPr>
         <p:spPr>
-          <a:xfrm>
-            <a:off x="3178593" y="1144024"/>
-            <a:ext cx="1493618" cy="1356802"/>
+          <a:xfrm rot="11256504">
+            <a:off x="388569" y="174476"/>
+            <a:ext cx="4684710" cy="3012397"/>
+          </a:xfrm>
+          <a:prstGeom prst="cloud">
+            <a:avLst/>
+          </a:prstGeom>
+          <a:solidFill>
+            <a:schemeClr val="accent5">
+              <a:lumMod val="20000"/>
+              <a:lumOff val="80000"/>
+            </a:schemeClr>
+          </a:solidFill>
+        </p:spPr>
+        <p:style>
+          <a:lnRef idx="1">
+            <a:schemeClr val="accent5"/>
+          </a:lnRef>
+          <a:fillRef idx="2">
+            <a:schemeClr val="accent5"/>
+          </a:fillRef>
+          <a:effectRef idx="1">
+            <a:schemeClr val="accent5"/>
+          </a:effectRef>
+          <a:fontRef idx="minor">
+            <a:schemeClr val="dk1"/>
+          </a:fontRef>
+        </p:style>
+        <p:txBody>
+          <a:bodyPr rtlCol="0" anchor="ctr"/>
+          <a:lstStyle/>
+          <a:p>
+            <a:pPr algn="ctr"/>
+            <a:endParaRPr lang="pt-BR"/>
+          </a:p>
+        </p:txBody>
+      </p:sp>
+      <p:sp>
+        <p:nvSpPr>
+          <p:cNvPr id="31" name="Retângulo 30">
+            <a:extLst>
+              <a:ext uri="{FF2B5EF4-FFF2-40B4-BE49-F238E27FC236}">
+                <a16:creationId xmlns:a16="http://schemas.microsoft.com/office/drawing/2014/main" id="{1DFD4028-EF29-4EC8-9538-927953410589}"/>
+              </a:ext>
+            </a:extLst>
+          </p:cNvPr>
+          <p:cNvSpPr/>
+          <p:nvPr/>
+        </p:nvSpPr>
+        <p:spPr>
+          <a:xfrm>
+            <a:off x="1040311" y="1078309"/>
+            <a:ext cx="1493618" cy="1452353"/>
           </a:xfrm>
           <a:prstGeom prst="rect">
             <a:avLst/>
@@ -3754,6 +3804,61 @@
       </p:sp>
       <p:sp>
         <p:nvSpPr>
+          <p:cNvPr id="30" name="Retângulo 29">
+            <a:extLst>
+              <a:ext uri="{FF2B5EF4-FFF2-40B4-BE49-F238E27FC236}">
+                <a16:creationId xmlns:a16="http://schemas.microsoft.com/office/drawing/2014/main" id="{05D32B25-385C-4D1C-A7C9-56E0DD46888A}"/>
+              </a:ext>
+            </a:extLst>
+          </p:cNvPr>
+          <p:cNvSpPr/>
+          <p:nvPr/>
+        </p:nvSpPr>
+        <p:spPr>
+          <a:xfrm>
+            <a:off x="2859869" y="1078309"/>
+            <a:ext cx="1679632" cy="1502643"/>
+          </a:xfrm>
+          <a:prstGeom prst="rect">
+            <a:avLst/>
+          </a:prstGeom>
+          <a:solidFill>
+            <a:schemeClr val="accent5">
+              <a:lumMod val="40000"/>
+              <a:lumOff val="60000"/>
+            </a:schemeClr>
+          </a:solidFill>
+          <a:effectLst>
+            <a:softEdge rad="31750"/>
+          </a:effectLst>
+        </p:spPr>
+        <p:style>
+          <a:lnRef idx="2">
+            <a:schemeClr val="accent1">
+              <a:shade val="50000"/>
+            </a:schemeClr>
+          </a:lnRef>
+          <a:fillRef idx="1">
+            <a:schemeClr val="accent1"/>
+          </a:fillRef>
+          <a:effectRef idx="0">
+            <a:schemeClr val="accent1"/>
+          </a:effectRef>
+          <a:fontRef idx="minor">
+            <a:schemeClr val="lt1"/>
+          </a:fontRef>
+        </p:style>
+        <p:txBody>
+          <a:bodyPr rtlCol="0" anchor="ctr"/>
+          <a:lstStyle/>
+          <a:p>
+            <a:pPr algn="ctr"/>
+            <a:endParaRPr lang="pt-BR"/>
+          </a:p>
+        </p:txBody>
+      </p:sp>
+      <p:sp>
+        <p:nvSpPr>
           <p:cNvPr id="15" name="Retângulo 14">
             <a:extLst>
               <a:ext uri="{FF2B5EF4-FFF2-40B4-BE49-F238E27FC236}">
@@ -3766,8 +3871,8 @@
         </p:nvSpPr>
         <p:spPr>
           <a:xfrm>
-            <a:off x="7113223" y="3806327"/>
-            <a:ext cx="4969920" cy="2617364"/>
+            <a:off x="7113223" y="3703328"/>
+            <a:ext cx="4969920" cy="3035809"/>
           </a:xfrm>
           <a:prstGeom prst="rect">
             <a:avLst/>
@@ -3965,7 +4070,7 @@
         </p:nvSpPr>
         <p:spPr>
           <a:xfrm>
-            <a:off x="1549464" y="3806327"/>
+            <a:off x="1723295" y="3602815"/>
             <a:ext cx="2416570" cy="369332"/>
           </a:xfrm>
           <a:prstGeom prst="rect">
@@ -4037,7 +4142,7 @@
         </p:nvSpPr>
         <p:spPr>
           <a:xfrm>
-            <a:off x="1522393" y="670376"/>
+            <a:off x="1300713" y="670376"/>
             <a:ext cx="2416570" cy="461665"/>
           </a:xfrm>
           <a:prstGeom prst="rect">
@@ -4081,8 +4186,8 @@
         </p:blipFill>
         <p:spPr>
           <a:xfrm>
-            <a:off x="431512" y="4481386"/>
-            <a:ext cx="1849974" cy="1686925"/>
+            <a:off x="271924" y="4244052"/>
+            <a:ext cx="2201668" cy="2122310"/>
           </a:xfrm>
           <a:prstGeom prst="rect">
             <a:avLst/>
@@ -4091,10 +4196,10 @@
       </p:pic>
       <p:pic>
         <p:nvPicPr>
-          <p:cNvPr id="45" name="Imagem 44">
-            <a:extLst>
-              <a:ext uri="{FF2B5EF4-FFF2-40B4-BE49-F238E27FC236}">
-                <a16:creationId xmlns:a16="http://schemas.microsoft.com/office/drawing/2014/main" id="{319297AF-6F6C-491D-9009-CB6C57EE160B}"/>
+          <p:cNvPr id="51" name="Imagem 50">
+            <a:extLst>
+              <a:ext uri="{FF2B5EF4-FFF2-40B4-BE49-F238E27FC236}">
+                <a16:creationId xmlns:a16="http://schemas.microsoft.com/office/drawing/2014/main" id="{F5763FE3-0FC9-4422-92B1-5542BE16E2D4}"/>
               </a:ext>
             </a:extLst>
           </p:cNvPr>
@@ -4103,12 +4208,462 @@
           </p:cNvPicPr>
           <p:nvPr/>
         </p:nvPicPr>
-        <p:blipFill rotWithShape="1">
-          <a:blip r:embed="rId4">
+        <p:blipFill>
+          <a:blip r:embed="rId3"/>
+          <a:stretch>
+            <a:fillRect/>
+          </a:stretch>
+        </p:blipFill>
+        <p:spPr>
+          <a:xfrm>
+            <a:off x="9848785" y="4132509"/>
+            <a:ext cx="2234676" cy="2369891"/>
+          </a:xfrm>
+          <a:prstGeom prst="rect">
+            <a:avLst/>
+          </a:prstGeom>
+        </p:spPr>
+      </p:pic>
+      <p:pic>
+        <p:nvPicPr>
+          <p:cNvPr id="53" name="Imagem 52">
+            <a:extLst>
+              <a:ext uri="{FF2B5EF4-FFF2-40B4-BE49-F238E27FC236}">
+                <a16:creationId xmlns:a16="http://schemas.microsoft.com/office/drawing/2014/main" id="{0B4D6C52-77C5-4A57-A299-05AA26BEB359}"/>
+              </a:ext>
+            </a:extLst>
+          </p:cNvPr>
+          <p:cNvPicPr>
+            <a:picLocks noChangeAspect="1"/>
+          </p:cNvPicPr>
+          <p:nvPr/>
+        </p:nvPicPr>
+        <p:blipFill>
+          <a:blip r:embed="rId4"/>
+          <a:stretch>
+            <a:fillRect/>
+          </a:stretch>
+        </p:blipFill>
+        <p:spPr>
+          <a:xfrm>
+            <a:off x="4590533" y="4508464"/>
+            <a:ext cx="419875" cy="417420"/>
+          </a:xfrm>
+          <a:prstGeom prst="rect">
+            <a:avLst/>
+          </a:prstGeom>
+        </p:spPr>
+      </p:pic>
+      <p:pic>
+        <p:nvPicPr>
+          <p:cNvPr id="55" name="Imagem 54">
+            <a:extLst>
+              <a:ext uri="{FF2B5EF4-FFF2-40B4-BE49-F238E27FC236}">
+                <a16:creationId xmlns:a16="http://schemas.microsoft.com/office/drawing/2014/main" id="{27980C2D-8228-4655-A73E-87903645A8C8}"/>
+              </a:ext>
+            </a:extLst>
+          </p:cNvPr>
+          <p:cNvPicPr>
+            <a:picLocks noChangeAspect="1"/>
+          </p:cNvPicPr>
+          <p:nvPr/>
+        </p:nvPicPr>
+        <p:blipFill>
+          <a:blip r:embed="rId4"/>
+          <a:stretch>
+            <a:fillRect/>
+          </a:stretch>
+        </p:blipFill>
+        <p:spPr>
+          <a:xfrm>
+            <a:off x="7143959" y="4577420"/>
+            <a:ext cx="419875" cy="417420"/>
+          </a:xfrm>
+          <a:prstGeom prst="rect">
+            <a:avLst/>
+          </a:prstGeom>
+        </p:spPr>
+      </p:pic>
+      <p:cxnSp>
+        <p:nvCxnSpPr>
+          <p:cNvPr id="61" name="Conector de Seta Reta 60">
+            <a:extLst>
+              <a:ext uri="{FF2B5EF4-FFF2-40B4-BE49-F238E27FC236}">
+                <a16:creationId xmlns:a16="http://schemas.microsoft.com/office/drawing/2014/main" id="{666A7D21-505E-4FDD-BD7C-7AFEC123373A}"/>
+              </a:ext>
+            </a:extLst>
+          </p:cNvPr>
+          <p:cNvCxnSpPr>
+            <a:cxnSpLocks/>
+          </p:cNvCxnSpPr>
+          <p:nvPr/>
+        </p:nvCxnSpPr>
+        <p:spPr>
+          <a:xfrm flipH="1" flipV="1">
+            <a:off x="5684667" y="1718413"/>
+            <a:ext cx="352640" cy="1765332"/>
+          </a:xfrm>
+          <a:prstGeom prst="straightConnector1">
+            <a:avLst/>
+          </a:prstGeom>
+          <a:ln>
+            <a:tailEnd type="triangle"/>
+          </a:ln>
+        </p:spPr>
+        <p:style>
+          <a:lnRef idx="3">
+            <a:schemeClr val="dk1"/>
+          </a:lnRef>
+          <a:fillRef idx="0">
+            <a:schemeClr val="dk1"/>
+          </a:fillRef>
+          <a:effectRef idx="2">
+            <a:schemeClr val="dk1"/>
+          </a:effectRef>
+          <a:fontRef idx="minor">
+            <a:schemeClr val="tx1"/>
+          </a:fontRef>
+        </p:style>
+      </p:cxnSp>
+      <p:sp>
+        <p:nvSpPr>
+          <p:cNvPr id="68" name="CaixaDeTexto 67">
+            <a:extLst>
+              <a:ext uri="{FF2B5EF4-FFF2-40B4-BE49-F238E27FC236}">
+                <a16:creationId xmlns:a16="http://schemas.microsoft.com/office/drawing/2014/main" id="{F611572D-B54F-4E36-B062-379FBAC6FE2E}"/>
+              </a:ext>
+            </a:extLst>
+          </p:cNvPr>
+          <p:cNvSpPr txBox="1"/>
+          <p:nvPr/>
+        </p:nvSpPr>
+        <p:spPr>
+          <a:xfrm>
+            <a:off x="6774533" y="1114225"/>
+            <a:ext cx="2416570" cy="400110"/>
+          </a:xfrm>
+          <a:prstGeom prst="rect">
+            <a:avLst/>
+          </a:prstGeom>
+          <a:noFill/>
+        </p:spPr>
+        <p:txBody>
+          <a:bodyPr wrap="square" rtlCol="0">
+            <a:spAutoFit/>
+          </a:bodyPr>
+          <a:lstStyle/>
+          <a:p>
+            <a:pPr algn="ctr"/>
+            <a:r>
+              <a:rPr lang="pt-BR" sz="2000" b="0" i="0" dirty="0">
+                <a:effectLst/>
+              </a:rPr>
+              <a:t>Cloudflare</a:t>
+            </a:r>
+            <a:endParaRPr lang="pt-BR" sz="2000" dirty="0"/>
+          </a:p>
+        </p:txBody>
+      </p:sp>
+      <p:pic>
+        <p:nvPicPr>
+          <p:cNvPr id="1026" name="Picture 2" descr="cloudflare - BOM DIA Luxemburgo">
+            <a:extLst>
+              <a:ext uri="{FF2B5EF4-FFF2-40B4-BE49-F238E27FC236}">
+                <a16:creationId xmlns:a16="http://schemas.microsoft.com/office/drawing/2014/main" id="{4845BB18-939C-44C2-84E0-E85EC35D13D2}"/>
+              </a:ext>
+            </a:extLst>
+          </p:cNvPr>
+          <p:cNvPicPr>
+            <a:picLocks noChangeAspect="1" noChangeArrowheads="1"/>
+          </p:cNvPicPr>
+          <p:nvPr/>
+        </p:nvPicPr>
+        <p:blipFill>
+          <a:blip r:embed="rId5" cstate="hqprint">
+            <a:extLst>
+              <a:ext uri="{28A0092B-C50C-407E-A947-70E740481C1C}">
+                <a14:useLocalDpi xmlns:a14="http://schemas.microsoft.com/office/drawing/2010/main" val="0"/>
+              </a:ext>
+            </a:extLst>
+          </a:blip>
+          <a:srcRect/>
+          <a:stretch>
+            <a:fillRect/>
+          </a:stretch>
+        </p:blipFill>
+        <p:spPr bwMode="auto">
+          <a:xfrm>
+            <a:off x="8568256" y="1169275"/>
+            <a:ext cx="467108" cy="280265"/>
+          </a:xfrm>
+          <a:prstGeom prst="rect">
+            <a:avLst/>
+          </a:prstGeom>
+          <a:noFill/>
+          <a:extLst>
+            <a:ext uri="{909E8E84-426E-40DD-AFC4-6F175D3DCCD1}">
+              <a14:hiddenFill xmlns:a14="http://schemas.microsoft.com/office/drawing/2010/main">
+                <a:solidFill>
+                  <a:srgbClr val="FFFFFF"/>
+                </a:solidFill>
+              </a14:hiddenFill>
+            </a:ext>
+          </a:extLst>
+        </p:spPr>
+      </p:pic>
+      <p:pic>
+        <p:nvPicPr>
+          <p:cNvPr id="4098" name="Picture 2" descr="Proteção de Informações do Azure | Microsoft Azure">
+            <a:extLst>
+              <a:ext uri="{FF2B5EF4-FFF2-40B4-BE49-F238E27FC236}">
+                <a16:creationId xmlns:a16="http://schemas.microsoft.com/office/drawing/2014/main" id="{58AD377F-A798-482C-B73C-89A474A7068E}"/>
+              </a:ext>
+            </a:extLst>
+          </p:cNvPr>
+          <p:cNvPicPr>
+            <a:picLocks noChangeAspect="1" noChangeArrowheads="1"/>
+          </p:cNvPicPr>
+          <p:nvPr/>
+        </p:nvPicPr>
+        <p:blipFill>
+          <a:blip r:embed="rId6" cstate="hqprint">
+            <a:extLst>
+              <a:ext uri="{28A0092B-C50C-407E-A947-70E740481C1C}">
+                <a14:useLocalDpi xmlns:a14="http://schemas.microsoft.com/office/drawing/2010/main" val="0"/>
+              </a:ext>
+            </a:extLst>
+          </a:blip>
+          <a:srcRect/>
+          <a:stretch>
+            <a:fillRect/>
+          </a:stretch>
+        </p:blipFill>
+        <p:spPr bwMode="auto">
+          <a:xfrm>
+            <a:off x="2812012" y="657957"/>
+            <a:ext cx="777018" cy="407934"/>
+          </a:xfrm>
+          <a:prstGeom prst="rect">
+            <a:avLst/>
+          </a:prstGeom>
+          <a:noFill/>
+          <a:extLst>
+            <a:ext uri="{909E8E84-426E-40DD-AFC4-6F175D3DCCD1}">
+              <a14:hiddenFill xmlns:a14="http://schemas.microsoft.com/office/drawing/2010/main">
+                <a:solidFill>
+                  <a:srgbClr val="FFFFFF"/>
+                </a:solidFill>
+              </a14:hiddenFill>
+            </a:ext>
+          </a:extLst>
+        </p:spPr>
+      </p:pic>
+      <p:pic>
+        <p:nvPicPr>
+          <p:cNvPr id="2" name="Imagem 1">
+            <a:extLst>
+              <a:ext uri="{FF2B5EF4-FFF2-40B4-BE49-F238E27FC236}">
+                <a16:creationId xmlns:a16="http://schemas.microsoft.com/office/drawing/2014/main" id="{4359EF88-CC54-4811-BD08-A2292D8CE65D}"/>
+              </a:ext>
+            </a:extLst>
+          </p:cNvPr>
+          <p:cNvPicPr>
+            <a:picLocks noChangeAspect="1"/>
+          </p:cNvPicPr>
+          <p:nvPr/>
+        </p:nvPicPr>
+        <p:blipFill>
+          <a:blip r:embed="rId7">
             <a:extLst>
               <a:ext uri="{BEBA8EAE-BF5A-486C-A8C5-ECC9F3942E4B}">
                 <a14:imgProps xmlns:a14="http://schemas.microsoft.com/office/drawing/2010/main">
-                  <a14:imgLayer r:embed="rId5">
+                  <a14:imgLayer r:embed="rId8">
+                    <a14:imgEffect>
+                      <a14:backgroundRemoval t="8661" b="89961" l="9843" r="89961">
+                        <a14:foregroundMark x1="50394" y1="9449" x2="50394" y2="9449"/>
+                        <a14:foregroundMark x1="49606" y1="8661" x2="49606" y2="8661"/>
+                        <a14:foregroundMark x1="52165" y1="51969" x2="52165" y2="51969"/>
+                        <a14:foregroundMark x1="56299" y1="63386" x2="56299" y2="63386"/>
+                        <a14:foregroundMark x1="61220" y1="88780" x2="61220" y2="88780"/>
+                      </a14:backgroundRemoval>
+                    </a14:imgEffect>
+                  </a14:imgLayer>
+                </a14:imgProps>
+              </a:ext>
+            </a:extLst>
+          </a:blip>
+          <a:stretch>
+            <a:fillRect/>
+          </a:stretch>
+        </p:blipFill>
+        <p:spPr>
+          <a:xfrm>
+            <a:off x="1466738" y="1396793"/>
+            <a:ext cx="643236" cy="643236"/>
+          </a:xfrm>
+          <a:prstGeom prst="rect">
+            <a:avLst/>
+          </a:prstGeom>
+        </p:spPr>
+      </p:pic>
+      <p:sp>
+        <p:nvSpPr>
+          <p:cNvPr id="3" name="CaixaDeTexto 2">
+            <a:extLst>
+              <a:ext uri="{FF2B5EF4-FFF2-40B4-BE49-F238E27FC236}">
+                <a16:creationId xmlns:a16="http://schemas.microsoft.com/office/drawing/2014/main" id="{5A51FD71-FB82-4F2D-BEDB-CCA54CA4C8BD}"/>
+              </a:ext>
+            </a:extLst>
+          </p:cNvPr>
+          <p:cNvSpPr txBox="1"/>
+          <p:nvPr/>
+        </p:nvSpPr>
+        <p:spPr>
+          <a:xfrm>
+            <a:off x="1309524" y="2066414"/>
+            <a:ext cx="941500" cy="430887"/>
+          </a:xfrm>
+          <a:prstGeom prst="rect">
+            <a:avLst/>
+          </a:prstGeom>
+          <a:noFill/>
+        </p:spPr>
+        <p:txBody>
+          <a:bodyPr wrap="square" rtlCol="0">
+            <a:spAutoFit/>
+          </a:bodyPr>
+          <a:lstStyle/>
+          <a:p>
+            <a:pPr algn="ctr"/>
+            <a:r>
+              <a:rPr lang="pt-BR" sz="1100" dirty="0"/>
+              <a:t>Banco de dados</a:t>
+            </a:r>
+          </a:p>
+        </p:txBody>
+      </p:sp>
+      <p:sp>
+        <p:nvSpPr>
+          <p:cNvPr id="6" name="CaixaDeTexto 5">
+            <a:extLst>
+              <a:ext uri="{FF2B5EF4-FFF2-40B4-BE49-F238E27FC236}">
+                <a16:creationId xmlns:a16="http://schemas.microsoft.com/office/drawing/2014/main" id="{493E6E1F-0E69-43E5-B36D-2B8F5592B318}"/>
+              </a:ext>
+            </a:extLst>
+          </p:cNvPr>
+          <p:cNvSpPr txBox="1"/>
+          <p:nvPr/>
+        </p:nvSpPr>
+        <p:spPr>
+          <a:xfrm>
+            <a:off x="3622830" y="2282546"/>
+            <a:ext cx="725030" cy="276999"/>
+          </a:xfrm>
+          <a:prstGeom prst="rect">
+            <a:avLst/>
+          </a:prstGeom>
+          <a:noFill/>
+        </p:spPr>
+        <p:txBody>
+          <a:bodyPr wrap="square" rtlCol="0">
+            <a:spAutoFit/>
+          </a:bodyPr>
+          <a:lstStyle/>
+          <a:p>
+            <a:pPr algn="ctr"/>
+            <a:r>
+              <a:rPr lang="pt-BR" sz="1200" dirty="0"/>
+              <a:t>Site</a:t>
+            </a:r>
+          </a:p>
+        </p:txBody>
+      </p:sp>
+      <p:pic>
+        <p:nvPicPr>
+          <p:cNvPr id="7" name="Imagem 6" descr="Logotipo, Ícone&#10;&#10;Descrição gerada automaticamente">
+            <a:extLst>
+              <a:ext uri="{FF2B5EF4-FFF2-40B4-BE49-F238E27FC236}">
+                <a16:creationId xmlns:a16="http://schemas.microsoft.com/office/drawing/2014/main" id="{BA2B6DA2-01E1-4110-A97F-F9DF431230AB}"/>
+              </a:ext>
+            </a:extLst>
+          </p:cNvPr>
+          <p:cNvPicPr>
+            <a:picLocks noChangeAspect="1"/>
+          </p:cNvPicPr>
+          <p:nvPr/>
+        </p:nvPicPr>
+        <p:blipFill>
+          <a:blip r:embed="rId9" cstate="hqprint">
+            <a:extLst>
+              <a:ext uri="{28A0092B-C50C-407E-A947-70E740481C1C}">
+                <a14:useLocalDpi xmlns:a14="http://schemas.microsoft.com/office/drawing/2010/main" val="0"/>
+              </a:ext>
+            </a:extLst>
+          </a:blip>
+          <a:stretch>
+            <a:fillRect/>
+          </a:stretch>
+        </p:blipFill>
+        <p:spPr>
+          <a:xfrm>
+            <a:off x="3730839" y="1791798"/>
+            <a:ext cx="538801" cy="482822"/>
+          </a:xfrm>
+          <a:prstGeom prst="rect">
+            <a:avLst/>
+          </a:prstGeom>
+        </p:spPr>
+      </p:pic>
+      <p:pic>
+        <p:nvPicPr>
+          <p:cNvPr id="8" name="Imagem 7">
+            <a:extLst>
+              <a:ext uri="{FF2B5EF4-FFF2-40B4-BE49-F238E27FC236}">
+                <a16:creationId xmlns:a16="http://schemas.microsoft.com/office/drawing/2014/main" id="{F4892A92-ABD7-4F2A-AD6B-EFC108078BFE}"/>
+              </a:ext>
+            </a:extLst>
+          </p:cNvPr>
+          <p:cNvPicPr>
+            <a:picLocks noChangeAspect="1"/>
+          </p:cNvPicPr>
+          <p:nvPr/>
+        </p:nvPicPr>
+        <p:blipFill>
+          <a:blip r:embed="rId10"/>
+          <a:stretch>
+            <a:fillRect/>
+          </a:stretch>
+        </p:blipFill>
+        <p:spPr>
+          <a:xfrm>
+            <a:off x="10216938" y="4297786"/>
+            <a:ext cx="408111" cy="408111"/>
+          </a:xfrm>
+          <a:prstGeom prst="rect">
+            <a:avLst/>
+          </a:prstGeom>
+        </p:spPr>
+      </p:pic>
+      <p:pic>
+        <p:nvPicPr>
+          <p:cNvPr id="9" name="Imagem 8">
+            <a:extLst>
+              <a:ext uri="{FF2B5EF4-FFF2-40B4-BE49-F238E27FC236}">
+                <a16:creationId xmlns:a16="http://schemas.microsoft.com/office/drawing/2014/main" id="{5B8E73A8-691E-43EC-B096-5A63DB3160FB}"/>
+              </a:ext>
+            </a:extLst>
+          </p:cNvPr>
+          <p:cNvPicPr>
+            <a:picLocks noChangeAspect="1"/>
+          </p:cNvPicPr>
+          <p:nvPr/>
+        </p:nvPicPr>
+        <p:blipFill rotWithShape="1">
+          <a:blip r:embed="rId11">
+            <a:extLst>
+              <a:ext uri="{BEBA8EAE-BF5A-486C-A8C5-ECC9F3942E4B}">
+                <a14:imgProps xmlns:a14="http://schemas.microsoft.com/office/drawing/2010/main">
+                  <a14:imgLayer r:embed="rId12">
                     <a14:imgEffect>
                       <a14:backgroundRemoval t="9799" b="89950" l="2500" r="94063">
                         <a14:foregroundMark x1="10938" y1="20352" x2="10938" y2="20352"/>
@@ -4159,8 +4714,8 @@
         </p:blipFill>
         <p:spPr>
           <a:xfrm>
-            <a:off x="984976" y="4921086"/>
-            <a:ext cx="275777" cy="504849"/>
+            <a:off x="10859253" y="4257940"/>
+            <a:ext cx="273443" cy="500575"/>
           </a:xfrm>
           <a:prstGeom prst="rect">
             <a:avLst/>
@@ -4169,10 +4724,10 @@
       </p:pic>
       <p:pic>
         <p:nvPicPr>
-          <p:cNvPr id="47" name="Imagem 46">
-            <a:extLst>
-              <a:ext uri="{FF2B5EF4-FFF2-40B4-BE49-F238E27FC236}">
-                <a16:creationId xmlns:a16="http://schemas.microsoft.com/office/drawing/2014/main" id="{7E394353-7529-426E-BB20-6C84C5873DCE}"/>
+          <p:cNvPr id="10" name="Imagem 9">
+            <a:extLst>
+              <a:ext uri="{FF2B5EF4-FFF2-40B4-BE49-F238E27FC236}">
+                <a16:creationId xmlns:a16="http://schemas.microsoft.com/office/drawing/2014/main" id="{AE8FDB0B-4F93-44C8-B4CD-64F86FB6EB51}"/>
               </a:ext>
             </a:extLst>
           </p:cNvPr>
@@ -4182,11 +4737,11 @@
           <p:nvPr/>
         </p:nvPicPr>
         <p:blipFill rotWithShape="1">
-          <a:blip r:embed="rId4">
+          <a:blip r:embed="rId11">
             <a:extLst>
               <a:ext uri="{BEBA8EAE-BF5A-486C-A8C5-ECC9F3942E4B}">
                 <a14:imgProps xmlns:a14="http://schemas.microsoft.com/office/drawing/2010/main">
-                  <a14:imgLayer r:embed="rId5">
+                  <a14:imgLayer r:embed="rId12">
                     <a14:imgEffect>
                       <a14:backgroundRemoval t="9799" b="89950" l="2500" r="94063">
                         <a14:foregroundMark x1="10938" y1="20352" x2="10938" y2="20352"/>
@@ -4237,614 +4792,8 @@
         </p:blipFill>
         <p:spPr>
           <a:xfrm>
-            <a:off x="1397946" y="4921086"/>
-            <a:ext cx="320172" cy="430888"/>
-          </a:xfrm>
-          <a:prstGeom prst="rect">
-            <a:avLst/>
-          </a:prstGeom>
-        </p:spPr>
-      </p:pic>
-      <p:pic>
-        <p:nvPicPr>
-          <p:cNvPr id="51" name="Imagem 50">
-            <a:extLst>
-              <a:ext uri="{FF2B5EF4-FFF2-40B4-BE49-F238E27FC236}">
-                <a16:creationId xmlns:a16="http://schemas.microsoft.com/office/drawing/2014/main" id="{F5763FE3-0FC9-4422-92B1-5542BE16E2D4}"/>
-              </a:ext>
-            </a:extLst>
-          </p:cNvPr>
-          <p:cNvPicPr>
-            <a:picLocks noChangeAspect="1"/>
-          </p:cNvPicPr>
-          <p:nvPr/>
-        </p:nvPicPr>
-        <p:blipFill>
-          <a:blip r:embed="rId3"/>
-          <a:stretch>
-            <a:fillRect/>
-          </a:stretch>
-        </p:blipFill>
-        <p:spPr>
-          <a:xfrm>
-            <a:off x="10075148" y="4347979"/>
-            <a:ext cx="1847793" cy="1684936"/>
-          </a:xfrm>
-          <a:prstGeom prst="rect">
-            <a:avLst/>
-          </a:prstGeom>
-        </p:spPr>
-      </p:pic>
-      <p:pic>
-        <p:nvPicPr>
-          <p:cNvPr id="53" name="Imagem 52">
-            <a:extLst>
-              <a:ext uri="{FF2B5EF4-FFF2-40B4-BE49-F238E27FC236}">
-                <a16:creationId xmlns:a16="http://schemas.microsoft.com/office/drawing/2014/main" id="{0B4D6C52-77C5-4A57-A299-05AA26BEB359}"/>
-              </a:ext>
-            </a:extLst>
-          </p:cNvPr>
-          <p:cNvPicPr>
-            <a:picLocks noChangeAspect="1"/>
-          </p:cNvPicPr>
-          <p:nvPr/>
-        </p:nvPicPr>
-        <p:blipFill>
-          <a:blip r:embed="rId6"/>
-          <a:stretch>
-            <a:fillRect/>
-          </a:stretch>
-        </p:blipFill>
-        <p:spPr>
-          <a:xfrm>
-            <a:off x="4590533" y="4508464"/>
-            <a:ext cx="419875" cy="417420"/>
-          </a:xfrm>
-          <a:prstGeom prst="rect">
-            <a:avLst/>
-          </a:prstGeom>
-        </p:spPr>
-      </p:pic>
-      <p:pic>
-        <p:nvPicPr>
-          <p:cNvPr id="55" name="Imagem 54">
-            <a:extLst>
-              <a:ext uri="{FF2B5EF4-FFF2-40B4-BE49-F238E27FC236}">
-                <a16:creationId xmlns:a16="http://schemas.microsoft.com/office/drawing/2014/main" id="{27980C2D-8228-4655-A73E-87903645A8C8}"/>
-              </a:ext>
-            </a:extLst>
-          </p:cNvPr>
-          <p:cNvPicPr>
-            <a:picLocks noChangeAspect="1"/>
-          </p:cNvPicPr>
-          <p:nvPr/>
-        </p:nvPicPr>
-        <p:blipFill>
-          <a:blip r:embed="rId6"/>
-          <a:stretch>
-            <a:fillRect/>
-          </a:stretch>
-        </p:blipFill>
-        <p:spPr>
-          <a:xfrm>
-            <a:off x="7143959" y="4577420"/>
-            <a:ext cx="419875" cy="417420"/>
-          </a:xfrm>
-          <a:prstGeom prst="rect">
-            <a:avLst/>
-          </a:prstGeom>
-        </p:spPr>
-      </p:pic>
-      <p:cxnSp>
-        <p:nvCxnSpPr>
-          <p:cNvPr id="61" name="Conector de Seta Reta 60">
-            <a:extLst>
-              <a:ext uri="{FF2B5EF4-FFF2-40B4-BE49-F238E27FC236}">
-                <a16:creationId xmlns:a16="http://schemas.microsoft.com/office/drawing/2014/main" id="{666A7D21-505E-4FDD-BD7C-7AFEC123373A}"/>
-              </a:ext>
-            </a:extLst>
-          </p:cNvPr>
-          <p:cNvCxnSpPr>
-            <a:cxnSpLocks/>
-          </p:cNvCxnSpPr>
-          <p:nvPr/>
-        </p:nvCxnSpPr>
-        <p:spPr>
-          <a:xfrm flipV="1">
-            <a:off x="6076444" y="1713145"/>
-            <a:ext cx="361048" cy="1808567"/>
-          </a:xfrm>
-          <a:prstGeom prst="straightConnector1">
-            <a:avLst/>
-          </a:prstGeom>
-          <a:ln>
-            <a:tailEnd type="triangle"/>
-          </a:ln>
-        </p:spPr>
-        <p:style>
-          <a:lnRef idx="3">
-            <a:schemeClr val="dk1"/>
-          </a:lnRef>
-          <a:fillRef idx="0">
-            <a:schemeClr val="dk1"/>
-          </a:fillRef>
-          <a:effectRef idx="2">
-            <a:schemeClr val="dk1"/>
-          </a:effectRef>
-          <a:fontRef idx="minor">
-            <a:schemeClr val="tx1"/>
-          </a:fontRef>
-        </p:style>
-      </p:cxnSp>
-      <p:sp>
-        <p:nvSpPr>
-          <p:cNvPr id="68" name="CaixaDeTexto 67">
-            <a:extLst>
-              <a:ext uri="{FF2B5EF4-FFF2-40B4-BE49-F238E27FC236}">
-                <a16:creationId xmlns:a16="http://schemas.microsoft.com/office/drawing/2014/main" id="{F611572D-B54F-4E36-B062-379FBAC6FE2E}"/>
-              </a:ext>
-            </a:extLst>
-          </p:cNvPr>
-          <p:cNvSpPr txBox="1"/>
-          <p:nvPr/>
-        </p:nvSpPr>
-        <p:spPr>
-          <a:xfrm>
-            <a:off x="7370281" y="1682277"/>
-            <a:ext cx="2416570" cy="400110"/>
-          </a:xfrm>
-          <a:prstGeom prst="rect">
-            <a:avLst/>
-          </a:prstGeom>
-          <a:noFill/>
-        </p:spPr>
-        <p:txBody>
-          <a:bodyPr wrap="square" rtlCol="0">
-            <a:spAutoFit/>
-          </a:bodyPr>
-          <a:lstStyle/>
-          <a:p>
-            <a:pPr algn="ctr"/>
-            <a:r>
-              <a:rPr lang="pt-BR" sz="2000" b="0" i="0" dirty="0">
-                <a:effectLst/>
-              </a:rPr>
-              <a:t>Cloudflare</a:t>
-            </a:r>
-            <a:endParaRPr lang="pt-BR" sz="2000" dirty="0"/>
-          </a:p>
-        </p:txBody>
-      </p:sp>
-      <p:pic>
-        <p:nvPicPr>
-          <p:cNvPr id="1026" name="Picture 2" descr="cloudflare - BOM DIA Luxemburgo">
-            <a:extLst>
-              <a:ext uri="{FF2B5EF4-FFF2-40B4-BE49-F238E27FC236}">
-                <a16:creationId xmlns:a16="http://schemas.microsoft.com/office/drawing/2014/main" id="{4845BB18-939C-44C2-84E0-E85EC35D13D2}"/>
-              </a:ext>
-            </a:extLst>
-          </p:cNvPr>
-          <p:cNvPicPr>
-            <a:picLocks noChangeAspect="1" noChangeArrowheads="1"/>
-          </p:cNvPicPr>
-          <p:nvPr/>
-        </p:nvPicPr>
-        <p:blipFill>
-          <a:blip r:embed="rId7">
-            <a:extLst>
-              <a:ext uri="{28A0092B-C50C-407E-A947-70E740481C1C}">
-                <a14:useLocalDpi xmlns:a14="http://schemas.microsoft.com/office/drawing/2010/main" val="0"/>
-              </a:ext>
-            </a:extLst>
-          </a:blip>
-          <a:srcRect/>
-          <a:stretch>
-            <a:fillRect/>
-          </a:stretch>
-        </p:blipFill>
-        <p:spPr bwMode="auto">
-          <a:xfrm>
-            <a:off x="9164004" y="1737327"/>
-            <a:ext cx="467108" cy="280265"/>
-          </a:xfrm>
-          <a:prstGeom prst="rect">
-            <a:avLst/>
-          </a:prstGeom>
-          <a:noFill/>
-          <a:extLst>
-            <a:ext uri="{909E8E84-426E-40DD-AFC4-6F175D3DCCD1}">
-              <a14:hiddenFill xmlns:a14="http://schemas.microsoft.com/office/drawing/2010/main">
-                <a:solidFill>
-                  <a:srgbClr val="FFFFFF"/>
-                </a:solidFill>
-              </a14:hiddenFill>
-            </a:ext>
-          </a:extLst>
-        </p:spPr>
-      </p:pic>
-      <p:pic>
-        <p:nvPicPr>
-          <p:cNvPr id="4098" name="Picture 2" descr="Proteção de Informações do Azure | Microsoft Azure">
-            <a:extLst>
-              <a:ext uri="{FF2B5EF4-FFF2-40B4-BE49-F238E27FC236}">
-                <a16:creationId xmlns:a16="http://schemas.microsoft.com/office/drawing/2014/main" id="{58AD377F-A798-482C-B73C-89A474A7068E}"/>
-              </a:ext>
-            </a:extLst>
-          </p:cNvPr>
-          <p:cNvPicPr>
-            <a:picLocks noChangeAspect="1" noChangeArrowheads="1"/>
-          </p:cNvPicPr>
-          <p:nvPr/>
-        </p:nvPicPr>
-        <p:blipFill>
-          <a:blip r:embed="rId8">
-            <a:extLst>
-              <a:ext uri="{28A0092B-C50C-407E-A947-70E740481C1C}">
-                <a14:useLocalDpi xmlns:a14="http://schemas.microsoft.com/office/drawing/2010/main" val="0"/>
-              </a:ext>
-            </a:extLst>
-          </a:blip>
-          <a:srcRect/>
-          <a:stretch>
-            <a:fillRect/>
-          </a:stretch>
-        </p:blipFill>
-        <p:spPr bwMode="auto">
-          <a:xfrm>
-            <a:off x="3019837" y="657957"/>
-            <a:ext cx="777018" cy="407934"/>
-          </a:xfrm>
-          <a:prstGeom prst="rect">
-            <a:avLst/>
-          </a:prstGeom>
-          <a:noFill/>
-          <a:extLst>
-            <a:ext uri="{909E8E84-426E-40DD-AFC4-6F175D3DCCD1}">
-              <a14:hiddenFill xmlns:a14="http://schemas.microsoft.com/office/drawing/2010/main">
-                <a:solidFill>
-                  <a:srgbClr val="FFFFFF"/>
-                </a:solidFill>
-              </a14:hiddenFill>
-            </a:ext>
-          </a:extLst>
-        </p:spPr>
-      </p:pic>
-      <p:pic>
-        <p:nvPicPr>
-          <p:cNvPr id="2" name="Imagem 1">
-            <a:extLst>
-              <a:ext uri="{FF2B5EF4-FFF2-40B4-BE49-F238E27FC236}">
-                <a16:creationId xmlns:a16="http://schemas.microsoft.com/office/drawing/2014/main" id="{4359EF88-CC54-4811-BD08-A2292D8CE65D}"/>
-              </a:ext>
-            </a:extLst>
-          </p:cNvPr>
-          <p:cNvPicPr>
-            <a:picLocks noChangeAspect="1"/>
-          </p:cNvPicPr>
-          <p:nvPr/>
-        </p:nvPicPr>
-        <p:blipFill>
-          <a:blip r:embed="rId9">
-            <a:extLst>
-              <a:ext uri="{BEBA8EAE-BF5A-486C-A8C5-ECC9F3942E4B}">
-                <a14:imgProps xmlns:a14="http://schemas.microsoft.com/office/drawing/2010/main">
-                  <a14:imgLayer r:embed="rId10">
-                    <a14:imgEffect>
-                      <a14:backgroundRemoval t="8661" b="89961" l="9843" r="89961">
-                        <a14:foregroundMark x1="50394" y1="9449" x2="50394" y2="9449"/>
-                        <a14:foregroundMark x1="49606" y1="8661" x2="49606" y2="8661"/>
-                        <a14:foregroundMark x1="52165" y1="51969" x2="52165" y2="51969"/>
-                        <a14:foregroundMark x1="56299" y1="63386" x2="56299" y2="63386"/>
-                        <a14:foregroundMark x1="61220" y1="88780" x2="61220" y2="88780"/>
-                      </a14:backgroundRemoval>
-                    </a14:imgEffect>
-                  </a14:imgLayer>
-                </a14:imgProps>
-              </a:ext>
-            </a:extLst>
-          </a:blip>
-          <a:stretch>
-            <a:fillRect/>
-          </a:stretch>
-        </p:blipFill>
-        <p:spPr>
-          <a:xfrm>
-            <a:off x="1688418" y="1396793"/>
-            <a:ext cx="643236" cy="643236"/>
-          </a:xfrm>
-          <a:prstGeom prst="rect">
-            <a:avLst/>
-          </a:prstGeom>
-        </p:spPr>
-      </p:pic>
-      <p:sp>
-        <p:nvSpPr>
-          <p:cNvPr id="3" name="CaixaDeTexto 2">
-            <a:extLst>
-              <a:ext uri="{FF2B5EF4-FFF2-40B4-BE49-F238E27FC236}">
-                <a16:creationId xmlns:a16="http://schemas.microsoft.com/office/drawing/2014/main" id="{5A51FD71-FB82-4F2D-BEDB-CCA54CA4C8BD}"/>
-              </a:ext>
-            </a:extLst>
-          </p:cNvPr>
-          <p:cNvSpPr txBox="1"/>
-          <p:nvPr/>
-        </p:nvSpPr>
-        <p:spPr>
-          <a:xfrm>
-            <a:off x="1531204" y="2066414"/>
-            <a:ext cx="941500" cy="430887"/>
-          </a:xfrm>
-          <a:prstGeom prst="rect">
-            <a:avLst/>
-          </a:prstGeom>
-          <a:noFill/>
-        </p:spPr>
-        <p:txBody>
-          <a:bodyPr wrap="square" rtlCol="0">
-            <a:spAutoFit/>
-          </a:bodyPr>
-          <a:lstStyle/>
-          <a:p>
-            <a:pPr algn="ctr"/>
-            <a:r>
-              <a:rPr lang="pt-BR" sz="1100" dirty="0"/>
-              <a:t>Banco de dados</a:t>
-            </a:r>
-          </a:p>
-        </p:txBody>
-      </p:sp>
-      <p:sp>
-        <p:nvSpPr>
-          <p:cNvPr id="6" name="CaixaDeTexto 5">
-            <a:extLst>
-              <a:ext uri="{FF2B5EF4-FFF2-40B4-BE49-F238E27FC236}">
-                <a16:creationId xmlns:a16="http://schemas.microsoft.com/office/drawing/2014/main" id="{493E6E1F-0E69-43E5-B36D-2B8F5592B318}"/>
-              </a:ext>
-            </a:extLst>
-          </p:cNvPr>
-          <p:cNvSpPr txBox="1"/>
-          <p:nvPr/>
-        </p:nvSpPr>
-        <p:spPr>
-          <a:xfrm>
-            <a:off x="3910805" y="2221387"/>
-            <a:ext cx="725030" cy="261610"/>
-          </a:xfrm>
-          <a:prstGeom prst="rect">
-            <a:avLst/>
-          </a:prstGeom>
-          <a:noFill/>
-        </p:spPr>
-        <p:txBody>
-          <a:bodyPr wrap="square" rtlCol="0">
-            <a:spAutoFit/>
-          </a:bodyPr>
-          <a:lstStyle/>
-          <a:p>
-            <a:pPr algn="ctr"/>
-            <a:r>
-              <a:rPr lang="pt-BR" sz="1100" dirty="0"/>
-              <a:t>Site</a:t>
-            </a:r>
-          </a:p>
-        </p:txBody>
-      </p:sp>
-      <p:pic>
-        <p:nvPicPr>
-          <p:cNvPr id="7" name="Imagem 6" descr="Logotipo, Ícone&#10;&#10;Descrição gerada automaticamente">
-            <a:extLst>
-              <a:ext uri="{FF2B5EF4-FFF2-40B4-BE49-F238E27FC236}">
-                <a16:creationId xmlns:a16="http://schemas.microsoft.com/office/drawing/2014/main" id="{BA2B6DA2-01E1-4110-A97F-F9DF431230AB}"/>
-              </a:ext>
-            </a:extLst>
-          </p:cNvPr>
-          <p:cNvPicPr>
-            <a:picLocks noChangeAspect="1"/>
-          </p:cNvPicPr>
-          <p:nvPr/>
-        </p:nvPicPr>
-        <p:blipFill>
-          <a:blip r:embed="rId11">
-            <a:extLst>
-              <a:ext uri="{28A0092B-C50C-407E-A947-70E740481C1C}">
-                <a14:useLocalDpi xmlns:a14="http://schemas.microsoft.com/office/drawing/2010/main" val="0"/>
-              </a:ext>
-            </a:extLst>
-          </a:blip>
-          <a:stretch>
-            <a:fillRect/>
-          </a:stretch>
-        </p:blipFill>
-        <p:spPr>
-          <a:xfrm>
-            <a:off x="4010531" y="1751662"/>
-            <a:ext cx="538801" cy="482822"/>
-          </a:xfrm>
-          <a:prstGeom prst="rect">
-            <a:avLst/>
-          </a:prstGeom>
-        </p:spPr>
-      </p:pic>
-      <p:pic>
-        <p:nvPicPr>
-          <p:cNvPr id="8" name="Imagem 7">
-            <a:extLst>
-              <a:ext uri="{FF2B5EF4-FFF2-40B4-BE49-F238E27FC236}">
-                <a16:creationId xmlns:a16="http://schemas.microsoft.com/office/drawing/2014/main" id="{F4892A92-ABD7-4F2A-AD6B-EFC108078BFE}"/>
-              </a:ext>
-            </a:extLst>
-          </p:cNvPr>
-          <p:cNvPicPr>
-            <a:picLocks noChangeAspect="1"/>
-          </p:cNvPicPr>
-          <p:nvPr/>
-        </p:nvPicPr>
-        <p:blipFill>
-          <a:blip r:embed="rId12"/>
-          <a:stretch>
-            <a:fillRect/>
-          </a:stretch>
-        </p:blipFill>
-        <p:spPr>
-          <a:xfrm>
-            <a:off x="10291573" y="4493229"/>
-            <a:ext cx="408111" cy="408111"/>
-          </a:xfrm>
-          <a:prstGeom prst="rect">
-            <a:avLst/>
-          </a:prstGeom>
-        </p:spPr>
-      </p:pic>
-      <p:pic>
-        <p:nvPicPr>
-          <p:cNvPr id="9" name="Imagem 8">
-            <a:extLst>
-              <a:ext uri="{FF2B5EF4-FFF2-40B4-BE49-F238E27FC236}">
-                <a16:creationId xmlns:a16="http://schemas.microsoft.com/office/drawing/2014/main" id="{5B8E73A8-691E-43EC-B096-5A63DB3160FB}"/>
-              </a:ext>
-            </a:extLst>
-          </p:cNvPr>
-          <p:cNvPicPr>
-            <a:picLocks noChangeAspect="1"/>
-          </p:cNvPicPr>
-          <p:nvPr/>
-        </p:nvPicPr>
-        <p:blipFill rotWithShape="1">
-          <a:blip r:embed="rId4">
-            <a:extLst>
-              <a:ext uri="{BEBA8EAE-BF5A-486C-A8C5-ECC9F3942E4B}">
-                <a14:imgProps xmlns:a14="http://schemas.microsoft.com/office/drawing/2010/main">
-                  <a14:imgLayer r:embed="rId5">
-                    <a14:imgEffect>
-                      <a14:backgroundRemoval t="9799" b="89950" l="2500" r="94063">
-                        <a14:foregroundMark x1="10938" y1="20352" x2="10938" y2="20352"/>
-                        <a14:foregroundMark x1="16042" y1="34422" x2="16042" y2="34422"/>
-                        <a14:foregroundMark x1="12292" y1="36181" x2="12292" y2="36181"/>
-                        <a14:foregroundMark x1="14271" y1="32915" x2="14271" y2="32915"/>
-                        <a14:foregroundMark x1="11979" y1="28392" x2="16875" y2="41457"/>
-                        <a14:foregroundMark x1="16875" y1="41457" x2="10104" y2="45729"/>
-                        <a14:foregroundMark x1="10104" y1="45729" x2="7500" y2="27638"/>
-                        <a14:foregroundMark x1="7500" y1="27638" x2="7708" y2="25879"/>
-                        <a14:foregroundMark x1="11146" y1="28643" x2="6250" y2="41960"/>
-                        <a14:foregroundMark x1="6250" y1="41960" x2="8438" y2="49246"/>
-                        <a14:foregroundMark x1="13021" y1="50754" x2="8542" y2="42965"/>
-                        <a14:foregroundMark x1="3958" y1="39196" x2="2500" y2="35930"/>
-                        <a14:foregroundMark x1="23021" y1="36432" x2="29271" y2="27638"/>
-                        <a14:foregroundMark x1="29271" y1="27638" x2="29479" y2="30905"/>
-                        <a14:foregroundMark x1="30208" y1="50000" x2="32604" y2="34673"/>
-                        <a14:foregroundMark x1="32604" y1="34673" x2="34896" y2="39950"/>
-                        <a14:foregroundMark x1="36250" y1="27889" x2="38229" y2="41960"/>
-                        <a14:foregroundMark x1="26882" y1="21885" x2="25625" y2="22111"/>
-                        <a14:foregroundMark x1="32604" y1="20854" x2="27379" y2="21795"/>
-                        <a14:foregroundMark x1="24972" y1="22970" x2="24479" y2="23618"/>
-                        <a14:foregroundMark x1="33021" y1="21357" x2="29167" y2="18844"/>
-                        <a14:foregroundMark x1="25655" y1="19089" x2="25521" y2="19095"/>
-                        <a14:foregroundMark x1="31458" y1="18844" x2="26654" y2="19047"/>
-                        <a14:foregroundMark x1="31667" y1="19095" x2="34167" y2="20854"/>
-                        <a14:foregroundMark x1="45104" y1="38945" x2="45208" y2="27387"/>
-                        <a14:foregroundMark x1="53229" y1="51759" x2="52500" y2="56281"/>
-                        <a14:foregroundMark x1="64375" y1="40704" x2="64583" y2="24372"/>
-                        <a14:foregroundMark x1="64583" y1="24372" x2="64583" y2="24372"/>
-                        <a14:foregroundMark x1="61354" y1="59799" x2="62604" y2="59045"/>
-                        <a14:foregroundMark x1="76563" y1="25126" x2="76563" y2="23367"/>
-                        <a14:foregroundMark x1="83229" y1="43216" x2="86667" y2="27136"/>
-                        <a14:foregroundMark x1="86667" y1="27136" x2="94063" y2="36432"/>
-                        <a14:foregroundMark x1="94063" y1="36432" x2="89479" y2="36181"/>
-                        <a14:foregroundMark x1="25625" y1="21357" x2="26667" y2="20854"/>
-                        <a14:foregroundMark x1="33646" y1="55528" x2="35417" y2="52764"/>
-                        <a14:backgroundMark x1="25521" y1="19849" x2="26250" y2="18090"/>
-                      </a14:backgroundRemoval>
-                    </a14:imgEffect>
-                  </a14:imgLayer>
-                </a14:imgProps>
-              </a:ext>
-            </a:extLst>
-          </a:blip>
-          <a:srcRect l="58695" t="-1359" r="22613" b="18821"/>
-          <a:stretch/>
-        </p:blipFill>
-        <p:spPr>
-          <a:xfrm>
-            <a:off x="10937568" y="4797488"/>
-            <a:ext cx="273443" cy="500575"/>
-          </a:xfrm>
-          <a:prstGeom prst="rect">
-            <a:avLst/>
-          </a:prstGeom>
-        </p:spPr>
-      </p:pic>
-      <p:pic>
-        <p:nvPicPr>
-          <p:cNvPr id="10" name="Imagem 9">
-            <a:extLst>
-              <a:ext uri="{FF2B5EF4-FFF2-40B4-BE49-F238E27FC236}">
-                <a16:creationId xmlns:a16="http://schemas.microsoft.com/office/drawing/2014/main" id="{AE8FDB0B-4F93-44C8-B4CD-64F86FB6EB51}"/>
-              </a:ext>
-            </a:extLst>
-          </p:cNvPr>
-          <p:cNvPicPr>
-            <a:picLocks noChangeAspect="1"/>
-          </p:cNvPicPr>
-          <p:nvPr/>
-        </p:nvPicPr>
-        <p:blipFill rotWithShape="1">
-          <a:blip r:embed="rId4">
-            <a:extLst>
-              <a:ext uri="{BEBA8EAE-BF5A-486C-A8C5-ECC9F3942E4B}">
-                <a14:imgProps xmlns:a14="http://schemas.microsoft.com/office/drawing/2010/main">
-                  <a14:imgLayer r:embed="rId5">
-                    <a14:imgEffect>
-                      <a14:backgroundRemoval t="9799" b="89950" l="2500" r="94063">
-                        <a14:foregroundMark x1="10938" y1="20352" x2="10938" y2="20352"/>
-                        <a14:foregroundMark x1="16042" y1="34422" x2="16042" y2="34422"/>
-                        <a14:foregroundMark x1="12292" y1="36181" x2="12292" y2="36181"/>
-                        <a14:foregroundMark x1="14271" y1="32915" x2="14271" y2="32915"/>
-                        <a14:foregroundMark x1="11979" y1="28392" x2="16875" y2="41457"/>
-                        <a14:foregroundMark x1="16875" y1="41457" x2="10104" y2="45729"/>
-                        <a14:foregroundMark x1="10104" y1="45729" x2="7500" y2="27638"/>
-                        <a14:foregroundMark x1="7500" y1="27638" x2="7708" y2="25879"/>
-                        <a14:foregroundMark x1="11146" y1="28643" x2="6250" y2="41960"/>
-                        <a14:foregroundMark x1="6250" y1="41960" x2="8438" y2="49246"/>
-                        <a14:foregroundMark x1="13021" y1="50754" x2="8542" y2="42965"/>
-                        <a14:foregroundMark x1="3958" y1="39196" x2="2500" y2="35930"/>
-                        <a14:foregroundMark x1="23021" y1="36432" x2="29271" y2="27638"/>
-                        <a14:foregroundMark x1="29271" y1="27638" x2="29479" y2="30905"/>
-                        <a14:foregroundMark x1="30208" y1="50000" x2="32604" y2="34673"/>
-                        <a14:foregroundMark x1="32604" y1="34673" x2="34896" y2="39950"/>
-                        <a14:foregroundMark x1="36250" y1="27889" x2="38229" y2="41960"/>
-                        <a14:foregroundMark x1="26882" y1="21885" x2="25625" y2="22111"/>
-                        <a14:foregroundMark x1="32604" y1="20854" x2="27379" y2="21795"/>
-                        <a14:foregroundMark x1="24972" y1="22970" x2="24479" y2="23618"/>
-                        <a14:foregroundMark x1="33021" y1="21357" x2="29167" y2="18844"/>
-                        <a14:foregroundMark x1="25655" y1="19089" x2="25521" y2="19095"/>
-                        <a14:foregroundMark x1="31458" y1="18844" x2="26654" y2="19047"/>
-                        <a14:foregroundMark x1="31667" y1="19095" x2="34167" y2="20854"/>
-                        <a14:foregroundMark x1="45104" y1="38945" x2="45208" y2="27387"/>
-                        <a14:foregroundMark x1="53229" y1="51759" x2="52500" y2="56281"/>
-                        <a14:foregroundMark x1="64375" y1="40704" x2="64583" y2="24372"/>
-                        <a14:foregroundMark x1="64583" y1="24372" x2="64583" y2="24372"/>
-                        <a14:foregroundMark x1="61354" y1="59799" x2="62604" y2="59045"/>
-                        <a14:foregroundMark x1="76563" y1="25126" x2="76563" y2="23367"/>
-                        <a14:foregroundMark x1="83229" y1="43216" x2="86667" y2="27136"/>
-                        <a14:foregroundMark x1="86667" y1="27136" x2="94063" y2="36432"/>
-                        <a14:foregroundMark x1="94063" y1="36432" x2="89479" y2="36181"/>
-                        <a14:foregroundMark x1="25625" y1="21357" x2="26667" y2="20854"/>
-                        <a14:foregroundMark x1="33646" y1="55528" x2="35417" y2="52764"/>
-                        <a14:backgroundMark x1="25521" y1="19849" x2="26250" y2="18090"/>
-                      </a14:backgroundRemoval>
-                    </a14:imgEffect>
-                  </a14:imgLayer>
-                </a14:imgProps>
-              </a:ext>
-            </a:extLst>
-          </a:blip>
-          <a:srcRect l="-2" t="1" r="79272" b="32709"/>
-          <a:stretch/>
-        </p:blipFill>
-        <p:spPr>
-          <a:xfrm>
-            <a:off x="10541178" y="4823717"/>
-            <a:ext cx="303248" cy="408111"/>
+            <a:off x="11379300" y="4243776"/>
+            <a:ext cx="323768" cy="435727"/>
           </a:xfrm>
           <a:prstGeom prst="rect">
             <a:avLst/>
@@ -4866,7 +4815,7 @@
           <p:nvPr/>
         </p:nvPicPr>
         <p:blipFill>
-          <a:blip r:embed="rId13">
+          <a:blip r:embed="rId13" cstate="hqprint">
             <a:extLst>
               <a:ext uri="{BEBA8EAE-BF5A-486C-A8C5-ECC9F3942E4B}">
                 <a14:imgProps xmlns:a14="http://schemas.microsoft.com/office/drawing/2010/main">
@@ -4928,7 +4877,7 @@
         </p:blipFill>
         <p:spPr bwMode="auto">
           <a:xfrm>
-            <a:off x="8578566" y="2269447"/>
+            <a:off x="8014086" y="1820633"/>
             <a:ext cx="445846" cy="320742"/>
           </a:xfrm>
           <a:prstGeom prst="rect">
@@ -4946,42 +4895,6 @@
           </a:extLst>
         </p:spPr>
       </p:pic>
-      <p:sp>
-        <p:nvSpPr>
-          <p:cNvPr id="4" name="CaixaDeTexto 3">
-            <a:extLst>
-              <a:ext uri="{FF2B5EF4-FFF2-40B4-BE49-F238E27FC236}">
-                <a16:creationId xmlns:a16="http://schemas.microsoft.com/office/drawing/2014/main" id="{AF9E7BA7-7FAF-4BDB-B50B-FEFACEBBCC40}"/>
-              </a:ext>
-            </a:extLst>
-          </p:cNvPr>
-          <p:cNvSpPr txBox="1"/>
-          <p:nvPr/>
-        </p:nvSpPr>
-        <p:spPr>
-          <a:xfrm>
-            <a:off x="8425136" y="2543985"/>
-            <a:ext cx="725030" cy="261610"/>
-          </a:xfrm>
-          <a:prstGeom prst="rect">
-            <a:avLst/>
-          </a:prstGeom>
-          <a:noFill/>
-        </p:spPr>
-        <p:txBody>
-          <a:bodyPr wrap="square" rtlCol="0">
-            <a:spAutoFit/>
-          </a:bodyPr>
-          <a:lstStyle/>
-          <a:p>
-            <a:pPr algn="ctr"/>
-            <a:r>
-              <a:rPr lang="pt-BR" sz="1100" dirty="0"/>
-              <a:t>Discord</a:t>
-            </a:r>
-          </a:p>
-        </p:txBody>
-      </p:sp>
       <p:pic>
         <p:nvPicPr>
           <p:cNvPr id="11" name="Imagem 10">
@@ -5027,8 +4940,8 @@
         </p:blipFill>
         <p:spPr>
           <a:xfrm>
-            <a:off x="3993439" y="1539061"/>
-            <a:ext cx="209014" cy="209014"/>
+            <a:off x="3049132" y="1119174"/>
+            <a:ext cx="332437" cy="332437"/>
           </a:xfrm>
           <a:prstGeom prst="rect">
             <a:avLst/>
@@ -5081,8 +4994,8 @@
         </p:blipFill>
         <p:spPr>
           <a:xfrm>
-            <a:off x="4184171" y="1543357"/>
-            <a:ext cx="209014" cy="209014"/>
+            <a:off x="3051330" y="1599709"/>
+            <a:ext cx="342101" cy="342101"/>
           </a:xfrm>
           <a:prstGeom prst="rect">
             <a:avLst/>
@@ -5127,8 +5040,8 @@
         </p:blipFill>
         <p:spPr>
           <a:xfrm>
-            <a:off x="4373979" y="1548612"/>
-            <a:ext cx="201956" cy="199463"/>
+            <a:off x="3057381" y="2105276"/>
+            <a:ext cx="335004" cy="330869"/>
           </a:xfrm>
           <a:prstGeom prst="rect">
             <a:avLst/>
@@ -5150,7 +5063,7 @@
           <p:nvPr/>
         </p:nvPicPr>
         <p:blipFill rotWithShape="1">
-          <a:blip r:embed="rId21">
+          <a:blip r:embed="rId21" cstate="hqprint">
             <a:extLst>
               <a:ext uri="{BEBA8EAE-BF5A-486C-A8C5-ECC9F3942E4B}">
                 <a14:imgProps xmlns:a14="http://schemas.microsoft.com/office/drawing/2010/main">
@@ -5265,8 +5178,8 @@
         </p:blipFill>
         <p:spPr bwMode="auto">
           <a:xfrm>
-            <a:off x="3380042" y="1703856"/>
-            <a:ext cx="401905" cy="461666"/>
+            <a:off x="4041766" y="1096383"/>
+            <a:ext cx="381308" cy="438006"/>
           </a:xfrm>
           <a:prstGeom prst="rect">
             <a:avLst/>
@@ -5501,7 +5414,7 @@
           <p:nvPr/>
         </p:nvPicPr>
         <p:blipFill>
-          <a:blip r:embed="rId29">
+          <a:blip r:embed="rId29" cstate="hqprint">
             <a:extLst>
               <a:ext uri="{28A0092B-C50C-407E-A947-70E740481C1C}">
                 <a14:useLocalDpi xmlns:a14="http://schemas.microsoft.com/office/drawing/2010/main" val="0"/>
@@ -5549,8 +5462,8 @@
         </p:nvCxnSpPr>
         <p:spPr>
           <a:xfrm flipH="1" flipV="1">
-            <a:off x="4735659" y="2902633"/>
-            <a:ext cx="1046202" cy="830904"/>
+            <a:off x="4669897" y="2580953"/>
+            <a:ext cx="1077106" cy="1114880"/>
           </a:xfrm>
           <a:prstGeom prst="straightConnector1">
             <a:avLst/>
@@ -5591,15 +5504,16 @@
         </p:nvCxnSpPr>
         <p:spPr>
           <a:xfrm rot="10800000" flipV="1">
-            <a:off x="7597540" y="4280807"/>
-            <a:ext cx="2010860" cy="489075"/>
+            <a:off x="7597541" y="4283291"/>
+            <a:ext cx="1730945" cy="486589"/>
           </a:xfrm>
           <a:prstGeom prst="bentConnector3">
             <a:avLst>
-              <a:gd name="adj1" fmla="val 86600"/>
+              <a:gd name="adj1" fmla="val 78510"/>
             </a:avLst>
           </a:prstGeom>
           <a:ln>
+            <a:headEnd type="triangle"/>
             <a:tailEnd type="triangle"/>
           </a:ln>
         </p:spPr>
@@ -5634,8 +5548,8 @@
         </p:nvCxnSpPr>
         <p:spPr>
           <a:xfrm flipH="1">
-            <a:off x="9597554" y="4280782"/>
-            <a:ext cx="7222" cy="751174"/>
+            <a:off x="9320651" y="4281055"/>
+            <a:ext cx="3458" cy="750926"/>
           </a:xfrm>
           <a:prstGeom prst="line">
             <a:avLst/>
@@ -5669,9 +5583,9 @@
           <p:nvPr/>
         </p:nvCxnSpPr>
         <p:spPr>
-          <a:xfrm>
-            <a:off x="9049787" y="5031956"/>
-            <a:ext cx="1131487" cy="0"/>
+          <a:xfrm flipV="1">
+            <a:off x="9049787" y="5027772"/>
+            <a:ext cx="916244" cy="4184"/>
           </a:xfrm>
           <a:prstGeom prst="straightConnector1">
             <a:avLst/>
@@ -5710,7 +5624,7 @@
         </p:nvSpPr>
         <p:spPr>
           <a:xfrm>
-            <a:off x="2437400" y="4262302"/>
+            <a:off x="2611568" y="4233274"/>
             <a:ext cx="1725361" cy="1106784"/>
           </a:xfrm>
           <a:prstGeom prst="snip1Rect">
@@ -5803,7 +5717,7 @@
         </p:blipFill>
         <p:spPr>
           <a:xfrm>
-            <a:off x="2692408" y="4487482"/>
+            <a:off x="2866576" y="4458454"/>
             <a:ext cx="646261" cy="646261"/>
           </a:xfrm>
           <a:prstGeom prst="rect">
@@ -5851,7 +5765,7 @@
         </p:blipFill>
         <p:spPr>
           <a:xfrm>
-            <a:off x="3335860" y="4569405"/>
+            <a:off x="3510028" y="4540377"/>
             <a:ext cx="700315" cy="672521"/>
           </a:xfrm>
           <a:prstGeom prst="rect">
@@ -5875,7 +5789,7 @@
         </p:nvCxnSpPr>
         <p:spPr>
           <a:xfrm flipV="1">
-            <a:off x="2079892" y="4417340"/>
+            <a:off x="2254060" y="4388312"/>
             <a:ext cx="251762" cy="204299"/>
           </a:xfrm>
           <a:prstGeom prst="line">
@@ -5913,7 +5827,7 @@
         </p:nvCxnSpPr>
         <p:spPr>
           <a:xfrm>
-            <a:off x="2094528" y="5324849"/>
+            <a:off x="2268696" y="5295821"/>
             <a:ext cx="237126" cy="130880"/>
           </a:xfrm>
           <a:prstGeom prst="line">
@@ -5985,8 +5899,8 @@
         </p:nvSpPr>
         <p:spPr>
           <a:xfrm>
-            <a:off x="10347890" y="5937414"/>
-            <a:ext cx="1368492" cy="430887"/>
+            <a:off x="10017190" y="6419158"/>
+            <a:ext cx="1998878" cy="261610"/>
           </a:xfrm>
           <a:prstGeom prst="rect">
             <a:avLst/>
@@ -6021,7 +5935,7 @@
         </p:nvSpPr>
         <p:spPr>
           <a:xfrm>
-            <a:off x="497629" y="6092807"/>
+            <a:off x="495652" y="6279194"/>
             <a:ext cx="1755372" cy="430887"/>
           </a:xfrm>
           <a:prstGeom prst="rect">
@@ -6079,45 +5993,6 @@
           </a:p>
         </p:txBody>
       </p:sp>
-      <p:sp>
-        <p:nvSpPr>
-          <p:cNvPr id="23" name="CaixaDeTexto 67">
-            <a:extLst>
-              <a:ext uri="{FF2B5EF4-FFF2-40B4-BE49-F238E27FC236}">
-                <a16:creationId xmlns:a16="http://schemas.microsoft.com/office/drawing/2014/main" id="{DA652E5A-A580-4691-AA67-CBE3316E920C}"/>
-              </a:ext>
-            </a:extLst>
-          </p:cNvPr>
-          <p:cNvSpPr txBox="1"/>
-          <p:nvPr/>
-        </p:nvSpPr>
-        <p:spPr>
-          <a:xfrm>
-            <a:off x="3246839" y="2134744"/>
-            <a:ext cx="691844" cy="261610"/>
-          </a:xfrm>
-          <a:prstGeom prst="rect">
-            <a:avLst/>
-          </a:prstGeom>
-          <a:noFill/>
-        </p:spPr>
-        <p:txBody>
-          <a:bodyPr wrap="square" rtlCol="0">
-            <a:spAutoFit/>
-          </a:bodyPr>
-          <a:lstStyle/>
-          <a:p>
-            <a:pPr algn="ctr"/>
-            <a:r>
-              <a:rPr lang="pt-BR" sz="1100" b="0" i="0" dirty="0">
-                <a:effectLst/>
-              </a:rPr>
-              <a:t>ChartJS</a:t>
-            </a:r>
-            <a:endParaRPr lang="pt-BR" sz="1100" dirty="0"/>
-          </a:p>
-        </p:txBody>
-      </p:sp>
       <p:cxnSp>
         <p:nvCxnSpPr>
           <p:cNvPr id="69" name="Conector de Seta Reta 60">
@@ -6134,8 +6009,8 @@
         </p:nvCxnSpPr>
         <p:spPr>
           <a:xfrm flipV="1">
-            <a:off x="6427043" y="2957470"/>
-            <a:ext cx="972404" cy="812100"/>
+            <a:off x="6318336" y="2667238"/>
+            <a:ext cx="696783" cy="879244"/>
           </a:xfrm>
           <a:prstGeom prst="straightConnector1">
             <a:avLst/>
@@ -6174,7 +6049,7 @@
           <p:nvPr/>
         </p:nvPicPr>
         <p:blipFill>
-          <a:blip r:embed="rId34">
+          <a:blip r:embed="rId34" cstate="hqprint">
             <a:extLst>
               <a:ext uri="{BEBA8EAE-BF5A-486C-A8C5-ECC9F3942E4B}">
                 <a14:imgProps xmlns:a14="http://schemas.microsoft.com/office/drawing/2010/main">
@@ -6208,7 +6083,7 @@
         </p:blipFill>
         <p:spPr>
           <a:xfrm>
-            <a:off x="6180227" y="602752"/>
+            <a:off x="5559970" y="646401"/>
             <a:ext cx="707211" cy="471474"/>
           </a:xfrm>
           <a:prstGeom prst="rect">
@@ -6230,7 +6105,7 @@
         </p:nvSpPr>
         <p:spPr>
           <a:xfrm>
-            <a:off x="6049499" y="1055830"/>
+            <a:off x="5434777" y="1078309"/>
             <a:ext cx="1005068" cy="261610"/>
           </a:xfrm>
           <a:prstGeom prst="rect">
@@ -6270,7 +6145,7 @@
           <p:nvPr/>
         </p:nvPicPr>
         <p:blipFill rotWithShape="1">
-          <a:blip r:embed="rId36">
+          <a:blip r:embed="rId36" cstate="hqprint">
             <a:extLst>
               <a:ext uri="{28A0092B-C50C-407E-A947-70E740481C1C}">
                 <a14:useLocalDpi xmlns:a14="http://schemas.microsoft.com/office/drawing/2010/main" val="0"/>
@@ -6282,7 +6157,7 @@
         </p:blipFill>
         <p:spPr bwMode="auto">
           <a:xfrm>
-            <a:off x="11072820" y="4508464"/>
+            <a:off x="10489609" y="2285525"/>
             <a:ext cx="390393" cy="294629"/>
           </a:xfrm>
           <a:prstGeom prst="rect">
@@ -6302,51 +6177,6 @@
       </p:pic>
       <p:pic>
         <p:nvPicPr>
-          <p:cNvPr id="64" name="Picture 2" descr="GitHub - oshi/oshi: Native Operating System and Hardware Information">
-            <a:extLst>
-              <a:ext uri="{FF2B5EF4-FFF2-40B4-BE49-F238E27FC236}">
-                <a16:creationId xmlns:a16="http://schemas.microsoft.com/office/drawing/2014/main" id="{75EF0643-DD71-41B6-9A0A-FF5B7A8A8D03}"/>
-              </a:ext>
-            </a:extLst>
-          </p:cNvPr>
-          <p:cNvPicPr>
-            <a:picLocks noChangeAspect="1" noChangeArrowheads="1"/>
-          </p:cNvPicPr>
-          <p:nvPr/>
-        </p:nvPicPr>
-        <p:blipFill rotWithShape="1">
-          <a:blip r:embed="rId36">
-            <a:extLst>
-              <a:ext uri="{28A0092B-C50C-407E-A947-70E740481C1C}">
-                <a14:useLocalDpi xmlns:a14="http://schemas.microsoft.com/office/drawing/2010/main" val="0"/>
-              </a:ext>
-            </a:extLst>
-          </a:blip>
-          <a:srcRect r="72464"/>
-          <a:stretch/>
-        </p:blipFill>
-        <p:spPr bwMode="auto">
-          <a:xfrm>
-            <a:off x="10731805" y="1696631"/>
-            <a:ext cx="479206" cy="361656"/>
-          </a:xfrm>
-          <a:prstGeom prst="rect">
-            <a:avLst/>
-          </a:prstGeom>
-          <a:noFill/>
-          <a:extLst>
-            <a:ext uri="{909E8E84-426E-40DD-AFC4-6F175D3DCCD1}">
-              <a14:hiddenFill xmlns:a14="http://schemas.microsoft.com/office/drawing/2010/main">
-                <a:solidFill>
-                  <a:srgbClr val="FFFFFF"/>
-                </a:solidFill>
-              </a14:hiddenFill>
-            </a:ext>
-          </a:extLst>
-        </p:spPr>
-      </p:pic>
-      <p:pic>
-        <p:nvPicPr>
           <p:cNvPr id="72" name="Picture 71">
             <a:extLst>
               <a:ext uri="{FF2B5EF4-FFF2-40B4-BE49-F238E27FC236}">
@@ -6360,11 +6190,11 @@
           <p:nvPr/>
         </p:nvPicPr>
         <p:blipFill>
-          <a:blip r:embed="rId34">
+          <a:blip r:embed="rId37" cstate="hqprint">
             <a:extLst>
               <a:ext uri="{BEBA8EAE-BF5A-486C-A8C5-ECC9F3942E4B}">
                 <a14:imgProps xmlns:a14="http://schemas.microsoft.com/office/drawing/2010/main">
-                  <a14:imgLayer r:embed="rId35">
+                  <a14:imgLayer r:embed="rId38">
                     <a14:imgEffect>
                       <a14:backgroundRemoval t="4375" b="90000" l="10000" r="90000">
                         <a14:foregroundMark x1="26250" y1="33125" x2="25833" y2="25750"/>
@@ -6394,65 +6224,8 @@
         </p:blipFill>
         <p:spPr>
           <a:xfrm>
-            <a:off x="10663989" y="4524757"/>
-            <a:ext cx="461440" cy="307627"/>
-          </a:xfrm>
-          <a:prstGeom prst="rect">
-            <a:avLst/>
-          </a:prstGeom>
-        </p:spPr>
-      </p:pic>
-      <p:pic>
-        <p:nvPicPr>
-          <p:cNvPr id="74" name="Picture 73">
-            <a:extLst>
-              <a:ext uri="{FF2B5EF4-FFF2-40B4-BE49-F238E27FC236}">
-                <a16:creationId xmlns:a16="http://schemas.microsoft.com/office/drawing/2014/main" id="{1B17788E-FEC5-47F0-B3A4-E777F0DAD2F0}"/>
-              </a:ext>
-            </a:extLst>
-          </p:cNvPr>
-          <p:cNvPicPr>
-            <a:picLocks noChangeAspect="1"/>
-          </p:cNvPicPr>
-          <p:nvPr/>
-        </p:nvPicPr>
-        <p:blipFill>
-          <a:blip r:embed="rId34">
-            <a:extLst>
-              <a:ext uri="{BEBA8EAE-BF5A-486C-A8C5-ECC9F3942E4B}">
-                <a14:imgProps xmlns:a14="http://schemas.microsoft.com/office/drawing/2010/main">
-                  <a14:imgLayer r:embed="rId35">
-                    <a14:imgEffect>
-                      <a14:backgroundRemoval t="4375" b="90000" l="10000" r="90000">
-                        <a14:foregroundMark x1="26250" y1="33125" x2="25833" y2="25750"/>
-                        <a14:foregroundMark x1="25833" y1="25750" x2="27833" y2="18500"/>
-                        <a14:foregroundMark x1="29917" y1="15500" x2="38083" y2="8000"/>
-                        <a14:foregroundMark x1="38083" y1="8000" x2="56917" y2="4375"/>
-                        <a14:foregroundMark x1="56917" y1="4375" x2="66000" y2="10000"/>
-                        <a14:foregroundMark x1="66000" y1="10000" x2="70500" y2="14125"/>
-                        <a14:foregroundMark x1="70500" y1="14125" x2="73250" y2="20375"/>
-                        <a14:foregroundMark x1="73250" y1="20375" x2="77000" y2="39750"/>
-                        <a14:foregroundMark x1="62333" y1="44875" x2="40250" y2="46250"/>
-                        <a14:foregroundMark x1="43583" y1="56375" x2="43583" y2="56375"/>
-                        <a14:foregroundMark x1="56167" y1="56750" x2="56167" y2="56750"/>
-                      </a14:backgroundRemoval>
-                    </a14:imgEffect>
-                  </a14:imgLayer>
-                </a14:imgProps>
-              </a:ext>
-              <a:ext uri="{28A0092B-C50C-407E-A947-70E740481C1C}">
-                <a14:useLocalDpi xmlns:a14="http://schemas.microsoft.com/office/drawing/2010/main" val="0"/>
-              </a:ext>
-            </a:extLst>
-          </a:blip>
-          <a:stretch>
-            <a:fillRect/>
-          </a:stretch>
-        </p:blipFill>
-        <p:spPr>
-          <a:xfrm>
-            <a:off x="1354202" y="4656798"/>
-            <a:ext cx="461440" cy="307627"/>
+            <a:off x="10755937" y="5018991"/>
+            <a:ext cx="493179" cy="328786"/>
           </a:xfrm>
           <a:prstGeom prst="rect">
             <a:avLst/>
@@ -6474,7 +6247,7 @@
           <p:nvPr/>
         </p:nvPicPr>
         <p:blipFill>
-          <a:blip r:embed="rId29">
+          <a:blip r:embed="rId29" cstate="hqprint">
             <a:extLst>
               <a:ext uri="{28A0092B-C50C-407E-A947-70E740481C1C}">
                 <a14:useLocalDpi xmlns:a14="http://schemas.microsoft.com/office/drawing/2010/main" val="0"/>
@@ -6488,8 +6261,8 @@
         </p:blipFill>
         <p:spPr bwMode="auto">
           <a:xfrm>
-            <a:off x="11383783" y="4944077"/>
-            <a:ext cx="312410" cy="224748"/>
+            <a:off x="11385034" y="4881944"/>
+            <a:ext cx="308426" cy="221882"/>
           </a:xfrm>
           <a:prstGeom prst="rect">
             <a:avLst/>
@@ -6506,53 +6279,6 @@
           </a:extLst>
         </p:spPr>
       </p:pic>
-      <p:pic>
-        <p:nvPicPr>
-          <p:cNvPr id="21" name="Picture 2" descr="Discord Logo - PNG e Vetor - Download de Logo">
-            <a:extLst>
-              <a:ext uri="{FF2B5EF4-FFF2-40B4-BE49-F238E27FC236}">
-                <a16:creationId xmlns:a16="http://schemas.microsoft.com/office/drawing/2014/main" id="{511663A2-00C3-4D13-A720-ADDC716C5B4F}"/>
-              </a:ext>
-            </a:extLst>
-          </p:cNvPr>
-          <p:cNvPicPr>
-            <a:picLocks noChangeAspect="1" noChangeArrowheads="1"/>
-          </p:cNvPicPr>
-          <p:nvPr/>
-        </p:nvPicPr>
-        <p:blipFill>
-          <a:blip r:embed="rId29">
-            <a:extLst>
-              <a:ext uri="{28A0092B-C50C-407E-A947-70E740481C1C}">
-                <a14:useLocalDpi xmlns:a14="http://schemas.microsoft.com/office/drawing/2010/main" val="0"/>
-              </a:ext>
-            </a:extLst>
-          </a:blip>
-          <a:srcRect/>
-          <a:stretch>
-            <a:fillRect/>
-          </a:stretch>
-        </p:blipFill>
-        <p:spPr bwMode="auto">
-          <a:xfrm>
-            <a:off x="964623" y="4657509"/>
-            <a:ext cx="312410" cy="224748"/>
-          </a:xfrm>
-          <a:prstGeom prst="rect">
-            <a:avLst/>
-          </a:prstGeom>
-          <a:noFill/>
-          <a:extLst>
-            <a:ext uri="{909E8E84-426E-40DD-AFC4-6F175D3DCCD1}">
-              <a14:hiddenFill xmlns:a14="http://schemas.microsoft.com/office/drawing/2010/main">
-                <a:solidFill>
-                  <a:srgbClr val="FFFFFF"/>
-                </a:solidFill>
-              </a14:hiddenFill>
-            </a:ext>
-          </a:extLst>
-        </p:spPr>
-      </p:pic>
       <p:sp>
         <p:nvSpPr>
           <p:cNvPr id="29" name="CaixaDeTexto 114">
@@ -6640,11 +6366,11 @@
           <p:nvPr/>
         </p:nvPicPr>
         <p:blipFill rotWithShape="1">
-          <a:blip r:embed="rId37">
+          <a:blip r:embed="rId39" cstate="hqprint">
             <a:extLst>
               <a:ext uri="{BEBA8EAE-BF5A-486C-A8C5-ECC9F3942E4B}">
                 <a14:imgProps xmlns:a14="http://schemas.microsoft.com/office/drawing/2010/main">
-                  <a14:imgLayer r:embed="rId38">
+                  <a14:imgLayer r:embed="rId40">
                     <a14:imgEffect>
                       <a14:backgroundRemoval t="3125" b="95508" l="8594" r="89648">
                         <a14:foregroundMark x1="48828" y1="17969" x2="41016" y2="23828"/>
@@ -6811,14 +6537,1459 @@
         </p:blipFill>
         <p:spPr>
           <a:xfrm>
-            <a:off x="4153420" y="1173041"/>
-            <a:ext cx="270515" cy="309255"/>
+            <a:off x="3543821" y="1125163"/>
+            <a:ext cx="349320" cy="399346"/>
           </a:xfrm>
           <a:prstGeom prst="rect">
             <a:avLst/>
           </a:prstGeom>
         </p:spPr>
       </p:pic>
+      <p:cxnSp>
+        <p:nvCxnSpPr>
+          <p:cNvPr id="102" name="Conector de Seta Reta 60">
+            <a:extLst>
+              <a:ext uri="{FF2B5EF4-FFF2-40B4-BE49-F238E27FC236}">
+                <a16:creationId xmlns:a16="http://schemas.microsoft.com/office/drawing/2014/main" id="{A5C5030C-2D18-4A6F-BB1E-7E5CF5C2CABA}"/>
+              </a:ext>
+            </a:extLst>
+          </p:cNvPr>
+          <p:cNvCxnSpPr>
+            <a:cxnSpLocks/>
+          </p:cNvCxnSpPr>
+          <p:nvPr/>
+        </p:nvCxnSpPr>
+        <p:spPr>
+          <a:xfrm flipV="1">
+            <a:off x="6469893" y="2981062"/>
+            <a:ext cx="3310624" cy="781701"/>
+          </a:xfrm>
+          <a:prstGeom prst="straightConnector1">
+            <a:avLst/>
+          </a:prstGeom>
+          <a:ln>
+            <a:tailEnd type="triangle"/>
+          </a:ln>
+        </p:spPr>
+        <p:style>
+          <a:lnRef idx="3">
+            <a:schemeClr val="dk1"/>
+          </a:lnRef>
+          <a:fillRef idx="0">
+            <a:schemeClr val="dk1"/>
+          </a:fillRef>
+          <a:effectRef idx="2">
+            <a:schemeClr val="dk1"/>
+          </a:effectRef>
+          <a:fontRef idx="minor">
+            <a:schemeClr val="tx1"/>
+          </a:fontRef>
+        </p:style>
+      </p:cxnSp>
+      <p:pic>
+        <p:nvPicPr>
+          <p:cNvPr id="96" name="Imagem 95"/>
+          <p:cNvPicPr>
+            <a:picLocks noChangeAspect="1"/>
+          </p:cNvPicPr>
+          <p:nvPr/>
+        </p:nvPicPr>
+        <p:blipFill>
+          <a:blip r:embed="rId41">
+            <a:extLst>
+              <a:ext uri="{BEBA8EAE-BF5A-486C-A8C5-ECC9F3942E4B}">
+                <a14:imgProps xmlns:a14="http://schemas.microsoft.com/office/drawing/2010/main">
+                  <a14:imgLayer r:embed="rId42">
+                    <a14:imgEffect>
+                      <a14:backgroundRemoval t="4598" b="98851" l="1034" r="99655">
+                        <a14:foregroundMark x1="24483" y1="27011" x2="24483" y2="27011"/>
+                        <a14:foregroundMark x1="25517" y1="22414" x2="25517" y2="22414"/>
+                        <a14:foregroundMark x1="24828" y1="17241" x2="25862" y2="30460"/>
+                        <a14:foregroundMark x1="25862" y1="39080" x2="23793" y2="5172"/>
+                        <a14:foregroundMark x1="83448" y1="26437" x2="77931" y2="10920"/>
+                        <a14:foregroundMark x1="91724" y1="34483" x2="94828" y2="37931"/>
+                        <a14:foregroundMark x1="6552" y1="38506" x2="5517" y2="35632"/>
+                        <a14:foregroundMark x1="11034" y1="78161" x2="51724" y2="91954"/>
+                        <a14:foregroundMark x1="88621" y1="66092" x2="95862" y2="66667"/>
+                        <a14:foregroundMark x1="52759" y1="98851" x2="47931" y2="98851"/>
+                        <a14:foregroundMark x1="6897" y1="72414" x2="1379" y2="65517"/>
+                        <a14:foregroundMark x1="98966" y1="72414" x2="99655" y2="63793"/>
+                        <a14:foregroundMark x1="26897" y1="48851" x2="24138" y2="8621"/>
+                        <a14:foregroundMark x1="41379" y1="39080" x2="37586" y2="10920"/>
+                        <a14:foregroundMark x1="46207" y1="36782" x2="48966" y2="14368"/>
+                        <a14:foregroundMark x1="58276" y1="36782" x2="51034" y2="4598"/>
+                        <a14:foregroundMark x1="60000" y1="41379" x2="67586" y2="8621"/>
+                      </a14:backgroundRemoval>
+                    </a14:imgEffect>
+                  </a14:imgLayer>
+                </a14:imgProps>
+              </a:ext>
+            </a:extLst>
+          </a:blip>
+          <a:stretch>
+            <a:fillRect/>
+          </a:stretch>
+        </p:blipFill>
+        <p:spPr>
+          <a:xfrm>
+            <a:off x="10675703" y="1712407"/>
+            <a:ext cx="681853" cy="409112"/>
+          </a:xfrm>
+          <a:prstGeom prst="rect">
+            <a:avLst/>
+          </a:prstGeom>
+        </p:spPr>
+      </p:pic>
+      <p:pic>
+        <p:nvPicPr>
+          <p:cNvPr id="108" name="Picture 2" descr="GitHub - oshi/oshi: Native Operating System and Hardware Information">
+            <a:extLst>
+              <a:ext uri="{FF2B5EF4-FFF2-40B4-BE49-F238E27FC236}">
+                <a16:creationId xmlns:a16="http://schemas.microsoft.com/office/drawing/2014/main" id="{AC6A7A05-9FD3-4161-8CE3-031324CA48A9}"/>
+              </a:ext>
+            </a:extLst>
+          </p:cNvPr>
+          <p:cNvPicPr>
+            <a:picLocks noChangeAspect="1" noChangeArrowheads="1"/>
+          </p:cNvPicPr>
+          <p:nvPr/>
+        </p:nvPicPr>
+        <p:blipFill rotWithShape="1">
+          <a:blip r:embed="rId36" cstate="hqprint">
+            <a:extLst>
+              <a:ext uri="{28A0092B-C50C-407E-A947-70E740481C1C}">
+                <a14:useLocalDpi xmlns:a14="http://schemas.microsoft.com/office/drawing/2010/main" val="0"/>
+              </a:ext>
+            </a:extLst>
+          </a:blip>
+          <a:srcRect r="72464"/>
+          <a:stretch/>
+        </p:blipFill>
+        <p:spPr bwMode="auto">
+          <a:xfrm>
+            <a:off x="10229627" y="4850768"/>
+            <a:ext cx="390393" cy="294629"/>
+          </a:xfrm>
+          <a:prstGeom prst="rect">
+            <a:avLst/>
+          </a:prstGeom>
+          <a:noFill/>
+          <a:extLst>
+            <a:ext uri="{909E8E84-426E-40DD-AFC4-6F175D3DCCD1}">
+              <a14:hiddenFill xmlns:a14="http://schemas.microsoft.com/office/drawing/2010/main">
+                <a:solidFill>
+                  <a:srgbClr val="FFFFFF"/>
+                </a:solidFill>
+              </a14:hiddenFill>
+            </a:ext>
+          </a:extLst>
+        </p:spPr>
+      </p:pic>
+      <p:pic>
+        <p:nvPicPr>
+          <p:cNvPr id="109" name="Imagem 108">
+            <a:extLst>
+              <a:ext uri="{FF2B5EF4-FFF2-40B4-BE49-F238E27FC236}">
+                <a16:creationId xmlns:a16="http://schemas.microsoft.com/office/drawing/2014/main" id="{F4892A92-ABD7-4F2A-AD6B-EFC108078BFE}"/>
+              </a:ext>
+            </a:extLst>
+          </p:cNvPr>
+          <p:cNvPicPr>
+            <a:picLocks noChangeAspect="1"/>
+          </p:cNvPicPr>
+          <p:nvPr/>
+        </p:nvPicPr>
+        <p:blipFill>
+          <a:blip r:embed="rId10"/>
+          <a:stretch>
+            <a:fillRect/>
+          </a:stretch>
+        </p:blipFill>
+        <p:spPr>
+          <a:xfrm>
+            <a:off x="10717030" y="2621254"/>
+            <a:ext cx="408111" cy="408111"/>
+          </a:xfrm>
+          <a:prstGeom prst="rect">
+            <a:avLst/>
+          </a:prstGeom>
+        </p:spPr>
+      </p:pic>
+      <p:cxnSp>
+        <p:nvCxnSpPr>
+          <p:cNvPr id="100" name="Conector reto 99"/>
+          <p:cNvCxnSpPr/>
+          <p:nvPr/>
+        </p:nvCxnSpPr>
+        <p:spPr>
+          <a:xfrm>
+            <a:off x="10701573" y="4321316"/>
+            <a:ext cx="0" cy="706456"/>
+          </a:xfrm>
+          <a:prstGeom prst="line">
+            <a:avLst/>
+          </a:prstGeom>
+        </p:spPr>
+        <p:style>
+          <a:lnRef idx="3">
+            <a:schemeClr val="dk1"/>
+          </a:lnRef>
+          <a:fillRef idx="0">
+            <a:schemeClr val="dk1"/>
+          </a:fillRef>
+          <a:effectRef idx="2">
+            <a:schemeClr val="dk1"/>
+          </a:effectRef>
+          <a:fontRef idx="minor">
+            <a:schemeClr val="tx1"/>
+          </a:fontRef>
+        </p:style>
+      </p:cxnSp>
+      <p:pic>
+        <p:nvPicPr>
+          <p:cNvPr id="153" name="Imagem 152">
+            <a:extLst>
+              <a:ext uri="{FF2B5EF4-FFF2-40B4-BE49-F238E27FC236}">
+                <a16:creationId xmlns:a16="http://schemas.microsoft.com/office/drawing/2014/main" id="{5B8E73A8-691E-43EC-B096-5A63DB3160FB}"/>
+              </a:ext>
+            </a:extLst>
+          </p:cNvPr>
+          <p:cNvPicPr>
+            <a:picLocks noChangeAspect="1"/>
+          </p:cNvPicPr>
+          <p:nvPr/>
+        </p:nvPicPr>
+        <p:blipFill rotWithShape="1">
+          <a:blip r:embed="rId11">
+            <a:extLst>
+              <a:ext uri="{BEBA8EAE-BF5A-486C-A8C5-ECC9F3942E4B}">
+                <a14:imgProps xmlns:a14="http://schemas.microsoft.com/office/drawing/2010/main">
+                  <a14:imgLayer r:embed="rId12">
+                    <a14:imgEffect>
+                      <a14:backgroundRemoval t="9799" b="89950" l="2500" r="94063">
+                        <a14:foregroundMark x1="10938" y1="20352" x2="10938" y2="20352"/>
+                        <a14:foregroundMark x1="16042" y1="34422" x2="16042" y2="34422"/>
+                        <a14:foregroundMark x1="12292" y1="36181" x2="12292" y2="36181"/>
+                        <a14:foregroundMark x1="14271" y1="32915" x2="14271" y2="32915"/>
+                        <a14:foregroundMark x1="11979" y1="28392" x2="16875" y2="41457"/>
+                        <a14:foregroundMark x1="16875" y1="41457" x2="10104" y2="45729"/>
+                        <a14:foregroundMark x1="10104" y1="45729" x2="7500" y2="27638"/>
+                        <a14:foregroundMark x1="7500" y1="27638" x2="7708" y2="25879"/>
+                        <a14:foregroundMark x1="11146" y1="28643" x2="6250" y2="41960"/>
+                        <a14:foregroundMark x1="6250" y1="41960" x2="8438" y2="49246"/>
+                        <a14:foregroundMark x1="13021" y1="50754" x2="8542" y2="42965"/>
+                        <a14:foregroundMark x1="3958" y1="39196" x2="2500" y2="35930"/>
+                        <a14:foregroundMark x1="23021" y1="36432" x2="29271" y2="27638"/>
+                        <a14:foregroundMark x1="29271" y1="27638" x2="29479" y2="30905"/>
+                        <a14:foregroundMark x1="30208" y1="50000" x2="32604" y2="34673"/>
+                        <a14:foregroundMark x1="32604" y1="34673" x2="34896" y2="39950"/>
+                        <a14:foregroundMark x1="36250" y1="27889" x2="38229" y2="41960"/>
+                        <a14:foregroundMark x1="26882" y1="21885" x2="25625" y2="22111"/>
+                        <a14:foregroundMark x1="32604" y1="20854" x2="27379" y2="21795"/>
+                        <a14:foregroundMark x1="24972" y1="22970" x2="24479" y2="23618"/>
+                        <a14:foregroundMark x1="33021" y1="21357" x2="29167" y2="18844"/>
+                        <a14:foregroundMark x1="25655" y1="19089" x2="25521" y2="19095"/>
+                        <a14:foregroundMark x1="31458" y1="18844" x2="26654" y2="19047"/>
+                        <a14:foregroundMark x1="31667" y1="19095" x2="34167" y2="20854"/>
+                        <a14:foregroundMark x1="45104" y1="38945" x2="45208" y2="27387"/>
+                        <a14:foregroundMark x1="53229" y1="51759" x2="52500" y2="56281"/>
+                        <a14:foregroundMark x1="64375" y1="40704" x2="64583" y2="24372"/>
+                        <a14:foregroundMark x1="64583" y1="24372" x2="64583" y2="24372"/>
+                        <a14:foregroundMark x1="61354" y1="59799" x2="62604" y2="59045"/>
+                        <a14:foregroundMark x1="76563" y1="25126" x2="76563" y2="23367"/>
+                        <a14:foregroundMark x1="83229" y1="43216" x2="86667" y2="27136"/>
+                        <a14:foregroundMark x1="86667" y1="27136" x2="94063" y2="36432"/>
+                        <a14:foregroundMark x1="94063" y1="36432" x2="89479" y2="36181"/>
+                        <a14:foregroundMark x1="25625" y1="21357" x2="26667" y2="20854"/>
+                        <a14:foregroundMark x1="33646" y1="55528" x2="35417" y2="52764"/>
+                        <a14:backgroundMark x1="25521" y1="19849" x2="26250" y2="18090"/>
+                      </a14:backgroundRemoval>
+                    </a14:imgEffect>
+                  </a14:imgLayer>
+                </a14:imgProps>
+              </a:ext>
+            </a:extLst>
+          </a:blip>
+          <a:srcRect l="58695" t="-1359" r="22613" b="18821"/>
+          <a:stretch/>
+        </p:blipFill>
+        <p:spPr>
+          <a:xfrm>
+            <a:off x="792417" y="4294465"/>
+            <a:ext cx="273443" cy="500575"/>
+          </a:xfrm>
+          <a:prstGeom prst="rect">
+            <a:avLst/>
+          </a:prstGeom>
+        </p:spPr>
+      </p:pic>
+      <p:pic>
+        <p:nvPicPr>
+          <p:cNvPr id="154" name="Imagem 153">
+            <a:extLst>
+              <a:ext uri="{FF2B5EF4-FFF2-40B4-BE49-F238E27FC236}">
+                <a16:creationId xmlns:a16="http://schemas.microsoft.com/office/drawing/2014/main" id="{AE8FDB0B-4F93-44C8-B4CD-64F86FB6EB51}"/>
+              </a:ext>
+            </a:extLst>
+          </p:cNvPr>
+          <p:cNvPicPr>
+            <a:picLocks noChangeAspect="1"/>
+          </p:cNvPicPr>
+          <p:nvPr/>
+        </p:nvPicPr>
+        <p:blipFill rotWithShape="1">
+          <a:blip r:embed="rId11">
+            <a:extLst>
+              <a:ext uri="{BEBA8EAE-BF5A-486C-A8C5-ECC9F3942E4B}">
+                <a14:imgProps xmlns:a14="http://schemas.microsoft.com/office/drawing/2010/main">
+                  <a14:imgLayer r:embed="rId12">
+                    <a14:imgEffect>
+                      <a14:backgroundRemoval t="9799" b="89950" l="2500" r="94063">
+                        <a14:foregroundMark x1="10938" y1="20352" x2="10938" y2="20352"/>
+                        <a14:foregroundMark x1="16042" y1="34422" x2="16042" y2="34422"/>
+                        <a14:foregroundMark x1="12292" y1="36181" x2="12292" y2="36181"/>
+                        <a14:foregroundMark x1="14271" y1="32915" x2="14271" y2="32915"/>
+                        <a14:foregroundMark x1="11979" y1="28392" x2="16875" y2="41457"/>
+                        <a14:foregroundMark x1="16875" y1="41457" x2="10104" y2="45729"/>
+                        <a14:foregroundMark x1="10104" y1="45729" x2="7500" y2="27638"/>
+                        <a14:foregroundMark x1="7500" y1="27638" x2="7708" y2="25879"/>
+                        <a14:foregroundMark x1="11146" y1="28643" x2="6250" y2="41960"/>
+                        <a14:foregroundMark x1="6250" y1="41960" x2="8438" y2="49246"/>
+                        <a14:foregroundMark x1="13021" y1="50754" x2="8542" y2="42965"/>
+                        <a14:foregroundMark x1="3958" y1="39196" x2="2500" y2="35930"/>
+                        <a14:foregroundMark x1="23021" y1="36432" x2="29271" y2="27638"/>
+                        <a14:foregroundMark x1="29271" y1="27638" x2="29479" y2="30905"/>
+                        <a14:foregroundMark x1="30208" y1="50000" x2="32604" y2="34673"/>
+                        <a14:foregroundMark x1="32604" y1="34673" x2="34896" y2="39950"/>
+                        <a14:foregroundMark x1="36250" y1="27889" x2="38229" y2="41960"/>
+                        <a14:foregroundMark x1="26882" y1="21885" x2="25625" y2="22111"/>
+                        <a14:foregroundMark x1="32604" y1="20854" x2="27379" y2="21795"/>
+                        <a14:foregroundMark x1="24972" y1="22970" x2="24479" y2="23618"/>
+                        <a14:foregroundMark x1="33021" y1="21357" x2="29167" y2="18844"/>
+                        <a14:foregroundMark x1="25655" y1="19089" x2="25521" y2="19095"/>
+                        <a14:foregroundMark x1="31458" y1="18844" x2="26654" y2="19047"/>
+                        <a14:foregroundMark x1="31667" y1="19095" x2="34167" y2="20854"/>
+                        <a14:foregroundMark x1="45104" y1="38945" x2="45208" y2="27387"/>
+                        <a14:foregroundMark x1="53229" y1="51759" x2="52500" y2="56281"/>
+                        <a14:foregroundMark x1="64375" y1="40704" x2="64583" y2="24372"/>
+                        <a14:foregroundMark x1="64583" y1="24372" x2="64583" y2="24372"/>
+                        <a14:foregroundMark x1="61354" y1="59799" x2="62604" y2="59045"/>
+                        <a14:foregroundMark x1="76563" y1="25126" x2="76563" y2="23367"/>
+                        <a14:foregroundMark x1="83229" y1="43216" x2="86667" y2="27136"/>
+                        <a14:foregroundMark x1="86667" y1="27136" x2="94063" y2="36432"/>
+                        <a14:foregroundMark x1="94063" y1="36432" x2="89479" y2="36181"/>
+                        <a14:foregroundMark x1="25625" y1="21357" x2="26667" y2="20854"/>
+                        <a14:foregroundMark x1="33646" y1="55528" x2="35417" y2="52764"/>
+                        <a14:backgroundMark x1="25521" y1="19849" x2="26250" y2="18090"/>
+                      </a14:backgroundRemoval>
+                    </a14:imgEffect>
+                  </a14:imgLayer>
+                </a14:imgProps>
+              </a:ext>
+            </a:extLst>
+          </a:blip>
+          <a:srcRect l="-2" t="1" r="79272" b="32709"/>
+          <a:stretch/>
+        </p:blipFill>
+        <p:spPr>
+          <a:xfrm>
+            <a:off x="1586412" y="4322788"/>
+            <a:ext cx="323768" cy="435727"/>
+          </a:xfrm>
+          <a:prstGeom prst="rect">
+            <a:avLst/>
+          </a:prstGeom>
+        </p:spPr>
+      </p:pic>
+      <p:pic>
+        <p:nvPicPr>
+          <p:cNvPr id="155" name="Picture 71">
+            <a:extLst>
+              <a:ext uri="{FF2B5EF4-FFF2-40B4-BE49-F238E27FC236}">
+                <a16:creationId xmlns:a16="http://schemas.microsoft.com/office/drawing/2014/main" id="{5B4EE446-BA91-41AE-B6CD-9C908F9BB3B4}"/>
+              </a:ext>
+            </a:extLst>
+          </p:cNvPr>
+          <p:cNvPicPr>
+            <a:picLocks noChangeAspect="1"/>
+          </p:cNvPicPr>
+          <p:nvPr/>
+        </p:nvPicPr>
+        <p:blipFill>
+          <a:blip r:embed="rId37" cstate="hqprint">
+            <a:extLst>
+              <a:ext uri="{BEBA8EAE-BF5A-486C-A8C5-ECC9F3942E4B}">
+                <a14:imgProps xmlns:a14="http://schemas.microsoft.com/office/drawing/2010/main">
+                  <a14:imgLayer r:embed="rId38">
+                    <a14:imgEffect>
+                      <a14:backgroundRemoval t="4375" b="90000" l="10000" r="90000">
+                        <a14:foregroundMark x1="26250" y1="33125" x2="25833" y2="25750"/>
+                        <a14:foregroundMark x1="25833" y1="25750" x2="27833" y2="18500"/>
+                        <a14:foregroundMark x1="29917" y1="15500" x2="38083" y2="8000"/>
+                        <a14:foregroundMark x1="38083" y1="8000" x2="56917" y2="4375"/>
+                        <a14:foregroundMark x1="56917" y1="4375" x2="66000" y2="10000"/>
+                        <a14:foregroundMark x1="66000" y1="10000" x2="70500" y2="14125"/>
+                        <a14:foregroundMark x1="70500" y1="14125" x2="73250" y2="20375"/>
+                        <a14:foregroundMark x1="73250" y1="20375" x2="77000" y2="39750"/>
+                        <a14:foregroundMark x1="62333" y1="44875" x2="40250" y2="46250"/>
+                        <a14:foregroundMark x1="43583" y1="56375" x2="43583" y2="56375"/>
+                        <a14:foregroundMark x1="56167" y1="56750" x2="56167" y2="56750"/>
+                      </a14:backgroundRemoval>
+                    </a14:imgEffect>
+                  </a14:imgLayer>
+                </a14:imgProps>
+              </a:ext>
+              <a:ext uri="{28A0092B-C50C-407E-A947-70E740481C1C}">
+                <a14:useLocalDpi xmlns:a14="http://schemas.microsoft.com/office/drawing/2010/main" val="0"/>
+              </a:ext>
+            </a:extLst>
+          </a:blip>
+          <a:stretch>
+            <a:fillRect/>
+          </a:stretch>
+        </p:blipFill>
+        <p:spPr>
+          <a:xfrm>
+            <a:off x="1511142" y="4851021"/>
+            <a:ext cx="493179" cy="328786"/>
+          </a:xfrm>
+          <a:prstGeom prst="rect">
+            <a:avLst/>
+          </a:prstGeom>
+        </p:spPr>
+      </p:pic>
+      <p:pic>
+        <p:nvPicPr>
+          <p:cNvPr id="156" name="Picture 2" descr="Discord Logo - PNG e Vetor - Download de Logo">
+            <a:extLst>
+              <a:ext uri="{FF2B5EF4-FFF2-40B4-BE49-F238E27FC236}">
+                <a16:creationId xmlns:a16="http://schemas.microsoft.com/office/drawing/2014/main" id="{6FF3084F-AB8B-42A3-A44D-58D396861B9C}"/>
+              </a:ext>
+            </a:extLst>
+          </p:cNvPr>
+          <p:cNvPicPr>
+            <a:picLocks noChangeAspect="1" noChangeArrowheads="1"/>
+          </p:cNvPicPr>
+          <p:nvPr/>
+        </p:nvPicPr>
+        <p:blipFill>
+          <a:blip r:embed="rId29" cstate="hqprint">
+            <a:extLst>
+              <a:ext uri="{28A0092B-C50C-407E-A947-70E740481C1C}">
+                <a14:useLocalDpi xmlns:a14="http://schemas.microsoft.com/office/drawing/2010/main" val="0"/>
+              </a:ext>
+            </a:extLst>
+          </a:blip>
+          <a:srcRect/>
+          <a:stretch>
+            <a:fillRect/>
+          </a:stretch>
+        </p:blipFill>
+        <p:spPr bwMode="auto">
+          <a:xfrm>
+            <a:off x="794919" y="4904473"/>
+            <a:ext cx="308426" cy="221882"/>
+          </a:xfrm>
+          <a:prstGeom prst="rect">
+            <a:avLst/>
+          </a:prstGeom>
+          <a:noFill/>
+          <a:extLst>
+            <a:ext uri="{909E8E84-426E-40DD-AFC4-6F175D3DCCD1}">
+              <a14:hiddenFill xmlns:a14="http://schemas.microsoft.com/office/drawing/2010/main">
+                <a:solidFill>
+                  <a:srgbClr val="FFFFFF"/>
+                </a:solidFill>
+              </a14:hiddenFill>
+            </a:ext>
+          </a:extLst>
+        </p:spPr>
+      </p:pic>
+      <p:pic>
+        <p:nvPicPr>
+          <p:cNvPr id="103" name="Imagem 102"/>
+          <p:cNvPicPr>
+            <a:picLocks noChangeAspect="1"/>
+          </p:cNvPicPr>
+          <p:nvPr/>
+        </p:nvPicPr>
+        <p:blipFill>
+          <a:blip r:embed="rId43">
+            <a:extLst>
+              <a:ext uri="{BEBA8EAE-BF5A-486C-A8C5-ECC9F3942E4B}">
+                <a14:imgProps xmlns:a14="http://schemas.microsoft.com/office/drawing/2010/main">
+                  <a14:imgLayer r:embed="rId44">
+                    <a14:imgEffect>
+                      <a14:backgroundRemoval t="4231" b="98462" l="769" r="100000">
+                        <a14:foregroundMark x1="41538" y1="14615" x2="41538" y2="14615"/>
+                        <a14:foregroundMark x1="58077" y1="18077" x2="23462" y2="25000"/>
+                        <a14:foregroundMark x1="52308" y1="12308" x2="16154" y2="12308"/>
+                        <a14:foregroundMark x1="58077" y1="8077" x2="96923" y2="52308"/>
+                        <a14:foregroundMark x1="63077" y1="5769" x2="50385" y2="1154"/>
+                        <a14:foregroundMark x1="24231" y1="30000" x2="13077" y2="71154"/>
+                        <a14:foregroundMark x1="11154" y1="29231" x2="10000" y2="62692"/>
+                        <a14:foregroundMark x1="8846" y1="33462" x2="5000" y2="53846"/>
+                        <a14:foregroundMark x1="1923" y1="42692" x2="5769" y2="63462"/>
+                        <a14:foregroundMark x1="19231" y1="73077" x2="71154" y2="86538"/>
+                        <a14:foregroundMark x1="74231" y1="86538" x2="32308" y2="88846"/>
+                        <a14:foregroundMark x1="59231" y1="90769" x2="46154" y2="95769"/>
+                        <a14:foregroundMark x1="86923" y1="61538" x2="71154" y2="92308"/>
+                        <a14:foregroundMark x1="63077" y1="92692" x2="50769" y2="98462"/>
+                        <a14:foregroundMark x1="73077" y1="20769" x2="46923" y2="34231"/>
+                        <a14:foregroundMark x1="47308" y1="23077" x2="87308" y2="45769"/>
+                        <a14:foregroundMark x1="81923" y1="50000" x2="46538" y2="18846"/>
+                        <a14:foregroundMark x1="46923" y1="23077" x2="33077" y2="69615"/>
+                        <a14:foregroundMark x1="35000" y1="31538" x2="33462" y2="70769"/>
+                        <a14:foregroundMark x1="28077" y1="32692" x2="31923" y2="69231"/>
+                        <a14:foregroundMark x1="20385" y1="44615" x2="13077" y2="52692"/>
+                        <a14:foregroundMark x1="72308" y1="49231" x2="67308" y2="78462"/>
+                        <a14:foregroundMark x1="73462" y1="58462" x2="68846" y2="90769"/>
+                        <a14:foregroundMark x1="75769" y1="59615" x2="35000" y2="82692"/>
+                        <a14:foregroundMark x1="48077" y1="67692" x2="42692" y2="78462"/>
+                        <a14:foregroundMark x1="4231" y1="56538" x2="0" y2="50385"/>
+                        <a14:foregroundMark x1="1154" y1="55769" x2="769" y2="47308"/>
+                        <a14:foregroundMark x1="769" y1="54615" x2="15769" y2="31154"/>
+                        <a14:foregroundMark x1="769" y1="54231" x2="769" y2="45385"/>
+                      </a14:backgroundRemoval>
+                    </a14:imgEffect>
+                  </a14:imgLayer>
+                </a14:imgProps>
+              </a:ext>
+            </a:extLst>
+          </a:blip>
+          <a:stretch>
+            <a:fillRect/>
+          </a:stretch>
+        </p:blipFill>
+        <p:spPr>
+          <a:xfrm>
+            <a:off x="11089075" y="2192892"/>
+            <a:ext cx="365650" cy="365650"/>
+          </a:xfrm>
+          <a:prstGeom prst="rect">
+            <a:avLst/>
+          </a:prstGeom>
+        </p:spPr>
+      </p:pic>
+      <p:sp>
+        <p:nvSpPr>
+          <p:cNvPr id="78" name="CaixaDeTexto 77">
+            <a:extLst>
+              <a:ext uri="{FF2B5EF4-FFF2-40B4-BE49-F238E27FC236}">
+                <a16:creationId xmlns:a16="http://schemas.microsoft.com/office/drawing/2014/main" id="{493E6E1F-0E69-43E5-B36D-2B8F5592B318}"/>
+              </a:ext>
+            </a:extLst>
+          </p:cNvPr>
+          <p:cNvSpPr txBox="1"/>
+          <p:nvPr/>
+        </p:nvSpPr>
+        <p:spPr>
+          <a:xfrm>
+            <a:off x="2882688" y="2348933"/>
+            <a:ext cx="791996" cy="261610"/>
+          </a:xfrm>
+          <a:prstGeom prst="rect">
+            <a:avLst/>
+          </a:prstGeom>
+          <a:noFill/>
+        </p:spPr>
+        <p:txBody>
+          <a:bodyPr wrap="square" rtlCol="0">
+            <a:spAutoFit/>
+          </a:bodyPr>
+          <a:lstStyle/>
+          <a:p>
+            <a:pPr algn="ctr"/>
+            <a:r>
+              <a:rPr lang="pt-BR" sz="1100" dirty="0" smtClean="0"/>
+              <a:t>Java Script</a:t>
+            </a:r>
+            <a:endParaRPr lang="pt-BR" sz="1100" dirty="0"/>
+          </a:p>
+        </p:txBody>
+      </p:sp>
+      <p:sp>
+        <p:nvSpPr>
+          <p:cNvPr id="80" name="CaixaDeTexto 79">
+            <a:extLst>
+              <a:ext uri="{FF2B5EF4-FFF2-40B4-BE49-F238E27FC236}">
+                <a16:creationId xmlns:a16="http://schemas.microsoft.com/office/drawing/2014/main" id="{493E6E1F-0E69-43E5-B36D-2B8F5592B318}"/>
+              </a:ext>
+            </a:extLst>
+          </p:cNvPr>
+          <p:cNvSpPr txBox="1"/>
+          <p:nvPr/>
+        </p:nvSpPr>
+        <p:spPr>
+          <a:xfrm>
+            <a:off x="2867420" y="1864478"/>
+            <a:ext cx="725030" cy="261610"/>
+          </a:xfrm>
+          <a:prstGeom prst="rect">
+            <a:avLst/>
+          </a:prstGeom>
+          <a:noFill/>
+        </p:spPr>
+        <p:txBody>
+          <a:bodyPr wrap="square" rtlCol="0">
+            <a:spAutoFit/>
+          </a:bodyPr>
+          <a:lstStyle/>
+          <a:p>
+            <a:pPr algn="ctr"/>
+            <a:r>
+              <a:rPr lang="pt-BR" sz="1100" dirty="0" smtClean="0"/>
+              <a:t>CSS</a:t>
+            </a:r>
+            <a:endParaRPr lang="pt-BR" sz="1100" dirty="0"/>
+          </a:p>
+        </p:txBody>
+      </p:sp>
+      <p:sp>
+        <p:nvSpPr>
+          <p:cNvPr id="81" name="CaixaDeTexto 80">
+            <a:extLst>
+              <a:ext uri="{FF2B5EF4-FFF2-40B4-BE49-F238E27FC236}">
+                <a16:creationId xmlns:a16="http://schemas.microsoft.com/office/drawing/2014/main" id="{493E6E1F-0E69-43E5-B36D-2B8F5592B318}"/>
+              </a:ext>
+            </a:extLst>
+          </p:cNvPr>
+          <p:cNvSpPr txBox="1"/>
+          <p:nvPr/>
+        </p:nvSpPr>
+        <p:spPr>
+          <a:xfrm>
+            <a:off x="2848932" y="1376878"/>
+            <a:ext cx="725030" cy="261610"/>
+          </a:xfrm>
+          <a:prstGeom prst="rect">
+            <a:avLst/>
+          </a:prstGeom>
+          <a:noFill/>
+        </p:spPr>
+        <p:txBody>
+          <a:bodyPr wrap="square" rtlCol="0">
+            <a:spAutoFit/>
+          </a:bodyPr>
+          <a:lstStyle/>
+          <a:p>
+            <a:pPr algn="ctr"/>
+            <a:r>
+              <a:rPr lang="pt-BR" sz="1100" dirty="0" smtClean="0"/>
+              <a:t>HTML</a:t>
+            </a:r>
+            <a:endParaRPr lang="pt-BR" sz="1100" dirty="0"/>
+          </a:p>
+        </p:txBody>
+      </p:sp>
+      <p:sp>
+        <p:nvSpPr>
+          <p:cNvPr id="82" name="CaixaDeTexto 81">
+            <a:extLst>
+              <a:ext uri="{FF2B5EF4-FFF2-40B4-BE49-F238E27FC236}">
+                <a16:creationId xmlns:a16="http://schemas.microsoft.com/office/drawing/2014/main" id="{493E6E1F-0E69-43E5-B36D-2B8F5592B318}"/>
+              </a:ext>
+            </a:extLst>
+          </p:cNvPr>
+          <p:cNvSpPr txBox="1"/>
+          <p:nvPr/>
+        </p:nvSpPr>
+        <p:spPr>
+          <a:xfrm>
+            <a:off x="4285378" y="3116477"/>
+            <a:ext cx="725030" cy="261610"/>
+          </a:xfrm>
+          <a:prstGeom prst="rect">
+            <a:avLst/>
+          </a:prstGeom>
+          <a:noFill/>
+        </p:spPr>
+        <p:txBody>
+          <a:bodyPr wrap="square" rtlCol="0">
+            <a:spAutoFit/>
+          </a:bodyPr>
+          <a:lstStyle/>
+          <a:p>
+            <a:pPr algn="ctr"/>
+            <a:r>
+              <a:rPr lang="pt-BR" sz="1100" dirty="0"/>
+              <a:t>Site</a:t>
+            </a:r>
+          </a:p>
+        </p:txBody>
+      </p:sp>
+      <p:sp>
+        <p:nvSpPr>
+          <p:cNvPr id="83" name="CaixaDeTexto 82">
+            <a:extLst>
+              <a:ext uri="{FF2B5EF4-FFF2-40B4-BE49-F238E27FC236}">
+                <a16:creationId xmlns:a16="http://schemas.microsoft.com/office/drawing/2014/main" id="{493E6E1F-0E69-43E5-B36D-2B8F5592B318}"/>
+              </a:ext>
+            </a:extLst>
+          </p:cNvPr>
+          <p:cNvSpPr txBox="1"/>
+          <p:nvPr/>
+        </p:nvSpPr>
+        <p:spPr>
+          <a:xfrm>
+            <a:off x="1407211" y="4634879"/>
+            <a:ext cx="725030" cy="261610"/>
+          </a:xfrm>
+          <a:prstGeom prst="rect">
+            <a:avLst/>
+          </a:prstGeom>
+          <a:noFill/>
+        </p:spPr>
+        <p:txBody>
+          <a:bodyPr wrap="square" rtlCol="0">
+            <a:spAutoFit/>
+          </a:bodyPr>
+          <a:lstStyle/>
+          <a:p>
+            <a:pPr algn="ctr"/>
+            <a:r>
+              <a:rPr lang="pt-BR" sz="1100" dirty="0" smtClean="0"/>
+              <a:t>Chrome</a:t>
+            </a:r>
+            <a:endParaRPr lang="pt-BR" sz="1100" dirty="0"/>
+          </a:p>
+        </p:txBody>
+      </p:sp>
+      <p:sp>
+        <p:nvSpPr>
+          <p:cNvPr id="84" name="CaixaDeTexto 83">
+            <a:extLst>
+              <a:ext uri="{FF2B5EF4-FFF2-40B4-BE49-F238E27FC236}">
+                <a16:creationId xmlns:a16="http://schemas.microsoft.com/office/drawing/2014/main" id="{493E6E1F-0E69-43E5-B36D-2B8F5592B318}"/>
+              </a:ext>
+            </a:extLst>
+          </p:cNvPr>
+          <p:cNvSpPr txBox="1"/>
+          <p:nvPr/>
+        </p:nvSpPr>
+        <p:spPr>
+          <a:xfrm>
+            <a:off x="3967669" y="2683062"/>
+            <a:ext cx="725030" cy="261610"/>
+          </a:xfrm>
+          <a:prstGeom prst="rect">
+            <a:avLst/>
+          </a:prstGeom>
+          <a:noFill/>
+        </p:spPr>
+        <p:txBody>
+          <a:bodyPr wrap="square" rtlCol="0">
+            <a:spAutoFit/>
+          </a:bodyPr>
+          <a:lstStyle/>
+          <a:p>
+            <a:pPr algn="ctr"/>
+            <a:r>
+              <a:rPr lang="pt-BR" sz="1100" dirty="0"/>
+              <a:t>Site</a:t>
+            </a:r>
+          </a:p>
+        </p:txBody>
+      </p:sp>
+      <p:sp>
+        <p:nvSpPr>
+          <p:cNvPr id="85" name="CaixaDeTexto 84">
+            <a:extLst>
+              <a:ext uri="{FF2B5EF4-FFF2-40B4-BE49-F238E27FC236}">
+                <a16:creationId xmlns:a16="http://schemas.microsoft.com/office/drawing/2014/main" id="{493E6E1F-0E69-43E5-B36D-2B8F5592B318}"/>
+              </a:ext>
+            </a:extLst>
+          </p:cNvPr>
+          <p:cNvSpPr txBox="1"/>
+          <p:nvPr/>
+        </p:nvSpPr>
+        <p:spPr>
+          <a:xfrm>
+            <a:off x="3917962" y="1470421"/>
+            <a:ext cx="725030" cy="261610"/>
+          </a:xfrm>
+          <a:prstGeom prst="rect">
+            <a:avLst/>
+          </a:prstGeom>
+          <a:noFill/>
+        </p:spPr>
+        <p:txBody>
+          <a:bodyPr wrap="square" rtlCol="0">
+            <a:spAutoFit/>
+          </a:bodyPr>
+          <a:lstStyle/>
+          <a:p>
+            <a:pPr algn="ctr"/>
+            <a:r>
+              <a:rPr lang="pt-BR" sz="1100" dirty="0" smtClean="0"/>
+              <a:t>Chart JS</a:t>
+            </a:r>
+            <a:endParaRPr lang="pt-BR" sz="1100" dirty="0"/>
+          </a:p>
+        </p:txBody>
+      </p:sp>
+      <p:sp>
+        <p:nvSpPr>
+          <p:cNvPr id="86" name="CaixaDeTexto 85">
+            <a:extLst>
+              <a:ext uri="{FF2B5EF4-FFF2-40B4-BE49-F238E27FC236}">
+                <a16:creationId xmlns:a16="http://schemas.microsoft.com/office/drawing/2014/main" id="{493E6E1F-0E69-43E5-B36D-2B8F5592B318}"/>
+              </a:ext>
+            </a:extLst>
+          </p:cNvPr>
+          <p:cNvSpPr txBox="1"/>
+          <p:nvPr/>
+        </p:nvSpPr>
+        <p:spPr>
+          <a:xfrm>
+            <a:off x="3359671" y="1463286"/>
+            <a:ext cx="725030" cy="261610"/>
+          </a:xfrm>
+          <a:prstGeom prst="rect">
+            <a:avLst/>
+          </a:prstGeom>
+          <a:noFill/>
+        </p:spPr>
+        <p:txBody>
+          <a:bodyPr wrap="square" rtlCol="0">
+            <a:spAutoFit/>
+          </a:bodyPr>
+          <a:lstStyle/>
+          <a:p>
+            <a:pPr algn="ctr"/>
+            <a:r>
+              <a:rPr lang="pt-BR" sz="1100" dirty="0" err="1" smtClean="0"/>
+              <a:t>Sequelize</a:t>
+            </a:r>
+            <a:endParaRPr lang="pt-BR" sz="1100" dirty="0"/>
+          </a:p>
+        </p:txBody>
+      </p:sp>
+      <p:sp>
+        <p:nvSpPr>
+          <p:cNvPr id="87" name="CaixaDeTexto 86">
+            <a:extLst>
+              <a:ext uri="{FF2B5EF4-FFF2-40B4-BE49-F238E27FC236}">
+                <a16:creationId xmlns:a16="http://schemas.microsoft.com/office/drawing/2014/main" id="{493E6E1F-0E69-43E5-B36D-2B8F5592B318}"/>
+              </a:ext>
+            </a:extLst>
+          </p:cNvPr>
+          <p:cNvSpPr txBox="1"/>
+          <p:nvPr/>
+        </p:nvSpPr>
+        <p:spPr>
+          <a:xfrm>
+            <a:off x="423905" y="4642863"/>
+            <a:ext cx="1139071" cy="261610"/>
+          </a:xfrm>
+          <a:prstGeom prst="rect">
+            <a:avLst/>
+          </a:prstGeom>
+          <a:noFill/>
+        </p:spPr>
+        <p:txBody>
+          <a:bodyPr wrap="square" rtlCol="0">
+            <a:spAutoFit/>
+          </a:bodyPr>
+          <a:lstStyle/>
+          <a:p>
+            <a:pPr algn="ctr"/>
+            <a:r>
+              <a:rPr lang="pt-BR" sz="1100" b="1" dirty="0" smtClean="0"/>
+              <a:t>Microsoft Edge</a:t>
+            </a:r>
+            <a:endParaRPr lang="pt-BR" sz="1100" b="1" dirty="0"/>
+          </a:p>
+        </p:txBody>
+      </p:sp>
+      <p:sp>
+        <p:nvSpPr>
+          <p:cNvPr id="90" name="CaixaDeTexto 89">
+            <a:extLst>
+              <a:ext uri="{FF2B5EF4-FFF2-40B4-BE49-F238E27FC236}">
+                <a16:creationId xmlns:a16="http://schemas.microsoft.com/office/drawing/2014/main" id="{493E6E1F-0E69-43E5-B36D-2B8F5592B318}"/>
+              </a:ext>
+            </a:extLst>
+          </p:cNvPr>
+          <p:cNvSpPr txBox="1"/>
+          <p:nvPr/>
+        </p:nvSpPr>
+        <p:spPr>
+          <a:xfrm>
+            <a:off x="10334003" y="2574257"/>
+            <a:ext cx="725030" cy="261610"/>
+          </a:xfrm>
+          <a:prstGeom prst="rect">
+            <a:avLst/>
+          </a:prstGeom>
+          <a:noFill/>
+        </p:spPr>
+        <p:txBody>
+          <a:bodyPr wrap="square" rtlCol="0">
+            <a:spAutoFit/>
+          </a:bodyPr>
+          <a:lstStyle/>
+          <a:p>
+            <a:pPr algn="ctr"/>
+            <a:r>
+              <a:rPr lang="pt-BR" sz="1100" dirty="0" smtClean="0"/>
+              <a:t>OSHI</a:t>
+            </a:r>
+            <a:endParaRPr lang="pt-BR" sz="1100" dirty="0"/>
+          </a:p>
+        </p:txBody>
+      </p:sp>
+      <p:sp>
+        <p:nvSpPr>
+          <p:cNvPr id="97" name="CaixaDeTexto 96">
+            <a:extLst>
+              <a:ext uri="{FF2B5EF4-FFF2-40B4-BE49-F238E27FC236}">
+                <a16:creationId xmlns:a16="http://schemas.microsoft.com/office/drawing/2014/main" id="{493E6E1F-0E69-43E5-B36D-2B8F5592B318}"/>
+              </a:ext>
+            </a:extLst>
+          </p:cNvPr>
+          <p:cNvSpPr txBox="1"/>
+          <p:nvPr/>
+        </p:nvSpPr>
+        <p:spPr>
+          <a:xfrm>
+            <a:off x="10579974" y="2985516"/>
+            <a:ext cx="725030" cy="261610"/>
+          </a:xfrm>
+          <a:prstGeom prst="rect">
+            <a:avLst/>
+          </a:prstGeom>
+          <a:noFill/>
+        </p:spPr>
+        <p:txBody>
+          <a:bodyPr wrap="square" rtlCol="0">
+            <a:spAutoFit/>
+          </a:bodyPr>
+          <a:lstStyle/>
+          <a:p>
+            <a:pPr algn="ctr"/>
+            <a:r>
+              <a:rPr lang="pt-BR" sz="1100" dirty="0" smtClean="0"/>
+              <a:t>Java</a:t>
+            </a:r>
+            <a:endParaRPr lang="pt-BR" sz="1100" dirty="0"/>
+          </a:p>
+        </p:txBody>
+      </p:sp>
+      <p:sp>
+        <p:nvSpPr>
+          <p:cNvPr id="98" name="CaixaDeTexto 97">
+            <a:extLst>
+              <a:ext uri="{FF2B5EF4-FFF2-40B4-BE49-F238E27FC236}">
+                <a16:creationId xmlns:a16="http://schemas.microsoft.com/office/drawing/2014/main" id="{493E6E1F-0E69-43E5-B36D-2B8F5592B318}"/>
+              </a:ext>
+            </a:extLst>
+          </p:cNvPr>
+          <p:cNvSpPr txBox="1"/>
+          <p:nvPr/>
+        </p:nvSpPr>
+        <p:spPr>
+          <a:xfrm>
+            <a:off x="10909385" y="2517508"/>
+            <a:ext cx="725030" cy="261610"/>
+          </a:xfrm>
+          <a:prstGeom prst="rect">
+            <a:avLst/>
+          </a:prstGeom>
+          <a:noFill/>
+        </p:spPr>
+        <p:txBody>
+          <a:bodyPr wrap="square" rtlCol="0">
+            <a:spAutoFit/>
+          </a:bodyPr>
+          <a:lstStyle/>
+          <a:p>
+            <a:pPr algn="ctr"/>
+            <a:r>
+              <a:rPr lang="pt-BR" sz="1100" dirty="0" err="1" smtClean="0"/>
+              <a:t>Ubuntu</a:t>
+            </a:r>
+            <a:endParaRPr lang="pt-BR" sz="1100" dirty="0"/>
+          </a:p>
+        </p:txBody>
+      </p:sp>
+      <p:sp>
+        <p:nvSpPr>
+          <p:cNvPr id="99" name="CaixaDeTexto 98">
+            <a:extLst>
+              <a:ext uri="{FF2B5EF4-FFF2-40B4-BE49-F238E27FC236}">
+                <a16:creationId xmlns:a16="http://schemas.microsoft.com/office/drawing/2014/main" id="{493E6E1F-0E69-43E5-B36D-2B8F5592B318}"/>
+              </a:ext>
+            </a:extLst>
+          </p:cNvPr>
+          <p:cNvSpPr txBox="1"/>
+          <p:nvPr/>
+        </p:nvSpPr>
+        <p:spPr>
+          <a:xfrm>
+            <a:off x="7862691" y="2147335"/>
+            <a:ext cx="725030" cy="261610"/>
+          </a:xfrm>
+          <a:prstGeom prst="rect">
+            <a:avLst/>
+          </a:prstGeom>
+          <a:noFill/>
+        </p:spPr>
+        <p:txBody>
+          <a:bodyPr wrap="square" rtlCol="0">
+            <a:spAutoFit/>
+          </a:bodyPr>
+          <a:lstStyle/>
+          <a:p>
+            <a:pPr algn="ctr"/>
+            <a:r>
+              <a:rPr lang="pt-BR" sz="1100" dirty="0" err="1" smtClean="0"/>
+              <a:t>Discord</a:t>
+            </a:r>
+            <a:endParaRPr lang="pt-BR" sz="1100" dirty="0"/>
+          </a:p>
+        </p:txBody>
+      </p:sp>
+      <p:sp>
+        <p:nvSpPr>
+          <p:cNvPr id="101" name="CaixaDeTexto 100">
+            <a:extLst>
+              <a:ext uri="{FF2B5EF4-FFF2-40B4-BE49-F238E27FC236}">
+                <a16:creationId xmlns:a16="http://schemas.microsoft.com/office/drawing/2014/main" id="{493E6E1F-0E69-43E5-B36D-2B8F5592B318}"/>
+              </a:ext>
+            </a:extLst>
+          </p:cNvPr>
+          <p:cNvSpPr txBox="1"/>
+          <p:nvPr/>
+        </p:nvSpPr>
+        <p:spPr>
+          <a:xfrm>
+            <a:off x="582214" y="5086167"/>
+            <a:ext cx="725030" cy="261610"/>
+          </a:xfrm>
+          <a:prstGeom prst="rect">
+            <a:avLst/>
+          </a:prstGeom>
+          <a:noFill/>
+        </p:spPr>
+        <p:txBody>
+          <a:bodyPr wrap="square" rtlCol="0">
+            <a:spAutoFit/>
+          </a:bodyPr>
+          <a:lstStyle/>
+          <a:p>
+            <a:pPr algn="ctr"/>
+            <a:r>
+              <a:rPr lang="pt-BR" sz="1100" dirty="0" err="1" smtClean="0"/>
+              <a:t>Discord</a:t>
+            </a:r>
+            <a:endParaRPr lang="pt-BR" sz="1100" dirty="0"/>
+          </a:p>
+        </p:txBody>
+      </p:sp>
+      <p:sp>
+        <p:nvSpPr>
+          <p:cNvPr id="104" name="CaixaDeTexto 67">
+            <a:extLst>
+              <a:ext uri="{FF2B5EF4-FFF2-40B4-BE49-F238E27FC236}">
+                <a16:creationId xmlns:a16="http://schemas.microsoft.com/office/drawing/2014/main" id="{E12DD363-B278-4028-B311-35C528C5BD6E}"/>
+              </a:ext>
+            </a:extLst>
+          </p:cNvPr>
+          <p:cNvSpPr txBox="1"/>
+          <p:nvPr/>
+        </p:nvSpPr>
+        <p:spPr>
+          <a:xfrm>
+            <a:off x="1249666" y="5112331"/>
+            <a:ext cx="1005068" cy="261610"/>
+          </a:xfrm>
+          <a:prstGeom prst="rect">
+            <a:avLst/>
+          </a:prstGeom>
+          <a:noFill/>
+        </p:spPr>
+        <p:txBody>
+          <a:bodyPr wrap="square" rtlCol="0">
+            <a:spAutoFit/>
+          </a:bodyPr>
+          <a:lstStyle/>
+          <a:p>
+            <a:pPr algn="ctr"/>
+            <a:r>
+              <a:rPr lang="pt-BR" sz="1100" b="0" i="0" dirty="0">
+                <a:effectLst/>
+              </a:rPr>
+              <a:t>TeamViewer</a:t>
+            </a:r>
+            <a:endParaRPr lang="pt-BR" sz="1100" dirty="0"/>
+          </a:p>
+        </p:txBody>
+      </p:sp>
+      <p:sp>
+        <p:nvSpPr>
+          <p:cNvPr id="105" name="CaixaDeTexto 104">
+            <a:extLst>
+              <a:ext uri="{FF2B5EF4-FFF2-40B4-BE49-F238E27FC236}">
+                <a16:creationId xmlns:a16="http://schemas.microsoft.com/office/drawing/2014/main" id="{493E6E1F-0E69-43E5-B36D-2B8F5592B318}"/>
+              </a:ext>
+            </a:extLst>
+          </p:cNvPr>
+          <p:cNvSpPr txBox="1"/>
+          <p:nvPr/>
+        </p:nvSpPr>
+        <p:spPr>
+          <a:xfrm>
+            <a:off x="11176732" y="5071174"/>
+            <a:ext cx="725030" cy="261610"/>
+          </a:xfrm>
+          <a:prstGeom prst="rect">
+            <a:avLst/>
+          </a:prstGeom>
+          <a:noFill/>
+        </p:spPr>
+        <p:txBody>
+          <a:bodyPr wrap="square" rtlCol="0">
+            <a:spAutoFit/>
+          </a:bodyPr>
+          <a:lstStyle/>
+          <a:p>
+            <a:pPr algn="ctr"/>
+            <a:r>
+              <a:rPr lang="pt-BR" sz="1100" dirty="0" err="1" smtClean="0"/>
+              <a:t>Discord</a:t>
+            </a:r>
+            <a:endParaRPr lang="pt-BR" sz="1100" dirty="0"/>
+          </a:p>
+        </p:txBody>
+      </p:sp>
+      <p:sp>
+        <p:nvSpPr>
+          <p:cNvPr id="110" name="CaixaDeTexto 109">
+            <a:extLst>
+              <a:ext uri="{FF2B5EF4-FFF2-40B4-BE49-F238E27FC236}">
+                <a16:creationId xmlns:a16="http://schemas.microsoft.com/office/drawing/2014/main" id="{493E6E1F-0E69-43E5-B36D-2B8F5592B318}"/>
+              </a:ext>
+            </a:extLst>
+          </p:cNvPr>
+          <p:cNvSpPr txBox="1"/>
+          <p:nvPr/>
+        </p:nvSpPr>
+        <p:spPr>
+          <a:xfrm>
+            <a:off x="11228147" y="4583581"/>
+            <a:ext cx="725030" cy="261610"/>
+          </a:xfrm>
+          <a:prstGeom prst="rect">
+            <a:avLst/>
+          </a:prstGeom>
+          <a:noFill/>
+        </p:spPr>
+        <p:txBody>
+          <a:bodyPr wrap="square" rtlCol="0">
+            <a:spAutoFit/>
+          </a:bodyPr>
+          <a:lstStyle/>
+          <a:p>
+            <a:pPr algn="ctr"/>
+            <a:r>
+              <a:rPr lang="pt-BR" sz="1100" dirty="0" smtClean="0"/>
+              <a:t>Chrome</a:t>
+            </a:r>
+            <a:endParaRPr lang="pt-BR" sz="1100" dirty="0"/>
+          </a:p>
+        </p:txBody>
+      </p:sp>
+      <p:sp>
+        <p:nvSpPr>
+          <p:cNvPr id="111" name="CaixaDeTexto 110">
+            <a:extLst>
+              <a:ext uri="{FF2B5EF4-FFF2-40B4-BE49-F238E27FC236}">
+                <a16:creationId xmlns:a16="http://schemas.microsoft.com/office/drawing/2014/main" id="{493E6E1F-0E69-43E5-B36D-2B8F5592B318}"/>
+              </a:ext>
+            </a:extLst>
+          </p:cNvPr>
+          <p:cNvSpPr txBox="1"/>
+          <p:nvPr/>
+        </p:nvSpPr>
+        <p:spPr>
+          <a:xfrm>
+            <a:off x="10064135" y="4615027"/>
+            <a:ext cx="725030" cy="261610"/>
+          </a:xfrm>
+          <a:prstGeom prst="rect">
+            <a:avLst/>
+          </a:prstGeom>
+          <a:noFill/>
+        </p:spPr>
+        <p:txBody>
+          <a:bodyPr wrap="square" rtlCol="0">
+            <a:spAutoFit/>
+          </a:bodyPr>
+          <a:lstStyle/>
+          <a:p>
+            <a:pPr algn="ctr"/>
+            <a:r>
+              <a:rPr lang="pt-BR" sz="1100" dirty="0" smtClean="0"/>
+              <a:t>Java</a:t>
+            </a:r>
+            <a:endParaRPr lang="pt-BR" sz="1100" dirty="0"/>
+          </a:p>
+        </p:txBody>
+      </p:sp>
+      <p:sp>
+        <p:nvSpPr>
+          <p:cNvPr id="112" name="CaixaDeTexto 111">
+            <a:extLst>
+              <a:ext uri="{FF2B5EF4-FFF2-40B4-BE49-F238E27FC236}">
+                <a16:creationId xmlns:a16="http://schemas.microsoft.com/office/drawing/2014/main" id="{493E6E1F-0E69-43E5-B36D-2B8F5592B318}"/>
+              </a:ext>
+            </a:extLst>
+          </p:cNvPr>
+          <p:cNvSpPr txBox="1"/>
+          <p:nvPr/>
+        </p:nvSpPr>
+        <p:spPr>
+          <a:xfrm>
+            <a:off x="10049723" y="5121264"/>
+            <a:ext cx="725030" cy="261610"/>
+          </a:xfrm>
+          <a:prstGeom prst="rect">
+            <a:avLst/>
+          </a:prstGeom>
+          <a:noFill/>
+        </p:spPr>
+        <p:txBody>
+          <a:bodyPr wrap="square" rtlCol="0">
+            <a:spAutoFit/>
+          </a:bodyPr>
+          <a:lstStyle/>
+          <a:p>
+            <a:pPr algn="ctr"/>
+            <a:r>
+              <a:rPr lang="pt-BR" sz="1100" dirty="0" smtClean="0"/>
+              <a:t>OSHI</a:t>
+            </a:r>
+            <a:endParaRPr lang="pt-BR" sz="1100" dirty="0"/>
+          </a:p>
+        </p:txBody>
+      </p:sp>
+      <p:sp>
+        <p:nvSpPr>
+          <p:cNvPr id="117" name="CaixaDeTexto 116">
+            <a:extLst>
+              <a:ext uri="{FF2B5EF4-FFF2-40B4-BE49-F238E27FC236}">
+                <a16:creationId xmlns:a16="http://schemas.microsoft.com/office/drawing/2014/main" id="{493E6E1F-0E69-43E5-B36D-2B8F5592B318}"/>
+              </a:ext>
+            </a:extLst>
+          </p:cNvPr>
+          <p:cNvSpPr txBox="1"/>
+          <p:nvPr/>
+        </p:nvSpPr>
+        <p:spPr>
+          <a:xfrm>
+            <a:off x="8146245" y="5480437"/>
+            <a:ext cx="725030" cy="261610"/>
+          </a:xfrm>
+          <a:prstGeom prst="rect">
+            <a:avLst/>
+          </a:prstGeom>
+          <a:noFill/>
+        </p:spPr>
+        <p:txBody>
+          <a:bodyPr wrap="square" rtlCol="0">
+            <a:spAutoFit/>
+          </a:bodyPr>
+          <a:lstStyle/>
+          <a:p>
+            <a:pPr algn="ctr"/>
+            <a:r>
+              <a:rPr lang="pt-BR" sz="1100" dirty="0" err="1" smtClean="0"/>
+              <a:t>Discord</a:t>
+            </a:r>
+            <a:endParaRPr lang="pt-BR" sz="1100" dirty="0"/>
+          </a:p>
+        </p:txBody>
+      </p:sp>
+      <p:cxnSp>
+        <p:nvCxnSpPr>
+          <p:cNvPr id="23" name="Conector de Seta Reta 22"/>
+          <p:cNvCxnSpPr/>
+          <p:nvPr/>
+        </p:nvCxnSpPr>
+        <p:spPr>
+          <a:xfrm>
+            <a:off x="8710270" y="4994840"/>
+            <a:ext cx="672274" cy="846225"/>
+          </a:xfrm>
+          <a:prstGeom prst="straightConnector1">
+            <a:avLst/>
+          </a:prstGeom>
+          <a:ln>
+            <a:tailEnd type="triangle"/>
+          </a:ln>
+        </p:spPr>
+        <p:style>
+          <a:lnRef idx="3">
+            <a:schemeClr val="dk1"/>
+          </a:lnRef>
+          <a:fillRef idx="0">
+            <a:schemeClr val="dk1"/>
+          </a:fillRef>
+          <a:effectRef idx="2">
+            <a:schemeClr val="dk1"/>
+          </a:effectRef>
+          <a:fontRef idx="minor">
+            <a:schemeClr val="tx1"/>
+          </a:fontRef>
+        </p:style>
+      </p:cxnSp>
+      <p:cxnSp>
+        <p:nvCxnSpPr>
+          <p:cNvPr id="38" name="Conector de Seta Reta 37"/>
+          <p:cNvCxnSpPr/>
+          <p:nvPr/>
+        </p:nvCxnSpPr>
+        <p:spPr>
+          <a:xfrm flipH="1">
+            <a:off x="7622467" y="5003758"/>
+            <a:ext cx="696786" cy="849159"/>
+          </a:xfrm>
+          <a:prstGeom prst="straightConnector1">
+            <a:avLst/>
+          </a:prstGeom>
+          <a:ln>
+            <a:tailEnd type="triangle"/>
+          </a:ln>
+        </p:spPr>
+        <p:style>
+          <a:lnRef idx="3">
+            <a:schemeClr val="dk1"/>
+          </a:lnRef>
+          <a:fillRef idx="0">
+            <a:schemeClr val="dk1"/>
+          </a:fillRef>
+          <a:effectRef idx="2">
+            <a:schemeClr val="dk1"/>
+          </a:effectRef>
+          <a:fontRef idx="minor">
+            <a:schemeClr val="tx1"/>
+          </a:fontRef>
+        </p:style>
+      </p:cxnSp>
+      <p:sp>
+        <p:nvSpPr>
+          <p:cNvPr id="118" name="CaixaDeTexto 67">
+            <a:extLst>
+              <a:ext uri="{FF2B5EF4-FFF2-40B4-BE49-F238E27FC236}">
+                <a16:creationId xmlns:a16="http://schemas.microsoft.com/office/drawing/2014/main" id="{E12DD363-B278-4028-B311-35C528C5BD6E}"/>
+              </a:ext>
+            </a:extLst>
+          </p:cNvPr>
+          <p:cNvSpPr txBox="1"/>
+          <p:nvPr/>
+        </p:nvSpPr>
+        <p:spPr>
+          <a:xfrm>
+            <a:off x="7069416" y="5860808"/>
+            <a:ext cx="1005068" cy="261610"/>
+          </a:xfrm>
+          <a:prstGeom prst="rect">
+            <a:avLst/>
+          </a:prstGeom>
+          <a:noFill/>
+        </p:spPr>
+        <p:txBody>
+          <a:bodyPr wrap="square" rtlCol="0">
+            <a:spAutoFit/>
+          </a:bodyPr>
+          <a:lstStyle/>
+          <a:p>
+            <a:pPr algn="ctr"/>
+            <a:r>
+              <a:rPr lang="pt-BR" sz="1100" b="0" i="0" dirty="0" err="1" smtClean="0">
+                <a:effectLst/>
+              </a:rPr>
+              <a:t>Android</a:t>
+            </a:r>
+            <a:endParaRPr lang="pt-BR" sz="1100" dirty="0"/>
+          </a:p>
+        </p:txBody>
+      </p:sp>
+      <p:sp>
+        <p:nvSpPr>
+          <p:cNvPr id="119" name="CaixaDeTexto 67">
+            <a:extLst>
+              <a:ext uri="{FF2B5EF4-FFF2-40B4-BE49-F238E27FC236}">
+                <a16:creationId xmlns:a16="http://schemas.microsoft.com/office/drawing/2014/main" id="{E12DD363-B278-4028-B311-35C528C5BD6E}"/>
+              </a:ext>
+            </a:extLst>
+          </p:cNvPr>
+          <p:cNvSpPr txBox="1"/>
+          <p:nvPr/>
+        </p:nvSpPr>
+        <p:spPr>
+          <a:xfrm>
+            <a:off x="8929558" y="5877537"/>
+            <a:ext cx="1005068" cy="261610"/>
+          </a:xfrm>
+          <a:prstGeom prst="rect">
+            <a:avLst/>
+          </a:prstGeom>
+          <a:noFill/>
+        </p:spPr>
+        <p:txBody>
+          <a:bodyPr wrap="square" rtlCol="0">
+            <a:spAutoFit/>
+          </a:bodyPr>
+          <a:lstStyle/>
+          <a:p>
+            <a:pPr algn="ctr"/>
+            <a:r>
+              <a:rPr lang="pt-BR" sz="1100" dirty="0" smtClean="0"/>
+              <a:t>IOS</a:t>
+            </a:r>
+            <a:endParaRPr lang="pt-BR" sz="1100" dirty="0"/>
+          </a:p>
+        </p:txBody>
+      </p:sp>
+      <p:sp>
+        <p:nvSpPr>
+          <p:cNvPr id="120" name="CaixaDeTexto 119">
+            <a:extLst>
+              <a:ext uri="{FF2B5EF4-FFF2-40B4-BE49-F238E27FC236}">
+                <a16:creationId xmlns:a16="http://schemas.microsoft.com/office/drawing/2014/main" id="{493E6E1F-0E69-43E5-B36D-2B8F5592B318}"/>
+              </a:ext>
+            </a:extLst>
+          </p:cNvPr>
+          <p:cNvSpPr txBox="1"/>
+          <p:nvPr/>
+        </p:nvSpPr>
+        <p:spPr>
+          <a:xfrm>
+            <a:off x="10637668" y="4589818"/>
+            <a:ext cx="795558" cy="430887"/>
+          </a:xfrm>
+          <a:prstGeom prst="rect">
+            <a:avLst/>
+          </a:prstGeom>
+          <a:noFill/>
+        </p:spPr>
+        <p:txBody>
+          <a:bodyPr wrap="square" rtlCol="0">
+            <a:spAutoFit/>
+          </a:bodyPr>
+          <a:lstStyle/>
+          <a:p>
+            <a:pPr algn="ctr"/>
+            <a:r>
+              <a:rPr lang="pt-BR" sz="1100" b="1" dirty="0" smtClean="0"/>
+              <a:t>Microsoft Edge</a:t>
+            </a:r>
+            <a:endParaRPr lang="pt-BR" sz="1100" b="1" dirty="0"/>
+          </a:p>
+        </p:txBody>
+      </p:sp>
     </p:spTree>
     <p:extLst>
       <p:ext uri="{BB962C8B-B14F-4D97-AF65-F5344CB8AC3E}">
@@ -6829,6 +8000,13 @@
   <p:clrMapOvr>
     <a:masterClrMapping/>
   </p:clrMapOvr>
+  <p:timing>
+    <p:tnLst>
+      <p:par>
+        <p:cTn id="1" dur="indefinite" restart="never" nodeType="tmRoot"/>
+      </p:par>
+    </p:tnLst>
+  </p:timing>
 </p:sld>
 </file>
 
